--- a/doc/StationMeteo_Soutenance_Stephane.pptx
+++ b/doc/StationMeteo_Soutenance_Stephane.pptx
@@ -5,10 +5,10 @@
     <p:sldMasterId id="2147483673" r:id="rId1"/>
   </p:sldMasterIdLst>
   <p:notesMasterIdLst>
-    <p:notesMasterId r:id="rId37"/>
+    <p:notesMasterId r:id="rId44"/>
   </p:notesMasterIdLst>
   <p:handoutMasterIdLst>
-    <p:handoutMasterId r:id="rId38"/>
+    <p:handoutMasterId r:id="rId45"/>
   </p:handoutMasterIdLst>
   <p:sldIdLst>
     <p:sldId id="257" r:id="rId2"/>
@@ -35,17 +35,24 @@
     <p:sldId id="282" r:id="rId23"/>
     <p:sldId id="284" r:id="rId24"/>
     <p:sldId id="283" r:id="rId25"/>
-    <p:sldId id="267" r:id="rId26"/>
-    <p:sldId id="294" r:id="rId27"/>
-    <p:sldId id="296" r:id="rId28"/>
-    <p:sldId id="297" r:id="rId29"/>
-    <p:sldId id="295" r:id="rId30"/>
-    <p:sldId id="291" r:id="rId31"/>
-    <p:sldId id="292" r:id="rId32"/>
-    <p:sldId id="293" r:id="rId33"/>
-    <p:sldId id="269" r:id="rId34"/>
-    <p:sldId id="271" r:id="rId35"/>
-    <p:sldId id="270" r:id="rId36"/>
+    <p:sldId id="298" r:id="rId26"/>
+    <p:sldId id="299" r:id="rId27"/>
+    <p:sldId id="267" r:id="rId28"/>
+    <p:sldId id="301" r:id="rId29"/>
+    <p:sldId id="294" r:id="rId30"/>
+    <p:sldId id="296" r:id="rId31"/>
+    <p:sldId id="297" r:id="rId32"/>
+    <p:sldId id="300" r:id="rId33"/>
+    <p:sldId id="304" r:id="rId34"/>
+    <p:sldId id="303" r:id="rId35"/>
+    <p:sldId id="305" r:id="rId36"/>
+    <p:sldId id="306" r:id="rId37"/>
+    <p:sldId id="307" r:id="rId38"/>
+    <p:sldId id="308" r:id="rId39"/>
+    <p:sldId id="302" r:id="rId40"/>
+    <p:sldId id="269" r:id="rId41"/>
+    <p:sldId id="271" r:id="rId42"/>
+    <p:sldId id="270" r:id="rId43"/>
   </p:sldIdLst>
   <p:sldSz cx="12192000" cy="6858000"/>
   <p:notesSz cx="6858000" cy="9144000"/>
@@ -6759,7 +6766,7 @@
         </p:nvSpPr>
         <p:spPr>
           <a:xfrm>
-            <a:off x="1019385" y="1974376"/>
+            <a:off x="1032585" y="2234336"/>
             <a:ext cx="1252847" cy="457200"/>
           </a:xfrm>
           <a:prstGeom prst="rect">
@@ -6809,9 +6816,9 @@
           <p:nvPr/>
         </p:nvCxnSpPr>
         <p:spPr>
-          <a:xfrm>
-            <a:off x="2272232" y="2202976"/>
-            <a:ext cx="1407227" cy="0"/>
+          <a:xfrm flipV="1">
+            <a:off x="2285432" y="2202976"/>
+            <a:ext cx="1394027" cy="259960"/>
           </a:xfrm>
           <a:prstGeom prst="straightConnector1">
             <a:avLst/>
@@ -7997,6 +8004,97 @@
           </a:fillRef>
           <a:effectRef idx="2">
             <a:schemeClr val="accent3"/>
+          </a:effectRef>
+          <a:fontRef idx="minor">
+            <a:schemeClr val="tx1"/>
+          </a:fontRef>
+        </p:style>
+      </p:cxnSp>
+      <p:sp>
+        <p:nvSpPr>
+          <p:cNvPr id="41" name="Rectangle 40">
+            <a:extLst>
+              <a:ext uri="{FF2B5EF4-FFF2-40B4-BE49-F238E27FC236}">
+                <a16:creationId xmlns:a16="http://schemas.microsoft.com/office/drawing/2014/main" id="{AC0BC03B-925E-407D-A35B-85CBDFD57E55}"/>
+              </a:ext>
+            </a:extLst>
+          </p:cNvPr>
+          <p:cNvSpPr/>
+          <p:nvPr/>
+        </p:nvSpPr>
+        <p:spPr>
+          <a:xfrm>
+            <a:off x="1032585" y="1610931"/>
+            <a:ext cx="1252847" cy="457200"/>
+          </a:xfrm>
+          <a:prstGeom prst="rect">
+            <a:avLst/>
+          </a:prstGeom>
+        </p:spPr>
+        <p:style>
+          <a:lnRef idx="0">
+            <a:schemeClr val="accent4"/>
+          </a:lnRef>
+          <a:fillRef idx="3">
+            <a:schemeClr val="accent4"/>
+          </a:fillRef>
+          <a:effectRef idx="3">
+            <a:schemeClr val="accent4"/>
+          </a:effectRef>
+          <a:fontRef idx="minor">
+            <a:schemeClr val="lt1"/>
+          </a:fontRef>
+        </p:style>
+        <p:txBody>
+          <a:bodyPr rtlCol="0" anchor="ctr"/>
+          <a:lstStyle/>
+          <a:p>
+            <a:pPr algn="ctr"/>
+            <a:r>
+              <a:rPr lang="fr-FR" sz="1400" dirty="0" err="1"/>
+              <a:t>Timer</a:t>
+            </a:r>
+            <a:endParaRPr lang="fr-FR" sz="1400" dirty="0"/>
+          </a:p>
+        </p:txBody>
+      </p:sp>
+      <p:cxnSp>
+        <p:nvCxnSpPr>
+          <p:cNvPr id="42" name="Connecteur droit avec flèche 41">
+            <a:extLst>
+              <a:ext uri="{FF2B5EF4-FFF2-40B4-BE49-F238E27FC236}">
+                <a16:creationId xmlns:a16="http://schemas.microsoft.com/office/drawing/2014/main" id="{5CAFDB9D-9EF1-4262-8B1F-54769015BCBF}"/>
+              </a:ext>
+            </a:extLst>
+          </p:cNvPr>
+          <p:cNvCxnSpPr>
+            <a:cxnSpLocks/>
+            <a:stCxn id="41" idx="3"/>
+            <a:endCxn id="7" idx="1"/>
+          </p:cNvCxnSpPr>
+          <p:nvPr/>
+        </p:nvCxnSpPr>
+        <p:spPr>
+          <a:xfrm>
+            <a:off x="2285432" y="1839531"/>
+            <a:ext cx="1394027" cy="363445"/>
+          </a:xfrm>
+          <a:prstGeom prst="straightConnector1">
+            <a:avLst/>
+          </a:prstGeom>
+          <a:ln w="57150">
+            <a:tailEnd type="triangle"/>
+          </a:ln>
+        </p:spPr>
+        <p:style>
+          <a:lnRef idx="3">
+            <a:schemeClr val="accent4"/>
+          </a:lnRef>
+          <a:fillRef idx="0">
+            <a:schemeClr val="accent4"/>
+          </a:fillRef>
+          <a:effectRef idx="2">
+            <a:schemeClr val="accent4"/>
           </a:effectRef>
           <a:fontRef idx="minor">
             <a:schemeClr val="tx1"/>
@@ -10791,7 +10889,7 @@
         <p:spPr>
           <a:xfrm>
             <a:off x="2036618" y="1941616"/>
-            <a:ext cx="6000361" cy="3693319"/>
+            <a:ext cx="6000361" cy="4247317"/>
           </a:xfrm>
           <a:prstGeom prst="rect">
             <a:avLst/>
@@ -10819,14 +10917,30 @@
           <a:p>
             <a:r>
               <a:rPr lang="fr-FR" dirty="0"/>
+              <a:t>c/</a:t>
+            </a:r>
+            <a:r>
+              <a:rPr lang="fr-FR" dirty="0" err="1"/>
+              <a:t>c++</a:t>
+            </a:r>
+            <a:endParaRPr lang="fr-FR" dirty="0"/>
+          </a:p>
+          <a:p>
+            <a:r>
+              <a:rPr lang="fr-FR" dirty="0"/>
               <a:t>Powerpoint</a:t>
             </a:r>
           </a:p>
           <a:p>
             <a:r>
               <a:rPr lang="fr-FR" dirty="0"/>
-              <a:t>Framework QT</a:t>
-            </a:r>
+              <a:t>Framework QT fait </a:t>
+            </a:r>
+            <a:r>
+              <a:rPr lang="fr-FR" dirty="0" err="1"/>
+              <a:t>c++</a:t>
+            </a:r>
+            <a:endParaRPr lang="fr-FR" dirty="0"/>
           </a:p>
           <a:p>
             <a:r>
@@ -10915,6 +11029,16 @@
             <a:r>
               <a:rPr lang="fr-FR" dirty="0"/>
               <a:t> Web</a:t>
+            </a:r>
+          </a:p>
+          <a:p>
+            <a:r>
+              <a:rPr lang="fr-FR" dirty="0" err="1"/>
+              <a:t>Communciation</a:t>
+            </a:r>
+            <a:r>
+              <a:rPr lang="fr-FR" dirty="0"/>
+              <a:t> HTTP (HyperText Transfer Protocol)</a:t>
             </a:r>
           </a:p>
         </p:txBody>
@@ -13273,10 +13397,10 @@
       </p:grpSpPr>
       <p:sp>
         <p:nvSpPr>
-          <p:cNvPr id="5" name="Titre 4">
-            <a:extLst>
-              <a:ext uri="{FF2B5EF4-FFF2-40B4-BE49-F238E27FC236}">
-                <a16:creationId xmlns:a16="http://schemas.microsoft.com/office/drawing/2014/main" id="{B535D397-2E1B-4C1E-A392-E2A43916D949}"/>
+          <p:cNvPr id="2" name="Titre 1">
+            <a:extLst>
+              <a:ext uri="{FF2B5EF4-FFF2-40B4-BE49-F238E27FC236}">
+                <a16:creationId xmlns:a16="http://schemas.microsoft.com/office/drawing/2014/main" id="{5CB7FC69-8C2D-4CBF-82E8-9C7E40BE696B}"/>
               </a:ext>
             </a:extLst>
           </p:cNvPr>
@@ -13284,56 +13408,25 @@
             <a:spLocks noGrp="1"/>
           </p:cNvSpPr>
           <p:nvPr>
-            <p:ph type="ctrTitle"/>
+            <p:ph type="title"/>
           </p:nvPr>
         </p:nvSpPr>
-        <p:spPr/>
-        <p:txBody>
-          <a:bodyPr/>
-          <a:lstStyle/>
-          <a:p>
-            <a:r>
-              <a:rPr lang="fr-FR" dirty="0"/>
-              <a:t>CONCEPTION</a:t>
-            </a:r>
-            <a:br>
-              <a:rPr lang="fr-FR" dirty="0"/>
-            </a:br>
-            <a:r>
-              <a:rPr lang="fr-FR" dirty="0"/>
-              <a:t>MISE AU POINT</a:t>
-            </a:r>
-          </a:p>
-        </p:txBody>
-      </p:sp>
-      <p:sp>
-        <p:nvSpPr>
-          <p:cNvPr id="6" name="Sous-titre 5">
-            <a:extLst>
-              <a:ext uri="{FF2B5EF4-FFF2-40B4-BE49-F238E27FC236}">
-                <a16:creationId xmlns:a16="http://schemas.microsoft.com/office/drawing/2014/main" id="{42DF712F-84EC-48F3-B510-83E590DD97F0}"/>
-              </a:ext>
-            </a:extLst>
-          </p:cNvPr>
-          <p:cNvSpPr>
-            <a:spLocks noGrp="1"/>
-          </p:cNvSpPr>
-          <p:nvPr>
-            <p:ph type="subTitle" idx="1"/>
-          </p:nvPr>
-        </p:nvSpPr>
-        <p:spPr/>
-        <p:txBody>
-          <a:bodyPr/>
-          <a:lstStyle/>
-          <a:p>
-            <a:r>
-              <a:rPr lang="fr-FR" dirty="0"/>
-              <a:t>IMPLEMENTATION ITERATIVE / TESTS / DEBUG / AJOUT DE FONCTIONALITES</a:t>
-            </a:r>
-          </a:p>
-          <a:p>
-            <a:endParaRPr lang="fr-FR" dirty="0"/>
+        <p:spPr>
+          <a:xfrm>
+            <a:off x="1066800" y="642594"/>
+            <a:ext cx="10058400" cy="778512"/>
+          </a:xfrm>
+        </p:spPr>
+        <p:txBody>
+          <a:bodyPr>
+            <a:normAutofit/>
+          </a:bodyPr>
+          <a:lstStyle/>
+          <a:p>
+            <a:r>
+              <a:rPr lang="fr-FR" dirty="0"/>
+              <a:t>Diverses Idées design</a:t>
+            </a:r>
           </a:p>
         </p:txBody>
       </p:sp>
@@ -13342,7 +13435,7 @@
           <p:cNvPr id="4" name="Espace réservé de la date 3">
             <a:extLst>
               <a:ext uri="{FF2B5EF4-FFF2-40B4-BE49-F238E27FC236}">
-                <a16:creationId xmlns:a16="http://schemas.microsoft.com/office/drawing/2014/main" id="{030B0D3A-6441-43DC-BDBC-2E9EE16205E9}"/>
+                <a16:creationId xmlns:a16="http://schemas.microsoft.com/office/drawing/2014/main" id="{5819DC34-F5FA-4B1A-ACC6-0FF1EB3AD454}"/>
               </a:ext>
             </a:extLst>
           </p:cNvPr>
@@ -13367,10 +13460,146 @@
           </a:p>
         </p:txBody>
       </p:sp>
+      <p:pic>
+        <p:nvPicPr>
+          <p:cNvPr id="14" name="Image 13">
+            <a:extLst>
+              <a:ext uri="{FF2B5EF4-FFF2-40B4-BE49-F238E27FC236}">
+                <a16:creationId xmlns:a16="http://schemas.microsoft.com/office/drawing/2014/main" id="{C56D7ECA-0253-4BF0-A4C7-31F6750122C6}"/>
+              </a:ext>
+            </a:extLst>
+          </p:cNvPr>
+          <p:cNvPicPr>
+            <a:picLocks noChangeAspect="1"/>
+          </p:cNvPicPr>
+          <p:nvPr/>
+        </p:nvPicPr>
+        <p:blipFill>
+          <a:blip r:embed="rId2"/>
+          <a:stretch>
+            <a:fillRect/>
+          </a:stretch>
+        </p:blipFill>
+        <p:spPr>
+          <a:xfrm>
+            <a:off x="564644" y="2597596"/>
+            <a:ext cx="4846041" cy="2829940"/>
+          </a:xfrm>
+          <a:prstGeom prst="rect">
+            <a:avLst/>
+          </a:prstGeom>
+        </p:spPr>
+      </p:pic>
+      <p:pic>
+        <p:nvPicPr>
+          <p:cNvPr id="16" name="Image 15">
+            <a:extLst>
+              <a:ext uri="{FF2B5EF4-FFF2-40B4-BE49-F238E27FC236}">
+                <a16:creationId xmlns:a16="http://schemas.microsoft.com/office/drawing/2014/main" id="{37775F9E-6DB1-4EAB-BDB2-932110E8DCBB}"/>
+              </a:ext>
+            </a:extLst>
+          </p:cNvPr>
+          <p:cNvPicPr>
+            <a:picLocks noChangeAspect="1"/>
+          </p:cNvPicPr>
+          <p:nvPr/>
+        </p:nvPicPr>
+        <p:blipFill>
+          <a:blip r:embed="rId3"/>
+          <a:stretch>
+            <a:fillRect/>
+          </a:stretch>
+        </p:blipFill>
+        <p:spPr>
+          <a:xfrm>
+            <a:off x="6401692" y="2719903"/>
+            <a:ext cx="4723508" cy="3205526"/>
+          </a:xfrm>
+          <a:prstGeom prst="rect">
+            <a:avLst/>
+          </a:prstGeom>
+        </p:spPr>
+      </p:pic>
+      <p:sp>
+        <p:nvSpPr>
+          <p:cNvPr id="17" name="ZoneTexte 16">
+            <a:extLst>
+              <a:ext uri="{FF2B5EF4-FFF2-40B4-BE49-F238E27FC236}">
+                <a16:creationId xmlns:a16="http://schemas.microsoft.com/office/drawing/2014/main" id="{53805FAF-31EE-49D5-AB90-2B12CDB93720}"/>
+              </a:ext>
+            </a:extLst>
+          </p:cNvPr>
+          <p:cNvSpPr txBox="1"/>
+          <p:nvPr/>
+        </p:nvSpPr>
+        <p:spPr>
+          <a:xfrm>
+            <a:off x="1543414" y="1686185"/>
+            <a:ext cx="2662908" cy="646331"/>
+          </a:xfrm>
+          <a:prstGeom prst="rect">
+            <a:avLst/>
+          </a:prstGeom>
+          <a:noFill/>
+        </p:spPr>
+        <p:txBody>
+          <a:bodyPr wrap="none" rtlCol="0">
+            <a:spAutoFit/>
+          </a:bodyPr>
+          <a:lstStyle/>
+          <a:p>
+            <a:r>
+              <a:rPr lang="fr-FR" dirty="0"/>
+              <a:t>Nuances de Couleurs </a:t>
+            </a:r>
+          </a:p>
+          <a:p>
+            <a:r>
+              <a:rPr lang="fr-FR" dirty="0"/>
+              <a:t>pour thème jour / nuit</a:t>
+            </a:r>
+          </a:p>
+        </p:txBody>
+      </p:sp>
+      <p:sp>
+        <p:nvSpPr>
+          <p:cNvPr id="18" name="ZoneTexte 17">
+            <a:extLst>
+              <a:ext uri="{FF2B5EF4-FFF2-40B4-BE49-F238E27FC236}">
+                <a16:creationId xmlns:a16="http://schemas.microsoft.com/office/drawing/2014/main" id="{3204B814-4CE3-4F94-8574-0370F521DEE9}"/>
+              </a:ext>
+            </a:extLst>
+          </p:cNvPr>
+          <p:cNvSpPr txBox="1"/>
+          <p:nvPr/>
+        </p:nvSpPr>
+        <p:spPr>
+          <a:xfrm>
+            <a:off x="7389334" y="1963184"/>
+            <a:ext cx="2895344" cy="369332"/>
+          </a:xfrm>
+          <a:prstGeom prst="rect">
+            <a:avLst/>
+          </a:prstGeom>
+          <a:noFill/>
+        </p:spPr>
+        <p:txBody>
+          <a:bodyPr wrap="none" rtlCol="0">
+            <a:spAutoFit/>
+          </a:bodyPr>
+          <a:lstStyle/>
+          <a:p>
+            <a:r>
+              <a:rPr lang="fr-FR" dirty="0"/>
+              <a:t>Idée de Graphique sexy</a:t>
+            </a:r>
+          </a:p>
+        </p:txBody>
+      </p:sp>
     </p:spTree>
     <p:extLst>
       <p:ext uri="{BB962C8B-B14F-4D97-AF65-F5344CB8AC3E}">
-        <p14:creationId xmlns:p14="http://schemas.microsoft.com/office/powerpoint/2010/main" val="4081931665"/>
+        <p14:creationId xmlns:p14="http://schemas.microsoft.com/office/powerpoint/2010/main" val="750494817"/>
       </p:ext>
     </p:extLst>
   </p:cSld>
@@ -13399,10 +13628,10 @@
       </p:grpSpPr>
       <p:sp>
         <p:nvSpPr>
-          <p:cNvPr id="3" name="Espace réservé du contenu 2">
-            <a:extLst>
-              <a:ext uri="{FF2B5EF4-FFF2-40B4-BE49-F238E27FC236}">
-                <a16:creationId xmlns:a16="http://schemas.microsoft.com/office/drawing/2014/main" id="{5837093E-200E-45C2-A38D-202DB399C72A}"/>
+          <p:cNvPr id="2" name="Titre 1">
+            <a:extLst>
+              <a:ext uri="{FF2B5EF4-FFF2-40B4-BE49-F238E27FC236}">
+                <a16:creationId xmlns:a16="http://schemas.microsoft.com/office/drawing/2014/main" id="{5CB7FC69-8C2D-4CBF-82E8-9C7E40BE696B}"/>
               </a:ext>
             </a:extLst>
           </p:cNvPr>
@@ -13410,170 +13639,23 @@
             <a:spLocks noGrp="1"/>
           </p:cNvSpPr>
           <p:nvPr>
-            <p:ph idx="1"/>
+            <p:ph type="title"/>
           </p:nvPr>
         </p:nvSpPr>
         <p:spPr>
           <a:xfrm>
-            <a:off x="1066800" y="1300348"/>
-            <a:ext cx="10058400" cy="4652396"/>
-          </a:xfrm>
-        </p:spPr>
-        <p:txBody>
-          <a:bodyPr>
-            <a:normAutofit/>
-          </a:bodyPr>
-          <a:lstStyle/>
-          <a:p>
-            <a:pPr lvl="2"/>
-            <a:endParaRPr lang="fr-FR" dirty="0"/>
-          </a:p>
-          <a:p>
-            <a:pPr marL="777240" lvl="2" indent="-228600">
-              <a:buFont typeface="+mj-lt"/>
-              <a:buAutoNum type="arabicPeriod"/>
-            </a:pPr>
-            <a:r>
-              <a:rPr lang="fr-FR" dirty="0"/>
-              <a:t>Création d’un projet cross platform UNIX/WINDOWS</a:t>
-            </a:r>
-          </a:p>
-          <a:p>
-            <a:pPr marL="777240" lvl="2" indent="-228600">
-              <a:buFont typeface="+mj-lt"/>
-              <a:buAutoNum type="arabicPeriod"/>
-            </a:pPr>
-            <a:r>
-              <a:rPr lang="fr-FR" dirty="0"/>
-              <a:t>Tester le déploiement coté </a:t>
-            </a:r>
-            <a:r>
-              <a:rPr lang="fr-FR" dirty="0" err="1"/>
-              <a:t>Window</a:t>
-            </a:r>
-            <a:r>
-              <a:rPr lang="fr-FR" dirty="0"/>
-              <a:t> et Linux pour valider la viabilité projet</a:t>
-            </a:r>
-          </a:p>
-          <a:p>
-            <a:pPr marL="777240" lvl="2" indent="-228600">
-              <a:buFont typeface="+mj-lt"/>
-              <a:buAutoNum type="arabicPeriod"/>
-            </a:pPr>
-            <a:r>
-              <a:rPr lang="fr-FR" dirty="0"/>
-              <a:t>Sur Windows :</a:t>
-            </a:r>
-          </a:p>
-          <a:p>
-            <a:pPr marL="822960" lvl="3" indent="0">
-              <a:buNone/>
-            </a:pPr>
-            <a:r>
-              <a:rPr lang="fr-FR" dirty="0"/>
-              <a:t>3.1 Mettre en place les diffèrent modules </a:t>
-            </a:r>
-          </a:p>
-          <a:p>
-            <a:pPr marL="822960" lvl="3" indent="0">
-              <a:buNone/>
-            </a:pPr>
-            <a:r>
-              <a:rPr lang="fr-FR" dirty="0"/>
-              <a:t>3.2 Créer la logique d’interconnexion des différents modules</a:t>
-            </a:r>
-          </a:p>
-          <a:p>
-            <a:pPr marL="822960" lvl="3" indent="0">
-              <a:buNone/>
-            </a:pPr>
-            <a:r>
-              <a:rPr lang="fr-FR" dirty="0"/>
-              <a:t>3.3 Mettre au point les modules possible (le capteur n’est pas dispo sur Windows) avec navigateurs externe en IP locale</a:t>
-            </a:r>
-          </a:p>
-          <a:p>
-            <a:pPr marL="822960" lvl="3" indent="0">
-              <a:buNone/>
-            </a:pPr>
-            <a:r>
-              <a:rPr lang="fr-FR" dirty="0"/>
-              <a:t>3.4 Identifier les cas possible de mise en échec.</a:t>
-            </a:r>
-          </a:p>
-          <a:p>
-            <a:pPr marL="822960" lvl="3" indent="0">
-              <a:buNone/>
-            </a:pPr>
-            <a:r>
-              <a:rPr lang="fr-FR" dirty="0"/>
-              <a:t>3.5 Mettre en place les système de récupération/traitement d’erreurs</a:t>
-            </a:r>
-          </a:p>
-          <a:p>
-            <a:pPr marL="822960" lvl="3" indent="0">
-              <a:buNone/>
-            </a:pPr>
-            <a:r>
-              <a:rPr lang="fr-FR" dirty="0"/>
-              <a:t>3.6 Profilage / analyse des fuites mémoire</a:t>
-            </a:r>
-          </a:p>
-          <a:p>
-            <a:pPr marL="548640" lvl="2" indent="0">
-              <a:buNone/>
-            </a:pPr>
-            <a:r>
-              <a:rPr lang="fr-FR" dirty="0"/>
-              <a:t>4. Sur Linux :</a:t>
-            </a:r>
-          </a:p>
-          <a:p>
-            <a:pPr marL="822960" lvl="3" indent="0">
-              <a:buNone/>
-            </a:pPr>
-            <a:r>
-              <a:rPr lang="fr-FR" dirty="0"/>
-              <a:t>4.1 Mettre au point le module du capteur</a:t>
-            </a:r>
-          </a:p>
-          <a:p>
-            <a:pPr marL="822960" lvl="3" indent="0">
-              <a:buNone/>
-            </a:pPr>
-            <a:r>
-              <a:rPr lang="fr-FR" dirty="0"/>
-              <a:t>4.2 Tester l’accès au données depuis l’extérieur du Raspberry pi</a:t>
-            </a:r>
-          </a:p>
-          <a:p>
-            <a:pPr marL="822960" lvl="3" indent="0">
-              <a:buNone/>
-            </a:pPr>
-            <a:r>
-              <a:rPr lang="fr-FR" dirty="0"/>
-              <a:t>4.3 Tester l’utilisation du serveur via la ligne de commande</a:t>
-            </a:r>
-          </a:p>
-          <a:p>
-            <a:pPr marL="822960" lvl="3" indent="0">
-              <a:buNone/>
-            </a:pPr>
-            <a:r>
-              <a:rPr lang="fr-FR" dirty="0"/>
-              <a:t>4.4 Installer le serveur en tant que service</a:t>
-            </a:r>
-          </a:p>
-          <a:p>
-            <a:pPr lvl="3"/>
-            <a:endParaRPr lang="fr-FR" dirty="0"/>
-          </a:p>
-          <a:p>
-            <a:pPr marL="0" indent="0">
-              <a:buNone/>
-            </a:pPr>
-            <a:endParaRPr lang="fr-FR" dirty="0"/>
+            <a:off x="1066800" y="642594"/>
+            <a:ext cx="10058400" cy="778512"/>
+          </a:xfrm>
+        </p:spPr>
+        <p:txBody>
+          <a:bodyPr/>
+          <a:lstStyle/>
+          <a:p>
+            <a:r>
+              <a:rPr lang="fr-FR" dirty="0"/>
+              <a:t>Designs similaire d’application météo</a:t>
+            </a:r>
           </a:p>
         </p:txBody>
       </p:sp>
@@ -13582,7 +13664,7 @@
           <p:cNvPr id="4" name="Espace réservé de la date 3">
             <a:extLst>
               <a:ext uri="{FF2B5EF4-FFF2-40B4-BE49-F238E27FC236}">
-                <a16:creationId xmlns:a16="http://schemas.microsoft.com/office/drawing/2014/main" id="{60BDC591-8D09-4D49-88A2-408CD1604F69}"/>
+                <a16:creationId xmlns:a16="http://schemas.microsoft.com/office/drawing/2014/main" id="{5819DC34-F5FA-4B1A-ACC6-0FF1EB3AD454}"/>
               </a:ext>
             </a:extLst>
           </p:cNvPr>
@@ -13607,45 +13689,70 @@
           </a:p>
         </p:txBody>
       </p:sp>
-      <p:sp>
-        <p:nvSpPr>
-          <p:cNvPr id="2" name="Titre 1">
-            <a:extLst>
-              <a:ext uri="{FF2B5EF4-FFF2-40B4-BE49-F238E27FC236}">
-                <a16:creationId xmlns:a16="http://schemas.microsoft.com/office/drawing/2014/main" id="{EA53D9FC-3044-40B7-A8EB-EAB80F26D6FE}"/>
-              </a:ext>
-            </a:extLst>
-          </p:cNvPr>
-          <p:cNvSpPr>
-            <a:spLocks noGrp="1"/>
-          </p:cNvSpPr>
-          <p:nvPr>
-            <p:ph type="title"/>
-          </p:nvPr>
-        </p:nvSpPr>
-        <p:spPr>
-          <a:xfrm>
-            <a:off x="1066800" y="642594"/>
-            <a:ext cx="10058400" cy="556814"/>
-          </a:xfrm>
-        </p:spPr>
-        <p:txBody>
-          <a:bodyPr>
-            <a:normAutofit fontScale="90000"/>
-          </a:bodyPr>
-          <a:lstStyle/>
-          <a:p>
-            <a:r>
-              <a:rPr lang="fr-FR" dirty="0"/>
-              <a:t>Conception du Serveur : les grande étapes</a:t>
-            </a:r>
-          </a:p>
-        </p:txBody>
-      </p:sp>
+      <p:pic>
+        <p:nvPicPr>
+          <p:cNvPr id="8" name="Image 7">
+            <a:extLst>
+              <a:ext uri="{FF2B5EF4-FFF2-40B4-BE49-F238E27FC236}">
+                <a16:creationId xmlns:a16="http://schemas.microsoft.com/office/drawing/2014/main" id="{57E6C3A0-E076-4845-AB38-31C048515923}"/>
+              </a:ext>
+            </a:extLst>
+          </p:cNvPr>
+          <p:cNvPicPr>
+            <a:picLocks noChangeAspect="1"/>
+          </p:cNvPicPr>
+          <p:nvPr/>
+        </p:nvPicPr>
+        <p:blipFill>
+          <a:blip r:embed="rId2"/>
+          <a:stretch>
+            <a:fillRect/>
+          </a:stretch>
+        </p:blipFill>
+        <p:spPr>
+          <a:xfrm>
+            <a:off x="6738603" y="1421106"/>
+            <a:ext cx="4798477" cy="2489645"/>
+          </a:xfrm>
+          <a:prstGeom prst="rect">
+            <a:avLst/>
+          </a:prstGeom>
+        </p:spPr>
+      </p:pic>
+      <p:pic>
+        <p:nvPicPr>
+          <p:cNvPr id="10" name="Image 9">
+            <a:extLst>
+              <a:ext uri="{FF2B5EF4-FFF2-40B4-BE49-F238E27FC236}">
+                <a16:creationId xmlns:a16="http://schemas.microsoft.com/office/drawing/2014/main" id="{467788DA-A21E-433B-B5E6-C01C99779CED}"/>
+              </a:ext>
+            </a:extLst>
+          </p:cNvPr>
+          <p:cNvPicPr>
+            <a:picLocks noChangeAspect="1"/>
+          </p:cNvPicPr>
+          <p:nvPr/>
+        </p:nvPicPr>
+        <p:blipFill>
+          <a:blip r:embed="rId3"/>
+          <a:stretch>
+            <a:fillRect/>
+          </a:stretch>
+        </p:blipFill>
+        <p:spPr>
+          <a:xfrm>
+            <a:off x="486200" y="1421106"/>
+            <a:ext cx="6161454" cy="4979694"/>
+          </a:xfrm>
+          <a:prstGeom prst="rect">
+            <a:avLst/>
+          </a:prstGeom>
+        </p:spPr>
+      </p:pic>
     </p:spTree>
     <p:extLst>
       <p:ext uri="{BB962C8B-B14F-4D97-AF65-F5344CB8AC3E}">
-        <p14:creationId xmlns:p14="http://schemas.microsoft.com/office/powerpoint/2010/main" val="2555099777"/>
+        <p14:creationId xmlns:p14="http://schemas.microsoft.com/office/powerpoint/2010/main" val="3531093193"/>
       </p:ext>
     </p:extLst>
   </p:cSld>
@@ -13674,10 +13781,10 @@
       </p:grpSpPr>
       <p:sp>
         <p:nvSpPr>
-          <p:cNvPr id="2" name="Titre 1">
-            <a:extLst>
-              <a:ext uri="{FF2B5EF4-FFF2-40B4-BE49-F238E27FC236}">
-                <a16:creationId xmlns:a16="http://schemas.microsoft.com/office/drawing/2014/main" id="{EA53D9FC-3044-40B7-A8EB-EAB80F26D6FE}"/>
+          <p:cNvPr id="5" name="Titre 4">
+            <a:extLst>
+              <a:ext uri="{FF2B5EF4-FFF2-40B4-BE49-F238E27FC236}">
+                <a16:creationId xmlns:a16="http://schemas.microsoft.com/office/drawing/2014/main" id="{B535D397-2E1B-4C1E-A392-E2A43916D949}"/>
               </a:ext>
             </a:extLst>
           </p:cNvPr>
@@ -13685,34 +13792,34 @@
             <a:spLocks noGrp="1"/>
           </p:cNvSpPr>
           <p:nvPr>
-            <p:ph type="title"/>
+            <p:ph type="ctrTitle"/>
           </p:nvPr>
         </p:nvSpPr>
-        <p:spPr>
-          <a:xfrm>
-            <a:off x="1066800" y="642594"/>
-            <a:ext cx="10058400" cy="556814"/>
-          </a:xfrm>
-        </p:spPr>
-        <p:txBody>
-          <a:bodyPr>
-            <a:normAutofit/>
-          </a:bodyPr>
-          <a:lstStyle/>
-          <a:p>
-            <a:r>
-              <a:rPr lang="fr-FR" sz="2800" dirty="0"/>
-              <a:t>Création d’un projet cross platform UNIX/WINDOWS</a:t>
-            </a:r>
-          </a:p>
-        </p:txBody>
-      </p:sp>
-      <p:sp>
-        <p:nvSpPr>
-          <p:cNvPr id="3" name="Espace réservé du contenu 2">
-            <a:extLst>
-              <a:ext uri="{FF2B5EF4-FFF2-40B4-BE49-F238E27FC236}">
-                <a16:creationId xmlns:a16="http://schemas.microsoft.com/office/drawing/2014/main" id="{5837093E-200E-45C2-A38D-202DB399C72A}"/>
+        <p:spPr/>
+        <p:txBody>
+          <a:bodyPr/>
+          <a:lstStyle/>
+          <a:p>
+            <a:r>
+              <a:rPr lang="fr-FR" dirty="0"/>
+              <a:t>CONCEPTION</a:t>
+            </a:r>
+            <a:br>
+              <a:rPr lang="fr-FR" dirty="0"/>
+            </a:br>
+            <a:r>
+              <a:rPr lang="fr-FR" dirty="0"/>
+              <a:t>MISE AU POINT</a:t>
+            </a:r>
+          </a:p>
+        </p:txBody>
+      </p:sp>
+      <p:sp>
+        <p:nvSpPr>
+          <p:cNvPr id="6" name="Sous-titre 5">
+            <a:extLst>
+              <a:ext uri="{FF2B5EF4-FFF2-40B4-BE49-F238E27FC236}">
+                <a16:creationId xmlns:a16="http://schemas.microsoft.com/office/drawing/2014/main" id="{42DF712F-84EC-48F3-B510-83E590DD97F0}"/>
               </a:ext>
             </a:extLst>
           </p:cNvPr>
@@ -13720,301 +13827,22 @@
             <a:spLocks noGrp="1"/>
           </p:cNvSpPr>
           <p:nvPr>
-            <p:ph idx="1"/>
+            <p:ph type="subTitle" idx="1"/>
           </p:nvPr>
         </p:nvSpPr>
-        <p:spPr>
-          <a:xfrm>
-            <a:off x="1066800" y="1199408"/>
-            <a:ext cx="10058400" cy="5100452"/>
-          </a:xfrm>
-        </p:spPr>
-        <p:txBody>
-          <a:bodyPr>
-            <a:normAutofit fontScale="92500" lnSpcReduction="10000"/>
-          </a:bodyPr>
-          <a:lstStyle/>
-          <a:p>
-            <a:pPr marL="0" indent="0">
-              <a:buNone/>
-            </a:pPr>
-            <a:r>
-              <a:rPr lang="fr-FR" dirty="0"/>
-              <a:t>Utilisation du générateur de projet </a:t>
-            </a:r>
-            <a:r>
-              <a:rPr lang="fr-FR" dirty="0" err="1"/>
-              <a:t>Cmake</a:t>
-            </a:r>
-            <a:r>
-              <a:rPr lang="fr-FR" dirty="0"/>
-              <a:t>.</a:t>
-            </a:r>
-          </a:p>
-          <a:p>
-            <a:pPr lvl="1"/>
-            <a:r>
-              <a:rPr lang="fr-FR" dirty="0"/>
-              <a:t>Utilisation d’un fichier de configuration qui décrit les composant du projet</a:t>
-            </a:r>
-          </a:p>
-          <a:p>
-            <a:pPr lvl="1"/>
-            <a:r>
-              <a:rPr lang="fr-FR" dirty="0"/>
-              <a:t>Puis génération avec des fichier projet selon le system visé </a:t>
-            </a:r>
-          </a:p>
-          <a:p>
-            <a:pPr lvl="2"/>
-            <a:r>
-              <a:rPr lang="fr-FR" dirty="0"/>
-              <a:t>Ici : Projet VC++ sur Windows ou </a:t>
-            </a:r>
-            <a:r>
-              <a:rPr lang="fr-FR" dirty="0" err="1"/>
-              <a:t>Makefile</a:t>
-            </a:r>
-            <a:r>
-              <a:rPr lang="fr-FR" dirty="0"/>
-              <a:t> pour Unix</a:t>
-            </a:r>
-          </a:p>
-          <a:p>
-            <a:pPr lvl="1"/>
+        <p:spPr/>
+        <p:txBody>
+          <a:bodyPr/>
+          <a:lstStyle/>
+          <a:p>
+            <a:r>
+              <a:rPr lang="fr-FR" dirty="0"/>
+              <a:t>IMPLEMENTATION ITERATIVE / TESTS / DEBUG / AJOUT DE FONCTIONALITES</a:t>
+            </a:r>
+          </a:p>
+          <a:p>
             <a:endParaRPr lang="fr-FR" dirty="0"/>
           </a:p>
-          <a:p>
-            <a:pPr lvl="1"/>
-            <a:r>
-              <a:rPr lang="fr-FR" dirty="0"/>
-              <a:t>Ajout dans le projet de tierces parties :</a:t>
-            </a:r>
-          </a:p>
-          <a:p>
-            <a:pPr lvl="2"/>
-            <a:r>
-              <a:rPr lang="fr-FR" dirty="0"/>
-              <a:t>Du code source du Driver BME 280</a:t>
-            </a:r>
-          </a:p>
-          <a:p>
-            <a:pPr lvl="2"/>
-            <a:r>
-              <a:rPr lang="fr-FR" dirty="0"/>
-              <a:t>Du code source de </a:t>
-            </a:r>
-            <a:r>
-              <a:rPr lang="fr-FR" dirty="0" err="1"/>
-              <a:t>BuildInc</a:t>
-            </a:r>
-            <a:r>
-              <a:rPr lang="fr-FR" dirty="0"/>
-              <a:t> : petit utilitaire perso qui permet d’</a:t>
-            </a:r>
-            <a:r>
-              <a:rPr lang="fr-FR" dirty="0" err="1"/>
-              <a:t>incrementer</a:t>
-            </a:r>
-            <a:r>
-              <a:rPr lang="fr-FR" dirty="0"/>
-              <a:t> un numéro de </a:t>
-            </a:r>
-            <a:r>
-              <a:rPr lang="fr-FR" dirty="0" err="1"/>
-              <a:t>build</a:t>
-            </a:r>
-            <a:r>
-              <a:rPr lang="fr-FR" dirty="0"/>
-              <a:t> a chaque </a:t>
-            </a:r>
-            <a:r>
-              <a:rPr lang="fr-FR" dirty="0" err="1"/>
-              <a:t>build</a:t>
-            </a:r>
-            <a:endParaRPr lang="fr-FR" dirty="0"/>
-          </a:p>
-          <a:p>
-            <a:pPr lvl="2"/>
-            <a:r>
-              <a:rPr lang="fr-FR" dirty="0"/>
-              <a:t>Du code source de </a:t>
-            </a:r>
-            <a:r>
-              <a:rPr lang="fr-FR" dirty="0" err="1"/>
-              <a:t>libuv</a:t>
-            </a:r>
-            <a:r>
-              <a:rPr lang="fr-FR" dirty="0"/>
-              <a:t> : la libraire de communication réseau</a:t>
-            </a:r>
-          </a:p>
-          <a:p>
-            <a:pPr lvl="2"/>
-            <a:r>
-              <a:rPr lang="fr-FR" dirty="0"/>
-              <a:t>Du code source de SQlite3 : </a:t>
-            </a:r>
-            <a:r>
-              <a:rPr lang="fr-FR" dirty="0" err="1"/>
-              <a:t>piltoe</a:t>
-            </a:r>
-            <a:r>
-              <a:rPr lang="fr-FR" dirty="0"/>
-              <a:t> de base de </a:t>
-            </a:r>
-            <a:r>
-              <a:rPr lang="fr-FR" dirty="0" err="1"/>
-              <a:t>donéne</a:t>
-            </a:r>
-            <a:r>
-              <a:rPr lang="fr-FR" dirty="0"/>
-              <a:t> embarquée</a:t>
-            </a:r>
-          </a:p>
-          <a:p>
-            <a:pPr lvl="2"/>
-            <a:r>
-              <a:rPr lang="fr-FR" dirty="0"/>
-              <a:t>Du code source de </a:t>
-            </a:r>
-            <a:r>
-              <a:rPr lang="fr-FR" dirty="0" err="1"/>
-              <a:t>uv_cpp</a:t>
-            </a:r>
-            <a:r>
-              <a:rPr lang="fr-FR" dirty="0"/>
-              <a:t> : le </a:t>
-            </a:r>
-            <a:r>
-              <a:rPr lang="fr-FR" dirty="0" err="1"/>
-              <a:t>wrapper</a:t>
-            </a:r>
-            <a:r>
-              <a:rPr lang="fr-FR" dirty="0"/>
-              <a:t> </a:t>
-            </a:r>
-            <a:r>
-              <a:rPr lang="fr-FR" dirty="0" err="1"/>
-              <a:t>cpp</a:t>
-            </a:r>
-            <a:r>
-              <a:rPr lang="fr-FR" dirty="0"/>
-              <a:t> pour </a:t>
-            </a:r>
-            <a:r>
-              <a:rPr lang="fr-FR" dirty="0" err="1"/>
-              <a:t>libuv</a:t>
-            </a:r>
-            <a:endParaRPr lang="fr-FR" dirty="0"/>
-          </a:p>
-          <a:p>
-            <a:pPr lvl="1"/>
-            <a:r>
-              <a:rPr lang="fr-FR" dirty="0"/>
-              <a:t>Ajout dans le projet du code utile reparti en module :</a:t>
-            </a:r>
-          </a:p>
-          <a:p>
-            <a:pPr lvl="2"/>
-            <a:r>
-              <a:rPr lang="fr-FR" dirty="0"/>
-              <a:t>Un module pour gérer le serveur HTTP : réception / traitement / envoi de requête HTTP</a:t>
-            </a:r>
-          </a:p>
-          <a:p>
-            <a:pPr lvl="2"/>
-            <a:r>
-              <a:rPr lang="fr-FR" dirty="0"/>
-              <a:t>Un module pour gérer le capteur : mesure du capteur et envoi des données mesurées</a:t>
-            </a:r>
-          </a:p>
-          <a:p>
-            <a:pPr lvl="2"/>
-            <a:r>
-              <a:rPr lang="fr-FR" dirty="0"/>
-              <a:t>Un module pour gérer la base de donnée : ajout de donnée / extraction sous forme JSON</a:t>
-            </a:r>
-          </a:p>
-          <a:p>
-            <a:pPr lvl="2"/>
-            <a:r>
-              <a:rPr lang="fr-FR" dirty="0"/>
-              <a:t>Un module pour piloter la mesure et l’inscription dans la base de donnée suivant un </a:t>
-            </a:r>
-            <a:r>
-              <a:rPr lang="fr-FR" dirty="0" err="1"/>
-              <a:t>timer</a:t>
-            </a:r>
-            <a:r>
-              <a:rPr lang="fr-FR" dirty="0"/>
-              <a:t>. Ici toute les heures</a:t>
-            </a:r>
-          </a:p>
-          <a:p>
-            <a:pPr lvl="2"/>
-            <a:r>
-              <a:rPr lang="fr-FR" dirty="0"/>
-              <a:t>Un module pour extraire les infos du serveur : </a:t>
-            </a:r>
-          </a:p>
-          <a:p>
-            <a:pPr lvl="3"/>
-            <a:r>
-              <a:rPr lang="fr-FR" dirty="0"/>
-              <a:t>Infos de l’os : version, </a:t>
-            </a:r>
-            <a:r>
-              <a:rPr lang="fr-FR" dirty="0" err="1"/>
-              <a:t>cpu</a:t>
-            </a:r>
-            <a:endParaRPr lang="fr-FR" dirty="0"/>
-          </a:p>
-          <a:p>
-            <a:pPr lvl="3"/>
-            <a:r>
-              <a:rPr lang="fr-FR" dirty="0"/>
-              <a:t>Infos sur la bd : nombre d’enregistrements, version de la bd, chemin de la bd</a:t>
-            </a:r>
-          </a:p>
-          <a:p>
-            <a:pPr lvl="3"/>
-            <a:r>
-              <a:rPr lang="fr-FR" dirty="0"/>
-              <a:t>Infos sur le serveur : version, ligne de commande utilisé</a:t>
-            </a:r>
-          </a:p>
-          <a:p>
-            <a:pPr lvl="2"/>
-            <a:r>
-              <a:rPr lang="fr-FR" dirty="0"/>
-              <a:t>Ajout du point d’entrée du projet :</a:t>
-            </a:r>
-          </a:p>
-          <a:p>
-            <a:pPr lvl="3"/>
-            <a:r>
-              <a:rPr lang="fr-FR" dirty="0"/>
-              <a:t>Ajout d’une interface de ligne de commande configurable dans la logique des commande UNIX</a:t>
-            </a:r>
-          </a:p>
-          <a:p>
-            <a:pPr lvl="3"/>
-            <a:r>
-              <a:rPr lang="fr-FR" dirty="0"/>
-              <a:t>Ajout du flux logique principal</a:t>
-            </a:r>
-          </a:p>
-          <a:p>
-            <a:pPr lvl="3"/>
-            <a:endParaRPr lang="fr-FR" dirty="0"/>
-          </a:p>
-          <a:p>
-            <a:pPr marL="0" indent="0">
-              <a:buNone/>
-            </a:pPr>
-            <a:endParaRPr lang="fr-FR" dirty="0"/>
-          </a:p>
         </p:txBody>
       </p:sp>
       <p:sp>
@@ -14022,7 +13850,7 @@
           <p:cNvPr id="4" name="Espace réservé de la date 3">
             <a:extLst>
               <a:ext uri="{FF2B5EF4-FFF2-40B4-BE49-F238E27FC236}">
-                <a16:creationId xmlns:a16="http://schemas.microsoft.com/office/drawing/2014/main" id="{60BDC591-8D09-4D49-88A2-408CD1604F69}"/>
+                <a16:creationId xmlns:a16="http://schemas.microsoft.com/office/drawing/2014/main" id="{030B0D3A-6441-43DC-BDBC-2E9EE16205E9}"/>
               </a:ext>
             </a:extLst>
           </p:cNvPr>
@@ -14043,14 +13871,14 @@
               <a:rPr lang="fr-FR" smtClean="0"/>
               <a:t>22/06/2021</a:t>
             </a:fld>
-            <a:endParaRPr lang="en-US" dirty="0"/>
+            <a:endParaRPr lang="en-US"/>
           </a:p>
         </p:txBody>
       </p:sp>
     </p:spTree>
     <p:extLst>
       <p:ext uri="{BB962C8B-B14F-4D97-AF65-F5344CB8AC3E}">
-        <p14:creationId xmlns:p14="http://schemas.microsoft.com/office/powerpoint/2010/main" val="2179627063"/>
+        <p14:creationId xmlns:p14="http://schemas.microsoft.com/office/powerpoint/2010/main" val="4081931665"/>
       </p:ext>
     </p:extLst>
   </p:cSld>
@@ -14082,7 +13910,7 @@
           <p:cNvPr id="2" name="Titre 1">
             <a:extLst>
               <a:ext uri="{FF2B5EF4-FFF2-40B4-BE49-F238E27FC236}">
-                <a16:creationId xmlns:a16="http://schemas.microsoft.com/office/drawing/2014/main" id="{7E66DA7D-18FF-43FA-9114-735D5287AF90}"/>
+                <a16:creationId xmlns:a16="http://schemas.microsoft.com/office/drawing/2014/main" id="{EA53D9FC-3044-40B7-A8EB-EAB80F26D6FE}"/>
               </a:ext>
             </a:extLst>
           </p:cNvPr>
@@ -14095,19 +13923,24 @@
         </p:nvSpPr>
         <p:spPr/>
         <p:txBody>
-          <a:bodyPr/>
-          <a:lstStyle/>
-          <a:p>
-            <a:endParaRPr lang="fr-FR"/>
-          </a:p>
-        </p:txBody>
-      </p:sp>
-      <p:sp>
-        <p:nvSpPr>
-          <p:cNvPr id="3" name="Espace réservé du contenu 2">
-            <a:extLst>
-              <a:ext uri="{FF2B5EF4-FFF2-40B4-BE49-F238E27FC236}">
-                <a16:creationId xmlns:a16="http://schemas.microsoft.com/office/drawing/2014/main" id="{6723A642-3FB2-484D-AF95-A8E825D7B1AB}"/>
+          <a:bodyPr>
+            <a:normAutofit/>
+          </a:bodyPr>
+          <a:lstStyle/>
+          <a:p>
+            <a:r>
+              <a:rPr lang="fr-FR" dirty="0"/>
+              <a:t>Conception du Serveur</a:t>
+            </a:r>
+          </a:p>
+        </p:txBody>
+      </p:sp>
+      <p:sp>
+        <p:nvSpPr>
+          <p:cNvPr id="7" name="Espace réservé du texte 6">
+            <a:extLst>
+              <a:ext uri="{FF2B5EF4-FFF2-40B4-BE49-F238E27FC236}">
+                <a16:creationId xmlns:a16="http://schemas.microsoft.com/office/drawing/2014/main" id="{20C697DF-1E44-4814-A10D-46B212D46301}"/>
               </a:ext>
             </a:extLst>
           </p:cNvPr>
@@ -14115,7 +13948,7 @@
             <a:spLocks noGrp="1"/>
           </p:cNvSpPr>
           <p:nvPr>
-            <p:ph idx="1"/>
+            <p:ph type="body" idx="1"/>
           </p:nvPr>
         </p:nvSpPr>
         <p:spPr/>
@@ -14123,7 +13956,7 @@
           <a:bodyPr/>
           <a:lstStyle/>
           <a:p>
-            <a:endParaRPr lang="fr-FR"/>
+            <a:endParaRPr lang="fr-FR" dirty="0"/>
           </a:p>
         </p:txBody>
       </p:sp>
@@ -14132,7 +13965,7 @@
           <p:cNvPr id="4" name="Espace réservé de la date 3">
             <a:extLst>
               <a:ext uri="{FF2B5EF4-FFF2-40B4-BE49-F238E27FC236}">
-                <a16:creationId xmlns:a16="http://schemas.microsoft.com/office/drawing/2014/main" id="{C69CF264-999B-4AE6-86E6-38F9278562E7}"/>
+                <a16:creationId xmlns:a16="http://schemas.microsoft.com/office/drawing/2014/main" id="{60BDC591-8D09-4D49-88A2-408CD1604F69}"/>
               </a:ext>
             </a:extLst>
           </p:cNvPr>
@@ -14160,7 +13993,7 @@
     </p:spTree>
     <p:extLst>
       <p:ext uri="{BB962C8B-B14F-4D97-AF65-F5344CB8AC3E}">
-        <p14:creationId xmlns:p14="http://schemas.microsoft.com/office/powerpoint/2010/main" val="3371592575"/>
+        <p14:creationId xmlns:p14="http://schemas.microsoft.com/office/powerpoint/2010/main" val="794723267"/>
       </p:ext>
     </p:extLst>
   </p:cSld>
@@ -14189,6 +14022,277 @@
       </p:grpSpPr>
       <p:sp>
         <p:nvSpPr>
+          <p:cNvPr id="3" name="Espace réservé du contenu 2">
+            <a:extLst>
+              <a:ext uri="{FF2B5EF4-FFF2-40B4-BE49-F238E27FC236}">
+                <a16:creationId xmlns:a16="http://schemas.microsoft.com/office/drawing/2014/main" id="{5837093E-200E-45C2-A38D-202DB399C72A}"/>
+              </a:ext>
+            </a:extLst>
+          </p:cNvPr>
+          <p:cNvSpPr>
+            <a:spLocks noGrp="1"/>
+          </p:cNvSpPr>
+          <p:nvPr>
+            <p:ph idx="1"/>
+          </p:nvPr>
+        </p:nvSpPr>
+        <p:spPr>
+          <a:xfrm>
+            <a:off x="1066800" y="1300348"/>
+            <a:ext cx="10058400" cy="4652396"/>
+          </a:xfrm>
+        </p:spPr>
+        <p:txBody>
+          <a:bodyPr>
+            <a:normAutofit/>
+          </a:bodyPr>
+          <a:lstStyle/>
+          <a:p>
+            <a:pPr lvl="2"/>
+            <a:endParaRPr lang="fr-FR" dirty="0"/>
+          </a:p>
+          <a:p>
+            <a:pPr marL="777240" lvl="2" indent="-228600">
+              <a:buAutoNum type="arabicPeriod"/>
+            </a:pPr>
+            <a:r>
+              <a:rPr lang="fr-FR" dirty="0"/>
+              <a:t>Création d’un projet cross platform UNIX/WINDOWS</a:t>
+            </a:r>
+          </a:p>
+          <a:p>
+            <a:pPr marL="1051560" lvl="3" indent="-228600">
+              <a:buAutoNum type="arabicPeriod"/>
+            </a:pPr>
+            <a:r>
+              <a:rPr lang="fr-FR" dirty="0"/>
+              <a:t>L’</a:t>
+            </a:r>
+            <a:r>
+              <a:rPr lang="fr-FR" dirty="0" err="1"/>
+              <a:t>intéret</a:t>
+            </a:r>
+            <a:r>
+              <a:rPr lang="fr-FR" dirty="0"/>
+              <a:t> est de pouvoir profiter le plus possible des outils avancé et visuel disponible sur Windows</a:t>
+            </a:r>
+          </a:p>
+          <a:p>
+            <a:pPr marL="1051560" lvl="3" indent="-228600">
+              <a:buAutoNum type="arabicPeriod"/>
+            </a:pPr>
+            <a:r>
+              <a:rPr lang="fr-FR" dirty="0"/>
+              <a:t>Et finaliser sur linux en ligne de commande ce qui ne peut être fait que sur linux</a:t>
+            </a:r>
+          </a:p>
+          <a:p>
+            <a:pPr marL="777240" lvl="2" indent="-228600">
+              <a:buAutoNum type="arabicPeriod"/>
+            </a:pPr>
+            <a:endParaRPr lang="fr-FR" dirty="0"/>
+          </a:p>
+          <a:p>
+            <a:pPr marL="777240" lvl="2" indent="-228600">
+              <a:buAutoNum type="arabicPeriod"/>
+            </a:pPr>
+            <a:r>
+              <a:rPr lang="fr-FR" dirty="0"/>
+              <a:t>Sur Windows :</a:t>
+            </a:r>
+          </a:p>
+          <a:p>
+            <a:pPr marL="822960" lvl="3" indent="0">
+              <a:buNone/>
+            </a:pPr>
+            <a:r>
+              <a:rPr lang="fr-FR" dirty="0"/>
+              <a:t>2.1 Mettre en place les diffèrent modules et Créer la logique d’interconnexion des différents modules</a:t>
+            </a:r>
+          </a:p>
+          <a:p>
+            <a:pPr marL="822960" lvl="3" indent="0">
+              <a:buNone/>
+            </a:pPr>
+            <a:r>
+              <a:rPr lang="fr-FR" dirty="0"/>
+              <a:t>2.2 Mettre au point les modules possible (le capteur n’est pas dispo sur Windows) avec navigateurs externe en IP locale</a:t>
+            </a:r>
+          </a:p>
+          <a:p>
+            <a:pPr marL="822960" lvl="3" indent="0">
+              <a:buNone/>
+            </a:pPr>
+            <a:endParaRPr lang="fr-FR" dirty="0"/>
+          </a:p>
+          <a:p>
+            <a:pPr marL="548640" lvl="2" indent="0">
+              <a:buNone/>
+            </a:pPr>
+            <a:r>
+              <a:rPr lang="fr-FR" dirty="0"/>
+              <a:t>3.  Sur Linux :</a:t>
+            </a:r>
+          </a:p>
+          <a:p>
+            <a:pPr marL="822960" lvl="3" indent="0">
+              <a:buNone/>
+            </a:pPr>
+            <a:r>
+              <a:rPr lang="fr-FR" dirty="0"/>
+              <a:t>3.1 Mettre au point le module du capteur et Tester le serveur en interne et externe</a:t>
+            </a:r>
+          </a:p>
+          <a:p>
+            <a:pPr marL="822960" lvl="3" indent="0">
+              <a:buNone/>
+            </a:pPr>
+            <a:r>
+              <a:rPr lang="fr-FR" dirty="0"/>
+              <a:t>3.3 Installer le serveur en tant que service</a:t>
+            </a:r>
+          </a:p>
+          <a:p>
+            <a:pPr marL="548640" lvl="2" indent="0">
+              <a:buNone/>
+            </a:pPr>
+            <a:endParaRPr lang="fr-FR" dirty="0"/>
+          </a:p>
+          <a:p>
+            <a:pPr marL="548640" lvl="2" indent="0">
+              <a:buNone/>
+            </a:pPr>
+            <a:r>
+              <a:rPr lang="fr-FR" dirty="0"/>
+              <a:t>4. Résultat</a:t>
+            </a:r>
+          </a:p>
+          <a:p>
+            <a:pPr marL="822960" lvl="3" indent="0">
+              <a:buNone/>
+            </a:pPr>
+            <a:r>
+              <a:rPr lang="fr-FR" dirty="0"/>
+              <a:t>4.1 : Résultat de la requête « page d’aide » : </a:t>
+            </a:r>
+            <a:r>
+              <a:rPr lang="fr-FR" sz="1200" dirty="0">
+                <a:hlinkClick r:id="rId2"/>
+              </a:rPr>
+              <a:t>http://78.199.78.207:48001</a:t>
+            </a:r>
+            <a:endParaRPr lang="fr-FR" sz="1200" dirty="0"/>
+          </a:p>
+          <a:p>
+            <a:pPr marL="822960" lvl="3" indent="0">
+              <a:buNone/>
+            </a:pPr>
+            <a:r>
+              <a:rPr lang="fr-FR" dirty="0"/>
+              <a:t>4.2 : Résultat de la requête « infos » : </a:t>
+            </a:r>
+            <a:r>
+              <a:rPr lang="fr-FR" sz="1200" dirty="0">
+                <a:hlinkClick r:id="rId3"/>
+              </a:rPr>
+              <a:t>http://78.199.78.207:48001/infos</a:t>
+            </a:r>
+            <a:endParaRPr lang="fr-FR" sz="1200" dirty="0"/>
+          </a:p>
+          <a:p>
+            <a:pPr marL="822960" lvl="3" indent="0">
+              <a:buNone/>
+            </a:pPr>
+            <a:r>
+              <a:rPr lang="fr-FR" dirty="0"/>
+              <a:t>4.3 : Résultat de la requête « mesure » : </a:t>
+            </a:r>
+            <a:r>
+              <a:rPr lang="fr-FR" sz="1050" dirty="0">
+                <a:hlinkClick r:id="rId4"/>
+              </a:rPr>
+              <a:t>http://78.199.78.207:48001/sensor</a:t>
+            </a:r>
+            <a:endParaRPr lang="fr-FR" sz="1050" dirty="0"/>
+          </a:p>
+          <a:p>
+            <a:pPr marL="822960" lvl="3" indent="0">
+              <a:buNone/>
+            </a:pPr>
+            <a:r>
+              <a:rPr lang="fr-FR" dirty="0"/>
+              <a:t>4.4 : Résultat de la requête « historique des 12 dernières mesures » : </a:t>
+            </a:r>
+            <a:r>
+              <a:rPr lang="fr-FR" sz="1050" dirty="0">
+                <a:hlinkClick r:id="rId5"/>
+              </a:rPr>
+              <a:t>http://78.199.78.207:48001/history:12</a:t>
+            </a:r>
+            <a:endParaRPr lang="fr-FR" sz="1050" dirty="0"/>
+          </a:p>
+          <a:p>
+            <a:pPr marL="822960" lvl="3" indent="0">
+              <a:buNone/>
+            </a:pPr>
+            <a:endParaRPr lang="fr-FR" sz="1200" dirty="0"/>
+          </a:p>
+          <a:p>
+            <a:pPr marL="822960" lvl="3" indent="0">
+              <a:buNone/>
+            </a:pPr>
+            <a:endParaRPr lang="fr-FR" sz="1200" dirty="0"/>
+          </a:p>
+          <a:p>
+            <a:pPr marL="822960" lvl="3" indent="0">
+              <a:buNone/>
+            </a:pPr>
+            <a:endParaRPr lang="fr-FR" dirty="0"/>
+          </a:p>
+          <a:p>
+            <a:pPr lvl="3"/>
+            <a:endParaRPr lang="fr-FR" dirty="0"/>
+          </a:p>
+          <a:p>
+            <a:pPr marL="0" indent="0">
+              <a:buNone/>
+            </a:pPr>
+            <a:endParaRPr lang="fr-FR" dirty="0"/>
+          </a:p>
+        </p:txBody>
+      </p:sp>
+      <p:sp>
+        <p:nvSpPr>
+          <p:cNvPr id="4" name="Espace réservé de la date 3">
+            <a:extLst>
+              <a:ext uri="{FF2B5EF4-FFF2-40B4-BE49-F238E27FC236}">
+                <a16:creationId xmlns:a16="http://schemas.microsoft.com/office/drawing/2014/main" id="{60BDC591-8D09-4D49-88A2-408CD1604F69}"/>
+              </a:ext>
+            </a:extLst>
+          </p:cNvPr>
+          <p:cNvSpPr>
+            <a:spLocks noGrp="1"/>
+          </p:cNvSpPr>
+          <p:nvPr>
+            <p:ph type="dt" sz="half" idx="10"/>
+          </p:nvPr>
+        </p:nvSpPr>
+        <p:spPr/>
+        <p:txBody>
+          <a:bodyPr/>
+          <a:lstStyle/>
+          <a:p>
+            <a:pPr rtl="0"/>
+            <a:fld id="{802FE938-1586-4780-B61A-DD3B60BAB93C}" type="datetime1">
+              <a:rPr lang="fr-FR" smtClean="0"/>
+              <a:t>22/06/2021</a:t>
+            </a:fld>
+            <a:endParaRPr lang="en-US"/>
+          </a:p>
+        </p:txBody>
+      </p:sp>
+      <p:sp>
+        <p:nvSpPr>
           <p:cNvPr id="2" name="Titre 1">
             <a:extLst>
               <a:ext uri="{FF2B5EF4-FFF2-40B4-BE49-F238E27FC236}">
@@ -14222,230 +14326,10 @@
           </a:p>
         </p:txBody>
       </p:sp>
-      <p:sp>
-        <p:nvSpPr>
-          <p:cNvPr id="3" name="Espace réservé du contenu 2">
-            <a:extLst>
-              <a:ext uri="{FF2B5EF4-FFF2-40B4-BE49-F238E27FC236}">
-                <a16:creationId xmlns:a16="http://schemas.microsoft.com/office/drawing/2014/main" id="{5837093E-200E-45C2-A38D-202DB399C72A}"/>
-              </a:ext>
-            </a:extLst>
-          </p:cNvPr>
-          <p:cNvSpPr>
-            <a:spLocks noGrp="1"/>
-          </p:cNvSpPr>
-          <p:nvPr>
-            <p:ph idx="1"/>
-          </p:nvPr>
-        </p:nvSpPr>
-        <p:spPr>
-          <a:xfrm>
-            <a:off x="1066800" y="1300348"/>
-            <a:ext cx="10058400" cy="4652396"/>
-          </a:xfrm>
-        </p:spPr>
-        <p:txBody>
-          <a:bodyPr>
-            <a:normAutofit/>
-          </a:bodyPr>
-          <a:lstStyle/>
-          <a:p>
-            <a:pPr lvl="2"/>
-            <a:endParaRPr lang="fr-FR" dirty="0"/>
-          </a:p>
-          <a:p>
-            <a:pPr lvl="2"/>
-            <a:r>
-              <a:rPr lang="fr-FR" dirty="0"/>
-              <a:t>Création d’un projet cross platform UNIX/WINDOWS</a:t>
-            </a:r>
-          </a:p>
-          <a:p>
-            <a:pPr lvl="2"/>
-            <a:r>
-              <a:rPr lang="fr-FR" dirty="0"/>
-              <a:t>Mettre en place les diffèrent modules </a:t>
-            </a:r>
-          </a:p>
-          <a:p>
-            <a:pPr lvl="3"/>
-            <a:r>
-              <a:rPr lang="fr-FR" dirty="0"/>
-              <a:t>Serveur HTTP</a:t>
-            </a:r>
-          </a:p>
-          <a:p>
-            <a:pPr lvl="3"/>
-            <a:r>
-              <a:rPr lang="fr-FR" dirty="0"/>
-              <a:t>Base de donnée</a:t>
-            </a:r>
-          </a:p>
-          <a:p>
-            <a:pPr lvl="3"/>
-            <a:r>
-              <a:rPr lang="fr-FR" dirty="0"/>
-              <a:t>Mesure capteur</a:t>
-            </a:r>
-          </a:p>
-          <a:p>
-            <a:pPr lvl="3"/>
-            <a:r>
-              <a:rPr lang="fr-FR" dirty="0"/>
-              <a:t>Historique des mesures</a:t>
-            </a:r>
-          </a:p>
-          <a:p>
-            <a:pPr lvl="3"/>
-            <a:r>
-              <a:rPr lang="fr-FR" dirty="0"/>
-              <a:t>Infos serveur</a:t>
-            </a:r>
-          </a:p>
-          <a:p>
-            <a:pPr lvl="2"/>
-            <a:r>
-              <a:rPr lang="fr-FR" dirty="0"/>
-              <a:t>Créer la logique d’interconnexion des différents modules</a:t>
-            </a:r>
-          </a:p>
-          <a:p>
-            <a:pPr lvl="2"/>
-            <a:r>
-              <a:rPr lang="fr-FR" dirty="0"/>
-              <a:t>Mettre au point les modules possible sous Windows :</a:t>
-            </a:r>
-          </a:p>
-          <a:p>
-            <a:pPr lvl="3"/>
-            <a:r>
-              <a:rPr lang="fr-FR" dirty="0"/>
-              <a:t>Serveur HTTP</a:t>
-            </a:r>
-          </a:p>
-          <a:p>
-            <a:pPr lvl="3"/>
-            <a:r>
-              <a:rPr lang="fr-FR" dirty="0" err="1"/>
-              <a:t>Pilotega</a:t>
-            </a:r>
-            <a:r>
-              <a:rPr lang="fr-FR" dirty="0"/>
-              <a:t> de la </a:t>
-            </a:r>
-            <a:r>
-              <a:rPr lang="fr-FR" dirty="0" err="1"/>
-              <a:t>abse</a:t>
-            </a:r>
-            <a:r>
-              <a:rPr lang="fr-FR" dirty="0"/>
-              <a:t> de donnée</a:t>
-            </a:r>
-          </a:p>
-          <a:p>
-            <a:pPr lvl="3"/>
-            <a:endParaRPr lang="fr-FR" dirty="0"/>
-          </a:p>
-          <a:p>
-            <a:pPr lvl="3"/>
-            <a:endParaRPr lang="fr-FR" dirty="0"/>
-          </a:p>
-          <a:p>
-            <a:pPr lvl="2"/>
-            <a:r>
-              <a:rPr lang="fr-FR" dirty="0"/>
-              <a:t> </a:t>
-            </a:r>
-            <a:r>
-              <a:rPr lang="fr-FR" dirty="0" err="1"/>
-              <a:t>etau</a:t>
-            </a:r>
-            <a:r>
-              <a:rPr lang="fr-FR" dirty="0"/>
-              <a:t> point et </a:t>
-            </a:r>
-            <a:r>
-              <a:rPr lang="fr-FR" dirty="0" err="1"/>
-              <a:t>tetser</a:t>
-            </a:r>
-            <a:r>
-              <a:rPr lang="fr-FR" dirty="0"/>
-              <a:t> les </a:t>
-            </a:r>
-            <a:r>
-              <a:rPr lang="fr-FR" dirty="0" err="1"/>
-              <a:t>different</a:t>
-            </a:r>
-            <a:r>
-              <a:rPr lang="fr-FR" dirty="0"/>
-              <a:t> composant possible </a:t>
-            </a:r>
-            <a:r>
-              <a:rPr lang="fr-FR" dirty="0" err="1"/>
-              <a:t>ctoé</a:t>
-            </a:r>
-            <a:r>
-              <a:rPr lang="fr-FR" dirty="0"/>
-              <a:t> </a:t>
-            </a:r>
-            <a:r>
-              <a:rPr lang="fr-FR" dirty="0" err="1"/>
-              <a:t>window</a:t>
-            </a:r>
-            <a:endParaRPr lang="fr-FR" dirty="0"/>
-          </a:p>
-          <a:p>
-            <a:pPr marL="0" indent="0">
-              <a:buNone/>
-            </a:pPr>
-            <a:endParaRPr lang="fr-FR" dirty="0"/>
-          </a:p>
-          <a:p>
-            <a:pPr lvl="3"/>
-            <a:endParaRPr lang="fr-FR" dirty="0"/>
-          </a:p>
-          <a:p>
-            <a:pPr marL="0" indent="0">
-              <a:buNone/>
-            </a:pPr>
-            <a:endParaRPr lang="fr-FR" dirty="0"/>
-          </a:p>
-        </p:txBody>
-      </p:sp>
-      <p:sp>
-        <p:nvSpPr>
-          <p:cNvPr id="4" name="Espace réservé de la date 3">
-            <a:extLst>
-              <a:ext uri="{FF2B5EF4-FFF2-40B4-BE49-F238E27FC236}">
-                <a16:creationId xmlns:a16="http://schemas.microsoft.com/office/drawing/2014/main" id="{60BDC591-8D09-4D49-88A2-408CD1604F69}"/>
-              </a:ext>
-            </a:extLst>
-          </p:cNvPr>
-          <p:cNvSpPr>
-            <a:spLocks noGrp="1"/>
-          </p:cNvSpPr>
-          <p:nvPr>
-            <p:ph type="dt" sz="half" idx="10"/>
-          </p:nvPr>
-        </p:nvSpPr>
-        <p:spPr/>
-        <p:txBody>
-          <a:bodyPr/>
-          <a:lstStyle/>
-          <a:p>
-            <a:pPr rtl="0"/>
-            <a:fld id="{802FE938-1586-4780-B61A-DD3B60BAB93C}" type="datetime1">
-              <a:rPr lang="fr-FR" smtClean="0"/>
-              <a:t>22/06/2021</a:t>
-            </a:fld>
-            <a:endParaRPr lang="en-US"/>
-          </a:p>
-        </p:txBody>
-      </p:sp>
     </p:spTree>
     <p:extLst>
       <p:ext uri="{BB962C8B-B14F-4D97-AF65-F5344CB8AC3E}">
-        <p14:creationId xmlns:p14="http://schemas.microsoft.com/office/powerpoint/2010/main" val="2168069617"/>
+        <p14:creationId xmlns:p14="http://schemas.microsoft.com/office/powerpoint/2010/main" val="2555099777"/>
       </p:ext>
     </p:extLst>
   </p:cSld>
@@ -14718,13 +14602,13 @@
         </p:spPr>
         <p:txBody>
           <a:bodyPr>
-            <a:normAutofit fontScale="90000"/>
+            <a:normAutofit/>
           </a:bodyPr>
           <a:lstStyle/>
           <a:p>
             <a:r>
-              <a:rPr lang="fr-FR" dirty="0"/>
-              <a:t>Conception du Serveur : 1 étape</a:t>
+              <a:rPr lang="fr-FR" sz="2400" dirty="0"/>
+              <a:t>1) Windows : Création d’un projet cross platform UNIX/WINDOWS</a:t>
             </a:r>
           </a:p>
         </p:txBody>
@@ -14747,144 +14631,237 @@
         </p:nvSpPr>
         <p:spPr>
           <a:xfrm>
-            <a:off x="1066800" y="1300348"/>
-            <a:ext cx="10058400" cy="4652396"/>
+            <a:off x="1066800" y="1199408"/>
+            <a:ext cx="10593256" cy="5100452"/>
           </a:xfrm>
         </p:spPr>
         <p:txBody>
           <a:bodyPr>
-            <a:normAutofit/>
+            <a:normAutofit lnSpcReduction="10000"/>
           </a:bodyPr>
           <a:lstStyle/>
-          <a:p>
-            <a:pPr lvl="2"/>
-            <a:r>
-              <a:rPr lang="fr-FR" dirty="0"/>
-              <a:t>Création d’un projet cross platform UNIX/WINDOWS avec CMAKE </a:t>
-            </a:r>
-          </a:p>
-          <a:p>
-            <a:pPr lvl="3"/>
-            <a:r>
-              <a:rPr lang="fr-FR" dirty="0"/>
-              <a:t>L’idée était de :</a:t>
-            </a:r>
-          </a:p>
-          <a:p>
-            <a:pPr lvl="4"/>
-            <a:r>
-              <a:rPr lang="fr-FR" dirty="0"/>
-              <a:t>faire le plus gros du projet sous </a:t>
-            </a:r>
-            <a:r>
-              <a:rPr lang="fr-FR" dirty="0" err="1"/>
-              <a:t>windows</a:t>
-            </a:r>
-            <a:endParaRPr lang="fr-FR" dirty="0"/>
-          </a:p>
-          <a:p>
-            <a:pPr lvl="4"/>
-            <a:r>
-              <a:rPr lang="fr-FR" dirty="0"/>
-              <a:t>Faire le déploiement, derniers test, et configuration serveurs sur la machine linux</a:t>
-            </a:r>
-          </a:p>
-          <a:p>
-            <a:pPr lvl="3"/>
-            <a:endParaRPr lang="fr-FR" dirty="0"/>
-          </a:p>
-          <a:p>
-            <a:pPr lvl="3"/>
-            <a:r>
-              <a:rPr lang="fr-FR" dirty="0"/>
-              <a:t>Les  + de développer sous Windows : </a:t>
-            </a:r>
-          </a:p>
-          <a:p>
-            <a:pPr lvl="4"/>
-            <a:r>
-              <a:rPr lang="fr-FR" dirty="0"/>
-              <a:t>Pouvoir faciliter la mise au point et le </a:t>
-            </a:r>
-            <a:r>
-              <a:rPr lang="fr-FR" dirty="0" err="1"/>
-              <a:t>debug</a:t>
-            </a:r>
-            <a:r>
-              <a:rPr lang="fr-FR" dirty="0"/>
-              <a:t> avec les outils visuel de </a:t>
-            </a:r>
-            <a:r>
-              <a:rPr lang="fr-FR" dirty="0" err="1"/>
-              <a:t>visual</a:t>
-            </a:r>
-            <a:r>
-              <a:rPr lang="fr-FR" dirty="0"/>
-              <a:t> studio 2019 :</a:t>
-            </a:r>
-          </a:p>
-          <a:p>
-            <a:pPr lvl="5"/>
-            <a:r>
-              <a:rPr lang="fr-FR" dirty="0"/>
-              <a:t>Debugger</a:t>
-            </a:r>
-          </a:p>
-          <a:p>
-            <a:pPr lvl="5"/>
-            <a:r>
-              <a:rPr lang="fr-FR" dirty="0"/>
-              <a:t>Profiler</a:t>
-            </a:r>
-          </a:p>
-          <a:p>
-            <a:pPr lvl="5"/>
-            <a:r>
-              <a:rPr lang="fr-FR" dirty="0"/>
-              <a:t>Analyseur de fuite mémoire</a:t>
-            </a:r>
-          </a:p>
-          <a:p>
-            <a:pPr lvl="5"/>
-            <a:r>
-              <a:rPr lang="fr-FR" dirty="0" err="1"/>
-              <a:t>Refactoring</a:t>
-            </a:r>
-            <a:endParaRPr lang="fr-FR" dirty="0"/>
-          </a:p>
-          <a:p>
-            <a:pPr lvl="5"/>
-            <a:r>
-              <a:rPr lang="fr-FR" dirty="0"/>
-              <a:t>Test du serveur avec Firefox/Chrome</a:t>
-            </a:r>
-          </a:p>
-          <a:p>
-            <a:pPr lvl="5"/>
-            <a:endParaRPr lang="fr-FR" dirty="0"/>
-          </a:p>
-          <a:p>
-            <a:pPr lvl="3"/>
-            <a:r>
-              <a:rPr lang="fr-FR" dirty="0"/>
-              <a:t>Les - de développer sous Windows :</a:t>
-            </a:r>
-          </a:p>
-          <a:p>
-            <a:pPr lvl="4"/>
-            <a:r>
-              <a:rPr lang="fr-FR" dirty="0"/>
-              <a:t>Pas accès au capteur BME280.</a:t>
-            </a:r>
-          </a:p>
           <a:p>
             <a:pPr marL="0" indent="0">
               <a:buNone/>
             </a:pPr>
+            <a:r>
+              <a:rPr lang="fr-FR" dirty="0"/>
+              <a:t>Projet généré avec </a:t>
+            </a:r>
+            <a:r>
+              <a:rPr lang="fr-FR" dirty="0" err="1"/>
+              <a:t>Cmake</a:t>
+            </a:r>
+            <a:r>
+              <a:rPr lang="fr-FR" dirty="0"/>
+              <a:t>.</a:t>
+            </a:r>
+          </a:p>
+          <a:p>
+            <a:pPr lvl="1"/>
+            <a:r>
+              <a:rPr lang="fr-FR" dirty="0"/>
+              <a:t>Utilisation d’un fichier de configuration qui décrit les composant du projet</a:t>
+            </a:r>
+          </a:p>
+          <a:p>
+            <a:pPr lvl="1"/>
+            <a:r>
+              <a:rPr lang="fr-FR" dirty="0"/>
+              <a:t>Puis génération des fichiers projet selon le system visé  (ici : Projet VC++ sur Windows ou </a:t>
+            </a:r>
+            <a:r>
+              <a:rPr lang="fr-FR" dirty="0" err="1"/>
+              <a:t>Makefile</a:t>
+            </a:r>
+            <a:r>
+              <a:rPr lang="fr-FR" dirty="0"/>
+              <a:t> pour Unix )</a:t>
+            </a:r>
+          </a:p>
+          <a:p>
+            <a:pPr lvl="1"/>
             <a:endParaRPr lang="fr-FR" dirty="0"/>
           </a:p>
           <a:p>
-            <a:pPr lvl="3"/>
+            <a:pPr marL="0" indent="0">
+              <a:buNone/>
+            </a:pPr>
+            <a:r>
+              <a:rPr lang="fr-FR" dirty="0"/>
+              <a:t>Ajout dans le projet des librairies :</a:t>
+            </a:r>
+          </a:p>
+          <a:p>
+            <a:pPr lvl="1"/>
+            <a:r>
+              <a:rPr lang="fr-FR" dirty="0"/>
+              <a:t>Driver BME 280 : </a:t>
+            </a:r>
+            <a:r>
+              <a:rPr lang="fr-FR" dirty="0" err="1"/>
+              <a:t>connection</a:t>
+            </a:r>
+            <a:r>
+              <a:rPr lang="fr-FR" dirty="0"/>
+              <a:t>/déconnection I2C au capteur matériel et récupération des données mesurées</a:t>
+            </a:r>
+          </a:p>
+          <a:p>
+            <a:pPr lvl="1"/>
+            <a:r>
+              <a:rPr lang="fr-FR" dirty="0" err="1"/>
+              <a:t>BuildInc</a:t>
+            </a:r>
+            <a:r>
+              <a:rPr lang="fr-FR" dirty="0"/>
+              <a:t> : petit utilitaire qui permet d’incrémenter un numéro de version automatiquement a chaque compilation</a:t>
+            </a:r>
+          </a:p>
+          <a:p>
+            <a:pPr lvl="1"/>
+            <a:r>
+              <a:rPr lang="fr-FR" dirty="0" err="1"/>
+              <a:t>Libuv</a:t>
+            </a:r>
+            <a:r>
+              <a:rPr lang="fr-FR" dirty="0"/>
+              <a:t> : la librairie C de communication réseau</a:t>
+            </a:r>
+          </a:p>
+          <a:p>
+            <a:pPr lvl="1"/>
+            <a:r>
+              <a:rPr lang="fr-FR" dirty="0"/>
+              <a:t>SQlite3 : pilote de base de donnée embarquée</a:t>
+            </a:r>
+          </a:p>
+          <a:p>
+            <a:pPr lvl="1"/>
+            <a:r>
+              <a:rPr lang="fr-FR" dirty="0" err="1"/>
+              <a:t>uv_cpp</a:t>
+            </a:r>
+            <a:r>
+              <a:rPr lang="fr-FR" dirty="0"/>
+              <a:t> : la surcouche </a:t>
+            </a:r>
+            <a:r>
+              <a:rPr lang="fr-FR" dirty="0" err="1"/>
+              <a:t>c++</a:t>
+            </a:r>
+            <a:r>
+              <a:rPr lang="fr-FR" dirty="0"/>
+              <a:t> pour </a:t>
+            </a:r>
+            <a:r>
+              <a:rPr lang="fr-FR" dirty="0" err="1"/>
+              <a:t>Libuv</a:t>
+            </a:r>
+            <a:endParaRPr lang="fr-FR" dirty="0"/>
+          </a:p>
+          <a:p>
+            <a:pPr lvl="1"/>
+            <a:endParaRPr lang="fr-FR" dirty="0"/>
+          </a:p>
+          <a:p>
+            <a:pPr marL="0" indent="0">
+              <a:buNone/>
+            </a:pPr>
+            <a:r>
+              <a:rPr lang="fr-FR" dirty="0"/>
+              <a:t>Ajout dans le projet du code utile reparti en module :</a:t>
+            </a:r>
+          </a:p>
+          <a:p>
+            <a:pPr lvl="1"/>
+            <a:r>
+              <a:rPr lang="fr-FR" dirty="0"/>
+              <a:t>Un « module HTTP » pour gérer le serveur HTTP : réception / traitement / envoi de requête HTTP</a:t>
+            </a:r>
+          </a:p>
+          <a:p>
+            <a:pPr lvl="1"/>
+            <a:r>
+              <a:rPr lang="fr-FR" dirty="0"/>
+              <a:t>Un « module BME280 » pour gérer le capteur BME280 : mesure du capteur et envoi des données mesurées au format </a:t>
+            </a:r>
+            <a:r>
+              <a:rPr lang="fr-FR" dirty="0" err="1"/>
+              <a:t>json</a:t>
+            </a:r>
+            <a:endParaRPr lang="fr-FR" dirty="0"/>
+          </a:p>
+          <a:p>
+            <a:pPr lvl="1"/>
+            <a:r>
+              <a:rPr lang="fr-FR" dirty="0"/>
+              <a:t>Un « module </a:t>
+            </a:r>
+            <a:r>
+              <a:rPr lang="fr-FR" dirty="0" err="1"/>
+              <a:t>Sqlite</a:t>
+            </a:r>
+            <a:r>
+              <a:rPr lang="fr-FR" dirty="0"/>
+              <a:t> » pour gérer la base de donnée </a:t>
+            </a:r>
+            <a:r>
+              <a:rPr lang="fr-FR" dirty="0" err="1"/>
+              <a:t>Sqlite</a:t>
+            </a:r>
+            <a:r>
+              <a:rPr lang="fr-FR" dirty="0"/>
+              <a:t> : ajout de donnée / extraction sous format JSON</a:t>
+            </a:r>
+          </a:p>
+          <a:p>
+            <a:pPr lvl="1"/>
+            <a:r>
+              <a:rPr lang="fr-FR" dirty="0"/>
+              <a:t>Un « module </a:t>
+            </a:r>
+            <a:r>
+              <a:rPr lang="fr-FR" dirty="0" err="1"/>
+              <a:t>History</a:t>
+            </a:r>
+            <a:r>
+              <a:rPr lang="fr-FR" dirty="0"/>
+              <a:t> » pour inscrire une mesure dans la base de donnée suivant un </a:t>
+            </a:r>
+            <a:r>
+              <a:rPr lang="fr-FR" dirty="0" err="1"/>
+              <a:t>Timer</a:t>
+            </a:r>
+            <a:r>
+              <a:rPr lang="fr-FR" dirty="0"/>
+              <a:t>. Ici toute les heures</a:t>
+            </a:r>
+          </a:p>
+          <a:p>
+            <a:pPr lvl="1"/>
+            <a:r>
+              <a:rPr lang="fr-FR" dirty="0"/>
+              <a:t>Un « module Infos » pour extraire les infos du serveur : </a:t>
+            </a:r>
+          </a:p>
+          <a:p>
+            <a:pPr lvl="1"/>
+            <a:endParaRPr lang="fr-FR" dirty="0"/>
+          </a:p>
+          <a:p>
+            <a:pPr marL="0" indent="0">
+              <a:buNone/>
+            </a:pPr>
+            <a:r>
+              <a:rPr lang="fr-FR" dirty="0"/>
+              <a:t>Ajout du « point d’entrée » du projet.</a:t>
+            </a:r>
+          </a:p>
+          <a:p>
+            <a:pPr marL="548640" lvl="2" indent="0">
+              <a:buNone/>
+            </a:pPr>
             <a:endParaRPr lang="fr-FR" dirty="0"/>
           </a:p>
           <a:p>
@@ -14921,14 +14898,14 @@
               <a:rPr lang="fr-FR" smtClean="0"/>
               <a:t>22/06/2021</a:t>
             </a:fld>
-            <a:endParaRPr lang="en-US"/>
+            <a:endParaRPr lang="en-US" dirty="0"/>
           </a:p>
         </p:txBody>
       </p:sp>
     </p:spTree>
     <p:extLst>
       <p:ext uri="{BB962C8B-B14F-4D97-AF65-F5344CB8AC3E}">
-        <p14:creationId xmlns:p14="http://schemas.microsoft.com/office/powerpoint/2010/main" val="2089308026"/>
+        <p14:creationId xmlns:p14="http://schemas.microsoft.com/office/powerpoint/2010/main" val="2179627063"/>
       </p:ext>
     </p:extLst>
   </p:cSld>
@@ -14960,7 +14937,7 @@
           <p:cNvPr id="2" name="Titre 1">
             <a:extLst>
               <a:ext uri="{FF2B5EF4-FFF2-40B4-BE49-F238E27FC236}">
-                <a16:creationId xmlns:a16="http://schemas.microsoft.com/office/drawing/2014/main" id="{EA53D9FC-3044-40B7-A8EB-EAB80F26D6FE}"/>
+                <a16:creationId xmlns:a16="http://schemas.microsoft.com/office/drawing/2014/main" id="{7E66DA7D-18FF-43FA-9114-735D5287AF90}"/>
               </a:ext>
             </a:extLst>
           </p:cNvPr>
@@ -14974,42 +14951,7 @@
         <p:spPr>
           <a:xfrm>
             <a:off x="1066800" y="642594"/>
-            <a:ext cx="10058400" cy="556814"/>
-          </a:xfrm>
-        </p:spPr>
-        <p:txBody>
-          <a:bodyPr>
-            <a:normAutofit fontScale="90000"/>
-          </a:bodyPr>
-          <a:lstStyle/>
-          <a:p>
-            <a:r>
-              <a:rPr lang="fr-FR" dirty="0"/>
-              <a:t>Conception du Serveur : 2eme étape</a:t>
-            </a:r>
-          </a:p>
-        </p:txBody>
-      </p:sp>
-      <p:sp>
-        <p:nvSpPr>
-          <p:cNvPr id="3" name="Espace réservé du contenu 2">
-            <a:extLst>
-              <a:ext uri="{FF2B5EF4-FFF2-40B4-BE49-F238E27FC236}">
-                <a16:creationId xmlns:a16="http://schemas.microsoft.com/office/drawing/2014/main" id="{5837093E-200E-45C2-A38D-202DB399C72A}"/>
-              </a:ext>
-            </a:extLst>
-          </p:cNvPr>
-          <p:cNvSpPr>
-            <a:spLocks noGrp="1"/>
-          </p:cNvSpPr>
-          <p:nvPr>
-            <p:ph idx="1"/>
-          </p:nvPr>
-        </p:nvSpPr>
-        <p:spPr>
-          <a:xfrm>
-            <a:off x="1066800" y="1300348"/>
-            <a:ext cx="10058400" cy="4652396"/>
+            <a:ext cx="10058400" cy="609610"/>
           </a:xfrm>
         </p:spPr>
         <p:txBody>
@@ -15018,229 +14960,10 @@
           </a:bodyPr>
           <a:lstStyle/>
           <a:p>
-            <a:pPr marL="0" indent="0">
-              <a:buNone/>
-            </a:pPr>
-            <a:r>
-              <a:rPr lang="fr-FR" dirty="0"/>
-              <a:t>Mise au point sous Windows avec Visual studio :</a:t>
-            </a:r>
-          </a:p>
-          <a:p>
-            <a:pPr lvl="1"/>
-            <a:r>
-              <a:rPr lang="fr-FR" dirty="0"/>
-              <a:t>Création d’un projet cross platform UNIX/WINDOWS avec CMAKE :</a:t>
-            </a:r>
-          </a:p>
-          <a:p>
-            <a:pPr lvl="2"/>
-            <a:r>
-              <a:rPr lang="fr-FR" dirty="0"/>
-              <a:t>Ajout dans le projet de tierce partie :</a:t>
-            </a:r>
-          </a:p>
-          <a:p>
-            <a:pPr lvl="3"/>
-            <a:r>
-              <a:rPr lang="fr-FR" dirty="0"/>
-              <a:t>Du code source du Driver BME 280</a:t>
-            </a:r>
-          </a:p>
-          <a:p>
-            <a:pPr lvl="3"/>
-            <a:r>
-              <a:rPr lang="fr-FR" dirty="0"/>
-              <a:t>Du code source de </a:t>
-            </a:r>
-            <a:r>
-              <a:rPr lang="fr-FR" dirty="0" err="1"/>
-              <a:t>BuildInc</a:t>
-            </a:r>
-            <a:r>
-              <a:rPr lang="fr-FR" dirty="0"/>
-              <a:t> : petit utilitaire qui permet d’</a:t>
-            </a:r>
-            <a:r>
-              <a:rPr lang="fr-FR" dirty="0" err="1"/>
-              <a:t>incrementer</a:t>
-            </a:r>
-            <a:r>
-              <a:rPr lang="fr-FR" dirty="0"/>
-              <a:t> un numéro de </a:t>
-            </a:r>
-            <a:r>
-              <a:rPr lang="fr-FR" dirty="0" err="1"/>
-              <a:t>build</a:t>
-            </a:r>
-            <a:r>
-              <a:rPr lang="fr-FR" dirty="0"/>
-              <a:t> a chaque </a:t>
-            </a:r>
-            <a:r>
-              <a:rPr lang="fr-FR" dirty="0" err="1"/>
-              <a:t>build</a:t>
-            </a:r>
-            <a:endParaRPr lang="fr-FR" dirty="0"/>
-          </a:p>
-          <a:p>
-            <a:pPr lvl="3"/>
-            <a:r>
-              <a:rPr lang="fr-FR" dirty="0"/>
-              <a:t>Du code source de </a:t>
-            </a:r>
-            <a:r>
-              <a:rPr lang="fr-FR" dirty="0" err="1"/>
-              <a:t>libuv</a:t>
-            </a:r>
-            <a:r>
-              <a:rPr lang="fr-FR" dirty="0"/>
-              <a:t> : la libraire de communication réseau</a:t>
-            </a:r>
-          </a:p>
-          <a:p>
-            <a:pPr lvl="3"/>
-            <a:r>
-              <a:rPr lang="fr-FR" dirty="0"/>
-              <a:t>Du code source de SQlite3</a:t>
-            </a:r>
-          </a:p>
-          <a:p>
-            <a:pPr lvl="3"/>
-            <a:r>
-              <a:rPr lang="fr-FR" dirty="0"/>
-              <a:t>Du code source de </a:t>
-            </a:r>
-            <a:r>
-              <a:rPr lang="fr-FR" dirty="0" err="1"/>
-              <a:t>uv_cpp</a:t>
-            </a:r>
-            <a:r>
-              <a:rPr lang="fr-FR" dirty="0"/>
-              <a:t> : le </a:t>
-            </a:r>
-            <a:r>
-              <a:rPr lang="fr-FR" dirty="0" err="1"/>
-              <a:t>wrapper</a:t>
-            </a:r>
-            <a:r>
-              <a:rPr lang="fr-FR" dirty="0"/>
-              <a:t> </a:t>
-            </a:r>
-            <a:r>
-              <a:rPr lang="fr-FR" dirty="0" err="1"/>
-              <a:t>cpp</a:t>
-            </a:r>
-            <a:r>
-              <a:rPr lang="fr-FR" dirty="0"/>
-              <a:t> pour </a:t>
-            </a:r>
-            <a:r>
-              <a:rPr lang="fr-FR" dirty="0" err="1"/>
-              <a:t>libuv</a:t>
-            </a:r>
-            <a:endParaRPr lang="fr-FR" dirty="0"/>
-          </a:p>
-          <a:p>
-            <a:pPr lvl="2"/>
-            <a:r>
-              <a:rPr lang="fr-FR" dirty="0"/>
-              <a:t>Ajout dans le projet du code utile reparti en module :</a:t>
-            </a:r>
-          </a:p>
-          <a:p>
-            <a:pPr lvl="3"/>
-            <a:r>
-              <a:rPr lang="fr-FR" dirty="0"/>
-              <a:t>Un module pour gérer le serveur HTTP : réception / traitement / envoi de requête HTTP</a:t>
-            </a:r>
-          </a:p>
-          <a:p>
-            <a:pPr lvl="3"/>
-            <a:r>
-              <a:rPr lang="fr-FR" dirty="0"/>
-              <a:t>Un module pour gérer le capteur : mesure du capteur et formatage des données mesurées</a:t>
-            </a:r>
-          </a:p>
-          <a:p>
-            <a:pPr lvl="3"/>
-            <a:r>
-              <a:rPr lang="fr-FR" dirty="0"/>
-              <a:t>Un module pour gérer la base de donnée : ajout de donnée / extraction sous forme JSON</a:t>
-            </a:r>
-          </a:p>
-          <a:p>
-            <a:pPr lvl="3"/>
-            <a:r>
-              <a:rPr lang="fr-FR" dirty="0"/>
-              <a:t>Un module pour piloter la mesure et l’inscription dans la base de donnée suivant un </a:t>
-            </a:r>
-            <a:r>
-              <a:rPr lang="fr-FR" dirty="0" err="1"/>
-              <a:t>timer</a:t>
-            </a:r>
-            <a:r>
-              <a:rPr lang="fr-FR" dirty="0"/>
-              <a:t>. Ici toute les heures</a:t>
-            </a:r>
-          </a:p>
-          <a:p>
-            <a:pPr lvl="3"/>
-            <a:r>
-              <a:rPr lang="fr-FR" dirty="0"/>
-              <a:t>Un module pour extraire les infos du serveur : </a:t>
-            </a:r>
-          </a:p>
-          <a:p>
-            <a:pPr lvl="4"/>
-            <a:r>
-              <a:rPr lang="fr-FR" dirty="0"/>
-              <a:t>Infos de l’os : version, </a:t>
-            </a:r>
-            <a:r>
-              <a:rPr lang="fr-FR" dirty="0" err="1"/>
-              <a:t>cpu</a:t>
-            </a:r>
-            <a:endParaRPr lang="fr-FR" dirty="0"/>
-          </a:p>
-          <a:p>
-            <a:pPr lvl="4"/>
-            <a:r>
-              <a:rPr lang="fr-FR" dirty="0"/>
-              <a:t>Infos sur la bd : nombre d’enregistrements, version de la bd, chemin de la bd</a:t>
-            </a:r>
-          </a:p>
-          <a:p>
-            <a:pPr lvl="4"/>
-            <a:r>
-              <a:rPr lang="fr-FR" dirty="0"/>
-              <a:t>Infos sur le serveur : version, ligne de commande utilisé</a:t>
-            </a:r>
-          </a:p>
-          <a:p>
-            <a:pPr lvl="3"/>
-            <a:r>
-              <a:rPr lang="fr-FR" dirty="0"/>
-              <a:t>Ajout de l’</a:t>
-            </a:r>
-            <a:r>
-              <a:rPr lang="fr-FR" dirty="0" err="1"/>
-              <a:t>nty</a:t>
-            </a:r>
-            <a:r>
-              <a:rPr lang="fr-FR" dirty="0"/>
-              <a:t> point du projet :</a:t>
-            </a:r>
-          </a:p>
-          <a:p>
-            <a:pPr lvl="3"/>
-            <a:endParaRPr lang="fr-FR" dirty="0"/>
-          </a:p>
-          <a:p>
-            <a:pPr marL="0" indent="0">
-              <a:buNone/>
-            </a:pPr>
-            <a:endParaRPr lang="fr-FR" dirty="0"/>
+            <a:r>
+              <a:rPr lang="fr-FR" sz="2000" dirty="0"/>
+              <a:t>2.1) Windows : Mise en place des différents modules </a:t>
+            </a:r>
           </a:p>
         </p:txBody>
       </p:sp>
@@ -15249,7 +14972,7 @@
           <p:cNvPr id="4" name="Espace réservé de la date 3">
             <a:extLst>
               <a:ext uri="{FF2B5EF4-FFF2-40B4-BE49-F238E27FC236}">
-                <a16:creationId xmlns:a16="http://schemas.microsoft.com/office/drawing/2014/main" id="{60BDC591-8D09-4D49-88A2-408CD1604F69}"/>
+                <a16:creationId xmlns:a16="http://schemas.microsoft.com/office/drawing/2014/main" id="{C69CF264-999B-4AE6-86E6-38F9278562E7}"/>
               </a:ext>
             </a:extLst>
           </p:cNvPr>
@@ -15274,10 +14997,2473 @@
           </a:p>
         </p:txBody>
       </p:sp>
+      <p:sp>
+        <p:nvSpPr>
+          <p:cNvPr id="10" name="Rectangle 9">
+            <a:extLst>
+              <a:ext uri="{FF2B5EF4-FFF2-40B4-BE49-F238E27FC236}">
+                <a16:creationId xmlns:a16="http://schemas.microsoft.com/office/drawing/2014/main" id="{26E45F42-3C53-4E6C-9B2D-57B16B2D7697}"/>
+              </a:ext>
+            </a:extLst>
+          </p:cNvPr>
+          <p:cNvSpPr/>
+          <p:nvPr/>
+        </p:nvSpPr>
+        <p:spPr>
+          <a:xfrm>
+            <a:off x="695503" y="1386149"/>
+            <a:ext cx="1808906" cy="3462010"/>
+          </a:xfrm>
+          <a:prstGeom prst="rect">
+            <a:avLst/>
+          </a:prstGeom>
+        </p:spPr>
+        <p:style>
+          <a:lnRef idx="0">
+            <a:schemeClr val="accent4"/>
+          </a:lnRef>
+          <a:fillRef idx="3">
+            <a:schemeClr val="accent4"/>
+          </a:fillRef>
+          <a:effectRef idx="3">
+            <a:schemeClr val="accent4"/>
+          </a:effectRef>
+          <a:fontRef idx="minor">
+            <a:schemeClr val="lt1"/>
+          </a:fontRef>
+        </p:style>
+        <p:txBody>
+          <a:bodyPr rtlCol="0" anchor="t"/>
+          <a:lstStyle/>
+          <a:p>
+            <a:pPr algn="ctr"/>
+            <a:r>
+              <a:rPr lang="fr-FR" dirty="0"/>
+              <a:t>Point </a:t>
+            </a:r>
+          </a:p>
+          <a:p>
+            <a:pPr algn="ctr"/>
+            <a:r>
+              <a:rPr lang="fr-FR" dirty="0"/>
+              <a:t>d’entrée</a:t>
+            </a:r>
+          </a:p>
+        </p:txBody>
+      </p:sp>
+      <p:sp>
+        <p:nvSpPr>
+          <p:cNvPr id="50" name="Rectangle 49">
+            <a:extLst>
+              <a:ext uri="{FF2B5EF4-FFF2-40B4-BE49-F238E27FC236}">
+                <a16:creationId xmlns:a16="http://schemas.microsoft.com/office/drawing/2014/main" id="{6C6ED15A-856B-4802-8BD2-CCCE65BF5ABE}"/>
+              </a:ext>
+            </a:extLst>
+          </p:cNvPr>
+          <p:cNvSpPr/>
+          <p:nvPr/>
+        </p:nvSpPr>
+        <p:spPr>
+          <a:xfrm>
+            <a:off x="2699999" y="1399433"/>
+            <a:ext cx="3727335" cy="4829258"/>
+          </a:xfrm>
+          <a:prstGeom prst="rect">
+            <a:avLst/>
+          </a:prstGeom>
+        </p:spPr>
+        <p:style>
+          <a:lnRef idx="0">
+            <a:schemeClr val="accent5"/>
+          </a:lnRef>
+          <a:fillRef idx="3">
+            <a:schemeClr val="accent5"/>
+          </a:fillRef>
+          <a:effectRef idx="3">
+            <a:schemeClr val="accent5"/>
+          </a:effectRef>
+          <a:fontRef idx="minor">
+            <a:schemeClr val="lt1"/>
+          </a:fontRef>
+        </p:style>
+        <p:txBody>
+          <a:bodyPr rtlCol="0" anchor="t"/>
+          <a:lstStyle/>
+          <a:p>
+            <a:pPr algn="ctr"/>
+            <a:r>
+              <a:rPr lang="fr-FR" dirty="0"/>
+              <a:t>Module </a:t>
+            </a:r>
+          </a:p>
+          <a:p>
+            <a:pPr algn="ctr"/>
+            <a:r>
+              <a:rPr lang="fr-FR" dirty="0"/>
+              <a:t>HTTP</a:t>
+            </a:r>
+          </a:p>
+        </p:txBody>
+      </p:sp>
+      <p:sp>
+        <p:nvSpPr>
+          <p:cNvPr id="51" name="Rectangle 50">
+            <a:extLst>
+              <a:ext uri="{FF2B5EF4-FFF2-40B4-BE49-F238E27FC236}">
+                <a16:creationId xmlns:a16="http://schemas.microsoft.com/office/drawing/2014/main" id="{A4DA7FF2-5773-4991-92E4-0D6C988598A0}"/>
+              </a:ext>
+            </a:extLst>
+          </p:cNvPr>
+          <p:cNvSpPr/>
+          <p:nvPr/>
+        </p:nvSpPr>
+        <p:spPr>
+          <a:xfrm>
+            <a:off x="6685818" y="1395516"/>
+            <a:ext cx="1881223" cy="4442256"/>
+          </a:xfrm>
+          <a:prstGeom prst="rect">
+            <a:avLst/>
+          </a:prstGeom>
+        </p:spPr>
+        <p:style>
+          <a:lnRef idx="0">
+            <a:schemeClr val="accent3"/>
+          </a:lnRef>
+          <a:fillRef idx="3">
+            <a:schemeClr val="accent3"/>
+          </a:fillRef>
+          <a:effectRef idx="3">
+            <a:schemeClr val="accent3"/>
+          </a:effectRef>
+          <a:fontRef idx="minor">
+            <a:schemeClr val="lt1"/>
+          </a:fontRef>
+        </p:style>
+        <p:txBody>
+          <a:bodyPr rtlCol="0" anchor="t"/>
+          <a:lstStyle/>
+          <a:p>
+            <a:pPr algn="ctr"/>
+            <a:r>
+              <a:rPr lang="fr-FR" dirty="0"/>
+              <a:t>Module </a:t>
+            </a:r>
+          </a:p>
+          <a:p>
+            <a:pPr algn="ctr"/>
+            <a:r>
+              <a:rPr lang="fr-FR" dirty="0"/>
+              <a:t>Infos</a:t>
+            </a:r>
+          </a:p>
+        </p:txBody>
+      </p:sp>
+      <p:sp>
+        <p:nvSpPr>
+          <p:cNvPr id="52" name="Rectangle 51">
+            <a:extLst>
+              <a:ext uri="{FF2B5EF4-FFF2-40B4-BE49-F238E27FC236}">
+                <a16:creationId xmlns:a16="http://schemas.microsoft.com/office/drawing/2014/main" id="{96681C46-218A-4FED-A4AE-D5BF6F20A47C}"/>
+              </a:ext>
+            </a:extLst>
+          </p:cNvPr>
+          <p:cNvSpPr/>
+          <p:nvPr/>
+        </p:nvSpPr>
+        <p:spPr>
+          <a:xfrm>
+            <a:off x="8756966" y="1399102"/>
+            <a:ext cx="1808906" cy="1994806"/>
+          </a:xfrm>
+          <a:prstGeom prst="rect">
+            <a:avLst/>
+          </a:prstGeom>
+        </p:spPr>
+        <p:style>
+          <a:lnRef idx="0">
+            <a:schemeClr val="accent1"/>
+          </a:lnRef>
+          <a:fillRef idx="3">
+            <a:schemeClr val="accent1"/>
+          </a:fillRef>
+          <a:effectRef idx="3">
+            <a:schemeClr val="accent1"/>
+          </a:effectRef>
+          <a:fontRef idx="minor">
+            <a:schemeClr val="lt1"/>
+          </a:fontRef>
+        </p:style>
+        <p:txBody>
+          <a:bodyPr rtlCol="0" anchor="t"/>
+          <a:lstStyle/>
+          <a:p>
+            <a:pPr algn="ctr"/>
+            <a:r>
+              <a:rPr lang="fr-FR" dirty="0"/>
+              <a:t>Module </a:t>
+            </a:r>
+          </a:p>
+          <a:p>
+            <a:pPr algn="ctr"/>
+            <a:r>
+              <a:rPr lang="fr-FR" dirty="0"/>
+              <a:t>BD (Base de donnée)</a:t>
+            </a:r>
+          </a:p>
+        </p:txBody>
+      </p:sp>
+      <p:sp>
+        <p:nvSpPr>
+          <p:cNvPr id="53" name="Rectangle 52">
+            <a:extLst>
+              <a:ext uri="{FF2B5EF4-FFF2-40B4-BE49-F238E27FC236}">
+                <a16:creationId xmlns:a16="http://schemas.microsoft.com/office/drawing/2014/main" id="{8A5C723C-1C87-4C0B-9CDA-6D2331F0FD4A}"/>
+              </a:ext>
+            </a:extLst>
+          </p:cNvPr>
+          <p:cNvSpPr/>
+          <p:nvPr/>
+        </p:nvSpPr>
+        <p:spPr>
+          <a:xfrm>
+            <a:off x="8756966" y="3465814"/>
+            <a:ext cx="1808906" cy="1310458"/>
+          </a:xfrm>
+          <a:prstGeom prst="rect">
+            <a:avLst/>
+          </a:prstGeom>
+          <a:solidFill>
+            <a:schemeClr val="accent2">
+              <a:lumMod val="60000"/>
+              <a:lumOff val="40000"/>
+            </a:schemeClr>
+          </a:solidFill>
+        </p:spPr>
+        <p:style>
+          <a:lnRef idx="0">
+            <a:schemeClr val="accent2"/>
+          </a:lnRef>
+          <a:fillRef idx="3">
+            <a:schemeClr val="accent2"/>
+          </a:fillRef>
+          <a:effectRef idx="3">
+            <a:schemeClr val="accent2"/>
+          </a:effectRef>
+          <a:fontRef idx="minor">
+            <a:schemeClr val="lt1"/>
+          </a:fontRef>
+        </p:style>
+        <p:txBody>
+          <a:bodyPr rtlCol="0" anchor="t"/>
+          <a:lstStyle/>
+          <a:p>
+            <a:pPr algn="ctr"/>
+            <a:r>
+              <a:rPr lang="fr-FR" dirty="0"/>
+              <a:t>Module BME280</a:t>
+            </a:r>
+          </a:p>
+        </p:txBody>
+      </p:sp>
+      <p:sp>
+        <p:nvSpPr>
+          <p:cNvPr id="54" name="Rectangle 53">
+            <a:extLst>
+              <a:ext uri="{FF2B5EF4-FFF2-40B4-BE49-F238E27FC236}">
+                <a16:creationId xmlns:a16="http://schemas.microsoft.com/office/drawing/2014/main" id="{A4942C4E-521C-4234-987F-E29A8D0A0470}"/>
+              </a:ext>
+            </a:extLst>
+          </p:cNvPr>
+          <p:cNvSpPr/>
+          <p:nvPr/>
+        </p:nvSpPr>
+        <p:spPr>
+          <a:xfrm>
+            <a:off x="8998193" y="2304757"/>
+            <a:ext cx="1310445" cy="250441"/>
+          </a:xfrm>
+          <a:prstGeom prst="rect">
+            <a:avLst/>
+          </a:prstGeom>
+        </p:spPr>
+        <p:style>
+          <a:lnRef idx="0">
+            <a:schemeClr val="accent1"/>
+          </a:lnRef>
+          <a:fillRef idx="3">
+            <a:schemeClr val="accent1"/>
+          </a:fillRef>
+          <a:effectRef idx="3">
+            <a:schemeClr val="accent1"/>
+          </a:effectRef>
+          <a:fontRef idx="minor">
+            <a:schemeClr val="lt1"/>
+          </a:fontRef>
+        </p:style>
+        <p:txBody>
+          <a:bodyPr rtlCol="0" anchor="ctr"/>
+          <a:lstStyle/>
+          <a:p>
+            <a:pPr algn="ctr"/>
+            <a:r>
+              <a:rPr lang="fr-FR" sz="1200" dirty="0"/>
+              <a:t>Lecture</a:t>
+            </a:r>
+          </a:p>
+        </p:txBody>
+      </p:sp>
+      <p:sp>
+        <p:nvSpPr>
+          <p:cNvPr id="56" name="Rectangle 55">
+            <a:extLst>
+              <a:ext uri="{FF2B5EF4-FFF2-40B4-BE49-F238E27FC236}">
+                <a16:creationId xmlns:a16="http://schemas.microsoft.com/office/drawing/2014/main" id="{87DE2EEE-3083-4146-A956-D78540F6D803}"/>
+              </a:ext>
+            </a:extLst>
+          </p:cNvPr>
+          <p:cNvSpPr/>
+          <p:nvPr/>
+        </p:nvSpPr>
+        <p:spPr>
+          <a:xfrm>
+            <a:off x="8998192" y="2654203"/>
+            <a:ext cx="1310445" cy="250441"/>
+          </a:xfrm>
+          <a:prstGeom prst="rect">
+            <a:avLst/>
+          </a:prstGeom>
+        </p:spPr>
+        <p:style>
+          <a:lnRef idx="0">
+            <a:schemeClr val="accent1"/>
+          </a:lnRef>
+          <a:fillRef idx="3">
+            <a:schemeClr val="accent1"/>
+          </a:fillRef>
+          <a:effectRef idx="3">
+            <a:schemeClr val="accent1"/>
+          </a:effectRef>
+          <a:fontRef idx="minor">
+            <a:schemeClr val="lt1"/>
+          </a:fontRef>
+        </p:style>
+        <p:txBody>
+          <a:bodyPr rtlCol="0" anchor="ctr"/>
+          <a:lstStyle/>
+          <a:p>
+            <a:pPr algn="ctr"/>
+            <a:r>
+              <a:rPr lang="fr-FR" sz="1200" dirty="0"/>
+              <a:t>Ecriture</a:t>
+            </a:r>
+          </a:p>
+        </p:txBody>
+      </p:sp>
+      <p:sp>
+        <p:nvSpPr>
+          <p:cNvPr id="58" name="Rectangle 57">
+            <a:extLst>
+              <a:ext uri="{FF2B5EF4-FFF2-40B4-BE49-F238E27FC236}">
+                <a16:creationId xmlns:a16="http://schemas.microsoft.com/office/drawing/2014/main" id="{B8F59CD3-BB6B-4FBF-85FC-C3461389E45B}"/>
+              </a:ext>
+            </a:extLst>
+          </p:cNvPr>
+          <p:cNvSpPr/>
+          <p:nvPr/>
+        </p:nvSpPr>
+        <p:spPr>
+          <a:xfrm>
+            <a:off x="8898447" y="4156601"/>
+            <a:ext cx="1521580" cy="467689"/>
+          </a:xfrm>
+          <a:prstGeom prst="rect">
+            <a:avLst/>
+          </a:prstGeom>
+          <a:solidFill>
+            <a:schemeClr val="accent2">
+              <a:lumMod val="60000"/>
+              <a:lumOff val="40000"/>
+            </a:schemeClr>
+          </a:solidFill>
+        </p:spPr>
+        <p:style>
+          <a:lnRef idx="0">
+            <a:schemeClr val="accent2"/>
+          </a:lnRef>
+          <a:fillRef idx="3">
+            <a:schemeClr val="accent2"/>
+          </a:fillRef>
+          <a:effectRef idx="3">
+            <a:schemeClr val="accent2"/>
+          </a:effectRef>
+          <a:fontRef idx="minor">
+            <a:schemeClr val="lt1"/>
+          </a:fontRef>
+        </p:style>
+        <p:txBody>
+          <a:bodyPr rtlCol="0" anchor="t"/>
+          <a:lstStyle/>
+          <a:p>
+            <a:pPr algn="ctr"/>
+            <a:r>
+              <a:rPr lang="fr-FR" sz="1200" dirty="0"/>
+              <a:t>Lecture</a:t>
+            </a:r>
+          </a:p>
+          <a:p>
+            <a:pPr algn="ctr"/>
+            <a:r>
+              <a:rPr lang="fr-FR" sz="1200" dirty="0"/>
+              <a:t>Des données</a:t>
+            </a:r>
+          </a:p>
+        </p:txBody>
+      </p:sp>
+      <p:sp>
+        <p:nvSpPr>
+          <p:cNvPr id="61" name="Rectangle 60">
+            <a:extLst>
+              <a:ext uri="{FF2B5EF4-FFF2-40B4-BE49-F238E27FC236}">
+                <a16:creationId xmlns:a16="http://schemas.microsoft.com/office/drawing/2014/main" id="{2A521230-3FE4-4600-B492-14BF15DB05EF}"/>
+              </a:ext>
+            </a:extLst>
+          </p:cNvPr>
+          <p:cNvSpPr/>
+          <p:nvPr/>
+        </p:nvSpPr>
+        <p:spPr>
+          <a:xfrm>
+            <a:off x="6927271" y="2099011"/>
+            <a:ext cx="1411168" cy="262089"/>
+          </a:xfrm>
+          <a:prstGeom prst="rect">
+            <a:avLst/>
+          </a:prstGeom>
+        </p:spPr>
+        <p:style>
+          <a:lnRef idx="0">
+            <a:schemeClr val="accent3"/>
+          </a:lnRef>
+          <a:fillRef idx="3">
+            <a:schemeClr val="accent3"/>
+          </a:fillRef>
+          <a:effectRef idx="3">
+            <a:schemeClr val="accent3"/>
+          </a:effectRef>
+          <a:fontRef idx="minor">
+            <a:schemeClr val="lt1"/>
+          </a:fontRef>
+        </p:style>
+        <p:txBody>
+          <a:bodyPr rtlCol="0" anchor="t"/>
+          <a:lstStyle/>
+          <a:p>
+            <a:pPr algn="ctr"/>
+            <a:r>
+              <a:rPr lang="fr-FR" sz="1200" dirty="0"/>
+              <a:t>Version OS</a:t>
+            </a:r>
+          </a:p>
+        </p:txBody>
+      </p:sp>
+      <p:sp>
+        <p:nvSpPr>
+          <p:cNvPr id="62" name="Rectangle 61">
+            <a:extLst>
+              <a:ext uri="{FF2B5EF4-FFF2-40B4-BE49-F238E27FC236}">
+                <a16:creationId xmlns:a16="http://schemas.microsoft.com/office/drawing/2014/main" id="{9ED7E029-317D-4CF5-ACF7-53DA2D4DD68C}"/>
+              </a:ext>
+            </a:extLst>
+          </p:cNvPr>
+          <p:cNvSpPr/>
+          <p:nvPr/>
+        </p:nvSpPr>
+        <p:spPr>
+          <a:xfrm>
+            <a:off x="6927271" y="2455660"/>
+            <a:ext cx="1411168" cy="456613"/>
+          </a:xfrm>
+          <a:prstGeom prst="rect">
+            <a:avLst/>
+          </a:prstGeom>
+        </p:spPr>
+        <p:style>
+          <a:lnRef idx="0">
+            <a:schemeClr val="accent3"/>
+          </a:lnRef>
+          <a:fillRef idx="3">
+            <a:schemeClr val="accent3"/>
+          </a:fillRef>
+          <a:effectRef idx="3">
+            <a:schemeClr val="accent3"/>
+          </a:effectRef>
+          <a:fontRef idx="minor">
+            <a:schemeClr val="lt1"/>
+          </a:fontRef>
+        </p:style>
+        <p:txBody>
+          <a:bodyPr rtlCol="0" anchor="t"/>
+          <a:lstStyle/>
+          <a:p>
+            <a:pPr algn="ctr"/>
+            <a:r>
+              <a:rPr lang="fr-FR" sz="1200" dirty="0"/>
+              <a:t>Version Base de donnée</a:t>
+            </a:r>
+          </a:p>
+        </p:txBody>
+      </p:sp>
+      <p:sp>
+        <p:nvSpPr>
+          <p:cNvPr id="63" name="Rectangle 62">
+            <a:extLst>
+              <a:ext uri="{FF2B5EF4-FFF2-40B4-BE49-F238E27FC236}">
+                <a16:creationId xmlns:a16="http://schemas.microsoft.com/office/drawing/2014/main" id="{5EA2486A-A777-4EA6-B694-50E5497110F8}"/>
+              </a:ext>
+            </a:extLst>
+          </p:cNvPr>
+          <p:cNvSpPr/>
+          <p:nvPr/>
+        </p:nvSpPr>
+        <p:spPr>
+          <a:xfrm>
+            <a:off x="6927271" y="3020614"/>
+            <a:ext cx="1411168" cy="630177"/>
+          </a:xfrm>
+          <a:prstGeom prst="rect">
+            <a:avLst/>
+          </a:prstGeom>
+        </p:spPr>
+        <p:style>
+          <a:lnRef idx="0">
+            <a:schemeClr val="accent3"/>
+          </a:lnRef>
+          <a:fillRef idx="3">
+            <a:schemeClr val="accent3"/>
+          </a:fillRef>
+          <a:effectRef idx="3">
+            <a:schemeClr val="accent3"/>
+          </a:effectRef>
+          <a:fontRef idx="minor">
+            <a:schemeClr val="lt1"/>
+          </a:fontRef>
+        </p:style>
+        <p:txBody>
+          <a:bodyPr rtlCol="0" anchor="t"/>
+          <a:lstStyle/>
+          <a:p>
+            <a:pPr algn="ctr"/>
+            <a:r>
+              <a:rPr lang="fr-FR" sz="1200" dirty="0"/>
+              <a:t>Version de l’application serveur</a:t>
+            </a:r>
+          </a:p>
+        </p:txBody>
+      </p:sp>
+      <p:sp>
+        <p:nvSpPr>
+          <p:cNvPr id="64" name="Rectangle 63">
+            <a:extLst>
+              <a:ext uri="{FF2B5EF4-FFF2-40B4-BE49-F238E27FC236}">
+                <a16:creationId xmlns:a16="http://schemas.microsoft.com/office/drawing/2014/main" id="{5E12C4F3-211B-43DF-80F3-28DADADDE89E}"/>
+              </a:ext>
+            </a:extLst>
+          </p:cNvPr>
+          <p:cNvSpPr/>
+          <p:nvPr/>
+        </p:nvSpPr>
+        <p:spPr>
+          <a:xfrm>
+            <a:off x="6927271" y="3759132"/>
+            <a:ext cx="1411168" cy="630177"/>
+          </a:xfrm>
+          <a:prstGeom prst="rect">
+            <a:avLst/>
+          </a:prstGeom>
+        </p:spPr>
+        <p:style>
+          <a:lnRef idx="0">
+            <a:schemeClr val="accent3"/>
+          </a:lnRef>
+          <a:fillRef idx="3">
+            <a:schemeClr val="accent3"/>
+          </a:fillRef>
+          <a:effectRef idx="3">
+            <a:schemeClr val="accent3"/>
+          </a:effectRef>
+          <a:fontRef idx="minor">
+            <a:schemeClr val="lt1"/>
+          </a:fontRef>
+        </p:style>
+        <p:txBody>
+          <a:bodyPr rtlCol="0" anchor="t"/>
+          <a:lstStyle/>
+          <a:p>
+            <a:pPr algn="ctr"/>
+            <a:r>
+              <a:rPr lang="fr-FR" sz="1200" dirty="0"/>
+              <a:t>Nombre d’entrée dans la BD</a:t>
+            </a:r>
+          </a:p>
+        </p:txBody>
+      </p:sp>
+      <p:sp>
+        <p:nvSpPr>
+          <p:cNvPr id="65" name="Rectangle 64">
+            <a:extLst>
+              <a:ext uri="{FF2B5EF4-FFF2-40B4-BE49-F238E27FC236}">
+                <a16:creationId xmlns:a16="http://schemas.microsoft.com/office/drawing/2014/main" id="{31BA0309-0175-4A80-9948-2A1BCF6389DA}"/>
+              </a:ext>
+            </a:extLst>
+          </p:cNvPr>
+          <p:cNvSpPr/>
+          <p:nvPr/>
+        </p:nvSpPr>
+        <p:spPr>
+          <a:xfrm>
+            <a:off x="9006197" y="2998410"/>
+            <a:ext cx="1310445" cy="250441"/>
+          </a:xfrm>
+          <a:prstGeom prst="rect">
+            <a:avLst/>
+          </a:prstGeom>
+        </p:spPr>
+        <p:style>
+          <a:lnRef idx="0">
+            <a:schemeClr val="accent1"/>
+          </a:lnRef>
+          <a:fillRef idx="3">
+            <a:schemeClr val="accent1"/>
+          </a:fillRef>
+          <a:effectRef idx="3">
+            <a:schemeClr val="accent1"/>
+          </a:effectRef>
+          <a:fontRef idx="minor">
+            <a:schemeClr val="lt1"/>
+          </a:fontRef>
+        </p:style>
+        <p:txBody>
+          <a:bodyPr rtlCol="0" anchor="ctr"/>
+          <a:lstStyle/>
+          <a:p>
+            <a:pPr algn="ctr"/>
+            <a:r>
+              <a:rPr lang="fr-FR" sz="1200" dirty="0"/>
+              <a:t>Infos</a:t>
+            </a:r>
+          </a:p>
+        </p:txBody>
+      </p:sp>
+      <p:sp>
+        <p:nvSpPr>
+          <p:cNvPr id="66" name="Rectangle 65">
+            <a:extLst>
+              <a:ext uri="{FF2B5EF4-FFF2-40B4-BE49-F238E27FC236}">
+                <a16:creationId xmlns:a16="http://schemas.microsoft.com/office/drawing/2014/main" id="{6C67BA6E-5D50-4EE0-945C-DA5BE86096F5}"/>
+              </a:ext>
+            </a:extLst>
+          </p:cNvPr>
+          <p:cNvSpPr/>
+          <p:nvPr/>
+        </p:nvSpPr>
+        <p:spPr>
+          <a:xfrm>
+            <a:off x="6919764" y="4484031"/>
+            <a:ext cx="1411168" cy="456613"/>
+          </a:xfrm>
+          <a:prstGeom prst="rect">
+            <a:avLst/>
+          </a:prstGeom>
+        </p:spPr>
+        <p:style>
+          <a:lnRef idx="0">
+            <a:schemeClr val="accent3"/>
+          </a:lnRef>
+          <a:fillRef idx="3">
+            <a:schemeClr val="accent3"/>
+          </a:fillRef>
+          <a:effectRef idx="3">
+            <a:schemeClr val="accent3"/>
+          </a:effectRef>
+          <a:fontRef idx="minor">
+            <a:schemeClr val="lt1"/>
+          </a:fontRef>
+        </p:style>
+        <p:txBody>
+          <a:bodyPr rtlCol="0" anchor="t"/>
+          <a:lstStyle/>
+          <a:p>
+            <a:pPr algn="ctr"/>
+            <a:r>
+              <a:rPr lang="fr-FR" sz="1200" dirty="0"/>
+              <a:t>Chemin du fichier de BD</a:t>
+            </a:r>
+          </a:p>
+        </p:txBody>
+      </p:sp>
+      <p:sp>
+        <p:nvSpPr>
+          <p:cNvPr id="67" name="Rectangle 66">
+            <a:extLst>
+              <a:ext uri="{FF2B5EF4-FFF2-40B4-BE49-F238E27FC236}">
+                <a16:creationId xmlns:a16="http://schemas.microsoft.com/office/drawing/2014/main" id="{BFE6AAF4-948A-48A6-AC92-38D8E8344F8A}"/>
+              </a:ext>
+            </a:extLst>
+          </p:cNvPr>
+          <p:cNvSpPr/>
+          <p:nvPr/>
+        </p:nvSpPr>
+        <p:spPr>
+          <a:xfrm>
+            <a:off x="6919764" y="5049184"/>
+            <a:ext cx="1411168" cy="652707"/>
+          </a:xfrm>
+          <a:prstGeom prst="rect">
+            <a:avLst/>
+          </a:prstGeom>
+        </p:spPr>
+        <p:style>
+          <a:lnRef idx="0">
+            <a:schemeClr val="accent3"/>
+          </a:lnRef>
+          <a:fillRef idx="3">
+            <a:schemeClr val="accent3"/>
+          </a:fillRef>
+          <a:effectRef idx="3">
+            <a:schemeClr val="accent3"/>
+          </a:effectRef>
+          <a:fontRef idx="minor">
+            <a:schemeClr val="lt1"/>
+          </a:fontRef>
+        </p:style>
+        <p:txBody>
+          <a:bodyPr rtlCol="0" anchor="t"/>
+          <a:lstStyle/>
+          <a:p>
+            <a:pPr algn="ctr"/>
+            <a:r>
+              <a:rPr lang="fr-FR" sz="1200" dirty="0"/>
+              <a:t>Paramètres de ligne de commande</a:t>
+            </a:r>
+          </a:p>
+        </p:txBody>
+      </p:sp>
+      <p:sp>
+        <p:nvSpPr>
+          <p:cNvPr id="68" name="Rectangle 67">
+            <a:extLst>
+              <a:ext uri="{FF2B5EF4-FFF2-40B4-BE49-F238E27FC236}">
+                <a16:creationId xmlns:a16="http://schemas.microsoft.com/office/drawing/2014/main" id="{36409C62-7977-4EB5-9CA2-F9FCF58110F3}"/>
+              </a:ext>
+            </a:extLst>
+          </p:cNvPr>
+          <p:cNvSpPr/>
+          <p:nvPr/>
+        </p:nvSpPr>
+        <p:spPr>
+          <a:xfrm>
+            <a:off x="2756799" y="2011747"/>
+            <a:ext cx="1385927" cy="460112"/>
+          </a:xfrm>
+          <a:prstGeom prst="rect">
+            <a:avLst/>
+          </a:prstGeom>
+        </p:spPr>
+        <p:style>
+          <a:lnRef idx="0">
+            <a:schemeClr val="accent3"/>
+          </a:lnRef>
+          <a:fillRef idx="3">
+            <a:schemeClr val="accent3"/>
+          </a:fillRef>
+          <a:effectRef idx="3">
+            <a:schemeClr val="accent3"/>
+          </a:effectRef>
+          <a:fontRef idx="minor">
+            <a:schemeClr val="lt1"/>
+          </a:fontRef>
+        </p:style>
+        <p:txBody>
+          <a:bodyPr rtlCol="0" anchor="t"/>
+          <a:lstStyle/>
+          <a:p>
+            <a:pPr algn="ctr"/>
+            <a:r>
+              <a:rPr lang="fr-FR" sz="1200" dirty="0"/>
+              <a:t>Ecoute sur port HTTP (80)</a:t>
+            </a:r>
+          </a:p>
+        </p:txBody>
+      </p:sp>
+      <p:sp>
+        <p:nvSpPr>
+          <p:cNvPr id="69" name="Rectangle 68">
+            <a:extLst>
+              <a:ext uri="{FF2B5EF4-FFF2-40B4-BE49-F238E27FC236}">
+                <a16:creationId xmlns:a16="http://schemas.microsoft.com/office/drawing/2014/main" id="{61E6048E-E049-4661-AD2D-88768E5A5606}"/>
+              </a:ext>
+            </a:extLst>
+          </p:cNvPr>
+          <p:cNvSpPr/>
+          <p:nvPr/>
+        </p:nvSpPr>
+        <p:spPr>
+          <a:xfrm>
+            <a:off x="2756799" y="2784451"/>
+            <a:ext cx="1385927" cy="460112"/>
+          </a:xfrm>
+          <a:prstGeom prst="rect">
+            <a:avLst/>
+          </a:prstGeom>
+        </p:spPr>
+        <p:style>
+          <a:lnRef idx="0">
+            <a:schemeClr val="accent3"/>
+          </a:lnRef>
+          <a:fillRef idx="3">
+            <a:schemeClr val="accent3"/>
+          </a:fillRef>
+          <a:effectRef idx="3">
+            <a:schemeClr val="accent3"/>
+          </a:effectRef>
+          <a:fontRef idx="minor">
+            <a:schemeClr val="lt1"/>
+          </a:fontRef>
+        </p:style>
+        <p:txBody>
+          <a:bodyPr rtlCol="0" anchor="t"/>
+          <a:lstStyle/>
+          <a:p>
+            <a:pPr algn="ctr"/>
+            <a:r>
+              <a:rPr lang="fr-FR" sz="1200" dirty="0"/>
+              <a:t>Analyse des requêtes</a:t>
+            </a:r>
+          </a:p>
+        </p:txBody>
+      </p:sp>
+      <p:sp>
+        <p:nvSpPr>
+          <p:cNvPr id="70" name="Rectangle 69">
+            <a:extLst>
+              <a:ext uri="{FF2B5EF4-FFF2-40B4-BE49-F238E27FC236}">
+                <a16:creationId xmlns:a16="http://schemas.microsoft.com/office/drawing/2014/main" id="{75B163EE-A3A5-48EC-8A1D-E8C10C85DB97}"/>
+              </a:ext>
+            </a:extLst>
+          </p:cNvPr>
+          <p:cNvSpPr/>
+          <p:nvPr/>
+        </p:nvSpPr>
+        <p:spPr>
+          <a:xfrm>
+            <a:off x="3078730" y="3609699"/>
+            <a:ext cx="1194508" cy="460112"/>
+          </a:xfrm>
+          <a:prstGeom prst="rect">
+            <a:avLst/>
+          </a:prstGeom>
+        </p:spPr>
+        <p:style>
+          <a:lnRef idx="0">
+            <a:schemeClr val="accent3"/>
+          </a:lnRef>
+          <a:fillRef idx="3">
+            <a:schemeClr val="accent3"/>
+          </a:fillRef>
+          <a:effectRef idx="3">
+            <a:schemeClr val="accent3"/>
+          </a:effectRef>
+          <a:fontRef idx="minor">
+            <a:schemeClr val="lt1"/>
+          </a:fontRef>
+        </p:style>
+        <p:txBody>
+          <a:bodyPr rtlCol="0" anchor="t"/>
+          <a:lstStyle/>
+          <a:p>
+            <a:pPr algn="ctr"/>
+            <a:r>
+              <a:rPr lang="fr-FR" sz="1100" dirty="0"/>
+              <a:t>url /</a:t>
+            </a:r>
+          </a:p>
+        </p:txBody>
+      </p:sp>
+      <p:sp>
+        <p:nvSpPr>
+          <p:cNvPr id="71" name="Rectangle 70">
+            <a:extLst>
+              <a:ext uri="{FF2B5EF4-FFF2-40B4-BE49-F238E27FC236}">
+                <a16:creationId xmlns:a16="http://schemas.microsoft.com/office/drawing/2014/main" id="{8391E4A3-EA40-450A-AC4F-93B153645443}"/>
+              </a:ext>
+            </a:extLst>
+          </p:cNvPr>
+          <p:cNvSpPr/>
+          <p:nvPr/>
+        </p:nvSpPr>
+        <p:spPr>
+          <a:xfrm>
+            <a:off x="3078729" y="4162072"/>
+            <a:ext cx="1177559" cy="460112"/>
+          </a:xfrm>
+          <a:prstGeom prst="rect">
+            <a:avLst/>
+          </a:prstGeom>
+        </p:spPr>
+        <p:style>
+          <a:lnRef idx="0">
+            <a:schemeClr val="accent3"/>
+          </a:lnRef>
+          <a:fillRef idx="3">
+            <a:schemeClr val="accent3"/>
+          </a:fillRef>
+          <a:effectRef idx="3">
+            <a:schemeClr val="accent3"/>
+          </a:effectRef>
+          <a:fontRef idx="minor">
+            <a:schemeClr val="lt1"/>
+          </a:fontRef>
+        </p:style>
+        <p:txBody>
+          <a:bodyPr rtlCol="0" anchor="t"/>
+          <a:lstStyle/>
+          <a:p>
+            <a:pPr algn="ctr"/>
+            <a:r>
+              <a:rPr lang="fr-FR" sz="1100" dirty="0"/>
+              <a:t>url /</a:t>
+            </a:r>
+            <a:r>
+              <a:rPr lang="fr-FR" sz="1100" dirty="0" err="1"/>
+              <a:t>sensor</a:t>
+            </a:r>
+            <a:endParaRPr lang="fr-FR" sz="1100" dirty="0"/>
+          </a:p>
+        </p:txBody>
+      </p:sp>
+      <p:sp>
+        <p:nvSpPr>
+          <p:cNvPr id="72" name="Rectangle 71">
+            <a:extLst>
+              <a:ext uri="{FF2B5EF4-FFF2-40B4-BE49-F238E27FC236}">
+                <a16:creationId xmlns:a16="http://schemas.microsoft.com/office/drawing/2014/main" id="{A589EBF6-5936-4F14-B620-F10AE2E41F7A}"/>
+              </a:ext>
+            </a:extLst>
+          </p:cNvPr>
+          <p:cNvSpPr/>
+          <p:nvPr/>
+        </p:nvSpPr>
+        <p:spPr>
+          <a:xfrm>
+            <a:off x="10824358" y="962938"/>
+            <a:ext cx="925644" cy="243041"/>
+          </a:xfrm>
+          <a:prstGeom prst="rect">
+            <a:avLst/>
+          </a:prstGeom>
+        </p:spPr>
+        <p:style>
+          <a:lnRef idx="0">
+            <a:schemeClr val="accent3"/>
+          </a:lnRef>
+          <a:fillRef idx="3">
+            <a:schemeClr val="accent3"/>
+          </a:fillRef>
+          <a:effectRef idx="3">
+            <a:schemeClr val="accent3"/>
+          </a:effectRef>
+          <a:fontRef idx="minor">
+            <a:schemeClr val="lt1"/>
+          </a:fontRef>
+        </p:style>
+        <p:txBody>
+          <a:bodyPr rtlCol="0" anchor="ctr"/>
+          <a:lstStyle/>
+          <a:p>
+            <a:pPr algn="ctr"/>
+            <a:r>
+              <a:rPr lang="fr-FR" sz="1100" dirty="0"/>
+              <a:t>Contrôleur</a:t>
+            </a:r>
+          </a:p>
+        </p:txBody>
+      </p:sp>
+      <p:sp>
+        <p:nvSpPr>
+          <p:cNvPr id="73" name="Rectangle 72">
+            <a:extLst>
+              <a:ext uri="{FF2B5EF4-FFF2-40B4-BE49-F238E27FC236}">
+                <a16:creationId xmlns:a16="http://schemas.microsoft.com/office/drawing/2014/main" id="{F580D035-70D1-457A-BA98-C427167EFECB}"/>
+              </a:ext>
+            </a:extLst>
+          </p:cNvPr>
+          <p:cNvSpPr/>
+          <p:nvPr/>
+        </p:nvSpPr>
+        <p:spPr>
+          <a:xfrm>
+            <a:off x="10824356" y="684400"/>
+            <a:ext cx="925645" cy="243041"/>
+          </a:xfrm>
+          <a:prstGeom prst="rect">
+            <a:avLst/>
+          </a:prstGeom>
+        </p:spPr>
+        <p:style>
+          <a:lnRef idx="0">
+            <a:schemeClr val="accent1"/>
+          </a:lnRef>
+          <a:fillRef idx="3">
+            <a:schemeClr val="accent1"/>
+          </a:fillRef>
+          <a:effectRef idx="3">
+            <a:schemeClr val="accent1"/>
+          </a:effectRef>
+          <a:fontRef idx="minor">
+            <a:schemeClr val="lt1"/>
+          </a:fontRef>
+        </p:style>
+        <p:txBody>
+          <a:bodyPr rtlCol="0" anchor="ctr"/>
+          <a:lstStyle/>
+          <a:p>
+            <a:pPr algn="ctr"/>
+            <a:r>
+              <a:rPr lang="fr-FR" sz="1100" dirty="0"/>
+              <a:t>Model</a:t>
+            </a:r>
+          </a:p>
+        </p:txBody>
+      </p:sp>
+      <p:sp>
+        <p:nvSpPr>
+          <p:cNvPr id="74" name="Rectangle 73">
+            <a:extLst>
+              <a:ext uri="{FF2B5EF4-FFF2-40B4-BE49-F238E27FC236}">
+                <a16:creationId xmlns:a16="http://schemas.microsoft.com/office/drawing/2014/main" id="{2C82CF61-EA9E-40B8-AD3C-97342015566B}"/>
+              </a:ext>
+            </a:extLst>
+          </p:cNvPr>
+          <p:cNvSpPr/>
+          <p:nvPr/>
+        </p:nvSpPr>
+        <p:spPr>
+          <a:xfrm>
+            <a:off x="10824356" y="409940"/>
+            <a:ext cx="925644" cy="243041"/>
+          </a:xfrm>
+          <a:prstGeom prst="rect">
+            <a:avLst/>
+          </a:prstGeom>
+        </p:spPr>
+        <p:style>
+          <a:lnRef idx="0">
+            <a:schemeClr val="accent5"/>
+          </a:lnRef>
+          <a:fillRef idx="3">
+            <a:schemeClr val="accent5"/>
+          </a:fillRef>
+          <a:effectRef idx="3">
+            <a:schemeClr val="accent5"/>
+          </a:effectRef>
+          <a:fontRef idx="minor">
+            <a:schemeClr val="lt1"/>
+          </a:fontRef>
+        </p:style>
+        <p:txBody>
+          <a:bodyPr rtlCol="0" anchor="ctr"/>
+          <a:lstStyle/>
+          <a:p>
+            <a:pPr algn="ctr"/>
+            <a:r>
+              <a:rPr lang="fr-FR" sz="1100" dirty="0"/>
+              <a:t>Serveur</a:t>
+            </a:r>
+          </a:p>
+        </p:txBody>
+      </p:sp>
+      <p:sp>
+        <p:nvSpPr>
+          <p:cNvPr id="75" name="Rectangle 74">
+            <a:extLst>
+              <a:ext uri="{FF2B5EF4-FFF2-40B4-BE49-F238E27FC236}">
+                <a16:creationId xmlns:a16="http://schemas.microsoft.com/office/drawing/2014/main" id="{60AE2629-A780-46F0-98D4-7103E3705DE9}"/>
+              </a:ext>
+            </a:extLst>
+          </p:cNvPr>
+          <p:cNvSpPr/>
+          <p:nvPr/>
+        </p:nvSpPr>
+        <p:spPr>
+          <a:xfrm>
+            <a:off x="10824356" y="1237398"/>
+            <a:ext cx="925644" cy="243041"/>
+          </a:xfrm>
+          <a:prstGeom prst="rect">
+            <a:avLst/>
+          </a:prstGeom>
+          <a:solidFill>
+            <a:schemeClr val="accent2">
+              <a:lumMod val="60000"/>
+              <a:lumOff val="40000"/>
+            </a:schemeClr>
+          </a:solidFill>
+        </p:spPr>
+        <p:style>
+          <a:lnRef idx="0">
+            <a:schemeClr val="accent4"/>
+          </a:lnRef>
+          <a:fillRef idx="3">
+            <a:schemeClr val="accent4"/>
+          </a:fillRef>
+          <a:effectRef idx="3">
+            <a:schemeClr val="accent4"/>
+          </a:effectRef>
+          <a:fontRef idx="minor">
+            <a:schemeClr val="lt1"/>
+          </a:fontRef>
+        </p:style>
+        <p:txBody>
+          <a:bodyPr rtlCol="0" anchor="ctr"/>
+          <a:lstStyle/>
+          <a:p>
+            <a:pPr algn="ctr"/>
+            <a:r>
+              <a:rPr lang="fr-FR" sz="1100" dirty="0"/>
+              <a:t>Hardware</a:t>
+            </a:r>
+          </a:p>
+        </p:txBody>
+      </p:sp>
+      <p:sp>
+        <p:nvSpPr>
+          <p:cNvPr id="76" name="Rectangle 75">
+            <a:extLst>
+              <a:ext uri="{FF2B5EF4-FFF2-40B4-BE49-F238E27FC236}">
+                <a16:creationId xmlns:a16="http://schemas.microsoft.com/office/drawing/2014/main" id="{092EC63A-BE9D-4105-8FFB-56AFA0326BC5}"/>
+              </a:ext>
+            </a:extLst>
+          </p:cNvPr>
+          <p:cNvSpPr/>
+          <p:nvPr/>
+        </p:nvSpPr>
+        <p:spPr>
+          <a:xfrm>
+            <a:off x="10824356" y="1501785"/>
+            <a:ext cx="925644" cy="386281"/>
+          </a:xfrm>
+          <a:prstGeom prst="rect">
+            <a:avLst/>
+          </a:prstGeom>
+        </p:spPr>
+        <p:style>
+          <a:lnRef idx="0">
+            <a:schemeClr val="accent4"/>
+          </a:lnRef>
+          <a:fillRef idx="3">
+            <a:schemeClr val="accent4"/>
+          </a:fillRef>
+          <a:effectRef idx="3">
+            <a:schemeClr val="accent4"/>
+          </a:effectRef>
+          <a:fontRef idx="minor">
+            <a:schemeClr val="lt1"/>
+          </a:fontRef>
+        </p:style>
+        <p:txBody>
+          <a:bodyPr rtlCol="0" anchor="ctr"/>
+          <a:lstStyle/>
+          <a:p>
+            <a:pPr algn="ctr"/>
+            <a:r>
+              <a:rPr lang="fr-FR" sz="1100" dirty="0"/>
+              <a:t>Point d’entrée</a:t>
+            </a:r>
+          </a:p>
+        </p:txBody>
+      </p:sp>
+      <p:sp>
+        <p:nvSpPr>
+          <p:cNvPr id="78" name="Rectangle 77">
+            <a:extLst>
+              <a:ext uri="{FF2B5EF4-FFF2-40B4-BE49-F238E27FC236}">
+                <a16:creationId xmlns:a16="http://schemas.microsoft.com/office/drawing/2014/main" id="{DB43A22F-2BD8-4037-9853-8BACEE692C31}"/>
+              </a:ext>
+            </a:extLst>
+          </p:cNvPr>
+          <p:cNvSpPr/>
+          <p:nvPr/>
+        </p:nvSpPr>
+        <p:spPr>
+          <a:xfrm>
+            <a:off x="3078729" y="4701757"/>
+            <a:ext cx="1178023" cy="656507"/>
+          </a:xfrm>
+          <a:prstGeom prst="rect">
+            <a:avLst/>
+          </a:prstGeom>
+        </p:spPr>
+        <p:style>
+          <a:lnRef idx="0">
+            <a:schemeClr val="accent3"/>
+          </a:lnRef>
+          <a:fillRef idx="3">
+            <a:schemeClr val="accent3"/>
+          </a:fillRef>
+          <a:effectRef idx="3">
+            <a:schemeClr val="accent3"/>
+          </a:effectRef>
+          <a:fontRef idx="minor">
+            <a:schemeClr val="lt1"/>
+          </a:fontRef>
+        </p:style>
+        <p:txBody>
+          <a:bodyPr rtlCol="0" anchor="t"/>
+          <a:lstStyle/>
+          <a:p>
+            <a:pPr algn="ctr"/>
+            <a:r>
+              <a:rPr lang="fr-FR" sz="1100" dirty="0"/>
+              <a:t>url /</a:t>
+            </a:r>
+            <a:r>
+              <a:rPr lang="fr-FR" sz="1100" dirty="0" err="1"/>
+              <a:t>history:N</a:t>
+            </a:r>
+            <a:endParaRPr lang="fr-FR" sz="1100" dirty="0"/>
+          </a:p>
+          <a:p>
+            <a:pPr algn="ctr"/>
+            <a:r>
+              <a:rPr lang="fr-FR" sz="1100" dirty="0"/>
+              <a:t>(N =&gt; nombre en 1 et 1</a:t>
+            </a:r>
+            <a:r>
+              <a:rPr lang="fr-FR" sz="1100" baseline="30000" dirty="0"/>
+              <a:t>e7)</a:t>
+            </a:r>
+            <a:endParaRPr lang="fr-FR" sz="1100" dirty="0"/>
+          </a:p>
+        </p:txBody>
+      </p:sp>
+      <p:sp>
+        <p:nvSpPr>
+          <p:cNvPr id="79" name="Rectangle 78">
+            <a:extLst>
+              <a:ext uri="{FF2B5EF4-FFF2-40B4-BE49-F238E27FC236}">
+                <a16:creationId xmlns:a16="http://schemas.microsoft.com/office/drawing/2014/main" id="{CC3756A4-746C-4EA2-96B6-F1AB407C76BE}"/>
+              </a:ext>
+            </a:extLst>
+          </p:cNvPr>
+          <p:cNvSpPr/>
+          <p:nvPr/>
+        </p:nvSpPr>
+        <p:spPr>
+          <a:xfrm>
+            <a:off x="3090014" y="5454829"/>
+            <a:ext cx="1178023" cy="460112"/>
+          </a:xfrm>
+          <a:prstGeom prst="rect">
+            <a:avLst/>
+          </a:prstGeom>
+        </p:spPr>
+        <p:style>
+          <a:lnRef idx="0">
+            <a:schemeClr val="accent3"/>
+          </a:lnRef>
+          <a:fillRef idx="3">
+            <a:schemeClr val="accent3"/>
+          </a:fillRef>
+          <a:effectRef idx="3">
+            <a:schemeClr val="accent3"/>
+          </a:effectRef>
+          <a:fontRef idx="minor">
+            <a:schemeClr val="lt1"/>
+          </a:fontRef>
+        </p:style>
+        <p:txBody>
+          <a:bodyPr rtlCol="0" anchor="t"/>
+          <a:lstStyle/>
+          <a:p>
+            <a:pPr algn="ctr"/>
+            <a:r>
+              <a:rPr lang="fr-FR" sz="1100" dirty="0"/>
+              <a:t>url /infos</a:t>
+            </a:r>
+          </a:p>
+        </p:txBody>
+      </p:sp>
+      <p:sp>
+        <p:nvSpPr>
+          <p:cNvPr id="80" name="Rectangle 79">
+            <a:extLst>
+              <a:ext uri="{FF2B5EF4-FFF2-40B4-BE49-F238E27FC236}">
+                <a16:creationId xmlns:a16="http://schemas.microsoft.com/office/drawing/2014/main" id="{C27A0A1D-F7E3-4D65-BD04-45A9B7044EED}"/>
+              </a:ext>
+            </a:extLst>
+          </p:cNvPr>
+          <p:cNvSpPr/>
+          <p:nvPr/>
+        </p:nvSpPr>
+        <p:spPr>
+          <a:xfrm>
+            <a:off x="839947" y="2078012"/>
+            <a:ext cx="1517501" cy="307690"/>
+          </a:xfrm>
+          <a:prstGeom prst="rect">
+            <a:avLst/>
+          </a:prstGeom>
+        </p:spPr>
+        <p:style>
+          <a:lnRef idx="0">
+            <a:schemeClr val="accent3"/>
+          </a:lnRef>
+          <a:fillRef idx="3">
+            <a:schemeClr val="accent3"/>
+          </a:fillRef>
+          <a:effectRef idx="3">
+            <a:schemeClr val="accent3"/>
+          </a:effectRef>
+          <a:fontRef idx="minor">
+            <a:schemeClr val="lt1"/>
+          </a:fontRef>
+        </p:style>
+        <p:txBody>
+          <a:bodyPr rtlCol="0" anchor="t"/>
+          <a:lstStyle/>
+          <a:p>
+            <a:pPr algn="ctr"/>
+            <a:r>
+              <a:rPr lang="fr-FR" sz="1400" dirty="0"/>
+              <a:t>Aide</a:t>
+            </a:r>
+          </a:p>
+        </p:txBody>
+      </p:sp>
+      <p:sp>
+        <p:nvSpPr>
+          <p:cNvPr id="90" name="Rectangle 89">
+            <a:extLst>
+              <a:ext uri="{FF2B5EF4-FFF2-40B4-BE49-F238E27FC236}">
+                <a16:creationId xmlns:a16="http://schemas.microsoft.com/office/drawing/2014/main" id="{1DFE1F1E-CB58-4203-A457-C8982826141D}"/>
+              </a:ext>
+            </a:extLst>
+          </p:cNvPr>
+          <p:cNvSpPr/>
+          <p:nvPr/>
+        </p:nvSpPr>
+        <p:spPr>
+          <a:xfrm>
+            <a:off x="8756966" y="4848159"/>
+            <a:ext cx="1808906" cy="1635826"/>
+          </a:xfrm>
+          <a:prstGeom prst="rect">
+            <a:avLst/>
+          </a:prstGeom>
+        </p:spPr>
+        <p:style>
+          <a:lnRef idx="0">
+            <a:schemeClr val="accent3"/>
+          </a:lnRef>
+          <a:fillRef idx="3">
+            <a:schemeClr val="accent3"/>
+          </a:fillRef>
+          <a:effectRef idx="3">
+            <a:schemeClr val="accent3"/>
+          </a:effectRef>
+          <a:fontRef idx="minor">
+            <a:schemeClr val="lt1"/>
+          </a:fontRef>
+        </p:style>
+        <p:txBody>
+          <a:bodyPr rtlCol="0" anchor="t"/>
+          <a:lstStyle/>
+          <a:p>
+            <a:pPr algn="ctr"/>
+            <a:r>
+              <a:rPr lang="fr-FR" dirty="0"/>
+              <a:t>Module </a:t>
+            </a:r>
+            <a:r>
+              <a:rPr lang="fr-FR" dirty="0" err="1"/>
+              <a:t>History</a:t>
+            </a:r>
+            <a:endParaRPr lang="fr-FR" dirty="0"/>
+          </a:p>
+        </p:txBody>
+      </p:sp>
+      <p:sp>
+        <p:nvSpPr>
+          <p:cNvPr id="91" name="Rectangle 90">
+            <a:extLst>
+              <a:ext uri="{FF2B5EF4-FFF2-40B4-BE49-F238E27FC236}">
+                <a16:creationId xmlns:a16="http://schemas.microsoft.com/office/drawing/2014/main" id="{65D4D472-076F-48E2-98F2-7FD0939392D2}"/>
+              </a:ext>
+            </a:extLst>
+          </p:cNvPr>
+          <p:cNvSpPr/>
+          <p:nvPr/>
+        </p:nvSpPr>
+        <p:spPr>
+          <a:xfrm>
+            <a:off x="835822" y="3544266"/>
+            <a:ext cx="1517501" cy="524599"/>
+          </a:xfrm>
+          <a:prstGeom prst="rect">
+            <a:avLst/>
+          </a:prstGeom>
+        </p:spPr>
+        <p:style>
+          <a:lnRef idx="0">
+            <a:schemeClr val="accent3"/>
+          </a:lnRef>
+          <a:fillRef idx="3">
+            <a:schemeClr val="accent3"/>
+          </a:fillRef>
+          <a:effectRef idx="3">
+            <a:schemeClr val="accent3"/>
+          </a:effectRef>
+          <a:fontRef idx="minor">
+            <a:schemeClr val="lt1"/>
+          </a:fontRef>
+        </p:style>
+        <p:txBody>
+          <a:bodyPr rtlCol="0" anchor="t"/>
+          <a:lstStyle/>
+          <a:p>
+            <a:pPr algn="ctr"/>
+            <a:r>
+              <a:rPr lang="fr-FR" sz="1400" dirty="0"/>
+              <a:t>Exécution du module HTTP</a:t>
+            </a:r>
+          </a:p>
+        </p:txBody>
+      </p:sp>
+      <p:sp>
+        <p:nvSpPr>
+          <p:cNvPr id="92" name="Rectangle 91">
+            <a:extLst>
+              <a:ext uri="{FF2B5EF4-FFF2-40B4-BE49-F238E27FC236}">
+                <a16:creationId xmlns:a16="http://schemas.microsoft.com/office/drawing/2014/main" id="{C04981D8-3048-47F9-8230-42A8619C4DEC}"/>
+              </a:ext>
+            </a:extLst>
+          </p:cNvPr>
+          <p:cNvSpPr/>
+          <p:nvPr/>
+        </p:nvSpPr>
+        <p:spPr>
+          <a:xfrm>
+            <a:off x="835822" y="4180255"/>
+            <a:ext cx="1517501" cy="520556"/>
+          </a:xfrm>
+          <a:prstGeom prst="rect">
+            <a:avLst/>
+          </a:prstGeom>
+        </p:spPr>
+        <p:style>
+          <a:lnRef idx="0">
+            <a:schemeClr val="accent3"/>
+          </a:lnRef>
+          <a:fillRef idx="3">
+            <a:schemeClr val="accent3"/>
+          </a:fillRef>
+          <a:effectRef idx="3">
+            <a:schemeClr val="accent3"/>
+          </a:effectRef>
+          <a:fontRef idx="minor">
+            <a:schemeClr val="lt1"/>
+          </a:fontRef>
+        </p:style>
+        <p:txBody>
+          <a:bodyPr rtlCol="0" anchor="t"/>
+          <a:lstStyle/>
+          <a:p>
+            <a:pPr algn="ctr"/>
+            <a:r>
+              <a:rPr lang="fr-FR" sz="1400" dirty="0"/>
+              <a:t>Exécution du Module </a:t>
+            </a:r>
+            <a:r>
+              <a:rPr lang="fr-FR" sz="1400" dirty="0" err="1"/>
+              <a:t>History</a:t>
+            </a:r>
+            <a:endParaRPr lang="fr-FR" sz="1400" dirty="0"/>
+          </a:p>
+        </p:txBody>
+      </p:sp>
+      <p:sp>
+        <p:nvSpPr>
+          <p:cNvPr id="93" name="Rectangle 92">
+            <a:extLst>
+              <a:ext uri="{FF2B5EF4-FFF2-40B4-BE49-F238E27FC236}">
+                <a16:creationId xmlns:a16="http://schemas.microsoft.com/office/drawing/2014/main" id="{087A9BE9-A2D0-421E-8914-AA5E9C6BAB20}"/>
+              </a:ext>
+            </a:extLst>
+          </p:cNvPr>
+          <p:cNvSpPr/>
+          <p:nvPr/>
+        </p:nvSpPr>
+        <p:spPr>
+          <a:xfrm>
+            <a:off x="4646303" y="3020614"/>
+            <a:ext cx="1385927" cy="460112"/>
+          </a:xfrm>
+          <a:prstGeom prst="rect">
+            <a:avLst/>
+          </a:prstGeom>
+        </p:spPr>
+        <p:style>
+          <a:lnRef idx="0">
+            <a:schemeClr val="accent3"/>
+          </a:lnRef>
+          <a:fillRef idx="3">
+            <a:schemeClr val="accent3"/>
+          </a:fillRef>
+          <a:effectRef idx="3">
+            <a:schemeClr val="accent3"/>
+          </a:effectRef>
+          <a:fontRef idx="minor">
+            <a:schemeClr val="lt1"/>
+          </a:fontRef>
+        </p:style>
+        <p:txBody>
+          <a:bodyPr rtlCol="0" anchor="t"/>
+          <a:lstStyle/>
+          <a:p>
+            <a:pPr algn="ctr"/>
+            <a:r>
+              <a:rPr lang="fr-FR" sz="1200" dirty="0"/>
+              <a:t>Réponse d’une page d’aide</a:t>
+            </a:r>
+          </a:p>
+        </p:txBody>
+      </p:sp>
+      <p:sp>
+        <p:nvSpPr>
+          <p:cNvPr id="94" name="Rectangle 93">
+            <a:extLst>
+              <a:ext uri="{FF2B5EF4-FFF2-40B4-BE49-F238E27FC236}">
+                <a16:creationId xmlns:a16="http://schemas.microsoft.com/office/drawing/2014/main" id="{E0A48156-32C2-4907-9430-C1A93A9C6D02}"/>
+              </a:ext>
+            </a:extLst>
+          </p:cNvPr>
+          <p:cNvSpPr/>
+          <p:nvPr/>
+        </p:nvSpPr>
+        <p:spPr>
+          <a:xfrm>
+            <a:off x="4646303" y="3587692"/>
+            <a:ext cx="1385927" cy="851853"/>
+          </a:xfrm>
+          <a:prstGeom prst="rect">
+            <a:avLst/>
+          </a:prstGeom>
+        </p:spPr>
+        <p:style>
+          <a:lnRef idx="0">
+            <a:schemeClr val="accent3"/>
+          </a:lnRef>
+          <a:fillRef idx="3">
+            <a:schemeClr val="accent3"/>
+          </a:fillRef>
+          <a:effectRef idx="3">
+            <a:schemeClr val="accent3"/>
+          </a:effectRef>
+          <a:fontRef idx="minor">
+            <a:schemeClr val="lt1"/>
+          </a:fontRef>
+        </p:style>
+        <p:txBody>
+          <a:bodyPr rtlCol="0" anchor="t"/>
+          <a:lstStyle/>
+          <a:p>
+            <a:pPr algn="ctr"/>
+            <a:r>
+              <a:rPr lang="fr-FR" sz="1200" dirty="0"/>
+              <a:t>Réponse de donnée depuis</a:t>
+            </a:r>
+          </a:p>
+          <a:p>
+            <a:pPr algn="ctr"/>
+            <a:r>
+              <a:rPr lang="fr-FR" sz="1200" dirty="0"/>
+              <a:t>le module BME280</a:t>
+            </a:r>
+          </a:p>
+        </p:txBody>
+      </p:sp>
+      <p:sp>
+        <p:nvSpPr>
+          <p:cNvPr id="95" name="Rectangle 94">
+            <a:extLst>
+              <a:ext uri="{FF2B5EF4-FFF2-40B4-BE49-F238E27FC236}">
+                <a16:creationId xmlns:a16="http://schemas.microsoft.com/office/drawing/2014/main" id="{4ADA3986-EC5B-4B77-893F-0A608425D5EB}"/>
+              </a:ext>
+            </a:extLst>
+          </p:cNvPr>
+          <p:cNvSpPr/>
+          <p:nvPr/>
+        </p:nvSpPr>
+        <p:spPr>
+          <a:xfrm>
+            <a:off x="4646302" y="4558445"/>
+            <a:ext cx="1385927" cy="851853"/>
+          </a:xfrm>
+          <a:prstGeom prst="rect">
+            <a:avLst/>
+          </a:prstGeom>
+        </p:spPr>
+        <p:style>
+          <a:lnRef idx="0">
+            <a:schemeClr val="accent3"/>
+          </a:lnRef>
+          <a:fillRef idx="3">
+            <a:schemeClr val="accent3"/>
+          </a:fillRef>
+          <a:effectRef idx="3">
+            <a:schemeClr val="accent3"/>
+          </a:effectRef>
+          <a:fontRef idx="minor">
+            <a:schemeClr val="lt1"/>
+          </a:fontRef>
+        </p:style>
+        <p:txBody>
+          <a:bodyPr rtlCol="0" anchor="t"/>
+          <a:lstStyle/>
+          <a:p>
+            <a:pPr algn="ctr"/>
+            <a:r>
+              <a:rPr lang="fr-FR" sz="1200" dirty="0" err="1"/>
+              <a:t>Reponse</a:t>
+            </a:r>
+            <a:r>
+              <a:rPr lang="fr-FR" sz="1200" dirty="0"/>
+              <a:t> de l’historique depuis le module </a:t>
+            </a:r>
+            <a:r>
+              <a:rPr lang="fr-FR" sz="1200" dirty="0" err="1"/>
+              <a:t>history</a:t>
+            </a:r>
+            <a:endParaRPr lang="fr-FR" sz="1200" dirty="0"/>
+          </a:p>
+        </p:txBody>
+      </p:sp>
+      <p:sp>
+        <p:nvSpPr>
+          <p:cNvPr id="96" name="Rectangle 95">
+            <a:extLst>
+              <a:ext uri="{FF2B5EF4-FFF2-40B4-BE49-F238E27FC236}">
+                <a16:creationId xmlns:a16="http://schemas.microsoft.com/office/drawing/2014/main" id="{9F2F5DA7-3F01-4F11-896F-312AF47DC3B2}"/>
+              </a:ext>
+            </a:extLst>
+          </p:cNvPr>
+          <p:cNvSpPr/>
+          <p:nvPr/>
+        </p:nvSpPr>
+        <p:spPr>
+          <a:xfrm>
+            <a:off x="4646301" y="5525117"/>
+            <a:ext cx="1385927" cy="460112"/>
+          </a:xfrm>
+          <a:prstGeom prst="rect">
+            <a:avLst/>
+          </a:prstGeom>
+        </p:spPr>
+        <p:style>
+          <a:lnRef idx="0">
+            <a:schemeClr val="accent3"/>
+          </a:lnRef>
+          <a:fillRef idx="3">
+            <a:schemeClr val="accent3"/>
+          </a:fillRef>
+          <a:effectRef idx="3">
+            <a:schemeClr val="accent3"/>
+          </a:effectRef>
+          <a:fontRef idx="minor">
+            <a:schemeClr val="lt1"/>
+          </a:fontRef>
+        </p:style>
+        <p:txBody>
+          <a:bodyPr rtlCol="0" anchor="t"/>
+          <a:lstStyle/>
+          <a:p>
+            <a:pPr algn="ctr"/>
+            <a:r>
+              <a:rPr lang="fr-FR" sz="1200" dirty="0"/>
+              <a:t>Réponse depuis le module infos</a:t>
+            </a:r>
+          </a:p>
+        </p:txBody>
+      </p:sp>
+      <p:cxnSp>
+        <p:nvCxnSpPr>
+          <p:cNvPr id="98" name="Connecteur droit avec flèche 97">
+            <a:extLst>
+              <a:ext uri="{FF2B5EF4-FFF2-40B4-BE49-F238E27FC236}">
+                <a16:creationId xmlns:a16="http://schemas.microsoft.com/office/drawing/2014/main" id="{AA725C31-B44D-4C11-87D9-4C3A5BF56AC3}"/>
+              </a:ext>
+            </a:extLst>
+          </p:cNvPr>
+          <p:cNvCxnSpPr>
+            <a:cxnSpLocks/>
+            <a:stCxn id="70" idx="3"/>
+            <a:endCxn id="93" idx="1"/>
+          </p:cNvCxnSpPr>
+          <p:nvPr/>
+        </p:nvCxnSpPr>
+        <p:spPr>
+          <a:xfrm flipV="1">
+            <a:off x="4273238" y="3250670"/>
+            <a:ext cx="373065" cy="589085"/>
+          </a:xfrm>
+          <a:prstGeom prst="straightConnector1">
+            <a:avLst/>
+          </a:prstGeom>
+          <a:ln w="57150">
+            <a:tailEnd type="triangle"/>
+          </a:ln>
+        </p:spPr>
+        <p:style>
+          <a:lnRef idx="3">
+            <a:schemeClr val="accent3"/>
+          </a:lnRef>
+          <a:fillRef idx="0">
+            <a:schemeClr val="accent3"/>
+          </a:fillRef>
+          <a:effectRef idx="2">
+            <a:schemeClr val="accent3"/>
+          </a:effectRef>
+          <a:fontRef idx="minor">
+            <a:schemeClr val="tx1"/>
+          </a:fontRef>
+        </p:style>
+      </p:cxnSp>
+      <p:cxnSp>
+        <p:nvCxnSpPr>
+          <p:cNvPr id="103" name="Connecteur droit avec flèche 102">
+            <a:extLst>
+              <a:ext uri="{FF2B5EF4-FFF2-40B4-BE49-F238E27FC236}">
+                <a16:creationId xmlns:a16="http://schemas.microsoft.com/office/drawing/2014/main" id="{A2F24620-8BFD-4BF0-A03A-CD164442473F}"/>
+              </a:ext>
+            </a:extLst>
+          </p:cNvPr>
+          <p:cNvCxnSpPr>
+            <a:cxnSpLocks/>
+            <a:endCxn id="69" idx="0"/>
+          </p:cNvCxnSpPr>
+          <p:nvPr/>
+        </p:nvCxnSpPr>
+        <p:spPr>
+          <a:xfrm>
+            <a:off x="3444865" y="2455587"/>
+            <a:ext cx="4898" cy="328864"/>
+          </a:xfrm>
+          <a:prstGeom prst="straightConnector1">
+            <a:avLst/>
+          </a:prstGeom>
+          <a:ln w="57150">
+            <a:tailEnd type="triangle"/>
+          </a:ln>
+        </p:spPr>
+        <p:style>
+          <a:lnRef idx="3">
+            <a:schemeClr val="accent3"/>
+          </a:lnRef>
+          <a:fillRef idx="0">
+            <a:schemeClr val="accent3"/>
+          </a:fillRef>
+          <a:effectRef idx="2">
+            <a:schemeClr val="accent3"/>
+          </a:effectRef>
+          <a:fontRef idx="minor">
+            <a:schemeClr val="tx1"/>
+          </a:fontRef>
+        </p:style>
+      </p:cxnSp>
+      <p:cxnSp>
+        <p:nvCxnSpPr>
+          <p:cNvPr id="106" name="Connecteur droit avec flèche 105">
+            <a:extLst>
+              <a:ext uri="{FF2B5EF4-FFF2-40B4-BE49-F238E27FC236}">
+                <a16:creationId xmlns:a16="http://schemas.microsoft.com/office/drawing/2014/main" id="{3841947E-DBDC-4BAC-A0C2-7F59D2181FFF}"/>
+              </a:ext>
+            </a:extLst>
+          </p:cNvPr>
+          <p:cNvCxnSpPr>
+            <a:cxnSpLocks/>
+          </p:cNvCxnSpPr>
+          <p:nvPr/>
+        </p:nvCxnSpPr>
+        <p:spPr>
+          <a:xfrm>
+            <a:off x="2871566" y="3839755"/>
+            <a:ext cx="218448" cy="0"/>
+          </a:xfrm>
+          <a:prstGeom prst="straightConnector1">
+            <a:avLst/>
+          </a:prstGeom>
+          <a:ln w="57150">
+            <a:tailEnd type="triangle"/>
+          </a:ln>
+        </p:spPr>
+        <p:style>
+          <a:lnRef idx="3">
+            <a:schemeClr val="accent3"/>
+          </a:lnRef>
+          <a:fillRef idx="0">
+            <a:schemeClr val="accent3"/>
+          </a:fillRef>
+          <a:effectRef idx="2">
+            <a:schemeClr val="accent3"/>
+          </a:effectRef>
+          <a:fontRef idx="minor">
+            <a:schemeClr val="tx1"/>
+          </a:fontRef>
+        </p:style>
+      </p:cxnSp>
+      <p:sp>
+        <p:nvSpPr>
+          <p:cNvPr id="107" name="Rectangle 106">
+            <a:extLst>
+              <a:ext uri="{FF2B5EF4-FFF2-40B4-BE49-F238E27FC236}">
+                <a16:creationId xmlns:a16="http://schemas.microsoft.com/office/drawing/2014/main" id="{43116121-8103-45FC-88B8-E986112C6785}"/>
+              </a:ext>
+            </a:extLst>
+          </p:cNvPr>
+          <p:cNvSpPr/>
+          <p:nvPr/>
+        </p:nvSpPr>
+        <p:spPr>
+          <a:xfrm>
+            <a:off x="8945771" y="5234858"/>
+            <a:ext cx="1411168" cy="1156920"/>
+          </a:xfrm>
+          <a:prstGeom prst="rect">
+            <a:avLst/>
+          </a:prstGeom>
+        </p:spPr>
+        <p:style>
+          <a:lnRef idx="0">
+            <a:schemeClr val="accent3"/>
+          </a:lnRef>
+          <a:fillRef idx="3">
+            <a:schemeClr val="accent3"/>
+          </a:fillRef>
+          <a:effectRef idx="3">
+            <a:schemeClr val="accent3"/>
+          </a:effectRef>
+          <a:fontRef idx="minor">
+            <a:schemeClr val="lt1"/>
+          </a:fontRef>
+        </p:style>
+        <p:txBody>
+          <a:bodyPr rtlCol="0" anchor="t"/>
+          <a:lstStyle/>
+          <a:p>
+            <a:pPr algn="ctr"/>
+            <a:r>
+              <a:rPr lang="fr-FR" sz="1200" dirty="0"/>
+              <a:t>Ajout d’une mesure depuis le module BME280 dans la BD toute les heure</a:t>
+            </a:r>
+          </a:p>
+        </p:txBody>
+      </p:sp>
+      <p:cxnSp>
+        <p:nvCxnSpPr>
+          <p:cNvPr id="113" name="Connecteur droit 112">
+            <a:extLst>
+              <a:ext uri="{FF2B5EF4-FFF2-40B4-BE49-F238E27FC236}">
+                <a16:creationId xmlns:a16="http://schemas.microsoft.com/office/drawing/2014/main" id="{C371ABCD-808B-4623-9DFC-E0D4AF8B8621}"/>
+              </a:ext>
+            </a:extLst>
+          </p:cNvPr>
+          <p:cNvCxnSpPr>
+            <a:cxnSpLocks/>
+          </p:cNvCxnSpPr>
+          <p:nvPr/>
+        </p:nvCxnSpPr>
+        <p:spPr>
+          <a:xfrm>
+            <a:off x="2871567" y="3242744"/>
+            <a:ext cx="11572" cy="2515118"/>
+          </a:xfrm>
+          <a:prstGeom prst="line">
+            <a:avLst/>
+          </a:prstGeom>
+          <a:ln w="57150"/>
+        </p:spPr>
+        <p:style>
+          <a:lnRef idx="3">
+            <a:schemeClr val="accent3"/>
+          </a:lnRef>
+          <a:fillRef idx="0">
+            <a:schemeClr val="accent3"/>
+          </a:fillRef>
+          <a:effectRef idx="2">
+            <a:schemeClr val="accent3"/>
+          </a:effectRef>
+          <a:fontRef idx="minor">
+            <a:schemeClr val="tx1"/>
+          </a:fontRef>
+        </p:style>
+      </p:cxnSp>
+      <p:cxnSp>
+        <p:nvCxnSpPr>
+          <p:cNvPr id="115" name="Connecteur droit avec flèche 114">
+            <a:extLst>
+              <a:ext uri="{FF2B5EF4-FFF2-40B4-BE49-F238E27FC236}">
+                <a16:creationId xmlns:a16="http://schemas.microsoft.com/office/drawing/2014/main" id="{B09E4F92-A387-44C4-A873-183ED984649B}"/>
+              </a:ext>
+            </a:extLst>
+          </p:cNvPr>
+          <p:cNvCxnSpPr>
+            <a:cxnSpLocks/>
+          </p:cNvCxnSpPr>
+          <p:nvPr/>
+        </p:nvCxnSpPr>
+        <p:spPr>
+          <a:xfrm>
+            <a:off x="2871566" y="4383202"/>
+            <a:ext cx="218448" cy="0"/>
+          </a:xfrm>
+          <a:prstGeom prst="straightConnector1">
+            <a:avLst/>
+          </a:prstGeom>
+          <a:ln w="57150">
+            <a:tailEnd type="triangle"/>
+          </a:ln>
+        </p:spPr>
+        <p:style>
+          <a:lnRef idx="3">
+            <a:schemeClr val="accent3"/>
+          </a:lnRef>
+          <a:fillRef idx="0">
+            <a:schemeClr val="accent3"/>
+          </a:fillRef>
+          <a:effectRef idx="2">
+            <a:schemeClr val="accent3"/>
+          </a:effectRef>
+          <a:fontRef idx="minor">
+            <a:schemeClr val="tx1"/>
+          </a:fontRef>
+        </p:style>
+      </p:cxnSp>
+      <p:cxnSp>
+        <p:nvCxnSpPr>
+          <p:cNvPr id="116" name="Connecteur droit avec flèche 115">
+            <a:extLst>
+              <a:ext uri="{FF2B5EF4-FFF2-40B4-BE49-F238E27FC236}">
+                <a16:creationId xmlns:a16="http://schemas.microsoft.com/office/drawing/2014/main" id="{97AF851E-FB13-4A36-A437-38B25491B7FF}"/>
+              </a:ext>
+            </a:extLst>
+          </p:cNvPr>
+          <p:cNvCxnSpPr>
+            <a:cxnSpLocks/>
+          </p:cNvCxnSpPr>
+          <p:nvPr/>
+        </p:nvCxnSpPr>
+        <p:spPr>
+          <a:xfrm>
+            <a:off x="2871566" y="5027041"/>
+            <a:ext cx="218448" cy="0"/>
+          </a:xfrm>
+          <a:prstGeom prst="straightConnector1">
+            <a:avLst/>
+          </a:prstGeom>
+          <a:ln w="57150">
+            <a:tailEnd type="triangle"/>
+          </a:ln>
+        </p:spPr>
+        <p:style>
+          <a:lnRef idx="3">
+            <a:schemeClr val="accent3"/>
+          </a:lnRef>
+          <a:fillRef idx="0">
+            <a:schemeClr val="accent3"/>
+          </a:fillRef>
+          <a:effectRef idx="2">
+            <a:schemeClr val="accent3"/>
+          </a:effectRef>
+          <a:fontRef idx="minor">
+            <a:schemeClr val="tx1"/>
+          </a:fontRef>
+        </p:style>
+      </p:cxnSp>
+      <p:cxnSp>
+        <p:nvCxnSpPr>
+          <p:cNvPr id="117" name="Connecteur droit avec flèche 116">
+            <a:extLst>
+              <a:ext uri="{FF2B5EF4-FFF2-40B4-BE49-F238E27FC236}">
+                <a16:creationId xmlns:a16="http://schemas.microsoft.com/office/drawing/2014/main" id="{2A9BEE7A-6498-4248-85F5-EBEB9507A85D}"/>
+              </a:ext>
+            </a:extLst>
+          </p:cNvPr>
+          <p:cNvCxnSpPr>
+            <a:cxnSpLocks/>
+          </p:cNvCxnSpPr>
+          <p:nvPr/>
+        </p:nvCxnSpPr>
+        <p:spPr>
+          <a:xfrm>
+            <a:off x="2894024" y="5721373"/>
+            <a:ext cx="218448" cy="0"/>
+          </a:xfrm>
+          <a:prstGeom prst="straightConnector1">
+            <a:avLst/>
+          </a:prstGeom>
+          <a:ln w="57150">
+            <a:tailEnd type="triangle"/>
+          </a:ln>
+        </p:spPr>
+        <p:style>
+          <a:lnRef idx="3">
+            <a:schemeClr val="accent3"/>
+          </a:lnRef>
+          <a:fillRef idx="0">
+            <a:schemeClr val="accent3"/>
+          </a:fillRef>
+          <a:effectRef idx="2">
+            <a:schemeClr val="accent3"/>
+          </a:effectRef>
+          <a:fontRef idx="minor">
+            <a:schemeClr val="tx1"/>
+          </a:fontRef>
+        </p:style>
+      </p:cxnSp>
+      <p:cxnSp>
+        <p:nvCxnSpPr>
+          <p:cNvPr id="120" name="Connecteur droit avec flèche 119">
+            <a:extLst>
+              <a:ext uri="{FF2B5EF4-FFF2-40B4-BE49-F238E27FC236}">
+                <a16:creationId xmlns:a16="http://schemas.microsoft.com/office/drawing/2014/main" id="{7C1C8FB4-53C5-42F6-A8B2-851AF79B6FFF}"/>
+              </a:ext>
+            </a:extLst>
+          </p:cNvPr>
+          <p:cNvCxnSpPr>
+            <a:cxnSpLocks/>
+            <a:stCxn id="71" idx="3"/>
+            <a:endCxn id="94" idx="1"/>
+          </p:cNvCxnSpPr>
+          <p:nvPr/>
+        </p:nvCxnSpPr>
+        <p:spPr>
+          <a:xfrm flipV="1">
+            <a:off x="4256288" y="4013619"/>
+            <a:ext cx="390015" cy="378509"/>
+          </a:xfrm>
+          <a:prstGeom prst="straightConnector1">
+            <a:avLst/>
+          </a:prstGeom>
+          <a:ln w="57150">
+            <a:tailEnd type="triangle"/>
+          </a:ln>
+        </p:spPr>
+        <p:style>
+          <a:lnRef idx="3">
+            <a:schemeClr val="accent3"/>
+          </a:lnRef>
+          <a:fillRef idx="0">
+            <a:schemeClr val="accent3"/>
+          </a:fillRef>
+          <a:effectRef idx="2">
+            <a:schemeClr val="accent3"/>
+          </a:effectRef>
+          <a:fontRef idx="minor">
+            <a:schemeClr val="tx1"/>
+          </a:fontRef>
+        </p:style>
+      </p:cxnSp>
+      <p:cxnSp>
+        <p:nvCxnSpPr>
+          <p:cNvPr id="123" name="Connecteur droit avec flèche 122">
+            <a:extLst>
+              <a:ext uri="{FF2B5EF4-FFF2-40B4-BE49-F238E27FC236}">
+                <a16:creationId xmlns:a16="http://schemas.microsoft.com/office/drawing/2014/main" id="{915C67B1-5D71-4C19-B031-B02420760408}"/>
+              </a:ext>
+            </a:extLst>
+          </p:cNvPr>
+          <p:cNvCxnSpPr>
+            <a:cxnSpLocks/>
+            <a:stCxn id="78" idx="3"/>
+            <a:endCxn id="95" idx="1"/>
+          </p:cNvCxnSpPr>
+          <p:nvPr/>
+        </p:nvCxnSpPr>
+        <p:spPr>
+          <a:xfrm flipV="1">
+            <a:off x="4256752" y="4984372"/>
+            <a:ext cx="389550" cy="45639"/>
+          </a:xfrm>
+          <a:prstGeom prst="straightConnector1">
+            <a:avLst/>
+          </a:prstGeom>
+          <a:ln w="57150">
+            <a:tailEnd type="triangle"/>
+          </a:ln>
+        </p:spPr>
+        <p:style>
+          <a:lnRef idx="3">
+            <a:schemeClr val="accent3"/>
+          </a:lnRef>
+          <a:fillRef idx="0">
+            <a:schemeClr val="accent3"/>
+          </a:fillRef>
+          <a:effectRef idx="2">
+            <a:schemeClr val="accent3"/>
+          </a:effectRef>
+          <a:fontRef idx="minor">
+            <a:schemeClr val="tx1"/>
+          </a:fontRef>
+        </p:style>
+      </p:cxnSp>
+      <p:cxnSp>
+        <p:nvCxnSpPr>
+          <p:cNvPr id="126" name="Connecteur droit avec flèche 125">
+            <a:extLst>
+              <a:ext uri="{FF2B5EF4-FFF2-40B4-BE49-F238E27FC236}">
+                <a16:creationId xmlns:a16="http://schemas.microsoft.com/office/drawing/2014/main" id="{F3441D95-61F8-4DA0-9ECA-7FE9042235E3}"/>
+              </a:ext>
+            </a:extLst>
+          </p:cNvPr>
+          <p:cNvCxnSpPr>
+            <a:cxnSpLocks/>
+            <a:stCxn id="79" idx="3"/>
+            <a:endCxn id="96" idx="1"/>
+          </p:cNvCxnSpPr>
+          <p:nvPr/>
+        </p:nvCxnSpPr>
+        <p:spPr>
+          <a:xfrm>
+            <a:off x="4268037" y="5684885"/>
+            <a:ext cx="378264" cy="70288"/>
+          </a:xfrm>
+          <a:prstGeom prst="straightConnector1">
+            <a:avLst/>
+          </a:prstGeom>
+          <a:ln w="57150">
+            <a:tailEnd type="triangle"/>
+          </a:ln>
+        </p:spPr>
+        <p:style>
+          <a:lnRef idx="3">
+            <a:schemeClr val="accent3"/>
+          </a:lnRef>
+          <a:fillRef idx="0">
+            <a:schemeClr val="accent3"/>
+          </a:fillRef>
+          <a:effectRef idx="2">
+            <a:schemeClr val="accent3"/>
+          </a:effectRef>
+          <a:fontRef idx="minor">
+            <a:schemeClr val="tx1"/>
+          </a:fontRef>
+        </p:style>
+      </p:cxnSp>
+      <p:sp>
+        <p:nvSpPr>
+          <p:cNvPr id="138" name="Rectangle 137">
+            <a:extLst>
+              <a:ext uri="{FF2B5EF4-FFF2-40B4-BE49-F238E27FC236}">
+                <a16:creationId xmlns:a16="http://schemas.microsoft.com/office/drawing/2014/main" id="{6AE40AEB-AD6E-43FF-B161-BDBD860B6483}"/>
+              </a:ext>
+            </a:extLst>
+          </p:cNvPr>
+          <p:cNvSpPr/>
+          <p:nvPr/>
+        </p:nvSpPr>
+        <p:spPr>
+          <a:xfrm>
+            <a:off x="4887592" y="2011747"/>
+            <a:ext cx="1483249" cy="460112"/>
+          </a:xfrm>
+          <a:prstGeom prst="rect">
+            <a:avLst/>
+          </a:prstGeom>
+        </p:spPr>
+        <p:style>
+          <a:lnRef idx="0">
+            <a:schemeClr val="accent3"/>
+          </a:lnRef>
+          <a:fillRef idx="3">
+            <a:schemeClr val="accent3"/>
+          </a:fillRef>
+          <a:effectRef idx="3">
+            <a:schemeClr val="accent3"/>
+          </a:effectRef>
+          <a:fontRef idx="minor">
+            <a:schemeClr val="lt1"/>
+          </a:fontRef>
+        </p:style>
+        <p:txBody>
+          <a:bodyPr rtlCol="0" anchor="t"/>
+          <a:lstStyle/>
+          <a:p>
+            <a:pPr algn="ctr"/>
+            <a:r>
+              <a:rPr lang="fr-FR" sz="1200" dirty="0"/>
+              <a:t>Envoi réponse sur port HTTP (80)</a:t>
+            </a:r>
+          </a:p>
+        </p:txBody>
+      </p:sp>
+      <p:cxnSp>
+        <p:nvCxnSpPr>
+          <p:cNvPr id="150" name="Connecteur droit 149">
+            <a:extLst>
+              <a:ext uri="{FF2B5EF4-FFF2-40B4-BE49-F238E27FC236}">
+                <a16:creationId xmlns:a16="http://schemas.microsoft.com/office/drawing/2014/main" id="{929F34EE-3638-4365-871B-CC5CB0E24629}"/>
+              </a:ext>
+            </a:extLst>
+          </p:cNvPr>
+          <p:cNvCxnSpPr>
+            <a:cxnSpLocks/>
+          </p:cNvCxnSpPr>
+          <p:nvPr/>
+        </p:nvCxnSpPr>
+        <p:spPr>
+          <a:xfrm>
+            <a:off x="6299360" y="2471859"/>
+            <a:ext cx="1" cy="3283314"/>
+          </a:xfrm>
+          <a:prstGeom prst="line">
+            <a:avLst/>
+          </a:prstGeom>
+          <a:ln w="57150">
+            <a:headEnd type="triangle" w="med" len="med"/>
+            <a:tailEnd type="none" w="med" len="med"/>
+          </a:ln>
+        </p:spPr>
+        <p:style>
+          <a:lnRef idx="3">
+            <a:schemeClr val="accent3"/>
+          </a:lnRef>
+          <a:fillRef idx="0">
+            <a:schemeClr val="accent3"/>
+          </a:fillRef>
+          <a:effectRef idx="2">
+            <a:schemeClr val="accent3"/>
+          </a:effectRef>
+          <a:fontRef idx="minor">
+            <a:schemeClr val="tx1"/>
+          </a:fontRef>
+        </p:style>
+      </p:cxnSp>
+      <p:cxnSp>
+        <p:nvCxnSpPr>
+          <p:cNvPr id="153" name="Connecteur droit avec flèche 152">
+            <a:extLst>
+              <a:ext uri="{FF2B5EF4-FFF2-40B4-BE49-F238E27FC236}">
+                <a16:creationId xmlns:a16="http://schemas.microsoft.com/office/drawing/2014/main" id="{CADFDE26-8259-4DAB-A070-D632445E7C1D}"/>
+              </a:ext>
+            </a:extLst>
+          </p:cNvPr>
+          <p:cNvCxnSpPr>
+            <a:cxnSpLocks/>
+          </p:cNvCxnSpPr>
+          <p:nvPr/>
+        </p:nvCxnSpPr>
+        <p:spPr>
+          <a:xfrm>
+            <a:off x="6032228" y="3270718"/>
+            <a:ext cx="267133" cy="0"/>
+          </a:xfrm>
+          <a:prstGeom prst="straightConnector1">
+            <a:avLst/>
+          </a:prstGeom>
+          <a:ln w="57150">
+            <a:tailEnd type="triangle"/>
+          </a:ln>
+        </p:spPr>
+        <p:style>
+          <a:lnRef idx="3">
+            <a:schemeClr val="accent3"/>
+          </a:lnRef>
+          <a:fillRef idx="0">
+            <a:schemeClr val="accent3"/>
+          </a:fillRef>
+          <a:effectRef idx="2">
+            <a:schemeClr val="accent3"/>
+          </a:effectRef>
+          <a:fontRef idx="minor">
+            <a:schemeClr val="tx1"/>
+          </a:fontRef>
+        </p:style>
+      </p:cxnSp>
+      <p:cxnSp>
+        <p:nvCxnSpPr>
+          <p:cNvPr id="155" name="Connecteur droit avec flèche 154">
+            <a:extLst>
+              <a:ext uri="{FF2B5EF4-FFF2-40B4-BE49-F238E27FC236}">
+                <a16:creationId xmlns:a16="http://schemas.microsoft.com/office/drawing/2014/main" id="{21203AB3-779F-41C6-97DA-41374FB0C3E1}"/>
+              </a:ext>
+            </a:extLst>
+          </p:cNvPr>
+          <p:cNvCxnSpPr>
+            <a:cxnSpLocks/>
+          </p:cNvCxnSpPr>
+          <p:nvPr/>
+        </p:nvCxnSpPr>
+        <p:spPr>
+          <a:xfrm>
+            <a:off x="6032227" y="4013618"/>
+            <a:ext cx="267133" cy="0"/>
+          </a:xfrm>
+          <a:prstGeom prst="straightConnector1">
+            <a:avLst/>
+          </a:prstGeom>
+          <a:ln w="57150">
+            <a:tailEnd type="triangle"/>
+          </a:ln>
+        </p:spPr>
+        <p:style>
+          <a:lnRef idx="3">
+            <a:schemeClr val="accent3"/>
+          </a:lnRef>
+          <a:fillRef idx="0">
+            <a:schemeClr val="accent3"/>
+          </a:fillRef>
+          <a:effectRef idx="2">
+            <a:schemeClr val="accent3"/>
+          </a:effectRef>
+          <a:fontRef idx="minor">
+            <a:schemeClr val="tx1"/>
+          </a:fontRef>
+        </p:style>
+      </p:cxnSp>
+      <p:cxnSp>
+        <p:nvCxnSpPr>
+          <p:cNvPr id="156" name="Connecteur droit avec flèche 155">
+            <a:extLst>
+              <a:ext uri="{FF2B5EF4-FFF2-40B4-BE49-F238E27FC236}">
+                <a16:creationId xmlns:a16="http://schemas.microsoft.com/office/drawing/2014/main" id="{48D1D5D3-417E-4158-9372-052ED2A53A0A}"/>
+              </a:ext>
+            </a:extLst>
+          </p:cNvPr>
+          <p:cNvCxnSpPr>
+            <a:cxnSpLocks/>
+          </p:cNvCxnSpPr>
+          <p:nvPr/>
+        </p:nvCxnSpPr>
+        <p:spPr>
+          <a:xfrm>
+            <a:off x="6032227" y="4971209"/>
+            <a:ext cx="267133" cy="0"/>
+          </a:xfrm>
+          <a:prstGeom prst="straightConnector1">
+            <a:avLst/>
+          </a:prstGeom>
+          <a:ln w="57150">
+            <a:tailEnd type="triangle"/>
+          </a:ln>
+        </p:spPr>
+        <p:style>
+          <a:lnRef idx="3">
+            <a:schemeClr val="accent3"/>
+          </a:lnRef>
+          <a:fillRef idx="0">
+            <a:schemeClr val="accent3"/>
+          </a:fillRef>
+          <a:effectRef idx="2">
+            <a:schemeClr val="accent3"/>
+          </a:effectRef>
+          <a:fontRef idx="minor">
+            <a:schemeClr val="tx1"/>
+          </a:fontRef>
+        </p:style>
+      </p:cxnSp>
+      <p:cxnSp>
+        <p:nvCxnSpPr>
+          <p:cNvPr id="157" name="Connecteur droit avec flèche 156">
+            <a:extLst>
+              <a:ext uri="{FF2B5EF4-FFF2-40B4-BE49-F238E27FC236}">
+                <a16:creationId xmlns:a16="http://schemas.microsoft.com/office/drawing/2014/main" id="{36DBFC02-3975-4E4E-B719-2335A5DC1311}"/>
+              </a:ext>
+            </a:extLst>
+          </p:cNvPr>
+          <p:cNvCxnSpPr>
+            <a:cxnSpLocks/>
+          </p:cNvCxnSpPr>
+          <p:nvPr/>
+        </p:nvCxnSpPr>
+        <p:spPr>
+          <a:xfrm>
+            <a:off x="6032227" y="5755173"/>
+            <a:ext cx="267133" cy="0"/>
+          </a:xfrm>
+          <a:prstGeom prst="straightConnector1">
+            <a:avLst/>
+          </a:prstGeom>
+          <a:ln w="57150">
+            <a:tailEnd type="triangle"/>
+          </a:ln>
+        </p:spPr>
+        <p:style>
+          <a:lnRef idx="3">
+            <a:schemeClr val="accent3"/>
+          </a:lnRef>
+          <a:fillRef idx="0">
+            <a:schemeClr val="accent3"/>
+          </a:fillRef>
+          <a:effectRef idx="2">
+            <a:schemeClr val="accent3"/>
+          </a:effectRef>
+          <a:fontRef idx="minor">
+            <a:schemeClr val="tx1"/>
+          </a:fontRef>
+        </p:style>
+      </p:cxnSp>
+      <p:sp>
+        <p:nvSpPr>
+          <p:cNvPr id="160" name="Rectangle 159">
+            <a:extLst>
+              <a:ext uri="{FF2B5EF4-FFF2-40B4-BE49-F238E27FC236}">
+                <a16:creationId xmlns:a16="http://schemas.microsoft.com/office/drawing/2014/main" id="{3C17FB8D-A5AB-4F47-951C-BF19644D1ADF}"/>
+              </a:ext>
+            </a:extLst>
+          </p:cNvPr>
+          <p:cNvSpPr/>
+          <p:nvPr/>
+        </p:nvSpPr>
+        <p:spPr>
+          <a:xfrm>
+            <a:off x="839947" y="2476030"/>
+            <a:ext cx="1517501" cy="959150"/>
+          </a:xfrm>
+          <a:prstGeom prst="rect">
+            <a:avLst/>
+          </a:prstGeom>
+        </p:spPr>
+        <p:style>
+          <a:lnRef idx="0">
+            <a:schemeClr val="accent3"/>
+          </a:lnRef>
+          <a:fillRef idx="3">
+            <a:schemeClr val="accent3"/>
+          </a:fillRef>
+          <a:effectRef idx="3">
+            <a:schemeClr val="accent3"/>
+          </a:effectRef>
+          <a:fontRef idx="minor">
+            <a:schemeClr val="lt1"/>
+          </a:fontRef>
+        </p:style>
+        <p:txBody>
+          <a:bodyPr rtlCol="0" anchor="t"/>
+          <a:lstStyle/>
+          <a:p>
+            <a:pPr algn="ctr"/>
+            <a:r>
+              <a:rPr lang="fr-FR" sz="1400" dirty="0"/>
+              <a:t>Analyse des options de ligne de commande</a:t>
+            </a:r>
+          </a:p>
+        </p:txBody>
+      </p:sp>
     </p:spTree>
     <p:extLst>
       <p:ext uri="{BB962C8B-B14F-4D97-AF65-F5344CB8AC3E}">
-        <p14:creationId xmlns:p14="http://schemas.microsoft.com/office/powerpoint/2010/main" val="1185517342"/>
+        <p14:creationId xmlns:p14="http://schemas.microsoft.com/office/powerpoint/2010/main" val="3371592575"/>
       </p:ext>
     </p:extLst>
   </p:cSld>
@@ -15328,13 +17514,13 @@
         </p:spPr>
         <p:txBody>
           <a:bodyPr>
-            <a:normAutofit fontScale="90000"/>
+            <a:normAutofit/>
           </a:bodyPr>
           <a:lstStyle/>
           <a:p>
             <a:r>
-              <a:rPr lang="fr-FR" dirty="0"/>
-              <a:t>Conception du Serveur</a:t>
+              <a:rPr lang="fr-FR" sz="2000" dirty="0"/>
+              <a:t>2.2) Windows : Mettre au point les modules</a:t>
             </a:r>
           </a:p>
         </p:txBody>
@@ -15358,12 +17544,12 @@
         <p:spPr>
           <a:xfrm>
             <a:off x="1066800" y="1300348"/>
-            <a:ext cx="10058400" cy="4652396"/>
+            <a:ext cx="9265338" cy="5042210"/>
           </a:xfrm>
         </p:spPr>
         <p:txBody>
           <a:bodyPr>
-            <a:normAutofit lnSpcReduction="10000"/>
+            <a:normAutofit/>
           </a:bodyPr>
           <a:lstStyle/>
           <a:p>
@@ -15371,224 +17557,144 @@
               <a:buNone/>
             </a:pPr>
             <a:r>
-              <a:rPr lang="fr-FR" dirty="0"/>
-              <a:t>Mise au point sous Windows avec Visual studio :</a:t>
+              <a:rPr lang="fr-FR" sz="1100" u="sng" dirty="0"/>
+              <a:t>Les modules qui peuvent être mis au point et testé sur Windows sont :</a:t>
+            </a:r>
+          </a:p>
+          <a:p>
+            <a:r>
+              <a:rPr lang="fr-FR" sz="1100" dirty="0"/>
+              <a:t>Module HTTP : </a:t>
             </a:r>
           </a:p>
           <a:p>
             <a:pPr lvl="1"/>
             <a:r>
-              <a:rPr lang="fr-FR" dirty="0"/>
-              <a:t>Création d’un projet cross platform UNIX/WINDOWS avec CMAKE :</a:t>
-            </a:r>
-          </a:p>
-          <a:p>
-            <a:pPr lvl="2"/>
-            <a:r>
-              <a:rPr lang="fr-FR" dirty="0"/>
-              <a:t>Ajout dans le projet de tierce partie :</a:t>
-            </a:r>
-          </a:p>
-          <a:p>
-            <a:pPr lvl="3"/>
-            <a:r>
-              <a:rPr lang="fr-FR" dirty="0"/>
-              <a:t>Du code source du Driver BME 280</a:t>
-            </a:r>
-          </a:p>
-          <a:p>
-            <a:pPr lvl="3"/>
-            <a:r>
-              <a:rPr lang="fr-FR" dirty="0"/>
-              <a:t>Du code source de </a:t>
-            </a:r>
-            <a:r>
-              <a:rPr lang="fr-FR" dirty="0" err="1"/>
-              <a:t>BuildInc</a:t>
-            </a:r>
-            <a:r>
-              <a:rPr lang="fr-FR" dirty="0"/>
-              <a:t> : petit utilitaire qui permet d’</a:t>
-            </a:r>
-            <a:r>
-              <a:rPr lang="fr-FR" dirty="0" err="1"/>
-              <a:t>incrementer</a:t>
-            </a:r>
-            <a:r>
-              <a:rPr lang="fr-FR" dirty="0"/>
-              <a:t> un numéro de </a:t>
-            </a:r>
-            <a:r>
-              <a:rPr lang="fr-FR" dirty="0" err="1"/>
-              <a:t>build</a:t>
-            </a:r>
-            <a:r>
-              <a:rPr lang="fr-FR" dirty="0"/>
-              <a:t> a chaque </a:t>
-            </a:r>
-            <a:r>
-              <a:rPr lang="fr-FR" dirty="0" err="1"/>
-              <a:t>build</a:t>
-            </a:r>
-            <a:endParaRPr lang="fr-FR" dirty="0"/>
-          </a:p>
-          <a:p>
-            <a:pPr lvl="3"/>
-            <a:r>
-              <a:rPr lang="fr-FR" dirty="0"/>
-              <a:t>Du code source de </a:t>
-            </a:r>
-            <a:r>
-              <a:rPr lang="fr-FR" dirty="0" err="1"/>
-              <a:t>libuv</a:t>
-            </a:r>
-            <a:r>
-              <a:rPr lang="fr-FR" dirty="0"/>
-              <a:t> : la libraire de communication réseau</a:t>
-            </a:r>
-          </a:p>
-          <a:p>
-            <a:pPr lvl="3"/>
-            <a:r>
-              <a:rPr lang="fr-FR" dirty="0"/>
-              <a:t>Du code source de SQlite3</a:t>
-            </a:r>
-          </a:p>
-          <a:p>
-            <a:pPr lvl="3"/>
-            <a:r>
-              <a:rPr lang="fr-FR" dirty="0"/>
-              <a:t>Du code source de </a:t>
-            </a:r>
-            <a:r>
-              <a:rPr lang="fr-FR" dirty="0" err="1"/>
-              <a:t>uv_cpp</a:t>
-            </a:r>
-            <a:r>
-              <a:rPr lang="fr-FR" dirty="0"/>
-              <a:t> : le </a:t>
-            </a:r>
-            <a:r>
-              <a:rPr lang="fr-FR" dirty="0" err="1"/>
-              <a:t>wrapper</a:t>
-            </a:r>
-            <a:r>
-              <a:rPr lang="fr-FR" dirty="0"/>
-              <a:t> </a:t>
-            </a:r>
-            <a:r>
-              <a:rPr lang="fr-FR" dirty="0" err="1"/>
-              <a:t>cpp</a:t>
-            </a:r>
-            <a:r>
-              <a:rPr lang="fr-FR" dirty="0"/>
-              <a:t> pour </a:t>
-            </a:r>
-            <a:r>
-              <a:rPr lang="fr-FR" dirty="0" err="1"/>
-              <a:t>libuv</a:t>
-            </a:r>
-            <a:endParaRPr lang="fr-FR" dirty="0"/>
-          </a:p>
-          <a:p>
-            <a:pPr lvl="2"/>
-            <a:r>
-              <a:rPr lang="fr-FR" dirty="0"/>
-              <a:t>Ajout dans le projet du code utile reparti en module :</a:t>
-            </a:r>
-          </a:p>
-          <a:p>
-            <a:pPr lvl="3"/>
-            <a:r>
-              <a:rPr lang="fr-FR" dirty="0"/>
-              <a:t>Un module pour gérer le serveur HTTP : réception / traitement / envoi de requête HTTP</a:t>
-            </a:r>
-          </a:p>
-          <a:p>
-            <a:pPr lvl="3"/>
-            <a:r>
-              <a:rPr lang="fr-FR" dirty="0"/>
-              <a:t>Un module pour gérer le capteur : mesure du capteur et formatage des données mesurées</a:t>
-            </a:r>
-          </a:p>
-          <a:p>
-            <a:pPr lvl="3"/>
-            <a:r>
-              <a:rPr lang="fr-FR" dirty="0"/>
-              <a:t>Un module pour gérer la base de donnée : ajout de donnée / extraction sous forme JSON</a:t>
-            </a:r>
-          </a:p>
-          <a:p>
-            <a:pPr lvl="3"/>
-            <a:r>
-              <a:rPr lang="fr-FR" dirty="0"/>
-              <a:t>Un module pour piloter la mesure et l’inscription dans la base de donnée suivant un </a:t>
-            </a:r>
-            <a:r>
-              <a:rPr lang="fr-FR" dirty="0" err="1"/>
-              <a:t>timer</a:t>
-            </a:r>
-            <a:r>
-              <a:rPr lang="fr-FR" dirty="0"/>
-              <a:t>. Ici toute les heures</a:t>
-            </a:r>
-          </a:p>
-          <a:p>
-            <a:pPr lvl="3"/>
-            <a:r>
-              <a:rPr lang="fr-FR" dirty="0"/>
-              <a:t>Un module pour extraire les infos du serveur : </a:t>
-            </a:r>
-          </a:p>
-          <a:p>
-            <a:pPr lvl="4"/>
-            <a:r>
-              <a:rPr lang="fr-FR" dirty="0"/>
-              <a:t>Infos de l’os : version, </a:t>
-            </a:r>
-            <a:r>
-              <a:rPr lang="fr-FR" dirty="0" err="1"/>
-              <a:t>cpu</a:t>
-            </a:r>
-            <a:endParaRPr lang="fr-FR" dirty="0"/>
-          </a:p>
-          <a:p>
-            <a:pPr lvl="4"/>
-            <a:r>
-              <a:rPr lang="fr-FR" dirty="0"/>
-              <a:t>Infos sur la bd : nombre d’enregistrements, version de la bd, chemin de la bd</a:t>
-            </a:r>
-          </a:p>
-          <a:p>
-            <a:pPr lvl="4"/>
-            <a:r>
-              <a:rPr lang="fr-FR" dirty="0"/>
-              <a:t>Infos sur le serveur : version, ligne de commande utilisé</a:t>
-            </a:r>
-          </a:p>
-          <a:p>
-            <a:pPr lvl="3"/>
-            <a:r>
-              <a:rPr lang="fr-FR" dirty="0"/>
-              <a:t>Ajout du point d’entrée du projet :</a:t>
-            </a:r>
-          </a:p>
-          <a:p>
-            <a:pPr lvl="4"/>
-            <a:r>
-              <a:rPr lang="fr-FR" dirty="0"/>
-              <a:t>Ajout d’une interface de ligne de commande configurable dans la logique des commande UNIX</a:t>
-            </a:r>
-          </a:p>
-          <a:p>
-            <a:pPr lvl="3"/>
-            <a:endParaRPr lang="fr-FR" dirty="0"/>
+              <a:rPr lang="fr-FR" sz="1100" dirty="0"/>
+              <a:t>Démarrage de l’écoute du port 80 et test avec un navigateur sur IP localhost (127.0.0.1)</a:t>
+            </a:r>
+          </a:p>
+          <a:p>
+            <a:pPr lvl="1"/>
+            <a:r>
+              <a:rPr lang="fr-FR" sz="1100" dirty="0"/>
+              <a:t>Génération de la bonne réponse en correspondance a une requête </a:t>
+            </a:r>
+          </a:p>
+          <a:p>
+            <a:r>
+              <a:rPr lang="fr-FR" sz="1100" dirty="0"/>
+              <a:t>Module de base de donnée avec SQLite : </a:t>
+            </a:r>
+          </a:p>
+          <a:p>
+            <a:pPr lvl="1"/>
+            <a:r>
+              <a:rPr lang="fr-FR" sz="1100" dirty="0"/>
+              <a:t>Vérification de l’écriture du fichier de base de donnée, du contenu, que la table est bien créé et contient les bonnes données</a:t>
+            </a:r>
+          </a:p>
+          <a:p>
+            <a:pPr lvl="1"/>
+            <a:r>
+              <a:rPr lang="fr-FR" sz="1100" dirty="0"/>
+              <a:t>Mise au point de requête SQL</a:t>
+            </a:r>
+          </a:p>
+          <a:p>
+            <a:r>
+              <a:rPr lang="fr-FR" sz="1100" dirty="0"/>
+              <a:t>Module </a:t>
+            </a:r>
+            <a:r>
+              <a:rPr lang="fr-FR" sz="1100" dirty="0" err="1"/>
+              <a:t>History</a:t>
+            </a:r>
+            <a:r>
+              <a:rPr lang="fr-FR" sz="1100" dirty="0"/>
+              <a:t> : </a:t>
+            </a:r>
+          </a:p>
+          <a:p>
+            <a:pPr lvl="1"/>
+            <a:r>
+              <a:rPr lang="fr-FR" sz="1100" dirty="0"/>
+              <a:t>Vérifier que la tache est bien déclenchée toutes X minutes</a:t>
+            </a:r>
+          </a:p>
+          <a:p>
+            <a:pPr lvl="1"/>
+            <a:r>
+              <a:rPr lang="fr-FR" sz="1100" dirty="0"/>
+              <a:t>Vérifier que la tache déclenche bien l’écriture des donnée du capteur dans la base de donnée</a:t>
+            </a:r>
+          </a:p>
+          <a:p>
+            <a:pPr marL="274320" lvl="1" indent="0">
+              <a:buNone/>
+            </a:pPr>
+            <a:r>
+              <a:rPr lang="fr-FR" sz="1100" dirty="0"/>
+              <a:t>	en revanche la mesure du capteur ne peut pas être testée sur Windows</a:t>
+            </a:r>
+          </a:p>
+          <a:p>
+            <a:r>
+              <a:rPr lang="fr-FR" sz="1300" dirty="0"/>
+              <a:t>Module Infos :</a:t>
+            </a:r>
+          </a:p>
+          <a:p>
+            <a:pPr lvl="1"/>
+            <a:r>
+              <a:rPr lang="fr-FR" sz="1100" dirty="0"/>
+              <a:t>Vérifier que les infos renvoyées sont correctes.</a:t>
+            </a:r>
+          </a:p>
+          <a:p>
+            <a:pPr lvl="1"/>
+            <a:r>
+              <a:rPr lang="fr-FR" sz="1100" dirty="0"/>
+              <a:t>Seules les infos de base de données et de version de l’app peuvent être renvoyé sur Windows. Les autres concernent linux</a:t>
+            </a:r>
+          </a:p>
+          <a:p>
+            <a:r>
+              <a:rPr lang="fr-FR" sz="1300" dirty="0"/>
+              <a:t>Le point d’entrée :</a:t>
+            </a:r>
+          </a:p>
+          <a:p>
+            <a:pPr lvl="1"/>
+            <a:r>
+              <a:rPr lang="fr-FR" sz="1100" dirty="0"/>
+              <a:t>Vérifier que l’analyse des options de ligne de commande sont bon et bien appliqués dans les modules</a:t>
+            </a:r>
+          </a:p>
+          <a:p>
+            <a:pPr lvl="1"/>
+            <a:r>
+              <a:rPr lang="fr-FR" sz="1100" dirty="0"/>
+              <a:t>Vérifier que l’aide est bien affiché dans le cas ou c’est voulu et dans le cas ou les options sont mal </a:t>
+            </a:r>
+            <a:r>
+              <a:rPr lang="fr-FR" sz="1100" dirty="0" err="1"/>
+              <a:t>ecrites</a:t>
+            </a:r>
+            <a:endParaRPr lang="fr-FR" sz="1100" dirty="0"/>
+          </a:p>
+          <a:p>
+            <a:pPr lvl="1"/>
+            <a:endParaRPr lang="fr-FR" sz="1100" dirty="0"/>
           </a:p>
           <a:p>
             <a:pPr marL="0" indent="0">
               <a:buNone/>
             </a:pPr>
-            <a:endParaRPr lang="fr-FR" dirty="0"/>
+            <a:r>
+              <a:rPr lang="fr-FR" sz="1300" u="sng" dirty="0"/>
+              <a:t>Le module BME280 ne peut être fait que sur linux</a:t>
+            </a:r>
           </a:p>
         </p:txBody>
       </p:sp>
@@ -15625,7 +17731,7 @@
     </p:spTree>
     <p:extLst>
       <p:ext uri="{BB962C8B-B14F-4D97-AF65-F5344CB8AC3E}">
-        <p14:creationId xmlns:p14="http://schemas.microsoft.com/office/powerpoint/2010/main" val="3877532116"/>
+        <p14:creationId xmlns:p14="http://schemas.microsoft.com/office/powerpoint/2010/main" val="2246881321"/>
       </p:ext>
     </p:extLst>
   </p:cSld>
@@ -15654,10 +17760,10 @@
       </p:grpSpPr>
       <p:sp>
         <p:nvSpPr>
-          <p:cNvPr id="5" name="Titre 4">
-            <a:extLst>
-              <a:ext uri="{FF2B5EF4-FFF2-40B4-BE49-F238E27FC236}">
-                <a16:creationId xmlns:a16="http://schemas.microsoft.com/office/drawing/2014/main" id="{B535D397-2E1B-4C1E-A392-E2A43916D949}"/>
+          <p:cNvPr id="2" name="Titre 1">
+            <a:extLst>
+              <a:ext uri="{FF2B5EF4-FFF2-40B4-BE49-F238E27FC236}">
+                <a16:creationId xmlns:a16="http://schemas.microsoft.com/office/drawing/2014/main" id="{EA53D9FC-3044-40B7-A8EB-EAB80F26D6FE}"/>
               </a:ext>
             </a:extLst>
           </p:cNvPr>
@@ -15665,27 +17771,34 @@
             <a:spLocks noGrp="1"/>
           </p:cNvSpPr>
           <p:nvPr>
-            <p:ph type="ctrTitle"/>
+            <p:ph type="title"/>
           </p:nvPr>
         </p:nvSpPr>
-        <p:spPr/>
-        <p:txBody>
-          <a:bodyPr/>
-          <a:lstStyle/>
-          <a:p>
-            <a:r>
-              <a:rPr lang="fr-FR" dirty="0"/>
-              <a:t>LA FINITION</a:t>
-            </a:r>
-          </a:p>
-        </p:txBody>
-      </p:sp>
-      <p:sp>
-        <p:nvSpPr>
-          <p:cNvPr id="6" name="Sous-titre 5">
-            <a:extLst>
-              <a:ext uri="{FF2B5EF4-FFF2-40B4-BE49-F238E27FC236}">
-                <a16:creationId xmlns:a16="http://schemas.microsoft.com/office/drawing/2014/main" id="{42DF712F-84EC-48F3-B510-83E590DD97F0}"/>
+        <p:spPr>
+          <a:xfrm>
+            <a:off x="1066800" y="642594"/>
+            <a:ext cx="10645674" cy="556814"/>
+          </a:xfrm>
+        </p:spPr>
+        <p:txBody>
+          <a:bodyPr>
+            <a:normAutofit fontScale="90000"/>
+          </a:bodyPr>
+          <a:lstStyle/>
+          <a:p>
+            <a:r>
+              <a:rPr lang="fr-FR" sz="2000" dirty="0"/>
+              <a:t>3.1) Linux : Mettre au point du module du capteur et Tester le serveur en interne et externe</a:t>
+            </a:r>
+          </a:p>
+        </p:txBody>
+      </p:sp>
+      <p:sp>
+        <p:nvSpPr>
+          <p:cNvPr id="3" name="Espace réservé du contenu 2">
+            <a:extLst>
+              <a:ext uri="{FF2B5EF4-FFF2-40B4-BE49-F238E27FC236}">
+                <a16:creationId xmlns:a16="http://schemas.microsoft.com/office/drawing/2014/main" id="{5837093E-200E-45C2-A38D-202DB399C72A}"/>
               </a:ext>
             </a:extLst>
           </p:cNvPr>
@@ -15693,17 +17806,141 @@
             <a:spLocks noGrp="1"/>
           </p:cNvSpPr>
           <p:nvPr>
-            <p:ph type="subTitle" idx="1"/>
+            <p:ph idx="1"/>
           </p:nvPr>
         </p:nvSpPr>
-        <p:spPr/>
-        <p:txBody>
-          <a:bodyPr/>
-          <a:lstStyle/>
-          <a:p>
-            <a:r>
-              <a:rPr lang="fr-FR" dirty="0"/>
-              <a:t>DESIGN / OPTIMISATION / SIMPLIFCATION</a:t>
+        <p:spPr>
+          <a:xfrm>
+            <a:off x="1066800" y="1300348"/>
+            <a:ext cx="10529190" cy="5042210"/>
+          </a:xfrm>
+        </p:spPr>
+        <p:txBody>
+          <a:bodyPr>
+            <a:normAutofit/>
+          </a:bodyPr>
+          <a:lstStyle/>
+          <a:p>
+            <a:r>
+              <a:rPr lang="fr-FR" sz="1200" dirty="0"/>
+              <a:t>Connection en SSH sur le Raspberry PI</a:t>
+            </a:r>
+          </a:p>
+          <a:p>
+            <a:r>
+              <a:rPr lang="fr-FR" sz="1200" dirty="0"/>
+              <a:t>Vérifier que les outils de </a:t>
+            </a:r>
+            <a:r>
+              <a:rPr lang="fr-FR" sz="1200" dirty="0" err="1"/>
+              <a:t>Build</a:t>
+            </a:r>
+            <a:r>
+              <a:rPr lang="fr-FR" sz="1200" dirty="0"/>
+              <a:t> sont installée et que le module I2C est chargé et démarre bien automatiquement avec le Raspberry pi </a:t>
+            </a:r>
+          </a:p>
+          <a:p>
+            <a:r>
+              <a:rPr lang="fr-FR" sz="1200" dirty="0"/>
+              <a:t>Module BME280 :</a:t>
+            </a:r>
+          </a:p>
+          <a:p>
+            <a:pPr lvl="1"/>
+            <a:r>
+              <a:rPr lang="fr-FR" sz="1200" dirty="0"/>
+              <a:t>Vérification que la mesure ce fait et que le retour est conforme au script python fourni par AJC en référence</a:t>
+            </a:r>
+          </a:p>
+          <a:p>
+            <a:pPr lvl="1"/>
+            <a:r>
+              <a:rPr lang="fr-FR" sz="1200" dirty="0"/>
+              <a:t>Vérification que le format JSON est correct</a:t>
+            </a:r>
+          </a:p>
+          <a:p>
+            <a:pPr lvl="1"/>
+            <a:endParaRPr lang="fr-FR" sz="1200" dirty="0"/>
+          </a:p>
+          <a:p>
+            <a:r>
+              <a:rPr lang="fr-FR" sz="1400" dirty="0"/>
+              <a:t>Vérification que le programme fonctionne correctement :</a:t>
+            </a:r>
+          </a:p>
+          <a:p>
+            <a:pPr lvl="1"/>
+            <a:r>
+              <a:rPr lang="fr-FR" sz="1200" dirty="0"/>
+              <a:t>Démarrage de l’écoute du port 80 et test avec un navigateur sur IP localhost (127.0.0.1)</a:t>
+            </a:r>
+          </a:p>
+          <a:p>
+            <a:pPr lvl="2"/>
+            <a:r>
+              <a:rPr lang="fr-FR" dirty="0"/>
+              <a:t>Le port HTTP par default a savoir le 80 étant un port protégé ( ports de 0 à 1024), </a:t>
+            </a:r>
+          </a:p>
+          <a:p>
+            <a:pPr marL="822960" lvl="3" indent="0">
+              <a:buNone/>
+            </a:pPr>
+            <a:r>
+              <a:rPr lang="fr-FR" sz="1200" dirty="0"/>
+              <a:t>	   il faut démarrer le serveur avec les privilèges </a:t>
+            </a:r>
+            <a:r>
+              <a:rPr lang="fr-FR" dirty="0"/>
+              <a:t>Administrateur</a:t>
+            </a:r>
+            <a:r>
+              <a:rPr lang="fr-FR" sz="1200" dirty="0"/>
+              <a:t>.</a:t>
+            </a:r>
+          </a:p>
+          <a:p>
+            <a:pPr lvl="2"/>
+            <a:r>
+              <a:rPr lang="fr-FR" sz="1100" dirty="0"/>
+              <a:t>Connection a l’url </a:t>
+            </a:r>
+            <a:r>
+              <a:rPr lang="fr-FR" sz="1100" dirty="0">
+                <a:hlinkClick r:id="rId2"/>
+              </a:rPr>
+              <a:t>http://78.199.78.207:48001</a:t>
+            </a:r>
+            <a:endParaRPr lang="fr-FR" sz="1100" dirty="0"/>
+          </a:p>
+          <a:p>
+            <a:pPr lvl="2"/>
+            <a:r>
+              <a:rPr lang="fr-FR" sz="1100" dirty="0"/>
+              <a:t>Vérification que les différente url renvoient bien le bon contenu</a:t>
+            </a:r>
+          </a:p>
+          <a:p>
+            <a:pPr lvl="1"/>
+            <a:r>
+              <a:rPr lang="fr-FR" sz="1200" dirty="0"/>
+              <a:t>Validation de la partie base de donnée :</a:t>
+            </a:r>
+          </a:p>
+          <a:p>
+            <a:pPr lvl="2"/>
+            <a:r>
+              <a:rPr lang="fr-FR" sz="1100" dirty="0"/>
+              <a:t>Vérification que le fichier de BD est bien créé au bon endroit</a:t>
+            </a:r>
+          </a:p>
+          <a:p>
+            <a:pPr lvl="1"/>
+            <a:r>
+              <a:rPr lang="fr-FR" sz="1200" dirty="0"/>
+              <a:t>Test des différentes options du serveur en ligne de commandes</a:t>
             </a:r>
           </a:p>
         </p:txBody>
@@ -15713,7 +17950,7 @@
           <p:cNvPr id="4" name="Espace réservé de la date 3">
             <a:extLst>
               <a:ext uri="{FF2B5EF4-FFF2-40B4-BE49-F238E27FC236}">
-                <a16:creationId xmlns:a16="http://schemas.microsoft.com/office/drawing/2014/main" id="{030B0D3A-6441-43DC-BDBC-2E9EE16205E9}"/>
+                <a16:creationId xmlns:a16="http://schemas.microsoft.com/office/drawing/2014/main" id="{60BDC591-8D09-4D49-88A2-408CD1604F69}"/>
               </a:ext>
             </a:extLst>
           </p:cNvPr>
@@ -15741,7 +17978,7 @@
     </p:spTree>
     <p:extLst>
       <p:ext uri="{BB962C8B-B14F-4D97-AF65-F5344CB8AC3E}">
-        <p14:creationId xmlns:p14="http://schemas.microsoft.com/office/powerpoint/2010/main" val="1130815813"/>
+        <p14:creationId xmlns:p14="http://schemas.microsoft.com/office/powerpoint/2010/main" val="246538531"/>
       </p:ext>
     </p:extLst>
   </p:cSld>
@@ -15770,10 +18007,10 @@
       </p:grpSpPr>
       <p:sp>
         <p:nvSpPr>
-          <p:cNvPr id="5" name="Titre 4">
-            <a:extLst>
-              <a:ext uri="{FF2B5EF4-FFF2-40B4-BE49-F238E27FC236}">
-                <a16:creationId xmlns:a16="http://schemas.microsoft.com/office/drawing/2014/main" id="{B535D397-2E1B-4C1E-A392-E2A43916D949}"/>
+          <p:cNvPr id="2" name="Titre 1">
+            <a:extLst>
+              <a:ext uri="{FF2B5EF4-FFF2-40B4-BE49-F238E27FC236}">
+                <a16:creationId xmlns:a16="http://schemas.microsoft.com/office/drawing/2014/main" id="{AC243CA6-3E7C-430A-930C-EAE90E84A641}"/>
               </a:ext>
             </a:extLst>
           </p:cNvPr>
@@ -15781,27 +18018,34 @@
             <a:spLocks noGrp="1"/>
           </p:cNvSpPr>
           <p:nvPr>
-            <p:ph type="ctrTitle"/>
+            <p:ph type="title"/>
           </p:nvPr>
         </p:nvSpPr>
-        <p:spPr/>
-        <p:txBody>
-          <a:bodyPr/>
-          <a:lstStyle/>
-          <a:p>
-            <a:r>
-              <a:rPr lang="fr-FR" dirty="0"/>
-              <a:t>DEMONSTRATION</a:t>
-            </a:r>
-          </a:p>
-        </p:txBody>
-      </p:sp>
-      <p:sp>
-        <p:nvSpPr>
-          <p:cNvPr id="6" name="Sous-titre 5">
-            <a:extLst>
-              <a:ext uri="{FF2B5EF4-FFF2-40B4-BE49-F238E27FC236}">
-                <a16:creationId xmlns:a16="http://schemas.microsoft.com/office/drawing/2014/main" id="{42DF712F-84EC-48F3-B510-83E590DD97F0}"/>
+        <p:spPr>
+          <a:xfrm>
+            <a:off x="1066800" y="642594"/>
+            <a:ext cx="10058400" cy="627082"/>
+          </a:xfrm>
+        </p:spPr>
+        <p:txBody>
+          <a:bodyPr>
+            <a:normAutofit/>
+          </a:bodyPr>
+          <a:lstStyle/>
+          <a:p>
+            <a:r>
+              <a:rPr lang="fr-FR" sz="2000" dirty="0"/>
+              <a:t>3.1) Linux : Installation du serveur en tant que service</a:t>
+            </a:r>
+          </a:p>
+        </p:txBody>
+      </p:sp>
+      <p:sp>
+        <p:nvSpPr>
+          <p:cNvPr id="3" name="Espace réservé du contenu 2">
+            <a:extLst>
+              <a:ext uri="{FF2B5EF4-FFF2-40B4-BE49-F238E27FC236}">
+                <a16:creationId xmlns:a16="http://schemas.microsoft.com/office/drawing/2014/main" id="{F9FF48D2-6ACC-4A0B-8D01-3187A073C1EB}"/>
               </a:ext>
             </a:extLst>
           </p:cNvPr>
@@ -15809,18 +18053,80 @@
             <a:spLocks noGrp="1"/>
           </p:cNvSpPr>
           <p:nvPr>
-            <p:ph type="subTitle" idx="1"/>
+            <p:ph idx="1"/>
           </p:nvPr>
         </p:nvSpPr>
-        <p:spPr/>
+        <p:spPr>
+          <a:xfrm>
+            <a:off x="1066800" y="1269676"/>
+            <a:ext cx="10058400" cy="4683068"/>
+          </a:xfrm>
+        </p:spPr>
         <p:txBody>
           <a:bodyPr/>
           <a:lstStyle/>
           <a:p>
             <a:r>
               <a:rPr lang="fr-FR" dirty="0"/>
-              <a:t>DEMO DU LOGICIEL FINI</a:t>
-            </a:r>
+              <a:t>Ecriture du fichier BME280Server.service pour l’ordonnanceur de tache </a:t>
+            </a:r>
+            <a:r>
+              <a:rPr lang="fr-FR" dirty="0" err="1"/>
+              <a:t>SystemD</a:t>
+            </a:r>
+            <a:endParaRPr lang="fr-FR" dirty="0"/>
+          </a:p>
+          <a:p>
+            <a:r>
+              <a:rPr lang="fr-FR" dirty="0"/>
+              <a:t>Si le serveur crash, il sera redémarré automatiquement</a:t>
+            </a:r>
+          </a:p>
+          <a:p>
+            <a:r>
+              <a:rPr lang="fr-FR" dirty="0"/>
+              <a:t>Si l’os redémarre, le serveur démarrera automatiquement au démarrage</a:t>
+            </a:r>
+          </a:p>
+          <a:p>
+            <a:r>
+              <a:rPr lang="fr-FR" dirty="0"/>
+              <a:t>Démarrage du service</a:t>
+            </a:r>
+          </a:p>
+          <a:p>
+            <a:r>
+              <a:rPr lang="fr-FR" dirty="0"/>
+              <a:t>Vérification que le service est bien démarré et écoute sur le port HTTP</a:t>
+            </a:r>
+          </a:p>
+          <a:p>
+            <a:r>
+              <a:rPr lang="fr-FR" dirty="0"/>
+              <a:t>Inspection des journaux de log avec la commande </a:t>
+            </a:r>
+            <a:r>
+              <a:rPr lang="fr-FR" dirty="0" err="1"/>
+              <a:t>journalctl</a:t>
+            </a:r>
+            <a:r>
+              <a:rPr lang="fr-FR" dirty="0"/>
+              <a:t> qui permet de consulter les journaux générer pas les service </a:t>
+            </a:r>
+            <a:r>
+              <a:rPr lang="fr-FR" dirty="0" err="1"/>
+              <a:t>systemD</a:t>
+            </a:r>
+            <a:r>
+              <a:rPr lang="fr-FR" dirty="0"/>
+              <a:t>, pour vérifier qu’il n’y a pas eu d’erreurs au démarrage</a:t>
+            </a:r>
+          </a:p>
+          <a:p>
+            <a:endParaRPr lang="fr-FR" dirty="0"/>
+          </a:p>
+          <a:p>
+            <a:endParaRPr lang="fr-FR" dirty="0"/>
           </a:p>
         </p:txBody>
       </p:sp>
@@ -15829,7 +18135,7 @@
           <p:cNvPr id="4" name="Espace réservé de la date 3">
             <a:extLst>
               <a:ext uri="{FF2B5EF4-FFF2-40B4-BE49-F238E27FC236}">
-                <a16:creationId xmlns:a16="http://schemas.microsoft.com/office/drawing/2014/main" id="{030B0D3A-6441-43DC-BDBC-2E9EE16205E9}"/>
+                <a16:creationId xmlns:a16="http://schemas.microsoft.com/office/drawing/2014/main" id="{A63239B3-03E2-4871-83D9-61381DBCC3A4}"/>
               </a:ext>
             </a:extLst>
           </p:cNvPr>
@@ -15857,7 +18163,7 @@
     </p:spTree>
     <p:extLst>
       <p:ext uri="{BB962C8B-B14F-4D97-AF65-F5344CB8AC3E}">
-        <p14:creationId xmlns:p14="http://schemas.microsoft.com/office/powerpoint/2010/main" val="962287830"/>
+        <p14:creationId xmlns:p14="http://schemas.microsoft.com/office/powerpoint/2010/main" val="869506070"/>
       </p:ext>
     </p:extLst>
   </p:cSld>
@@ -15886,10 +18192,10 @@
       </p:grpSpPr>
       <p:sp>
         <p:nvSpPr>
-          <p:cNvPr id="5" name="Titre 4">
-            <a:extLst>
-              <a:ext uri="{FF2B5EF4-FFF2-40B4-BE49-F238E27FC236}">
-                <a16:creationId xmlns:a16="http://schemas.microsoft.com/office/drawing/2014/main" id="{B535D397-2E1B-4C1E-A392-E2A43916D949}"/>
+          <p:cNvPr id="2" name="Titre 1">
+            <a:extLst>
+              <a:ext uri="{FF2B5EF4-FFF2-40B4-BE49-F238E27FC236}">
+                <a16:creationId xmlns:a16="http://schemas.microsoft.com/office/drawing/2014/main" id="{AC243CA6-3E7C-430A-930C-EAE90E84A641}"/>
               </a:ext>
             </a:extLst>
           </p:cNvPr>
@@ -15897,48 +18203,36 @@
             <a:spLocks noGrp="1"/>
           </p:cNvSpPr>
           <p:nvPr>
-            <p:ph type="ctrTitle"/>
+            <p:ph type="title"/>
           </p:nvPr>
         </p:nvSpPr>
-        <p:spPr/>
-        <p:txBody>
-          <a:bodyPr/>
-          <a:lstStyle/>
-          <a:p>
-            <a:r>
-              <a:rPr lang="fr-FR" dirty="0"/>
-              <a:t>CONCLUSION</a:t>
-            </a:r>
-          </a:p>
-        </p:txBody>
-      </p:sp>
-      <p:sp>
-        <p:nvSpPr>
-          <p:cNvPr id="6" name="Sous-titre 5">
-            <a:extLst>
-              <a:ext uri="{FF2B5EF4-FFF2-40B4-BE49-F238E27FC236}">
-                <a16:creationId xmlns:a16="http://schemas.microsoft.com/office/drawing/2014/main" id="{42DF712F-84EC-48F3-B510-83E590DD97F0}"/>
-              </a:ext>
-            </a:extLst>
-          </p:cNvPr>
-          <p:cNvSpPr>
-            <a:spLocks noGrp="1"/>
-          </p:cNvSpPr>
-          <p:nvPr>
-            <p:ph type="subTitle" idx="1"/>
-          </p:nvPr>
-        </p:nvSpPr>
-        <p:spPr/>
+        <p:spPr>
+          <a:xfrm>
+            <a:off x="1066800" y="642594"/>
+            <a:ext cx="10058400" cy="627082"/>
+          </a:xfrm>
+        </p:spPr>
         <p:txBody>
           <a:bodyPr>
-            <a:normAutofit fontScale="92500"/>
+            <a:normAutofit/>
           </a:bodyPr>
           <a:lstStyle/>
           <a:p>
             <a:r>
-              <a:rPr lang="fr-FR" dirty="0"/>
-              <a:t>PROBLEMES RENCONTRES / EVOLUTIONS POSSIBLES / APPORTS PERSONNELS </a:t>
-            </a:r>
+              <a:rPr lang="fr-FR" sz="2000" dirty="0"/>
+              <a:t>4.1</a:t>
+            </a:r>
+            <a:r>
+              <a:rPr lang="fr-FR" sz="2200" dirty="0"/>
+              <a:t>) Résultat de la requête « page d’aide » : </a:t>
+            </a:r>
+            <a:r>
+              <a:rPr lang="fr-FR" sz="2200" dirty="0">
+                <a:hlinkClick r:id="rId2"/>
+              </a:rPr>
+              <a:t>http://78.199.78.207:48001</a:t>
+            </a:r>
+            <a:endParaRPr lang="fr-FR" sz="2000" dirty="0"/>
           </a:p>
         </p:txBody>
       </p:sp>
@@ -15947,7 +18241,7 @@
           <p:cNvPr id="4" name="Espace réservé de la date 3">
             <a:extLst>
               <a:ext uri="{FF2B5EF4-FFF2-40B4-BE49-F238E27FC236}">
-                <a16:creationId xmlns:a16="http://schemas.microsoft.com/office/drawing/2014/main" id="{030B0D3A-6441-43DC-BDBC-2E9EE16205E9}"/>
+                <a16:creationId xmlns:a16="http://schemas.microsoft.com/office/drawing/2014/main" id="{A63239B3-03E2-4871-83D9-61381DBCC3A4}"/>
               </a:ext>
             </a:extLst>
           </p:cNvPr>
@@ -15972,10 +18266,938 @@
           </a:p>
         </p:txBody>
       </p:sp>
+      <p:pic>
+        <p:nvPicPr>
+          <p:cNvPr id="10" name="Image 9">
+            <a:extLst>
+              <a:ext uri="{FF2B5EF4-FFF2-40B4-BE49-F238E27FC236}">
+                <a16:creationId xmlns:a16="http://schemas.microsoft.com/office/drawing/2014/main" id="{B8EE5EE3-6407-4D45-9F50-DA074893C793}"/>
+              </a:ext>
+            </a:extLst>
+          </p:cNvPr>
+          <p:cNvPicPr>
+            <a:picLocks noChangeAspect="1"/>
+          </p:cNvPicPr>
+          <p:nvPr/>
+        </p:nvPicPr>
+        <p:blipFill>
+          <a:blip r:embed="rId3"/>
+          <a:stretch>
+            <a:fillRect/>
+          </a:stretch>
+        </p:blipFill>
+        <p:spPr>
+          <a:xfrm>
+            <a:off x="1632538" y="1269676"/>
+            <a:ext cx="2893471" cy="4901068"/>
+          </a:xfrm>
+          <a:prstGeom prst="rect">
+            <a:avLst/>
+          </a:prstGeom>
+        </p:spPr>
+      </p:pic>
+      <p:sp>
+        <p:nvSpPr>
+          <p:cNvPr id="11" name="ZoneTexte 10">
+            <a:extLst>
+              <a:ext uri="{FF2B5EF4-FFF2-40B4-BE49-F238E27FC236}">
+                <a16:creationId xmlns:a16="http://schemas.microsoft.com/office/drawing/2014/main" id="{50D44826-D9D7-4D83-8555-EAA0708A669C}"/>
+              </a:ext>
+            </a:extLst>
+          </p:cNvPr>
+          <p:cNvSpPr txBox="1"/>
+          <p:nvPr/>
+        </p:nvSpPr>
+        <p:spPr>
+          <a:xfrm>
+            <a:off x="4857135" y="1315557"/>
+            <a:ext cx="6550191" cy="2308324"/>
+          </a:xfrm>
+          <a:prstGeom prst="rect">
+            <a:avLst/>
+          </a:prstGeom>
+          <a:noFill/>
+        </p:spPr>
+        <p:txBody>
+          <a:bodyPr wrap="none" rtlCol="0">
+            <a:spAutoFit/>
+          </a:bodyPr>
+          <a:lstStyle/>
+          <a:p>
+            <a:r>
+              <a:rPr lang="fr-FR" dirty="0"/>
+              <a:t>Si l’utilisateur ne connait pas les possibilité du serveur,</a:t>
+            </a:r>
+          </a:p>
+          <a:p>
+            <a:r>
+              <a:rPr lang="fr-FR" dirty="0"/>
+              <a:t>La connexion sur </a:t>
+            </a:r>
+            <a:r>
+              <a:rPr lang="fr-FR" dirty="0" err="1"/>
+              <a:t>l’ip</a:t>
+            </a:r>
+            <a:r>
+              <a:rPr lang="fr-FR" dirty="0"/>
+              <a:t> du serveur donne une page d’aide </a:t>
+            </a:r>
+          </a:p>
+          <a:p>
+            <a:r>
+              <a:rPr lang="fr-FR" dirty="0"/>
+              <a:t>Qui donne des explication sur le but du serveur </a:t>
+            </a:r>
+          </a:p>
+          <a:p>
+            <a:r>
+              <a:rPr lang="fr-FR" dirty="0"/>
+              <a:t>et les services disponible.</a:t>
+            </a:r>
+          </a:p>
+          <a:p>
+            <a:endParaRPr lang="fr-FR" dirty="0"/>
+          </a:p>
+          <a:p>
+            <a:r>
+              <a:rPr lang="fr-FR" dirty="0"/>
+              <a:t>Seulement écrit en anglais.</a:t>
+            </a:r>
+          </a:p>
+          <a:p>
+            <a:r>
+              <a:rPr lang="fr-FR" dirty="0"/>
+              <a:t>Une piste d’amélioration serait de pouvoir </a:t>
+            </a:r>
+          </a:p>
+          <a:p>
+            <a:r>
+              <a:rPr lang="fr-FR" dirty="0"/>
+              <a:t>proposer d’autres langue</a:t>
+            </a:r>
+          </a:p>
+        </p:txBody>
+      </p:sp>
     </p:spTree>
     <p:extLst>
       <p:ext uri="{BB962C8B-B14F-4D97-AF65-F5344CB8AC3E}">
-        <p14:creationId xmlns:p14="http://schemas.microsoft.com/office/powerpoint/2010/main" val="2085507041"/>
+        <p14:creationId xmlns:p14="http://schemas.microsoft.com/office/powerpoint/2010/main" val="3657963763"/>
+      </p:ext>
+    </p:extLst>
+  </p:cSld>
+  <p:clrMapOvr>
+    <a:masterClrMapping/>
+  </p:clrMapOvr>
+</p:sld>
+</file>
+
+<file path=ppt/slides/slide36.xml><?xml version="1.0" encoding="utf-8"?>
+<p:sld xmlns:a="http://schemas.openxmlformats.org/drawingml/2006/main" xmlns:r="http://schemas.openxmlformats.org/officeDocument/2006/relationships" xmlns:p="http://schemas.openxmlformats.org/presentationml/2006/main">
+  <p:cSld>
+    <p:spTree>
+      <p:nvGrpSpPr>
+        <p:cNvPr id="1" name=""/>
+        <p:cNvGrpSpPr/>
+        <p:nvPr/>
+      </p:nvGrpSpPr>
+      <p:grpSpPr>
+        <a:xfrm>
+          <a:off x="0" y="0"/>
+          <a:ext cx="0" cy="0"/>
+          <a:chOff x="0" y="0"/>
+          <a:chExt cx="0" cy="0"/>
+        </a:xfrm>
+      </p:grpSpPr>
+      <p:sp>
+        <p:nvSpPr>
+          <p:cNvPr id="2" name="Titre 1">
+            <a:extLst>
+              <a:ext uri="{FF2B5EF4-FFF2-40B4-BE49-F238E27FC236}">
+                <a16:creationId xmlns:a16="http://schemas.microsoft.com/office/drawing/2014/main" id="{AC243CA6-3E7C-430A-930C-EAE90E84A641}"/>
+              </a:ext>
+            </a:extLst>
+          </p:cNvPr>
+          <p:cNvSpPr>
+            <a:spLocks noGrp="1"/>
+          </p:cNvSpPr>
+          <p:nvPr>
+            <p:ph type="title"/>
+          </p:nvPr>
+        </p:nvSpPr>
+        <p:spPr>
+          <a:xfrm>
+            <a:off x="1066800" y="642594"/>
+            <a:ext cx="10058400" cy="627082"/>
+          </a:xfrm>
+        </p:spPr>
+        <p:txBody>
+          <a:bodyPr>
+            <a:normAutofit/>
+          </a:bodyPr>
+          <a:lstStyle/>
+          <a:p>
+            <a:r>
+              <a:rPr lang="fr-FR" sz="2000" dirty="0"/>
+              <a:t>4.1</a:t>
+            </a:r>
+            <a:r>
+              <a:rPr lang="fr-FR" sz="2200" dirty="0"/>
+              <a:t>) Résultat de la requête « infos » : </a:t>
+            </a:r>
+            <a:r>
+              <a:rPr lang="fr-FR" sz="2200" dirty="0">
+                <a:hlinkClick r:id="rId2"/>
+              </a:rPr>
+              <a:t>http://78.199.78.207:48001/infos</a:t>
+            </a:r>
+            <a:endParaRPr lang="fr-FR" sz="2000" dirty="0"/>
+          </a:p>
+        </p:txBody>
+      </p:sp>
+      <p:sp>
+        <p:nvSpPr>
+          <p:cNvPr id="4" name="Espace réservé de la date 3">
+            <a:extLst>
+              <a:ext uri="{FF2B5EF4-FFF2-40B4-BE49-F238E27FC236}">
+                <a16:creationId xmlns:a16="http://schemas.microsoft.com/office/drawing/2014/main" id="{A63239B3-03E2-4871-83D9-61381DBCC3A4}"/>
+              </a:ext>
+            </a:extLst>
+          </p:cNvPr>
+          <p:cNvSpPr>
+            <a:spLocks noGrp="1"/>
+          </p:cNvSpPr>
+          <p:nvPr>
+            <p:ph type="dt" sz="half" idx="10"/>
+          </p:nvPr>
+        </p:nvSpPr>
+        <p:spPr/>
+        <p:txBody>
+          <a:bodyPr/>
+          <a:lstStyle/>
+          <a:p>
+            <a:pPr rtl="0"/>
+            <a:fld id="{802FE938-1586-4780-B61A-DD3B60BAB93C}" type="datetime1">
+              <a:rPr lang="fr-FR" smtClean="0"/>
+              <a:t>22/06/2021</a:t>
+            </a:fld>
+            <a:endParaRPr lang="en-US"/>
+          </a:p>
+        </p:txBody>
+      </p:sp>
+      <p:pic>
+        <p:nvPicPr>
+          <p:cNvPr id="5" name="Image 4">
+            <a:extLst>
+              <a:ext uri="{FF2B5EF4-FFF2-40B4-BE49-F238E27FC236}">
+                <a16:creationId xmlns:a16="http://schemas.microsoft.com/office/drawing/2014/main" id="{6BA78115-F0F1-4967-88AE-4B642F51CF29}"/>
+              </a:ext>
+            </a:extLst>
+          </p:cNvPr>
+          <p:cNvPicPr>
+            <a:picLocks noChangeAspect="1"/>
+          </p:cNvPicPr>
+          <p:nvPr/>
+        </p:nvPicPr>
+        <p:blipFill>
+          <a:blip r:embed="rId3"/>
+          <a:stretch>
+            <a:fillRect/>
+          </a:stretch>
+        </p:blipFill>
+        <p:spPr>
+          <a:xfrm>
+            <a:off x="2279158" y="2023219"/>
+            <a:ext cx="6424158" cy="4011821"/>
+          </a:xfrm>
+          <a:prstGeom prst="rect">
+            <a:avLst/>
+          </a:prstGeom>
+        </p:spPr>
+      </p:pic>
+      <p:sp>
+        <p:nvSpPr>
+          <p:cNvPr id="7" name="ZoneTexte 6">
+            <a:extLst>
+              <a:ext uri="{FF2B5EF4-FFF2-40B4-BE49-F238E27FC236}">
+                <a16:creationId xmlns:a16="http://schemas.microsoft.com/office/drawing/2014/main" id="{E07BF723-B5D5-4416-842C-66874E9E3EFB}"/>
+              </a:ext>
+            </a:extLst>
+          </p:cNvPr>
+          <p:cNvSpPr txBox="1"/>
+          <p:nvPr/>
+        </p:nvSpPr>
+        <p:spPr>
+          <a:xfrm>
+            <a:off x="2096260" y="1461781"/>
+            <a:ext cx="6923690" cy="369332"/>
+          </a:xfrm>
+          <a:prstGeom prst="rect">
+            <a:avLst/>
+          </a:prstGeom>
+          <a:noFill/>
+        </p:spPr>
+        <p:txBody>
+          <a:bodyPr wrap="none" rtlCol="0">
+            <a:spAutoFit/>
+          </a:bodyPr>
+          <a:lstStyle/>
+          <a:p>
+            <a:r>
+              <a:rPr lang="fr-FR" dirty="0"/>
+              <a:t>Récupération des information sur le serveur et le system hôte</a:t>
+            </a:r>
+          </a:p>
+        </p:txBody>
+      </p:sp>
+    </p:spTree>
+    <p:extLst>
+      <p:ext uri="{BB962C8B-B14F-4D97-AF65-F5344CB8AC3E}">
+        <p14:creationId xmlns:p14="http://schemas.microsoft.com/office/powerpoint/2010/main" val="3486339967"/>
+      </p:ext>
+    </p:extLst>
+  </p:cSld>
+  <p:clrMapOvr>
+    <a:masterClrMapping/>
+  </p:clrMapOvr>
+</p:sld>
+</file>
+
+<file path=ppt/slides/slide37.xml><?xml version="1.0" encoding="utf-8"?>
+<p:sld xmlns:a="http://schemas.openxmlformats.org/drawingml/2006/main" xmlns:r="http://schemas.openxmlformats.org/officeDocument/2006/relationships" xmlns:p="http://schemas.openxmlformats.org/presentationml/2006/main">
+  <p:cSld>
+    <p:spTree>
+      <p:nvGrpSpPr>
+        <p:cNvPr id="1" name=""/>
+        <p:cNvGrpSpPr/>
+        <p:nvPr/>
+      </p:nvGrpSpPr>
+      <p:grpSpPr>
+        <a:xfrm>
+          <a:off x="0" y="0"/>
+          <a:ext cx="0" cy="0"/>
+          <a:chOff x="0" y="0"/>
+          <a:chExt cx="0" cy="0"/>
+        </a:xfrm>
+      </p:grpSpPr>
+      <p:sp>
+        <p:nvSpPr>
+          <p:cNvPr id="2" name="Titre 1">
+            <a:extLst>
+              <a:ext uri="{FF2B5EF4-FFF2-40B4-BE49-F238E27FC236}">
+                <a16:creationId xmlns:a16="http://schemas.microsoft.com/office/drawing/2014/main" id="{AC243CA6-3E7C-430A-930C-EAE90E84A641}"/>
+              </a:ext>
+            </a:extLst>
+          </p:cNvPr>
+          <p:cNvSpPr>
+            <a:spLocks noGrp="1"/>
+          </p:cNvSpPr>
+          <p:nvPr>
+            <p:ph type="title"/>
+          </p:nvPr>
+        </p:nvSpPr>
+        <p:spPr>
+          <a:xfrm>
+            <a:off x="1066800" y="642594"/>
+            <a:ext cx="10058400" cy="627082"/>
+          </a:xfrm>
+        </p:spPr>
+        <p:txBody>
+          <a:bodyPr>
+            <a:normAutofit/>
+          </a:bodyPr>
+          <a:lstStyle/>
+          <a:p>
+            <a:r>
+              <a:rPr lang="fr-FR" sz="2000" dirty="0"/>
+              <a:t>4.1</a:t>
+            </a:r>
+            <a:r>
+              <a:rPr lang="fr-FR" sz="2200" dirty="0"/>
+              <a:t>) Résultat de la requête « mesure » : </a:t>
+            </a:r>
+            <a:r>
+              <a:rPr lang="fr-FR" sz="2200" dirty="0">
+                <a:hlinkClick r:id="rId2"/>
+              </a:rPr>
+              <a:t>http://78.199.78.207:48001/sensor</a:t>
+            </a:r>
+            <a:endParaRPr lang="fr-FR" sz="2000" dirty="0"/>
+          </a:p>
+        </p:txBody>
+      </p:sp>
+      <p:sp>
+        <p:nvSpPr>
+          <p:cNvPr id="4" name="Espace réservé de la date 3">
+            <a:extLst>
+              <a:ext uri="{FF2B5EF4-FFF2-40B4-BE49-F238E27FC236}">
+                <a16:creationId xmlns:a16="http://schemas.microsoft.com/office/drawing/2014/main" id="{A63239B3-03E2-4871-83D9-61381DBCC3A4}"/>
+              </a:ext>
+            </a:extLst>
+          </p:cNvPr>
+          <p:cNvSpPr>
+            <a:spLocks noGrp="1"/>
+          </p:cNvSpPr>
+          <p:nvPr>
+            <p:ph type="dt" sz="half" idx="10"/>
+          </p:nvPr>
+        </p:nvSpPr>
+        <p:spPr/>
+        <p:txBody>
+          <a:bodyPr/>
+          <a:lstStyle/>
+          <a:p>
+            <a:pPr rtl="0"/>
+            <a:fld id="{802FE938-1586-4780-B61A-DD3B60BAB93C}" type="datetime1">
+              <a:rPr lang="fr-FR" smtClean="0"/>
+              <a:t>22/06/2021</a:t>
+            </a:fld>
+            <a:endParaRPr lang="en-US"/>
+          </a:p>
+        </p:txBody>
+      </p:sp>
+      <p:pic>
+        <p:nvPicPr>
+          <p:cNvPr id="5" name="Image 4">
+            <a:extLst>
+              <a:ext uri="{FF2B5EF4-FFF2-40B4-BE49-F238E27FC236}">
+                <a16:creationId xmlns:a16="http://schemas.microsoft.com/office/drawing/2014/main" id="{B9D26BDE-5E08-4DF9-8CCE-1471B3BA54E4}"/>
+              </a:ext>
+            </a:extLst>
+          </p:cNvPr>
+          <p:cNvPicPr>
+            <a:picLocks noChangeAspect="1"/>
+          </p:cNvPicPr>
+          <p:nvPr/>
+        </p:nvPicPr>
+        <p:blipFill>
+          <a:blip r:embed="rId3"/>
+          <a:stretch>
+            <a:fillRect/>
+          </a:stretch>
+        </p:blipFill>
+        <p:spPr>
+          <a:xfrm>
+            <a:off x="2451037" y="2093892"/>
+            <a:ext cx="6252279" cy="3427454"/>
+          </a:xfrm>
+          <a:prstGeom prst="rect">
+            <a:avLst/>
+          </a:prstGeom>
+        </p:spPr>
+      </p:pic>
+      <p:sp>
+        <p:nvSpPr>
+          <p:cNvPr id="7" name="ZoneTexte 6">
+            <a:extLst>
+              <a:ext uri="{FF2B5EF4-FFF2-40B4-BE49-F238E27FC236}">
+                <a16:creationId xmlns:a16="http://schemas.microsoft.com/office/drawing/2014/main" id="{457DB84A-4E35-4102-A7CE-A21BA60816C4}"/>
+              </a:ext>
+            </a:extLst>
+          </p:cNvPr>
+          <p:cNvSpPr txBox="1"/>
+          <p:nvPr/>
+        </p:nvSpPr>
+        <p:spPr>
+          <a:xfrm>
+            <a:off x="2633101" y="1598704"/>
+            <a:ext cx="5888150" cy="369332"/>
+          </a:xfrm>
+          <a:prstGeom prst="rect">
+            <a:avLst/>
+          </a:prstGeom>
+          <a:noFill/>
+        </p:spPr>
+        <p:txBody>
+          <a:bodyPr wrap="none" rtlCol="0">
+            <a:spAutoFit/>
+          </a:bodyPr>
+          <a:lstStyle/>
+          <a:p>
+            <a:r>
+              <a:rPr lang="fr-FR" dirty="0"/>
+              <a:t>Déclenchement d’une mesure du capteur BME280</a:t>
+            </a:r>
+          </a:p>
+        </p:txBody>
+      </p:sp>
+    </p:spTree>
+    <p:extLst>
+      <p:ext uri="{BB962C8B-B14F-4D97-AF65-F5344CB8AC3E}">
+        <p14:creationId xmlns:p14="http://schemas.microsoft.com/office/powerpoint/2010/main" val="3765237782"/>
+      </p:ext>
+    </p:extLst>
+  </p:cSld>
+  <p:clrMapOvr>
+    <a:masterClrMapping/>
+  </p:clrMapOvr>
+</p:sld>
+</file>
+
+<file path=ppt/slides/slide38.xml><?xml version="1.0" encoding="utf-8"?>
+<p:sld xmlns:a="http://schemas.openxmlformats.org/drawingml/2006/main" xmlns:r="http://schemas.openxmlformats.org/officeDocument/2006/relationships" xmlns:p="http://schemas.openxmlformats.org/presentationml/2006/main">
+  <p:cSld>
+    <p:spTree>
+      <p:nvGrpSpPr>
+        <p:cNvPr id="1" name=""/>
+        <p:cNvGrpSpPr/>
+        <p:nvPr/>
+      </p:nvGrpSpPr>
+      <p:grpSpPr>
+        <a:xfrm>
+          <a:off x="0" y="0"/>
+          <a:ext cx="0" cy="0"/>
+          <a:chOff x="0" y="0"/>
+          <a:chExt cx="0" cy="0"/>
+        </a:xfrm>
+      </p:grpSpPr>
+      <p:sp>
+        <p:nvSpPr>
+          <p:cNvPr id="2" name="Titre 1">
+            <a:extLst>
+              <a:ext uri="{FF2B5EF4-FFF2-40B4-BE49-F238E27FC236}">
+                <a16:creationId xmlns:a16="http://schemas.microsoft.com/office/drawing/2014/main" id="{AC243CA6-3E7C-430A-930C-EAE90E84A641}"/>
+              </a:ext>
+            </a:extLst>
+          </p:cNvPr>
+          <p:cNvSpPr>
+            <a:spLocks noGrp="1"/>
+          </p:cNvSpPr>
+          <p:nvPr>
+            <p:ph type="title"/>
+          </p:nvPr>
+        </p:nvSpPr>
+        <p:spPr>
+          <a:xfrm>
+            <a:off x="1066800" y="642594"/>
+            <a:ext cx="10058400" cy="627082"/>
+          </a:xfrm>
+        </p:spPr>
+        <p:txBody>
+          <a:bodyPr>
+            <a:normAutofit fontScale="90000"/>
+          </a:bodyPr>
+          <a:lstStyle/>
+          <a:p>
+            <a:r>
+              <a:rPr lang="fr-FR" sz="2000" dirty="0"/>
+              <a:t>4.1</a:t>
+            </a:r>
+            <a:r>
+              <a:rPr lang="fr-FR" sz="2200" dirty="0"/>
+              <a:t>) Résultat de la requête « historique des 12 dernières mesures » : 	</a:t>
+            </a:r>
+            <a:r>
+              <a:rPr lang="fr-FR" sz="2200" dirty="0">
+                <a:hlinkClick r:id="rId2"/>
+              </a:rPr>
+              <a:t>http://78.199.78.207:48001/history:12</a:t>
+            </a:r>
+            <a:br>
+              <a:rPr lang="fr-FR" sz="1800" dirty="0"/>
+            </a:br>
+            <a:endParaRPr lang="fr-FR" sz="2000" dirty="0"/>
+          </a:p>
+        </p:txBody>
+      </p:sp>
+      <p:sp>
+        <p:nvSpPr>
+          <p:cNvPr id="4" name="Espace réservé de la date 3">
+            <a:extLst>
+              <a:ext uri="{FF2B5EF4-FFF2-40B4-BE49-F238E27FC236}">
+                <a16:creationId xmlns:a16="http://schemas.microsoft.com/office/drawing/2014/main" id="{A63239B3-03E2-4871-83D9-61381DBCC3A4}"/>
+              </a:ext>
+            </a:extLst>
+          </p:cNvPr>
+          <p:cNvSpPr>
+            <a:spLocks noGrp="1"/>
+          </p:cNvSpPr>
+          <p:nvPr>
+            <p:ph type="dt" sz="half" idx="10"/>
+          </p:nvPr>
+        </p:nvSpPr>
+        <p:spPr/>
+        <p:txBody>
+          <a:bodyPr/>
+          <a:lstStyle/>
+          <a:p>
+            <a:pPr rtl="0"/>
+            <a:fld id="{802FE938-1586-4780-B61A-DD3B60BAB93C}" type="datetime1">
+              <a:rPr lang="fr-FR" smtClean="0"/>
+              <a:t>22/06/2021</a:t>
+            </a:fld>
+            <a:endParaRPr lang="en-US"/>
+          </a:p>
+        </p:txBody>
+      </p:sp>
+      <p:pic>
+        <p:nvPicPr>
+          <p:cNvPr id="5" name="Image 4">
+            <a:extLst>
+              <a:ext uri="{FF2B5EF4-FFF2-40B4-BE49-F238E27FC236}">
+                <a16:creationId xmlns:a16="http://schemas.microsoft.com/office/drawing/2014/main" id="{451D6ED5-1EDF-4B47-8C7E-7EEA2A82185B}"/>
+              </a:ext>
+            </a:extLst>
+          </p:cNvPr>
+          <p:cNvPicPr>
+            <a:picLocks noChangeAspect="1"/>
+          </p:cNvPicPr>
+          <p:nvPr/>
+        </p:nvPicPr>
+        <p:blipFill>
+          <a:blip r:embed="rId3"/>
+          <a:stretch>
+            <a:fillRect/>
+          </a:stretch>
+        </p:blipFill>
+        <p:spPr>
+          <a:xfrm>
+            <a:off x="666296" y="2210179"/>
+            <a:ext cx="2520857" cy="4184722"/>
+          </a:xfrm>
+          <a:prstGeom prst="rect">
+            <a:avLst/>
+          </a:prstGeom>
+        </p:spPr>
+      </p:pic>
+      <p:pic>
+        <p:nvPicPr>
+          <p:cNvPr id="8" name="Image 7">
+            <a:extLst>
+              <a:ext uri="{FF2B5EF4-FFF2-40B4-BE49-F238E27FC236}">
+                <a16:creationId xmlns:a16="http://schemas.microsoft.com/office/drawing/2014/main" id="{9B0AAF31-6401-4DEC-B2EF-768C227F4197}"/>
+              </a:ext>
+            </a:extLst>
+          </p:cNvPr>
+          <p:cNvPicPr>
+            <a:picLocks noChangeAspect="1"/>
+          </p:cNvPicPr>
+          <p:nvPr/>
+        </p:nvPicPr>
+        <p:blipFill>
+          <a:blip r:embed="rId4"/>
+          <a:stretch>
+            <a:fillRect/>
+          </a:stretch>
+        </p:blipFill>
+        <p:spPr>
+          <a:xfrm>
+            <a:off x="8170606" y="2642238"/>
+            <a:ext cx="3063437" cy="3709055"/>
+          </a:xfrm>
+          <a:prstGeom prst="rect">
+            <a:avLst/>
+          </a:prstGeom>
+        </p:spPr>
+      </p:pic>
+      <p:pic>
+        <p:nvPicPr>
+          <p:cNvPr id="10" name="Image 9">
+            <a:extLst>
+              <a:ext uri="{FF2B5EF4-FFF2-40B4-BE49-F238E27FC236}">
+                <a16:creationId xmlns:a16="http://schemas.microsoft.com/office/drawing/2014/main" id="{BCF7F367-011D-4785-AD3B-E5846130A12D}"/>
+              </a:ext>
+            </a:extLst>
+          </p:cNvPr>
+          <p:cNvPicPr>
+            <a:picLocks noChangeAspect="1"/>
+          </p:cNvPicPr>
+          <p:nvPr/>
+        </p:nvPicPr>
+        <p:blipFill>
+          <a:blip r:embed="rId5"/>
+          <a:stretch>
+            <a:fillRect/>
+          </a:stretch>
+        </p:blipFill>
+        <p:spPr>
+          <a:xfrm>
+            <a:off x="3474128" y="2611335"/>
+            <a:ext cx="3864553" cy="2437641"/>
+          </a:xfrm>
+          <a:prstGeom prst="rect">
+            <a:avLst/>
+          </a:prstGeom>
+        </p:spPr>
+      </p:pic>
+      <p:sp>
+        <p:nvSpPr>
+          <p:cNvPr id="11" name="ZoneTexte 10">
+            <a:extLst>
+              <a:ext uri="{FF2B5EF4-FFF2-40B4-BE49-F238E27FC236}">
+                <a16:creationId xmlns:a16="http://schemas.microsoft.com/office/drawing/2014/main" id="{63C1B8A5-25F8-4D33-BB55-B947DF42B0D1}"/>
+              </a:ext>
+            </a:extLst>
+          </p:cNvPr>
+          <p:cNvSpPr txBox="1"/>
+          <p:nvPr/>
+        </p:nvSpPr>
+        <p:spPr>
+          <a:xfrm>
+            <a:off x="922179" y="1809900"/>
+            <a:ext cx="2015295" cy="369332"/>
+          </a:xfrm>
+          <a:prstGeom prst="rect">
+            <a:avLst/>
+          </a:prstGeom>
+          <a:noFill/>
+        </p:spPr>
+        <p:txBody>
+          <a:bodyPr wrap="none" rtlCol="0">
+            <a:spAutoFit/>
+          </a:bodyPr>
+          <a:lstStyle/>
+          <a:p>
+            <a:r>
+              <a:rPr lang="fr-FR" dirty="0"/>
+              <a:t>Avec 12 valeurs </a:t>
+            </a:r>
+          </a:p>
+        </p:txBody>
+      </p:sp>
+      <p:sp>
+        <p:nvSpPr>
+          <p:cNvPr id="12" name="ZoneTexte 11">
+            <a:extLst>
+              <a:ext uri="{FF2B5EF4-FFF2-40B4-BE49-F238E27FC236}">
+                <a16:creationId xmlns:a16="http://schemas.microsoft.com/office/drawing/2014/main" id="{716299F9-494B-4C9A-A310-36860F8CAFF4}"/>
+              </a:ext>
+            </a:extLst>
+          </p:cNvPr>
+          <p:cNvSpPr txBox="1"/>
+          <p:nvPr/>
+        </p:nvSpPr>
+        <p:spPr>
+          <a:xfrm>
+            <a:off x="4298570" y="1856066"/>
+            <a:ext cx="2215671" cy="646331"/>
+          </a:xfrm>
+          <a:prstGeom prst="rect">
+            <a:avLst/>
+          </a:prstGeom>
+          <a:noFill/>
+        </p:spPr>
+        <p:txBody>
+          <a:bodyPr wrap="none" rtlCol="0">
+            <a:spAutoFit/>
+          </a:bodyPr>
+          <a:lstStyle/>
+          <a:p>
+            <a:r>
+              <a:rPr lang="fr-FR" dirty="0"/>
+              <a:t>Avec 12 valeurs </a:t>
+            </a:r>
+          </a:p>
+          <a:p>
+            <a:r>
+              <a:rPr lang="fr-FR" dirty="0"/>
+              <a:t>en affichage brut </a:t>
+            </a:r>
+          </a:p>
+        </p:txBody>
+      </p:sp>
+      <p:sp>
+        <p:nvSpPr>
+          <p:cNvPr id="14" name="ZoneTexte 13">
+            <a:extLst>
+              <a:ext uri="{FF2B5EF4-FFF2-40B4-BE49-F238E27FC236}">
+                <a16:creationId xmlns:a16="http://schemas.microsoft.com/office/drawing/2014/main" id="{64B01816-49C3-4FEF-8E9D-26DC2108588F}"/>
+              </a:ext>
+            </a:extLst>
+          </p:cNvPr>
+          <p:cNvSpPr txBox="1"/>
+          <p:nvPr/>
+        </p:nvSpPr>
+        <p:spPr>
+          <a:xfrm>
+            <a:off x="8478190" y="1887013"/>
+            <a:ext cx="6095028" cy="646331"/>
+          </a:xfrm>
+          <a:prstGeom prst="rect">
+            <a:avLst/>
+          </a:prstGeom>
+          <a:noFill/>
+        </p:spPr>
+        <p:txBody>
+          <a:bodyPr wrap="square">
+            <a:spAutoFit/>
+          </a:bodyPr>
+          <a:lstStyle/>
+          <a:p>
+            <a:r>
+              <a:rPr lang="fr-FR" dirty="0"/>
+              <a:t>Avec 30 valeurs </a:t>
+            </a:r>
+          </a:p>
+          <a:p>
+            <a:r>
+              <a:rPr lang="fr-FR" dirty="0"/>
+              <a:t>en affichage brut </a:t>
+            </a:r>
+          </a:p>
+        </p:txBody>
+      </p:sp>
+      <p:sp>
+        <p:nvSpPr>
+          <p:cNvPr id="15" name="ZoneTexte 14">
+            <a:extLst>
+              <a:ext uri="{FF2B5EF4-FFF2-40B4-BE49-F238E27FC236}">
+                <a16:creationId xmlns:a16="http://schemas.microsoft.com/office/drawing/2014/main" id="{656944A9-8AB8-44A4-8CC0-C405ACBE94C4}"/>
+              </a:ext>
+            </a:extLst>
+          </p:cNvPr>
+          <p:cNvSpPr txBox="1"/>
+          <p:nvPr/>
+        </p:nvSpPr>
+        <p:spPr>
+          <a:xfrm>
+            <a:off x="1770136" y="1258888"/>
+            <a:ext cx="8651727" cy="369332"/>
+          </a:xfrm>
+          <a:prstGeom prst="rect">
+            <a:avLst/>
+          </a:prstGeom>
+          <a:noFill/>
+        </p:spPr>
+        <p:txBody>
+          <a:bodyPr wrap="none" rtlCol="0">
+            <a:spAutoFit/>
+          </a:bodyPr>
+          <a:lstStyle/>
+          <a:p>
+            <a:r>
+              <a:rPr lang="fr-FR" dirty="0"/>
+              <a:t>Récupération de l’historique des X dernières mesures faites toutes les heures</a:t>
+            </a:r>
+          </a:p>
+        </p:txBody>
+      </p:sp>
+    </p:spTree>
+    <p:extLst>
+      <p:ext uri="{BB962C8B-B14F-4D97-AF65-F5344CB8AC3E}">
+        <p14:creationId xmlns:p14="http://schemas.microsoft.com/office/powerpoint/2010/main" val="3950508307"/>
+      </p:ext>
+    </p:extLst>
+  </p:cSld>
+  <p:clrMapOvr>
+    <a:masterClrMapping/>
+  </p:clrMapOvr>
+</p:sld>
+</file>
+
+<file path=ppt/slides/slide39.xml><?xml version="1.0" encoding="utf-8"?>
+<p:sld xmlns:a="http://schemas.openxmlformats.org/drawingml/2006/main" xmlns:r="http://schemas.openxmlformats.org/officeDocument/2006/relationships" xmlns:p="http://schemas.openxmlformats.org/presentationml/2006/main">
+  <p:cSld>
+    <p:spTree>
+      <p:nvGrpSpPr>
+        <p:cNvPr id="1" name=""/>
+        <p:cNvGrpSpPr/>
+        <p:nvPr/>
+      </p:nvGrpSpPr>
+      <p:grpSpPr>
+        <a:xfrm>
+          <a:off x="0" y="0"/>
+          <a:ext cx="0" cy="0"/>
+          <a:chOff x="0" y="0"/>
+          <a:chExt cx="0" cy="0"/>
+        </a:xfrm>
+      </p:grpSpPr>
+      <p:sp>
+        <p:nvSpPr>
+          <p:cNvPr id="2" name="Titre 1">
+            <a:extLst>
+              <a:ext uri="{FF2B5EF4-FFF2-40B4-BE49-F238E27FC236}">
+                <a16:creationId xmlns:a16="http://schemas.microsoft.com/office/drawing/2014/main" id="{EA53D9FC-3044-40B7-A8EB-EAB80F26D6FE}"/>
+              </a:ext>
+            </a:extLst>
+          </p:cNvPr>
+          <p:cNvSpPr>
+            <a:spLocks noGrp="1"/>
+          </p:cNvSpPr>
+          <p:nvPr>
+            <p:ph type="title"/>
+          </p:nvPr>
+        </p:nvSpPr>
+        <p:spPr/>
+        <p:txBody>
+          <a:bodyPr>
+            <a:normAutofit/>
+          </a:bodyPr>
+          <a:lstStyle/>
+          <a:p>
+            <a:r>
+              <a:rPr lang="fr-FR" dirty="0"/>
+              <a:t>Conception </a:t>
+            </a:r>
+            <a:r>
+              <a:rPr lang="fr-FR" dirty="0" err="1"/>
+              <a:t>dU</a:t>
+            </a:r>
+            <a:r>
+              <a:rPr lang="fr-FR" dirty="0"/>
+              <a:t> Client</a:t>
+            </a:r>
+          </a:p>
+        </p:txBody>
+      </p:sp>
+      <p:sp>
+        <p:nvSpPr>
+          <p:cNvPr id="7" name="Espace réservé du texte 6">
+            <a:extLst>
+              <a:ext uri="{FF2B5EF4-FFF2-40B4-BE49-F238E27FC236}">
+                <a16:creationId xmlns:a16="http://schemas.microsoft.com/office/drawing/2014/main" id="{20C697DF-1E44-4814-A10D-46B212D46301}"/>
+              </a:ext>
+            </a:extLst>
+          </p:cNvPr>
+          <p:cNvSpPr>
+            <a:spLocks noGrp="1"/>
+          </p:cNvSpPr>
+          <p:nvPr>
+            <p:ph type="body" idx="1"/>
+          </p:nvPr>
+        </p:nvSpPr>
+        <p:spPr/>
+        <p:txBody>
+          <a:bodyPr/>
+          <a:lstStyle/>
+          <a:p>
+            <a:endParaRPr lang="fr-FR" dirty="0"/>
+          </a:p>
+        </p:txBody>
+      </p:sp>
+      <p:sp>
+        <p:nvSpPr>
+          <p:cNvPr id="4" name="Espace réservé de la date 3">
+            <a:extLst>
+              <a:ext uri="{FF2B5EF4-FFF2-40B4-BE49-F238E27FC236}">
+                <a16:creationId xmlns:a16="http://schemas.microsoft.com/office/drawing/2014/main" id="{60BDC591-8D09-4D49-88A2-408CD1604F69}"/>
+              </a:ext>
+            </a:extLst>
+          </p:cNvPr>
+          <p:cNvSpPr>
+            <a:spLocks noGrp="1"/>
+          </p:cNvSpPr>
+          <p:nvPr>
+            <p:ph type="dt" sz="half" idx="10"/>
+          </p:nvPr>
+        </p:nvSpPr>
+        <p:spPr/>
+        <p:txBody>
+          <a:bodyPr/>
+          <a:lstStyle/>
+          <a:p>
+            <a:pPr rtl="0"/>
+            <a:fld id="{802FE938-1586-4780-B61A-DD3B60BAB93C}" type="datetime1">
+              <a:rPr lang="fr-FR" smtClean="0"/>
+              <a:t>22/06/2021</a:t>
+            </a:fld>
+            <a:endParaRPr lang="en-US"/>
+          </a:p>
+        </p:txBody>
+      </p:sp>
+    </p:spTree>
+    <p:extLst>
+      <p:ext uri="{BB962C8B-B14F-4D97-AF65-F5344CB8AC3E}">
+        <p14:creationId xmlns:p14="http://schemas.microsoft.com/office/powerpoint/2010/main" val="4284754361"/>
       </p:ext>
     </p:extLst>
   </p:cSld>
@@ -16255,6 +19477,356 @@
 </p:sld>
 </file>
 
+<file path=ppt/slides/slide40.xml><?xml version="1.0" encoding="utf-8"?>
+<p:sld xmlns:a="http://schemas.openxmlformats.org/drawingml/2006/main" xmlns:r="http://schemas.openxmlformats.org/officeDocument/2006/relationships" xmlns:p="http://schemas.openxmlformats.org/presentationml/2006/main">
+  <p:cSld>
+    <p:spTree>
+      <p:nvGrpSpPr>
+        <p:cNvPr id="1" name=""/>
+        <p:cNvGrpSpPr/>
+        <p:nvPr/>
+      </p:nvGrpSpPr>
+      <p:grpSpPr>
+        <a:xfrm>
+          <a:off x="0" y="0"/>
+          <a:ext cx="0" cy="0"/>
+          <a:chOff x="0" y="0"/>
+          <a:chExt cx="0" cy="0"/>
+        </a:xfrm>
+      </p:grpSpPr>
+      <p:sp>
+        <p:nvSpPr>
+          <p:cNvPr id="5" name="Titre 4">
+            <a:extLst>
+              <a:ext uri="{FF2B5EF4-FFF2-40B4-BE49-F238E27FC236}">
+                <a16:creationId xmlns:a16="http://schemas.microsoft.com/office/drawing/2014/main" id="{B535D397-2E1B-4C1E-A392-E2A43916D949}"/>
+              </a:ext>
+            </a:extLst>
+          </p:cNvPr>
+          <p:cNvSpPr>
+            <a:spLocks noGrp="1"/>
+          </p:cNvSpPr>
+          <p:nvPr>
+            <p:ph type="ctrTitle"/>
+          </p:nvPr>
+        </p:nvSpPr>
+        <p:spPr/>
+        <p:txBody>
+          <a:bodyPr/>
+          <a:lstStyle/>
+          <a:p>
+            <a:r>
+              <a:rPr lang="fr-FR" dirty="0"/>
+              <a:t>LA FINITION</a:t>
+            </a:r>
+          </a:p>
+        </p:txBody>
+      </p:sp>
+      <p:sp>
+        <p:nvSpPr>
+          <p:cNvPr id="6" name="Sous-titre 5">
+            <a:extLst>
+              <a:ext uri="{FF2B5EF4-FFF2-40B4-BE49-F238E27FC236}">
+                <a16:creationId xmlns:a16="http://schemas.microsoft.com/office/drawing/2014/main" id="{42DF712F-84EC-48F3-B510-83E590DD97F0}"/>
+              </a:ext>
+            </a:extLst>
+          </p:cNvPr>
+          <p:cNvSpPr>
+            <a:spLocks noGrp="1"/>
+          </p:cNvSpPr>
+          <p:nvPr>
+            <p:ph type="subTitle" idx="1"/>
+          </p:nvPr>
+        </p:nvSpPr>
+        <p:spPr/>
+        <p:txBody>
+          <a:bodyPr/>
+          <a:lstStyle/>
+          <a:p>
+            <a:r>
+              <a:rPr lang="fr-FR" dirty="0"/>
+              <a:t>DESIGN / OPTIMISATION / SIMPLIFCATION</a:t>
+            </a:r>
+          </a:p>
+        </p:txBody>
+      </p:sp>
+      <p:sp>
+        <p:nvSpPr>
+          <p:cNvPr id="4" name="Espace réservé de la date 3">
+            <a:extLst>
+              <a:ext uri="{FF2B5EF4-FFF2-40B4-BE49-F238E27FC236}">
+                <a16:creationId xmlns:a16="http://schemas.microsoft.com/office/drawing/2014/main" id="{030B0D3A-6441-43DC-BDBC-2E9EE16205E9}"/>
+              </a:ext>
+            </a:extLst>
+          </p:cNvPr>
+          <p:cNvSpPr>
+            <a:spLocks noGrp="1"/>
+          </p:cNvSpPr>
+          <p:nvPr>
+            <p:ph type="dt" sz="half" idx="10"/>
+          </p:nvPr>
+        </p:nvSpPr>
+        <p:spPr/>
+        <p:txBody>
+          <a:bodyPr/>
+          <a:lstStyle/>
+          <a:p>
+            <a:pPr rtl="0"/>
+            <a:fld id="{802FE938-1586-4780-B61A-DD3B60BAB93C}" type="datetime1">
+              <a:rPr lang="fr-FR" smtClean="0"/>
+              <a:t>22/06/2021</a:t>
+            </a:fld>
+            <a:endParaRPr lang="en-US"/>
+          </a:p>
+        </p:txBody>
+      </p:sp>
+    </p:spTree>
+    <p:extLst>
+      <p:ext uri="{BB962C8B-B14F-4D97-AF65-F5344CB8AC3E}">
+        <p14:creationId xmlns:p14="http://schemas.microsoft.com/office/powerpoint/2010/main" val="1130815813"/>
+      </p:ext>
+    </p:extLst>
+  </p:cSld>
+  <p:clrMapOvr>
+    <a:masterClrMapping/>
+  </p:clrMapOvr>
+</p:sld>
+</file>
+
+<file path=ppt/slides/slide41.xml><?xml version="1.0" encoding="utf-8"?>
+<p:sld xmlns:a="http://schemas.openxmlformats.org/drawingml/2006/main" xmlns:r="http://schemas.openxmlformats.org/officeDocument/2006/relationships" xmlns:p="http://schemas.openxmlformats.org/presentationml/2006/main">
+  <p:cSld>
+    <p:spTree>
+      <p:nvGrpSpPr>
+        <p:cNvPr id="1" name=""/>
+        <p:cNvGrpSpPr/>
+        <p:nvPr/>
+      </p:nvGrpSpPr>
+      <p:grpSpPr>
+        <a:xfrm>
+          <a:off x="0" y="0"/>
+          <a:ext cx="0" cy="0"/>
+          <a:chOff x="0" y="0"/>
+          <a:chExt cx="0" cy="0"/>
+        </a:xfrm>
+      </p:grpSpPr>
+      <p:sp>
+        <p:nvSpPr>
+          <p:cNvPr id="5" name="Titre 4">
+            <a:extLst>
+              <a:ext uri="{FF2B5EF4-FFF2-40B4-BE49-F238E27FC236}">
+                <a16:creationId xmlns:a16="http://schemas.microsoft.com/office/drawing/2014/main" id="{B535D397-2E1B-4C1E-A392-E2A43916D949}"/>
+              </a:ext>
+            </a:extLst>
+          </p:cNvPr>
+          <p:cNvSpPr>
+            <a:spLocks noGrp="1"/>
+          </p:cNvSpPr>
+          <p:nvPr>
+            <p:ph type="ctrTitle"/>
+          </p:nvPr>
+        </p:nvSpPr>
+        <p:spPr/>
+        <p:txBody>
+          <a:bodyPr/>
+          <a:lstStyle/>
+          <a:p>
+            <a:r>
+              <a:rPr lang="fr-FR" dirty="0"/>
+              <a:t>DEMONSTRATION</a:t>
+            </a:r>
+          </a:p>
+        </p:txBody>
+      </p:sp>
+      <p:sp>
+        <p:nvSpPr>
+          <p:cNvPr id="6" name="Sous-titre 5">
+            <a:extLst>
+              <a:ext uri="{FF2B5EF4-FFF2-40B4-BE49-F238E27FC236}">
+                <a16:creationId xmlns:a16="http://schemas.microsoft.com/office/drawing/2014/main" id="{42DF712F-84EC-48F3-B510-83E590DD97F0}"/>
+              </a:ext>
+            </a:extLst>
+          </p:cNvPr>
+          <p:cNvSpPr>
+            <a:spLocks noGrp="1"/>
+          </p:cNvSpPr>
+          <p:nvPr>
+            <p:ph type="subTitle" idx="1"/>
+          </p:nvPr>
+        </p:nvSpPr>
+        <p:spPr/>
+        <p:txBody>
+          <a:bodyPr/>
+          <a:lstStyle/>
+          <a:p>
+            <a:r>
+              <a:rPr lang="fr-FR" dirty="0"/>
+              <a:t>DEMO DU LOGICIEL FINI</a:t>
+            </a:r>
+          </a:p>
+        </p:txBody>
+      </p:sp>
+      <p:sp>
+        <p:nvSpPr>
+          <p:cNvPr id="4" name="Espace réservé de la date 3">
+            <a:extLst>
+              <a:ext uri="{FF2B5EF4-FFF2-40B4-BE49-F238E27FC236}">
+                <a16:creationId xmlns:a16="http://schemas.microsoft.com/office/drawing/2014/main" id="{030B0D3A-6441-43DC-BDBC-2E9EE16205E9}"/>
+              </a:ext>
+            </a:extLst>
+          </p:cNvPr>
+          <p:cNvSpPr>
+            <a:spLocks noGrp="1"/>
+          </p:cNvSpPr>
+          <p:nvPr>
+            <p:ph type="dt" sz="half" idx="10"/>
+          </p:nvPr>
+        </p:nvSpPr>
+        <p:spPr/>
+        <p:txBody>
+          <a:bodyPr/>
+          <a:lstStyle/>
+          <a:p>
+            <a:pPr rtl="0"/>
+            <a:fld id="{802FE938-1586-4780-B61A-DD3B60BAB93C}" type="datetime1">
+              <a:rPr lang="fr-FR" smtClean="0"/>
+              <a:t>22/06/2021</a:t>
+            </a:fld>
+            <a:endParaRPr lang="en-US"/>
+          </a:p>
+        </p:txBody>
+      </p:sp>
+    </p:spTree>
+    <p:extLst>
+      <p:ext uri="{BB962C8B-B14F-4D97-AF65-F5344CB8AC3E}">
+        <p14:creationId xmlns:p14="http://schemas.microsoft.com/office/powerpoint/2010/main" val="962287830"/>
+      </p:ext>
+    </p:extLst>
+  </p:cSld>
+  <p:clrMapOvr>
+    <a:masterClrMapping/>
+  </p:clrMapOvr>
+</p:sld>
+</file>
+
+<file path=ppt/slides/slide42.xml><?xml version="1.0" encoding="utf-8"?>
+<p:sld xmlns:a="http://schemas.openxmlformats.org/drawingml/2006/main" xmlns:r="http://schemas.openxmlformats.org/officeDocument/2006/relationships" xmlns:p="http://schemas.openxmlformats.org/presentationml/2006/main">
+  <p:cSld>
+    <p:spTree>
+      <p:nvGrpSpPr>
+        <p:cNvPr id="1" name=""/>
+        <p:cNvGrpSpPr/>
+        <p:nvPr/>
+      </p:nvGrpSpPr>
+      <p:grpSpPr>
+        <a:xfrm>
+          <a:off x="0" y="0"/>
+          <a:ext cx="0" cy="0"/>
+          <a:chOff x="0" y="0"/>
+          <a:chExt cx="0" cy="0"/>
+        </a:xfrm>
+      </p:grpSpPr>
+      <p:sp>
+        <p:nvSpPr>
+          <p:cNvPr id="5" name="Titre 4">
+            <a:extLst>
+              <a:ext uri="{FF2B5EF4-FFF2-40B4-BE49-F238E27FC236}">
+                <a16:creationId xmlns:a16="http://schemas.microsoft.com/office/drawing/2014/main" id="{B535D397-2E1B-4C1E-A392-E2A43916D949}"/>
+              </a:ext>
+            </a:extLst>
+          </p:cNvPr>
+          <p:cNvSpPr>
+            <a:spLocks noGrp="1"/>
+          </p:cNvSpPr>
+          <p:nvPr>
+            <p:ph type="ctrTitle"/>
+          </p:nvPr>
+        </p:nvSpPr>
+        <p:spPr/>
+        <p:txBody>
+          <a:bodyPr/>
+          <a:lstStyle/>
+          <a:p>
+            <a:r>
+              <a:rPr lang="fr-FR" dirty="0"/>
+              <a:t>CONCLUSION</a:t>
+            </a:r>
+          </a:p>
+        </p:txBody>
+      </p:sp>
+      <p:sp>
+        <p:nvSpPr>
+          <p:cNvPr id="6" name="Sous-titre 5">
+            <a:extLst>
+              <a:ext uri="{FF2B5EF4-FFF2-40B4-BE49-F238E27FC236}">
+                <a16:creationId xmlns:a16="http://schemas.microsoft.com/office/drawing/2014/main" id="{42DF712F-84EC-48F3-B510-83E590DD97F0}"/>
+              </a:ext>
+            </a:extLst>
+          </p:cNvPr>
+          <p:cNvSpPr>
+            <a:spLocks noGrp="1"/>
+          </p:cNvSpPr>
+          <p:nvPr>
+            <p:ph type="subTitle" idx="1"/>
+          </p:nvPr>
+        </p:nvSpPr>
+        <p:spPr/>
+        <p:txBody>
+          <a:bodyPr>
+            <a:normAutofit fontScale="92500"/>
+          </a:bodyPr>
+          <a:lstStyle/>
+          <a:p>
+            <a:r>
+              <a:rPr lang="fr-FR" dirty="0"/>
+              <a:t>PROBLEMES RENCONTRES / EVOLUTIONS POSSIBLES / APPORTS PERSONNELS </a:t>
+            </a:r>
+          </a:p>
+        </p:txBody>
+      </p:sp>
+      <p:sp>
+        <p:nvSpPr>
+          <p:cNvPr id="4" name="Espace réservé de la date 3">
+            <a:extLst>
+              <a:ext uri="{FF2B5EF4-FFF2-40B4-BE49-F238E27FC236}">
+                <a16:creationId xmlns:a16="http://schemas.microsoft.com/office/drawing/2014/main" id="{030B0D3A-6441-43DC-BDBC-2E9EE16205E9}"/>
+              </a:ext>
+            </a:extLst>
+          </p:cNvPr>
+          <p:cNvSpPr>
+            <a:spLocks noGrp="1"/>
+          </p:cNvSpPr>
+          <p:nvPr>
+            <p:ph type="dt" sz="half" idx="10"/>
+          </p:nvPr>
+        </p:nvSpPr>
+        <p:spPr/>
+        <p:txBody>
+          <a:bodyPr/>
+          <a:lstStyle/>
+          <a:p>
+            <a:pPr rtl="0"/>
+            <a:fld id="{802FE938-1586-4780-B61A-DD3B60BAB93C}" type="datetime1">
+              <a:rPr lang="fr-FR" smtClean="0"/>
+              <a:t>22/06/2021</a:t>
+            </a:fld>
+            <a:endParaRPr lang="en-US"/>
+          </a:p>
+        </p:txBody>
+      </p:sp>
+    </p:spTree>
+    <p:extLst>
+      <p:ext uri="{BB962C8B-B14F-4D97-AF65-F5344CB8AC3E}">
+        <p14:creationId xmlns:p14="http://schemas.microsoft.com/office/powerpoint/2010/main" val="2085507041"/>
+      </p:ext>
+    </p:extLst>
+  </p:cSld>
+  <p:clrMapOvr>
+    <a:masterClrMapping/>
+  </p:clrMapOvr>
+</p:sld>
+</file>
+
 <file path=ppt/slides/slide5.xml><?xml version="1.0" encoding="utf-8"?>
 <p:sld xmlns:a="http://schemas.openxmlformats.org/drawingml/2006/main" xmlns:r="http://schemas.openxmlformats.org/officeDocument/2006/relationships" xmlns:p="http://schemas.openxmlformats.org/presentationml/2006/main">
   <p:cSld>
@@ -16331,7 +19903,7 @@
         </p:spPr>
         <p:txBody>
           <a:bodyPr>
-            <a:normAutofit/>
+            <a:normAutofit fontScale="92500" lnSpcReduction="20000"/>
           </a:bodyPr>
           <a:lstStyle/>
           <a:p>
@@ -16498,6 +20070,41 @@
             <a:r>
               <a:rPr lang="fr-FR" dirty="0"/>
               <a:t>Adresse High : 0x77</a:t>
+            </a:r>
+          </a:p>
+          <a:p>
+            <a:pPr lvl="3"/>
+            <a:endParaRPr lang="fr-FR" dirty="0"/>
+          </a:p>
+          <a:p>
+            <a:pPr marL="274320" lvl="1" indent="0">
+              <a:buNone/>
+            </a:pPr>
+            <a:r>
+              <a:rPr lang="fr-FR" dirty="0"/>
+              <a:t>Un script python a été fourni par AJC qui permet </a:t>
+            </a:r>
+          </a:p>
+          <a:p>
+            <a:pPr marL="274320" lvl="1" indent="0">
+              <a:buNone/>
+            </a:pPr>
+            <a:r>
+              <a:rPr lang="fr-FR" dirty="0"/>
+              <a:t>de vérifier que le capteur fonctionne correctement</a:t>
+            </a:r>
+          </a:p>
+          <a:p>
+            <a:pPr marL="274320" lvl="1" indent="0">
+              <a:buNone/>
+            </a:pPr>
+            <a:r>
+              <a:rPr lang="fr-FR" dirty="0"/>
+              <a:t>et de pouvoir comparer les donnée avec notre futur </a:t>
+            </a:r>
+            <a:r>
+              <a:rPr lang="fr-FR" dirty="0" err="1"/>
+              <a:t>implementation</a:t>
             </a:r>
             <a:endParaRPr lang="it-IT" dirty="0"/>
           </a:p>

--- a/doc/StationMeteo_Soutenance_Stephane.pptx
+++ b/doc/StationMeteo_Soutenance_Stephane.pptx
@@ -5,10 +5,10 @@
     <p:sldMasterId id="2147483673" r:id="rId1"/>
   </p:sldMasterIdLst>
   <p:notesMasterIdLst>
-    <p:notesMasterId r:id="rId44"/>
+    <p:notesMasterId r:id="rId45"/>
   </p:notesMasterIdLst>
   <p:handoutMasterIdLst>
-    <p:handoutMasterId r:id="rId45"/>
+    <p:handoutMasterId r:id="rId46"/>
   </p:handoutMasterIdLst>
   <p:sldIdLst>
     <p:sldId id="257" r:id="rId2"/>
@@ -43,16 +43,17 @@
     <p:sldId id="296" r:id="rId31"/>
     <p:sldId id="297" r:id="rId32"/>
     <p:sldId id="300" r:id="rId33"/>
-    <p:sldId id="304" r:id="rId34"/>
-    <p:sldId id="303" r:id="rId35"/>
-    <p:sldId id="305" r:id="rId36"/>
-    <p:sldId id="306" r:id="rId37"/>
-    <p:sldId id="307" r:id="rId38"/>
-    <p:sldId id="308" r:id="rId39"/>
-    <p:sldId id="302" r:id="rId40"/>
-    <p:sldId id="269" r:id="rId41"/>
-    <p:sldId id="271" r:id="rId42"/>
-    <p:sldId id="270" r:id="rId43"/>
+    <p:sldId id="309" r:id="rId34"/>
+    <p:sldId id="304" r:id="rId35"/>
+    <p:sldId id="303" r:id="rId36"/>
+    <p:sldId id="305" r:id="rId37"/>
+    <p:sldId id="306" r:id="rId38"/>
+    <p:sldId id="307" r:id="rId39"/>
+    <p:sldId id="308" r:id="rId40"/>
+    <p:sldId id="302" r:id="rId41"/>
+    <p:sldId id="269" r:id="rId42"/>
+    <p:sldId id="271" r:id="rId43"/>
+    <p:sldId id="270" r:id="rId44"/>
   </p:sldIdLst>
   <p:sldSz cx="12192000" cy="6858000"/>
   <p:notesSz cx="6858000" cy="9144000"/>
@@ -14044,7 +14045,7 @@
         </p:spPr>
         <p:txBody>
           <a:bodyPr>
-            <a:normAutofit/>
+            <a:normAutofit lnSpcReduction="10000"/>
           </a:bodyPr>
           <a:lstStyle/>
           <a:p>
@@ -14117,6 +14118,15 @@
             <a:r>
               <a:rPr lang="fr-FR" dirty="0"/>
               <a:t>2.2 Mettre au point les modules possible (le capteur n’est pas dispo sur Windows) avec navigateurs externe en IP locale</a:t>
+            </a:r>
+          </a:p>
+          <a:p>
+            <a:pPr marL="822960" lvl="3" indent="0">
+              <a:buNone/>
+            </a:pPr>
+            <a:r>
+              <a:rPr lang="fr-FR" dirty="0"/>
+              <a:t>2,3 Mettre au point le point d’entrée du programme serveur</a:t>
             </a:r>
           </a:p>
           <a:p>
@@ -17777,19 +17787,24 @@
         <p:spPr>
           <a:xfrm>
             <a:off x="1066800" y="642594"/>
-            <a:ext cx="10645674" cy="556814"/>
+            <a:ext cx="10058400" cy="556814"/>
           </a:xfrm>
         </p:spPr>
         <p:txBody>
           <a:bodyPr>
-            <a:normAutofit fontScale="90000"/>
+            <a:normAutofit/>
           </a:bodyPr>
           <a:lstStyle/>
           <a:p>
             <a:r>
               <a:rPr lang="fr-FR" sz="2000" dirty="0"/>
-              <a:t>3.1) Linux : Mettre au point du module du capteur et Tester le serveur en interne et externe</a:t>
-            </a:r>
+              <a:t>2.3) </a:t>
+            </a:r>
+            <a:r>
+              <a:rPr lang="fr-FR" sz="2200" dirty="0"/>
+              <a:t>Windows : point le point d’entrée du programme serveur</a:t>
+            </a:r>
+            <a:endParaRPr lang="fr-FR" sz="2000" dirty="0"/>
           </a:p>
         </p:txBody>
       </p:sp>
@@ -17812,7 +17827,7 @@
         <p:spPr>
           <a:xfrm>
             <a:off x="1066800" y="1300348"/>
-            <a:ext cx="10529190" cy="5042210"/>
+            <a:ext cx="9265338" cy="5042210"/>
           </a:xfrm>
         </p:spPr>
         <p:txBody>
@@ -17821,127 +17836,44 @@
           </a:bodyPr>
           <a:lstStyle/>
           <a:p>
-            <a:r>
-              <a:rPr lang="fr-FR" sz="1200" dirty="0"/>
-              <a:t>Connection en SSH sur le Raspberry PI</a:t>
-            </a:r>
-          </a:p>
-          <a:p>
-            <a:r>
-              <a:rPr lang="fr-FR" sz="1200" dirty="0"/>
-              <a:t>Vérifier que les outils de </a:t>
-            </a:r>
-            <a:r>
-              <a:rPr lang="fr-FR" sz="1200" dirty="0" err="1"/>
-              <a:t>Build</a:t>
-            </a:r>
-            <a:r>
-              <a:rPr lang="fr-FR" sz="1200" dirty="0"/>
-              <a:t> sont installée et que le module I2C est chargé et démarre bien automatiquement avec le Raspberry pi </a:t>
-            </a:r>
-          </a:p>
-          <a:p>
-            <a:r>
-              <a:rPr lang="fr-FR" sz="1200" dirty="0"/>
-              <a:t>Module BME280 :</a:t>
-            </a:r>
-          </a:p>
-          <a:p>
-            <a:pPr lvl="1"/>
-            <a:r>
-              <a:rPr lang="fr-FR" sz="1200" dirty="0"/>
-              <a:t>Vérification que la mesure ce fait et que le retour est conforme au script python fourni par AJC en référence</a:t>
-            </a:r>
-          </a:p>
-          <a:p>
-            <a:pPr lvl="1"/>
-            <a:r>
-              <a:rPr lang="fr-FR" sz="1200" dirty="0"/>
-              <a:t>Vérification que le format JSON est correct</a:t>
-            </a:r>
-          </a:p>
-          <a:p>
-            <a:pPr lvl="1"/>
-            <a:endParaRPr lang="fr-FR" sz="1200" dirty="0"/>
-          </a:p>
-          <a:p>
-            <a:r>
-              <a:rPr lang="fr-FR" sz="1400" dirty="0"/>
-              <a:t>Vérification que le programme fonctionne correctement :</a:t>
-            </a:r>
-          </a:p>
-          <a:p>
-            <a:pPr lvl="1"/>
-            <a:r>
-              <a:rPr lang="fr-FR" sz="1200" dirty="0"/>
-              <a:t>Démarrage de l’écoute du port 80 et test avec un navigateur sur IP localhost (127.0.0.1)</a:t>
-            </a:r>
-          </a:p>
-          <a:p>
-            <a:pPr lvl="2"/>
-            <a:r>
-              <a:rPr lang="fr-FR" dirty="0"/>
-              <a:t>Le port HTTP par default a savoir le 80 étant un port protégé ( ports de 0 à 1024), </a:t>
-            </a:r>
-          </a:p>
-          <a:p>
-            <a:pPr marL="822960" lvl="3" indent="0">
+            <a:pPr marL="0" indent="0">
               <a:buNone/>
             </a:pPr>
             <a:r>
-              <a:rPr lang="fr-FR" sz="1200" dirty="0"/>
-              <a:t>	   il faut démarrer le serveur avec les privilèges </a:t>
-            </a:r>
-            <a:r>
-              <a:rPr lang="fr-FR" dirty="0"/>
-              <a:t>Administrateur</a:t>
-            </a:r>
-            <a:r>
-              <a:rPr lang="fr-FR" sz="1200" dirty="0"/>
-              <a:t>.</a:t>
-            </a:r>
-          </a:p>
-          <a:p>
-            <a:pPr lvl="2"/>
-            <a:r>
-              <a:rPr lang="fr-FR" sz="1100" dirty="0"/>
-              <a:t>Connection a l’url </a:t>
-            </a:r>
-            <a:r>
-              <a:rPr lang="fr-FR" sz="1100" dirty="0">
-                <a:hlinkClick r:id="rId2"/>
-              </a:rPr>
-              <a:t>http://78.199.78.207:48001</a:t>
-            </a:r>
-            <a:endParaRPr lang="fr-FR" sz="1100" dirty="0"/>
-          </a:p>
-          <a:p>
-            <a:pPr lvl="2"/>
-            <a:r>
-              <a:rPr lang="fr-FR" sz="1100" dirty="0"/>
-              <a:t>Vérification que les différente url renvoient bien le bon contenu</a:t>
-            </a:r>
-          </a:p>
-          <a:p>
-            <a:pPr lvl="1"/>
-            <a:r>
-              <a:rPr lang="fr-FR" sz="1200" dirty="0"/>
-              <a:t>Validation de la partie base de donnée :</a:t>
-            </a:r>
-          </a:p>
-          <a:p>
-            <a:pPr lvl="2"/>
-            <a:r>
-              <a:rPr lang="fr-FR" sz="1100" dirty="0"/>
-              <a:t>Vérification que le fichier de BD est bien créé au bon endroit</a:t>
-            </a:r>
-          </a:p>
-          <a:p>
-            <a:pPr lvl="1"/>
-            <a:r>
-              <a:rPr lang="fr-FR" sz="1200" dirty="0"/>
-              <a:t>Test des différentes options du serveur en ligne de commandes</a:t>
-            </a:r>
+              <a:rPr lang="fr-FR" sz="1300" u="sng" dirty="0"/>
+              <a:t>Point d’entrée :</a:t>
+            </a:r>
+          </a:p>
+          <a:p>
+            <a:r>
+              <a:rPr lang="fr-FR" sz="1300" dirty="0"/>
+              <a:t>Le point d’entrée est le 1</a:t>
+            </a:r>
+            <a:r>
+              <a:rPr lang="fr-FR" sz="1300" baseline="30000" dirty="0"/>
+              <a:t>er</a:t>
+            </a:r>
+            <a:r>
+              <a:rPr lang="fr-FR" sz="1300" dirty="0"/>
+              <a:t> code exécuté au démarrage </a:t>
+            </a:r>
+            <a:r>
+              <a:rPr lang="fr-FR" sz="1300"/>
+              <a:t>du programme</a:t>
+            </a:r>
+            <a:endParaRPr lang="fr-FR" sz="1300" dirty="0"/>
+          </a:p>
+          <a:p>
+            <a:r>
+              <a:rPr lang="fr-FR" sz="1300" dirty="0"/>
+              <a:t>Il contient un certain nombre d’option de ligne de commande pour pouvoir changer de configuration dans devoir recompiler</a:t>
+            </a:r>
+          </a:p>
+          <a:p>
+            <a:pPr marL="0" indent="0">
+              <a:buNone/>
+            </a:pPr>
+            <a:endParaRPr lang="fr-FR" sz="1300" dirty="0"/>
           </a:p>
         </p:txBody>
       </p:sp>
@@ -17975,10 +17907,40 @@
           </a:p>
         </p:txBody>
       </p:sp>
+      <p:pic>
+        <p:nvPicPr>
+          <p:cNvPr id="7" name="Image 6">
+            <a:extLst>
+              <a:ext uri="{FF2B5EF4-FFF2-40B4-BE49-F238E27FC236}">
+                <a16:creationId xmlns:a16="http://schemas.microsoft.com/office/drawing/2014/main" id="{1529DE19-AFCE-4976-B964-DC763D49D943}"/>
+              </a:ext>
+            </a:extLst>
+          </p:cNvPr>
+          <p:cNvPicPr>
+            <a:picLocks noChangeAspect="1"/>
+          </p:cNvPicPr>
+          <p:nvPr/>
+        </p:nvPicPr>
+        <p:blipFill>
+          <a:blip r:embed="rId2"/>
+          <a:stretch>
+            <a:fillRect/>
+          </a:stretch>
+        </p:blipFill>
+        <p:spPr>
+          <a:xfrm>
+            <a:off x="1536784" y="2513566"/>
+            <a:ext cx="6796845" cy="3828992"/>
+          </a:xfrm>
+          <a:prstGeom prst="rect">
+            <a:avLst/>
+          </a:prstGeom>
+        </p:spPr>
+      </p:pic>
     </p:spTree>
     <p:extLst>
       <p:ext uri="{BB962C8B-B14F-4D97-AF65-F5344CB8AC3E}">
-        <p14:creationId xmlns:p14="http://schemas.microsoft.com/office/powerpoint/2010/main" val="246538531"/>
+        <p14:creationId xmlns:p14="http://schemas.microsoft.com/office/powerpoint/2010/main" val="624325067"/>
       </p:ext>
     </p:extLst>
   </p:cSld>
@@ -18010,7 +17972,7 @@
           <p:cNvPr id="2" name="Titre 1">
             <a:extLst>
               <a:ext uri="{FF2B5EF4-FFF2-40B4-BE49-F238E27FC236}">
-                <a16:creationId xmlns:a16="http://schemas.microsoft.com/office/drawing/2014/main" id="{AC243CA6-3E7C-430A-930C-EAE90E84A641}"/>
+                <a16:creationId xmlns:a16="http://schemas.microsoft.com/office/drawing/2014/main" id="{EA53D9FC-3044-40B7-A8EB-EAB80F26D6FE}"/>
               </a:ext>
             </a:extLst>
           </p:cNvPr>
@@ -18024,18 +17986,18 @@
         <p:spPr>
           <a:xfrm>
             <a:off x="1066800" y="642594"/>
-            <a:ext cx="10058400" cy="627082"/>
+            <a:ext cx="10645674" cy="556814"/>
           </a:xfrm>
         </p:spPr>
         <p:txBody>
           <a:bodyPr>
-            <a:normAutofit/>
+            <a:normAutofit fontScale="90000"/>
           </a:bodyPr>
           <a:lstStyle/>
           <a:p>
             <a:r>
               <a:rPr lang="fr-FR" sz="2000" dirty="0"/>
-              <a:t>3.1) Linux : Installation du serveur en tant que service</a:t>
+              <a:t>3.1) Linux : Mettre au point du module du capteur et Tester le serveur en interne et externe</a:t>
             </a:r>
           </a:p>
         </p:txBody>
@@ -18045,7 +18007,7 @@
           <p:cNvPr id="3" name="Espace réservé du contenu 2">
             <a:extLst>
               <a:ext uri="{FF2B5EF4-FFF2-40B4-BE49-F238E27FC236}">
-                <a16:creationId xmlns:a16="http://schemas.microsoft.com/office/drawing/2014/main" id="{F9FF48D2-6ACC-4A0B-8D01-3187A073C1EB}"/>
+                <a16:creationId xmlns:a16="http://schemas.microsoft.com/office/drawing/2014/main" id="{5837093E-200E-45C2-A38D-202DB399C72A}"/>
               </a:ext>
             </a:extLst>
           </p:cNvPr>
@@ -18058,75 +18020,137 @@
         </p:nvSpPr>
         <p:spPr>
           <a:xfrm>
-            <a:off x="1066800" y="1269676"/>
-            <a:ext cx="10058400" cy="4683068"/>
-          </a:xfrm>
-        </p:spPr>
-        <p:txBody>
-          <a:bodyPr/>
-          <a:lstStyle/>
-          <a:p>
-            <a:r>
-              <a:rPr lang="fr-FR" dirty="0"/>
-              <a:t>Ecriture du fichier BME280Server.service pour l’ordonnanceur de tache </a:t>
-            </a:r>
-            <a:r>
-              <a:rPr lang="fr-FR" dirty="0" err="1"/>
-              <a:t>SystemD</a:t>
-            </a:r>
-            <a:endParaRPr lang="fr-FR" dirty="0"/>
-          </a:p>
-          <a:p>
-            <a:r>
-              <a:rPr lang="fr-FR" dirty="0"/>
-              <a:t>Si le serveur crash, il sera redémarré automatiquement</a:t>
-            </a:r>
-          </a:p>
-          <a:p>
-            <a:r>
-              <a:rPr lang="fr-FR" dirty="0"/>
-              <a:t>Si l’os redémarre, le serveur démarrera automatiquement au démarrage</a:t>
-            </a:r>
-          </a:p>
-          <a:p>
-            <a:r>
-              <a:rPr lang="fr-FR" dirty="0"/>
-              <a:t>Démarrage du service</a:t>
-            </a:r>
-          </a:p>
-          <a:p>
-            <a:r>
-              <a:rPr lang="fr-FR" dirty="0"/>
-              <a:t>Vérification que le service est bien démarré et écoute sur le port HTTP</a:t>
-            </a:r>
-          </a:p>
-          <a:p>
-            <a:r>
-              <a:rPr lang="fr-FR" dirty="0"/>
-              <a:t>Inspection des journaux de log avec la commande </a:t>
-            </a:r>
-            <a:r>
-              <a:rPr lang="fr-FR" dirty="0" err="1"/>
-              <a:t>journalctl</a:t>
-            </a:r>
-            <a:r>
-              <a:rPr lang="fr-FR" dirty="0"/>
-              <a:t> qui permet de consulter les journaux générer pas les service </a:t>
-            </a:r>
-            <a:r>
-              <a:rPr lang="fr-FR" dirty="0" err="1"/>
-              <a:t>systemD</a:t>
-            </a:r>
-            <a:r>
-              <a:rPr lang="fr-FR" dirty="0"/>
-              <a:t>, pour vérifier qu’il n’y a pas eu d’erreurs au démarrage</a:t>
-            </a:r>
-          </a:p>
-          <a:p>
-            <a:endParaRPr lang="fr-FR" dirty="0"/>
-          </a:p>
-          <a:p>
-            <a:endParaRPr lang="fr-FR" dirty="0"/>
+            <a:off x="1066800" y="1300348"/>
+            <a:ext cx="10529190" cy="5042210"/>
+          </a:xfrm>
+        </p:spPr>
+        <p:txBody>
+          <a:bodyPr>
+            <a:normAutofit/>
+          </a:bodyPr>
+          <a:lstStyle/>
+          <a:p>
+            <a:r>
+              <a:rPr lang="fr-FR" sz="1200" dirty="0"/>
+              <a:t>Connection en SSH sur le Raspberry PI</a:t>
+            </a:r>
+          </a:p>
+          <a:p>
+            <a:r>
+              <a:rPr lang="fr-FR" sz="1200" dirty="0"/>
+              <a:t>Vérifier que les outils de </a:t>
+            </a:r>
+            <a:r>
+              <a:rPr lang="fr-FR" sz="1200" dirty="0" err="1"/>
+              <a:t>Build</a:t>
+            </a:r>
+            <a:r>
+              <a:rPr lang="fr-FR" sz="1200" dirty="0"/>
+              <a:t> sont installée et que le module I2C est chargé et démarre bien automatiquement avec le Raspberry pi </a:t>
+            </a:r>
+          </a:p>
+          <a:p>
+            <a:r>
+              <a:rPr lang="fr-FR" sz="1200" dirty="0"/>
+              <a:t>Module BME280 :</a:t>
+            </a:r>
+          </a:p>
+          <a:p>
+            <a:pPr lvl="1"/>
+            <a:r>
+              <a:rPr lang="fr-FR" sz="1200" dirty="0"/>
+              <a:t>Vérification que la mesure ce fait et que le retour est conforme au script python fourni par AJC en référence</a:t>
+            </a:r>
+          </a:p>
+          <a:p>
+            <a:pPr lvl="1"/>
+            <a:r>
+              <a:rPr lang="fr-FR" sz="1200" dirty="0"/>
+              <a:t>Vérification que le format JSON est correct</a:t>
+            </a:r>
+          </a:p>
+          <a:p>
+            <a:pPr lvl="1"/>
+            <a:endParaRPr lang="fr-FR" sz="1200" dirty="0"/>
+          </a:p>
+          <a:p>
+            <a:r>
+              <a:rPr lang="fr-FR" sz="1400" dirty="0"/>
+              <a:t>Vérification que le programme fonctionne correctement :</a:t>
+            </a:r>
+          </a:p>
+          <a:p>
+            <a:pPr lvl="1"/>
+            <a:r>
+              <a:rPr lang="fr-FR" sz="1200" dirty="0"/>
+              <a:t>Démarrage de l’écoute du port 80 et test avec un navigateur sur IP localhost (127.0.0.1)</a:t>
+            </a:r>
+          </a:p>
+          <a:p>
+            <a:pPr lvl="2"/>
+            <a:r>
+              <a:rPr lang="fr-FR" dirty="0"/>
+              <a:t>Le port HTTP par default a savoir le 80 étant un port protégé ( ports de 0 à 1024), </a:t>
+            </a:r>
+          </a:p>
+          <a:p>
+            <a:pPr marL="822960" lvl="3" indent="0">
+              <a:buNone/>
+            </a:pPr>
+            <a:r>
+              <a:rPr lang="fr-FR" sz="1200" dirty="0"/>
+              <a:t>	   il faut démarrer le serveur avec les privilèges </a:t>
+            </a:r>
+            <a:r>
+              <a:rPr lang="fr-FR" dirty="0"/>
+              <a:t>Administrateur</a:t>
+            </a:r>
+            <a:r>
+              <a:rPr lang="fr-FR" sz="1200" dirty="0"/>
+              <a:t>.</a:t>
+            </a:r>
+          </a:p>
+          <a:p>
+            <a:pPr lvl="2"/>
+            <a:r>
+              <a:rPr lang="fr-FR" sz="1100" dirty="0"/>
+              <a:t>Connection a l’url </a:t>
+            </a:r>
+            <a:r>
+              <a:rPr lang="fr-FR" sz="1100" dirty="0">
+                <a:hlinkClick r:id="rId2"/>
+              </a:rPr>
+              <a:t>http://78.199.78.207:48001</a:t>
+            </a:r>
+            <a:endParaRPr lang="fr-FR" sz="1100" dirty="0"/>
+          </a:p>
+          <a:p>
+            <a:pPr lvl="2"/>
+            <a:r>
+              <a:rPr lang="fr-FR" sz="1100" dirty="0"/>
+              <a:t>Vérification que les différente url renvoient bien le bon contenu</a:t>
+            </a:r>
+          </a:p>
+          <a:p>
+            <a:pPr lvl="1"/>
+            <a:r>
+              <a:rPr lang="fr-FR" sz="1200" dirty="0"/>
+              <a:t>Validation de la partie base de donnée :</a:t>
+            </a:r>
+          </a:p>
+          <a:p>
+            <a:pPr lvl="2"/>
+            <a:r>
+              <a:rPr lang="fr-FR" sz="1100" dirty="0"/>
+              <a:t>Vérification que le fichier de BD est bien créé au bon endroit</a:t>
+            </a:r>
+          </a:p>
+          <a:p>
+            <a:pPr lvl="1"/>
+            <a:r>
+              <a:rPr lang="fr-FR" sz="1200" dirty="0"/>
+              <a:t>Test des différentes options du serveur en ligne de commandes</a:t>
+            </a:r>
           </a:p>
         </p:txBody>
       </p:sp>
@@ -18135,7 +18159,7 @@
           <p:cNvPr id="4" name="Espace réservé de la date 3">
             <a:extLst>
               <a:ext uri="{FF2B5EF4-FFF2-40B4-BE49-F238E27FC236}">
-                <a16:creationId xmlns:a16="http://schemas.microsoft.com/office/drawing/2014/main" id="{A63239B3-03E2-4871-83D9-61381DBCC3A4}"/>
+                <a16:creationId xmlns:a16="http://schemas.microsoft.com/office/drawing/2014/main" id="{60BDC591-8D09-4D49-88A2-408CD1604F69}"/>
               </a:ext>
             </a:extLst>
           </p:cNvPr>
@@ -18163,7 +18187,7 @@
     </p:spTree>
     <p:extLst>
       <p:ext uri="{BB962C8B-B14F-4D97-AF65-F5344CB8AC3E}">
-        <p14:creationId xmlns:p14="http://schemas.microsoft.com/office/powerpoint/2010/main" val="869506070"/>
+        <p14:creationId xmlns:p14="http://schemas.microsoft.com/office/powerpoint/2010/main" val="246538531"/>
       </p:ext>
     </p:extLst>
   </p:cSld>
@@ -18220,19 +18244,98 @@
           <a:p>
             <a:r>
               <a:rPr lang="fr-FR" sz="2000" dirty="0"/>
-              <a:t>4.1</a:t>
-            </a:r>
-            <a:r>
-              <a:rPr lang="fr-FR" sz="2200" dirty="0"/>
-              <a:t>) Résultat de la requête « page d’aide » : </a:t>
-            </a:r>
-            <a:r>
-              <a:rPr lang="fr-FR" sz="2200" dirty="0">
-                <a:hlinkClick r:id="rId2"/>
-              </a:rPr>
-              <a:t>http://78.199.78.207:48001</a:t>
-            </a:r>
-            <a:endParaRPr lang="fr-FR" sz="2000" dirty="0"/>
+              <a:t>3.1) Linux : Installation du serveur en tant que service</a:t>
+            </a:r>
+          </a:p>
+        </p:txBody>
+      </p:sp>
+      <p:sp>
+        <p:nvSpPr>
+          <p:cNvPr id="3" name="Espace réservé du contenu 2">
+            <a:extLst>
+              <a:ext uri="{FF2B5EF4-FFF2-40B4-BE49-F238E27FC236}">
+                <a16:creationId xmlns:a16="http://schemas.microsoft.com/office/drawing/2014/main" id="{F9FF48D2-6ACC-4A0B-8D01-3187A073C1EB}"/>
+              </a:ext>
+            </a:extLst>
+          </p:cNvPr>
+          <p:cNvSpPr>
+            <a:spLocks noGrp="1"/>
+          </p:cNvSpPr>
+          <p:nvPr>
+            <p:ph idx="1"/>
+          </p:nvPr>
+        </p:nvSpPr>
+        <p:spPr>
+          <a:xfrm>
+            <a:off x="1066800" y="1269676"/>
+            <a:ext cx="10058400" cy="4683068"/>
+          </a:xfrm>
+        </p:spPr>
+        <p:txBody>
+          <a:bodyPr/>
+          <a:lstStyle/>
+          <a:p>
+            <a:r>
+              <a:rPr lang="fr-FR" dirty="0"/>
+              <a:t>Ecriture du fichier BME280Server.service pour l’ordonnanceur de tache </a:t>
+            </a:r>
+            <a:r>
+              <a:rPr lang="fr-FR" dirty="0" err="1"/>
+              <a:t>SystemD</a:t>
+            </a:r>
+            <a:endParaRPr lang="fr-FR" dirty="0"/>
+          </a:p>
+          <a:p>
+            <a:r>
+              <a:rPr lang="fr-FR" dirty="0"/>
+              <a:t>Si le serveur crash, il sera redémarré automatiquement</a:t>
+            </a:r>
+          </a:p>
+          <a:p>
+            <a:r>
+              <a:rPr lang="fr-FR" dirty="0"/>
+              <a:t>Si l’os redémarre, le serveur démarrera automatiquement au démarrage</a:t>
+            </a:r>
+          </a:p>
+          <a:p>
+            <a:r>
+              <a:rPr lang="fr-FR" dirty="0"/>
+              <a:t>Démarrage du service</a:t>
+            </a:r>
+          </a:p>
+          <a:p>
+            <a:r>
+              <a:rPr lang="fr-FR" dirty="0"/>
+              <a:t>Vérification que le service est bien démarré et écoute sur le port HTTP</a:t>
+            </a:r>
+          </a:p>
+          <a:p>
+            <a:r>
+              <a:rPr lang="fr-FR" dirty="0"/>
+              <a:t>Inspection des journaux de log avec la commande </a:t>
+            </a:r>
+            <a:r>
+              <a:rPr lang="fr-FR" dirty="0" err="1"/>
+              <a:t>journalctl</a:t>
+            </a:r>
+            <a:r>
+              <a:rPr lang="fr-FR" dirty="0"/>
+              <a:t> qui permet de consulter les journaux générer pas les service </a:t>
+            </a:r>
+            <a:r>
+              <a:rPr lang="fr-FR" dirty="0" err="1"/>
+              <a:t>systemD</a:t>
+            </a:r>
+            <a:r>
+              <a:rPr lang="fr-FR" dirty="0"/>
+              <a:t>, pour vérifier qu’il n’y a pas eu d’erreurs au démarrage</a:t>
+            </a:r>
+          </a:p>
+          <a:p>
+            <a:endParaRPr lang="fr-FR" dirty="0"/>
+          </a:p>
+          <a:p>
+            <a:endParaRPr lang="fr-FR" dirty="0"/>
           </a:p>
         </p:txBody>
       </p:sp>
@@ -18266,122 +18369,10 @@
           </a:p>
         </p:txBody>
       </p:sp>
-      <p:pic>
-        <p:nvPicPr>
-          <p:cNvPr id="10" name="Image 9">
-            <a:extLst>
-              <a:ext uri="{FF2B5EF4-FFF2-40B4-BE49-F238E27FC236}">
-                <a16:creationId xmlns:a16="http://schemas.microsoft.com/office/drawing/2014/main" id="{B8EE5EE3-6407-4D45-9F50-DA074893C793}"/>
-              </a:ext>
-            </a:extLst>
-          </p:cNvPr>
-          <p:cNvPicPr>
-            <a:picLocks noChangeAspect="1"/>
-          </p:cNvPicPr>
-          <p:nvPr/>
-        </p:nvPicPr>
-        <p:blipFill>
-          <a:blip r:embed="rId3"/>
-          <a:stretch>
-            <a:fillRect/>
-          </a:stretch>
-        </p:blipFill>
-        <p:spPr>
-          <a:xfrm>
-            <a:off x="1632538" y="1269676"/>
-            <a:ext cx="2893471" cy="4901068"/>
-          </a:xfrm>
-          <a:prstGeom prst="rect">
-            <a:avLst/>
-          </a:prstGeom>
-        </p:spPr>
-      </p:pic>
-      <p:sp>
-        <p:nvSpPr>
-          <p:cNvPr id="11" name="ZoneTexte 10">
-            <a:extLst>
-              <a:ext uri="{FF2B5EF4-FFF2-40B4-BE49-F238E27FC236}">
-                <a16:creationId xmlns:a16="http://schemas.microsoft.com/office/drawing/2014/main" id="{50D44826-D9D7-4D83-8555-EAA0708A669C}"/>
-              </a:ext>
-            </a:extLst>
-          </p:cNvPr>
-          <p:cNvSpPr txBox="1"/>
-          <p:nvPr/>
-        </p:nvSpPr>
-        <p:spPr>
-          <a:xfrm>
-            <a:off x="4857135" y="1315557"/>
-            <a:ext cx="6550191" cy="2308324"/>
-          </a:xfrm>
-          <a:prstGeom prst="rect">
-            <a:avLst/>
-          </a:prstGeom>
-          <a:noFill/>
-        </p:spPr>
-        <p:txBody>
-          <a:bodyPr wrap="none" rtlCol="0">
-            <a:spAutoFit/>
-          </a:bodyPr>
-          <a:lstStyle/>
-          <a:p>
-            <a:r>
-              <a:rPr lang="fr-FR" dirty="0"/>
-              <a:t>Si l’utilisateur ne connait pas les possibilité du serveur,</a:t>
-            </a:r>
-          </a:p>
-          <a:p>
-            <a:r>
-              <a:rPr lang="fr-FR" dirty="0"/>
-              <a:t>La connexion sur </a:t>
-            </a:r>
-            <a:r>
-              <a:rPr lang="fr-FR" dirty="0" err="1"/>
-              <a:t>l’ip</a:t>
-            </a:r>
-            <a:r>
-              <a:rPr lang="fr-FR" dirty="0"/>
-              <a:t> du serveur donne une page d’aide </a:t>
-            </a:r>
-          </a:p>
-          <a:p>
-            <a:r>
-              <a:rPr lang="fr-FR" dirty="0"/>
-              <a:t>Qui donne des explication sur le but du serveur </a:t>
-            </a:r>
-          </a:p>
-          <a:p>
-            <a:r>
-              <a:rPr lang="fr-FR" dirty="0"/>
-              <a:t>et les services disponible.</a:t>
-            </a:r>
-          </a:p>
-          <a:p>
-            <a:endParaRPr lang="fr-FR" dirty="0"/>
-          </a:p>
-          <a:p>
-            <a:r>
-              <a:rPr lang="fr-FR" dirty="0"/>
-              <a:t>Seulement écrit en anglais.</a:t>
-            </a:r>
-          </a:p>
-          <a:p>
-            <a:r>
-              <a:rPr lang="fr-FR" dirty="0"/>
-              <a:t>Une piste d’amélioration serait de pouvoir </a:t>
-            </a:r>
-          </a:p>
-          <a:p>
-            <a:r>
-              <a:rPr lang="fr-FR" dirty="0"/>
-              <a:t>proposer d’autres langue</a:t>
-            </a:r>
-          </a:p>
-        </p:txBody>
-      </p:sp>
     </p:spTree>
     <p:extLst>
       <p:ext uri="{BB962C8B-B14F-4D97-AF65-F5344CB8AC3E}">
-        <p14:creationId xmlns:p14="http://schemas.microsoft.com/office/powerpoint/2010/main" val="3657963763"/>
+        <p14:creationId xmlns:p14="http://schemas.microsoft.com/office/powerpoint/2010/main" val="869506070"/>
       </p:ext>
     </p:extLst>
   </p:cSld>
@@ -18442,13 +18433,13 @@
             </a:r>
             <a:r>
               <a:rPr lang="fr-FR" sz="2200" dirty="0"/>
-              <a:t>) Résultat de la requête « infos » : </a:t>
+              <a:t>) Résultat de la requête « page d’aide » : </a:t>
             </a:r>
             <a:r>
               <a:rPr lang="fr-FR" sz="2200" dirty="0">
                 <a:hlinkClick r:id="rId2"/>
               </a:rPr>
-              <a:t>http://78.199.78.207:48001/infos</a:t>
+              <a:t>http://78.199.78.207:48001</a:t>
             </a:r>
             <a:endParaRPr lang="fr-FR" sz="2000" dirty="0"/>
           </a:p>
@@ -18486,10 +18477,10 @@
       </p:sp>
       <p:pic>
         <p:nvPicPr>
-          <p:cNvPr id="5" name="Image 4">
-            <a:extLst>
-              <a:ext uri="{FF2B5EF4-FFF2-40B4-BE49-F238E27FC236}">
-                <a16:creationId xmlns:a16="http://schemas.microsoft.com/office/drawing/2014/main" id="{6BA78115-F0F1-4967-88AE-4B642F51CF29}"/>
+          <p:cNvPr id="10" name="Image 9">
+            <a:extLst>
+              <a:ext uri="{FF2B5EF4-FFF2-40B4-BE49-F238E27FC236}">
+                <a16:creationId xmlns:a16="http://schemas.microsoft.com/office/drawing/2014/main" id="{B8EE5EE3-6407-4D45-9F50-DA074893C793}"/>
               </a:ext>
             </a:extLst>
           </p:cNvPr>
@@ -18506,8 +18497,8 @@
         </p:blipFill>
         <p:spPr>
           <a:xfrm>
-            <a:off x="2279158" y="2023219"/>
-            <a:ext cx="6424158" cy="4011821"/>
+            <a:off x="1632538" y="1269676"/>
+            <a:ext cx="2893471" cy="4901068"/>
           </a:xfrm>
           <a:prstGeom prst="rect">
             <a:avLst/>
@@ -18516,10 +18507,10 @@
       </p:pic>
       <p:sp>
         <p:nvSpPr>
-          <p:cNvPr id="7" name="ZoneTexte 6">
-            <a:extLst>
-              <a:ext uri="{FF2B5EF4-FFF2-40B4-BE49-F238E27FC236}">
-                <a16:creationId xmlns:a16="http://schemas.microsoft.com/office/drawing/2014/main" id="{E07BF723-B5D5-4416-842C-66874E9E3EFB}"/>
+          <p:cNvPr id="11" name="ZoneTexte 10">
+            <a:extLst>
+              <a:ext uri="{FF2B5EF4-FFF2-40B4-BE49-F238E27FC236}">
+                <a16:creationId xmlns:a16="http://schemas.microsoft.com/office/drawing/2014/main" id="{50D44826-D9D7-4D83-8555-EAA0708A669C}"/>
               </a:ext>
             </a:extLst>
           </p:cNvPr>
@@ -18528,8 +18519,8 @@
         </p:nvSpPr>
         <p:spPr>
           <a:xfrm>
-            <a:off x="2096260" y="1461781"/>
-            <a:ext cx="6923690" cy="369332"/>
+            <a:off x="4857135" y="1315557"/>
+            <a:ext cx="5121915" cy="1815882"/>
           </a:xfrm>
           <a:prstGeom prst="rect">
             <a:avLst/>
@@ -18543,8 +18534,55 @@
           <a:lstStyle/>
           <a:p>
             <a:r>
-              <a:rPr lang="fr-FR" dirty="0"/>
-              <a:t>Récupération des information sur le serveur et le system hôte</a:t>
+              <a:rPr lang="fr-FR" sz="1400" dirty="0"/>
+              <a:t>Si l’utilisateur ne connait pas les possibilité du serveur,</a:t>
+            </a:r>
+          </a:p>
+          <a:p>
+            <a:r>
+              <a:rPr lang="fr-FR" sz="1400" dirty="0"/>
+              <a:t>La connexion sur </a:t>
+            </a:r>
+            <a:r>
+              <a:rPr lang="fr-FR" sz="1400" dirty="0" err="1"/>
+              <a:t>l’ip</a:t>
+            </a:r>
+            <a:r>
+              <a:rPr lang="fr-FR" sz="1400" dirty="0"/>
+              <a:t> du serveur donne une page d’aide </a:t>
+            </a:r>
+          </a:p>
+          <a:p>
+            <a:r>
+              <a:rPr lang="fr-FR" sz="1400" dirty="0"/>
+              <a:t>Qui donne des explications sur le but du serveur </a:t>
+            </a:r>
+          </a:p>
+          <a:p>
+            <a:r>
+              <a:rPr lang="fr-FR" sz="1400" dirty="0"/>
+              <a:t>et les services disponible.</a:t>
+            </a:r>
+          </a:p>
+          <a:p>
+            <a:endParaRPr lang="fr-FR" sz="1400" dirty="0"/>
+          </a:p>
+          <a:p>
+            <a:r>
+              <a:rPr lang="fr-FR" sz="1400" dirty="0"/>
+              <a:t>Seulement écrit en anglais.</a:t>
+            </a:r>
+          </a:p>
+          <a:p>
+            <a:r>
+              <a:rPr lang="fr-FR" sz="1400" dirty="0"/>
+              <a:t>Une piste d’amélioration serait de pouvoir </a:t>
+            </a:r>
+          </a:p>
+          <a:p>
+            <a:r>
+              <a:rPr lang="fr-FR" sz="1400" dirty="0"/>
+              <a:t>proposer d’autres langues</a:t>
             </a:r>
           </a:p>
         </p:txBody>
@@ -18552,7 +18590,7 @@
     </p:spTree>
     <p:extLst>
       <p:ext uri="{BB962C8B-B14F-4D97-AF65-F5344CB8AC3E}">
-        <p14:creationId xmlns:p14="http://schemas.microsoft.com/office/powerpoint/2010/main" val="3486339967"/>
+        <p14:creationId xmlns:p14="http://schemas.microsoft.com/office/powerpoint/2010/main" val="3657963763"/>
       </p:ext>
     </p:extLst>
   </p:cSld>
@@ -18613,13 +18651,13 @@
             </a:r>
             <a:r>
               <a:rPr lang="fr-FR" sz="2200" dirty="0"/>
-              <a:t>) Résultat de la requête « mesure » : </a:t>
+              <a:t>) Résultat de la requête « infos » : </a:t>
             </a:r>
             <a:r>
               <a:rPr lang="fr-FR" sz="2200" dirty="0">
                 <a:hlinkClick r:id="rId2"/>
               </a:rPr>
-              <a:t>http://78.199.78.207:48001/sensor</a:t>
+              <a:t>http://78.199.78.207:48001/infos</a:t>
             </a:r>
             <a:endParaRPr lang="fr-FR" sz="2000" dirty="0"/>
           </a:p>
@@ -18660,7 +18698,7 @@
           <p:cNvPr id="5" name="Image 4">
             <a:extLst>
               <a:ext uri="{FF2B5EF4-FFF2-40B4-BE49-F238E27FC236}">
-                <a16:creationId xmlns:a16="http://schemas.microsoft.com/office/drawing/2014/main" id="{B9D26BDE-5E08-4DF9-8CCE-1471B3BA54E4}"/>
+                <a16:creationId xmlns:a16="http://schemas.microsoft.com/office/drawing/2014/main" id="{6BA78115-F0F1-4967-88AE-4B642F51CF29}"/>
               </a:ext>
             </a:extLst>
           </p:cNvPr>
@@ -18677,8 +18715,8 @@
         </p:blipFill>
         <p:spPr>
           <a:xfrm>
-            <a:off x="2451037" y="2093892"/>
-            <a:ext cx="6252279" cy="3427454"/>
+            <a:off x="2279158" y="2023219"/>
+            <a:ext cx="6424158" cy="4011821"/>
           </a:xfrm>
           <a:prstGeom prst="rect">
             <a:avLst/>
@@ -18690,7 +18728,7 @@
           <p:cNvPr id="7" name="ZoneTexte 6">
             <a:extLst>
               <a:ext uri="{FF2B5EF4-FFF2-40B4-BE49-F238E27FC236}">
-                <a16:creationId xmlns:a16="http://schemas.microsoft.com/office/drawing/2014/main" id="{457DB84A-4E35-4102-A7CE-A21BA60816C4}"/>
+                <a16:creationId xmlns:a16="http://schemas.microsoft.com/office/drawing/2014/main" id="{E07BF723-B5D5-4416-842C-66874E9E3EFB}"/>
               </a:ext>
             </a:extLst>
           </p:cNvPr>
@@ -18699,8 +18737,8 @@
         </p:nvSpPr>
         <p:spPr>
           <a:xfrm>
-            <a:off x="2633101" y="1598704"/>
-            <a:ext cx="5888150" cy="369332"/>
+            <a:off x="2096260" y="1461781"/>
+            <a:ext cx="6923690" cy="369332"/>
           </a:xfrm>
           <a:prstGeom prst="rect">
             <a:avLst/>
@@ -18715,7 +18753,7 @@
           <a:p>
             <a:r>
               <a:rPr lang="fr-FR" dirty="0"/>
-              <a:t>Déclenchement d’une mesure du capteur BME280</a:t>
+              <a:t>Récupération des information sur le serveur et le system hôte</a:t>
             </a:r>
           </a:p>
         </p:txBody>
@@ -18723,7 +18761,7 @@
     </p:spTree>
     <p:extLst>
       <p:ext uri="{BB962C8B-B14F-4D97-AF65-F5344CB8AC3E}">
-        <p14:creationId xmlns:p14="http://schemas.microsoft.com/office/powerpoint/2010/main" val="3765237782"/>
+        <p14:creationId xmlns:p14="http://schemas.microsoft.com/office/powerpoint/2010/main" val="3486339967"/>
       </p:ext>
     </p:extLst>
   </p:cSld>
@@ -18774,7 +18812,7 @@
         </p:spPr>
         <p:txBody>
           <a:bodyPr>
-            <a:normAutofit fontScale="90000"/>
+            <a:normAutofit/>
           </a:bodyPr>
           <a:lstStyle/>
           <a:p>
@@ -18784,17 +18822,14 @@
             </a:r>
             <a:r>
               <a:rPr lang="fr-FR" sz="2200" dirty="0"/>
-              <a:t>) Résultat de la requête « historique des 12 dernières mesures » : 	</a:t>
+              <a:t>) Résultat de la requête « mesure » : </a:t>
             </a:r>
             <a:r>
               <a:rPr lang="fr-FR" sz="2200" dirty="0">
                 <a:hlinkClick r:id="rId2"/>
               </a:rPr>
-              <a:t>http://78.199.78.207:48001/history:12</a:t>
-            </a:r>
-            <a:br>
-              <a:rPr lang="fr-FR" sz="1800" dirty="0"/>
-            </a:br>
+              <a:t>http://78.199.78.207:48001/sensor</a:t>
+            </a:r>
             <a:endParaRPr lang="fr-FR" sz="2000" dirty="0"/>
           </a:p>
         </p:txBody>
@@ -18834,7 +18869,7 @@
           <p:cNvPr id="5" name="Image 4">
             <a:extLst>
               <a:ext uri="{FF2B5EF4-FFF2-40B4-BE49-F238E27FC236}">
-                <a16:creationId xmlns:a16="http://schemas.microsoft.com/office/drawing/2014/main" id="{451D6ED5-1EDF-4B47-8C7E-7EEA2A82185B}"/>
+                <a16:creationId xmlns:a16="http://schemas.microsoft.com/office/drawing/2014/main" id="{B9D26BDE-5E08-4DF9-8CCE-1471B3BA54E4}"/>
               </a:ext>
             </a:extLst>
           </p:cNvPr>
@@ -18851,80 +18886,20 @@
         </p:blipFill>
         <p:spPr>
           <a:xfrm>
-            <a:off x="666296" y="2210179"/>
-            <a:ext cx="2520857" cy="4184722"/>
+            <a:off x="2451037" y="2093892"/>
+            <a:ext cx="6252279" cy="3427454"/>
           </a:xfrm>
           <a:prstGeom prst="rect">
             <a:avLst/>
           </a:prstGeom>
         </p:spPr>
       </p:pic>
-      <p:pic>
-        <p:nvPicPr>
-          <p:cNvPr id="8" name="Image 7">
-            <a:extLst>
-              <a:ext uri="{FF2B5EF4-FFF2-40B4-BE49-F238E27FC236}">
-                <a16:creationId xmlns:a16="http://schemas.microsoft.com/office/drawing/2014/main" id="{9B0AAF31-6401-4DEC-B2EF-768C227F4197}"/>
-              </a:ext>
-            </a:extLst>
-          </p:cNvPr>
-          <p:cNvPicPr>
-            <a:picLocks noChangeAspect="1"/>
-          </p:cNvPicPr>
-          <p:nvPr/>
-        </p:nvPicPr>
-        <p:blipFill>
-          <a:blip r:embed="rId4"/>
-          <a:stretch>
-            <a:fillRect/>
-          </a:stretch>
-        </p:blipFill>
-        <p:spPr>
-          <a:xfrm>
-            <a:off x="8170606" y="2642238"/>
-            <a:ext cx="3063437" cy="3709055"/>
-          </a:xfrm>
-          <a:prstGeom prst="rect">
-            <a:avLst/>
-          </a:prstGeom>
-        </p:spPr>
-      </p:pic>
-      <p:pic>
-        <p:nvPicPr>
-          <p:cNvPr id="10" name="Image 9">
-            <a:extLst>
-              <a:ext uri="{FF2B5EF4-FFF2-40B4-BE49-F238E27FC236}">
-                <a16:creationId xmlns:a16="http://schemas.microsoft.com/office/drawing/2014/main" id="{BCF7F367-011D-4785-AD3B-E5846130A12D}"/>
-              </a:ext>
-            </a:extLst>
-          </p:cNvPr>
-          <p:cNvPicPr>
-            <a:picLocks noChangeAspect="1"/>
-          </p:cNvPicPr>
-          <p:nvPr/>
-        </p:nvPicPr>
-        <p:blipFill>
-          <a:blip r:embed="rId5"/>
-          <a:stretch>
-            <a:fillRect/>
-          </a:stretch>
-        </p:blipFill>
-        <p:spPr>
-          <a:xfrm>
-            <a:off x="3474128" y="2611335"/>
-            <a:ext cx="3864553" cy="2437641"/>
-          </a:xfrm>
-          <a:prstGeom prst="rect">
-            <a:avLst/>
-          </a:prstGeom>
-        </p:spPr>
-      </p:pic>
-      <p:sp>
-        <p:nvSpPr>
-          <p:cNvPr id="11" name="ZoneTexte 10">
-            <a:extLst>
-              <a:ext uri="{FF2B5EF4-FFF2-40B4-BE49-F238E27FC236}">
-                <a16:creationId xmlns:a16="http://schemas.microsoft.com/office/drawing/2014/main" id="{63C1B8A5-25F8-4D33-BB55-B947DF42B0D1}"/>
+      <p:sp>
+        <p:nvSpPr>
+          <p:cNvPr id="7" name="ZoneTexte 6">
+            <a:extLst>
+              <a:ext uri="{FF2B5EF4-FFF2-40B4-BE49-F238E27FC236}">
+                <a16:creationId xmlns:a16="http://schemas.microsoft.com/office/drawing/2014/main" id="{457DB84A-4E35-4102-A7CE-A21BA60816C4}"/>
               </a:ext>
             </a:extLst>
           </p:cNvPr>
@@ -18933,8 +18908,8 @@
         </p:nvSpPr>
         <p:spPr>
           <a:xfrm>
-            <a:off x="922179" y="1809900"/>
-            <a:ext cx="2015295" cy="369332"/>
+            <a:off x="2633101" y="1598704"/>
+            <a:ext cx="5888150" cy="369332"/>
           </a:xfrm>
           <a:prstGeom prst="rect">
             <a:avLst/>
@@ -18949,124 +18924,7 @@
           <a:p>
             <a:r>
               <a:rPr lang="fr-FR" dirty="0"/>
-              <a:t>Avec 12 valeurs </a:t>
-            </a:r>
-          </a:p>
-        </p:txBody>
-      </p:sp>
-      <p:sp>
-        <p:nvSpPr>
-          <p:cNvPr id="12" name="ZoneTexte 11">
-            <a:extLst>
-              <a:ext uri="{FF2B5EF4-FFF2-40B4-BE49-F238E27FC236}">
-                <a16:creationId xmlns:a16="http://schemas.microsoft.com/office/drawing/2014/main" id="{716299F9-494B-4C9A-A310-36860F8CAFF4}"/>
-              </a:ext>
-            </a:extLst>
-          </p:cNvPr>
-          <p:cNvSpPr txBox="1"/>
-          <p:nvPr/>
-        </p:nvSpPr>
-        <p:spPr>
-          <a:xfrm>
-            <a:off x="4298570" y="1856066"/>
-            <a:ext cx="2215671" cy="646331"/>
-          </a:xfrm>
-          <a:prstGeom prst="rect">
-            <a:avLst/>
-          </a:prstGeom>
-          <a:noFill/>
-        </p:spPr>
-        <p:txBody>
-          <a:bodyPr wrap="none" rtlCol="0">
-            <a:spAutoFit/>
-          </a:bodyPr>
-          <a:lstStyle/>
-          <a:p>
-            <a:r>
-              <a:rPr lang="fr-FR" dirty="0"/>
-              <a:t>Avec 12 valeurs </a:t>
-            </a:r>
-          </a:p>
-          <a:p>
-            <a:r>
-              <a:rPr lang="fr-FR" dirty="0"/>
-              <a:t>en affichage brut </a:t>
-            </a:r>
-          </a:p>
-        </p:txBody>
-      </p:sp>
-      <p:sp>
-        <p:nvSpPr>
-          <p:cNvPr id="14" name="ZoneTexte 13">
-            <a:extLst>
-              <a:ext uri="{FF2B5EF4-FFF2-40B4-BE49-F238E27FC236}">
-                <a16:creationId xmlns:a16="http://schemas.microsoft.com/office/drawing/2014/main" id="{64B01816-49C3-4FEF-8E9D-26DC2108588F}"/>
-              </a:ext>
-            </a:extLst>
-          </p:cNvPr>
-          <p:cNvSpPr txBox="1"/>
-          <p:nvPr/>
-        </p:nvSpPr>
-        <p:spPr>
-          <a:xfrm>
-            <a:off x="8478190" y="1887013"/>
-            <a:ext cx="6095028" cy="646331"/>
-          </a:xfrm>
-          <a:prstGeom prst="rect">
-            <a:avLst/>
-          </a:prstGeom>
-          <a:noFill/>
-        </p:spPr>
-        <p:txBody>
-          <a:bodyPr wrap="square">
-            <a:spAutoFit/>
-          </a:bodyPr>
-          <a:lstStyle/>
-          <a:p>
-            <a:r>
-              <a:rPr lang="fr-FR" dirty="0"/>
-              <a:t>Avec 30 valeurs </a:t>
-            </a:r>
-          </a:p>
-          <a:p>
-            <a:r>
-              <a:rPr lang="fr-FR" dirty="0"/>
-              <a:t>en affichage brut </a:t>
-            </a:r>
-          </a:p>
-        </p:txBody>
-      </p:sp>
-      <p:sp>
-        <p:nvSpPr>
-          <p:cNvPr id="15" name="ZoneTexte 14">
-            <a:extLst>
-              <a:ext uri="{FF2B5EF4-FFF2-40B4-BE49-F238E27FC236}">
-                <a16:creationId xmlns:a16="http://schemas.microsoft.com/office/drawing/2014/main" id="{656944A9-8AB8-44A4-8CC0-C405ACBE94C4}"/>
-              </a:ext>
-            </a:extLst>
-          </p:cNvPr>
-          <p:cNvSpPr txBox="1"/>
-          <p:nvPr/>
-        </p:nvSpPr>
-        <p:spPr>
-          <a:xfrm>
-            <a:off x="1770136" y="1258888"/>
-            <a:ext cx="8651727" cy="369332"/>
-          </a:xfrm>
-          <a:prstGeom prst="rect">
-            <a:avLst/>
-          </a:prstGeom>
-          <a:noFill/>
-        </p:spPr>
-        <p:txBody>
-          <a:bodyPr wrap="none" rtlCol="0">
-            <a:spAutoFit/>
-          </a:bodyPr>
-          <a:lstStyle/>
-          <a:p>
-            <a:r>
-              <a:rPr lang="fr-FR" dirty="0"/>
-              <a:t>Récupération de l’historique des X dernières mesures faites toutes les heures</a:t>
+              <a:t>Déclenchement d’une mesure du capteur BME280</a:t>
             </a:r>
           </a:p>
         </p:txBody>
@@ -19074,7 +18932,7 @@
     </p:spTree>
     <p:extLst>
       <p:ext uri="{BB962C8B-B14F-4D97-AF65-F5344CB8AC3E}">
-        <p14:creationId xmlns:p14="http://schemas.microsoft.com/office/powerpoint/2010/main" val="3950508307"/>
+        <p14:creationId xmlns:p14="http://schemas.microsoft.com/office/powerpoint/2010/main" val="3765237782"/>
       </p:ext>
     </p:extLst>
   </p:cSld>
@@ -19106,7 +18964,7 @@
           <p:cNvPr id="2" name="Titre 1">
             <a:extLst>
               <a:ext uri="{FF2B5EF4-FFF2-40B4-BE49-F238E27FC236}">
-                <a16:creationId xmlns:a16="http://schemas.microsoft.com/office/drawing/2014/main" id="{EA53D9FC-3044-40B7-A8EB-EAB80F26D6FE}"/>
+                <a16:creationId xmlns:a16="http://schemas.microsoft.com/office/drawing/2014/main" id="{AC243CA6-3E7C-430A-930C-EAE90E84A641}"/>
               </a:ext>
             </a:extLst>
           </p:cNvPr>
@@ -19117,50 +18975,36 @@
             <p:ph type="title"/>
           </p:nvPr>
         </p:nvSpPr>
-        <p:spPr/>
+        <p:spPr>
+          <a:xfrm>
+            <a:off x="1066800" y="642594"/>
+            <a:ext cx="10058400" cy="627082"/>
+          </a:xfrm>
+        </p:spPr>
         <p:txBody>
           <a:bodyPr>
-            <a:normAutofit/>
+            <a:normAutofit fontScale="90000"/>
           </a:bodyPr>
           <a:lstStyle/>
           <a:p>
             <a:r>
-              <a:rPr lang="fr-FR" dirty="0"/>
-              <a:t>Conception </a:t>
-            </a:r>
-            <a:r>
-              <a:rPr lang="fr-FR" dirty="0" err="1"/>
-              <a:t>dU</a:t>
-            </a:r>
-            <a:r>
-              <a:rPr lang="fr-FR" dirty="0"/>
-              <a:t> Client</a:t>
-            </a:r>
-          </a:p>
-        </p:txBody>
-      </p:sp>
-      <p:sp>
-        <p:nvSpPr>
-          <p:cNvPr id="7" name="Espace réservé du texte 6">
-            <a:extLst>
-              <a:ext uri="{FF2B5EF4-FFF2-40B4-BE49-F238E27FC236}">
-                <a16:creationId xmlns:a16="http://schemas.microsoft.com/office/drawing/2014/main" id="{20C697DF-1E44-4814-A10D-46B212D46301}"/>
-              </a:ext>
-            </a:extLst>
-          </p:cNvPr>
-          <p:cNvSpPr>
-            <a:spLocks noGrp="1"/>
-          </p:cNvSpPr>
-          <p:nvPr>
-            <p:ph type="body" idx="1"/>
-          </p:nvPr>
-        </p:nvSpPr>
-        <p:spPr/>
-        <p:txBody>
-          <a:bodyPr/>
-          <a:lstStyle/>
-          <a:p>
-            <a:endParaRPr lang="fr-FR" dirty="0"/>
+              <a:rPr lang="fr-FR" sz="2000" dirty="0"/>
+              <a:t>4.1</a:t>
+            </a:r>
+            <a:r>
+              <a:rPr lang="fr-FR" sz="2200" dirty="0"/>
+              <a:t>) Résultat de la requête « historique des 12 dernières mesures » : 	</a:t>
+            </a:r>
+            <a:r>
+              <a:rPr lang="fr-FR" sz="2200" dirty="0">
+                <a:hlinkClick r:id="rId2"/>
+              </a:rPr>
+              <a:t>http://78.199.78.207:48001/history:12</a:t>
+            </a:r>
+            <a:br>
+              <a:rPr lang="fr-FR" sz="1800" dirty="0"/>
+            </a:br>
+            <a:endParaRPr lang="fr-FR" sz="2000" dirty="0"/>
           </a:p>
         </p:txBody>
       </p:sp>
@@ -19169,7 +19013,7 @@
           <p:cNvPr id="4" name="Espace réservé de la date 3">
             <a:extLst>
               <a:ext uri="{FF2B5EF4-FFF2-40B4-BE49-F238E27FC236}">
-                <a16:creationId xmlns:a16="http://schemas.microsoft.com/office/drawing/2014/main" id="{60BDC591-8D09-4D49-88A2-408CD1604F69}"/>
+                <a16:creationId xmlns:a16="http://schemas.microsoft.com/office/drawing/2014/main" id="{A63239B3-03E2-4871-83D9-61381DBCC3A4}"/>
               </a:ext>
             </a:extLst>
           </p:cNvPr>
@@ -19194,10 +19038,252 @@
           </a:p>
         </p:txBody>
       </p:sp>
+      <p:pic>
+        <p:nvPicPr>
+          <p:cNvPr id="5" name="Image 4">
+            <a:extLst>
+              <a:ext uri="{FF2B5EF4-FFF2-40B4-BE49-F238E27FC236}">
+                <a16:creationId xmlns:a16="http://schemas.microsoft.com/office/drawing/2014/main" id="{451D6ED5-1EDF-4B47-8C7E-7EEA2A82185B}"/>
+              </a:ext>
+            </a:extLst>
+          </p:cNvPr>
+          <p:cNvPicPr>
+            <a:picLocks noChangeAspect="1"/>
+          </p:cNvPicPr>
+          <p:nvPr/>
+        </p:nvPicPr>
+        <p:blipFill>
+          <a:blip r:embed="rId3"/>
+          <a:stretch>
+            <a:fillRect/>
+          </a:stretch>
+        </p:blipFill>
+        <p:spPr>
+          <a:xfrm>
+            <a:off x="666296" y="2210179"/>
+            <a:ext cx="2520857" cy="4184722"/>
+          </a:xfrm>
+          <a:prstGeom prst="rect">
+            <a:avLst/>
+          </a:prstGeom>
+        </p:spPr>
+      </p:pic>
+      <p:pic>
+        <p:nvPicPr>
+          <p:cNvPr id="8" name="Image 7">
+            <a:extLst>
+              <a:ext uri="{FF2B5EF4-FFF2-40B4-BE49-F238E27FC236}">
+                <a16:creationId xmlns:a16="http://schemas.microsoft.com/office/drawing/2014/main" id="{9B0AAF31-6401-4DEC-B2EF-768C227F4197}"/>
+              </a:ext>
+            </a:extLst>
+          </p:cNvPr>
+          <p:cNvPicPr>
+            <a:picLocks noChangeAspect="1"/>
+          </p:cNvPicPr>
+          <p:nvPr/>
+        </p:nvPicPr>
+        <p:blipFill>
+          <a:blip r:embed="rId4"/>
+          <a:stretch>
+            <a:fillRect/>
+          </a:stretch>
+        </p:blipFill>
+        <p:spPr>
+          <a:xfrm>
+            <a:off x="8170606" y="2642238"/>
+            <a:ext cx="3063437" cy="3709055"/>
+          </a:xfrm>
+          <a:prstGeom prst="rect">
+            <a:avLst/>
+          </a:prstGeom>
+        </p:spPr>
+      </p:pic>
+      <p:pic>
+        <p:nvPicPr>
+          <p:cNvPr id="10" name="Image 9">
+            <a:extLst>
+              <a:ext uri="{FF2B5EF4-FFF2-40B4-BE49-F238E27FC236}">
+                <a16:creationId xmlns:a16="http://schemas.microsoft.com/office/drawing/2014/main" id="{BCF7F367-011D-4785-AD3B-E5846130A12D}"/>
+              </a:ext>
+            </a:extLst>
+          </p:cNvPr>
+          <p:cNvPicPr>
+            <a:picLocks noChangeAspect="1"/>
+          </p:cNvPicPr>
+          <p:nvPr/>
+        </p:nvPicPr>
+        <p:blipFill>
+          <a:blip r:embed="rId5"/>
+          <a:stretch>
+            <a:fillRect/>
+          </a:stretch>
+        </p:blipFill>
+        <p:spPr>
+          <a:xfrm>
+            <a:off x="3474128" y="2611335"/>
+            <a:ext cx="3864553" cy="2437641"/>
+          </a:xfrm>
+          <a:prstGeom prst="rect">
+            <a:avLst/>
+          </a:prstGeom>
+        </p:spPr>
+      </p:pic>
+      <p:sp>
+        <p:nvSpPr>
+          <p:cNvPr id="11" name="ZoneTexte 10">
+            <a:extLst>
+              <a:ext uri="{FF2B5EF4-FFF2-40B4-BE49-F238E27FC236}">
+                <a16:creationId xmlns:a16="http://schemas.microsoft.com/office/drawing/2014/main" id="{63C1B8A5-25F8-4D33-BB55-B947DF42B0D1}"/>
+              </a:ext>
+            </a:extLst>
+          </p:cNvPr>
+          <p:cNvSpPr txBox="1"/>
+          <p:nvPr/>
+        </p:nvSpPr>
+        <p:spPr>
+          <a:xfrm>
+            <a:off x="922179" y="1809900"/>
+            <a:ext cx="2015295" cy="369332"/>
+          </a:xfrm>
+          <a:prstGeom prst="rect">
+            <a:avLst/>
+          </a:prstGeom>
+          <a:noFill/>
+        </p:spPr>
+        <p:txBody>
+          <a:bodyPr wrap="none" rtlCol="0">
+            <a:spAutoFit/>
+          </a:bodyPr>
+          <a:lstStyle/>
+          <a:p>
+            <a:r>
+              <a:rPr lang="fr-FR" dirty="0"/>
+              <a:t>Avec 12 valeurs </a:t>
+            </a:r>
+          </a:p>
+        </p:txBody>
+      </p:sp>
+      <p:sp>
+        <p:nvSpPr>
+          <p:cNvPr id="12" name="ZoneTexte 11">
+            <a:extLst>
+              <a:ext uri="{FF2B5EF4-FFF2-40B4-BE49-F238E27FC236}">
+                <a16:creationId xmlns:a16="http://schemas.microsoft.com/office/drawing/2014/main" id="{716299F9-494B-4C9A-A310-36860F8CAFF4}"/>
+              </a:ext>
+            </a:extLst>
+          </p:cNvPr>
+          <p:cNvSpPr txBox="1"/>
+          <p:nvPr/>
+        </p:nvSpPr>
+        <p:spPr>
+          <a:xfrm>
+            <a:off x="4298570" y="1856066"/>
+            <a:ext cx="2215671" cy="646331"/>
+          </a:xfrm>
+          <a:prstGeom prst="rect">
+            <a:avLst/>
+          </a:prstGeom>
+          <a:noFill/>
+        </p:spPr>
+        <p:txBody>
+          <a:bodyPr wrap="none" rtlCol="0">
+            <a:spAutoFit/>
+          </a:bodyPr>
+          <a:lstStyle/>
+          <a:p>
+            <a:r>
+              <a:rPr lang="fr-FR" dirty="0"/>
+              <a:t>Avec 12 valeurs </a:t>
+            </a:r>
+          </a:p>
+          <a:p>
+            <a:r>
+              <a:rPr lang="fr-FR" dirty="0"/>
+              <a:t>en affichage brut </a:t>
+            </a:r>
+          </a:p>
+        </p:txBody>
+      </p:sp>
+      <p:sp>
+        <p:nvSpPr>
+          <p:cNvPr id="14" name="ZoneTexte 13">
+            <a:extLst>
+              <a:ext uri="{FF2B5EF4-FFF2-40B4-BE49-F238E27FC236}">
+                <a16:creationId xmlns:a16="http://schemas.microsoft.com/office/drawing/2014/main" id="{64B01816-49C3-4FEF-8E9D-26DC2108588F}"/>
+              </a:ext>
+            </a:extLst>
+          </p:cNvPr>
+          <p:cNvSpPr txBox="1"/>
+          <p:nvPr/>
+        </p:nvSpPr>
+        <p:spPr>
+          <a:xfrm>
+            <a:off x="8478190" y="1887013"/>
+            <a:ext cx="6095028" cy="646331"/>
+          </a:xfrm>
+          <a:prstGeom prst="rect">
+            <a:avLst/>
+          </a:prstGeom>
+          <a:noFill/>
+        </p:spPr>
+        <p:txBody>
+          <a:bodyPr wrap="square">
+            <a:spAutoFit/>
+          </a:bodyPr>
+          <a:lstStyle/>
+          <a:p>
+            <a:r>
+              <a:rPr lang="fr-FR" dirty="0"/>
+              <a:t>Avec 30 valeurs </a:t>
+            </a:r>
+          </a:p>
+          <a:p>
+            <a:r>
+              <a:rPr lang="fr-FR" dirty="0"/>
+              <a:t>en affichage brut </a:t>
+            </a:r>
+          </a:p>
+        </p:txBody>
+      </p:sp>
+      <p:sp>
+        <p:nvSpPr>
+          <p:cNvPr id="15" name="ZoneTexte 14">
+            <a:extLst>
+              <a:ext uri="{FF2B5EF4-FFF2-40B4-BE49-F238E27FC236}">
+                <a16:creationId xmlns:a16="http://schemas.microsoft.com/office/drawing/2014/main" id="{656944A9-8AB8-44A4-8CC0-C405ACBE94C4}"/>
+              </a:ext>
+            </a:extLst>
+          </p:cNvPr>
+          <p:cNvSpPr txBox="1"/>
+          <p:nvPr/>
+        </p:nvSpPr>
+        <p:spPr>
+          <a:xfrm>
+            <a:off x="1770136" y="1258888"/>
+            <a:ext cx="8651727" cy="369332"/>
+          </a:xfrm>
+          <a:prstGeom prst="rect">
+            <a:avLst/>
+          </a:prstGeom>
+          <a:noFill/>
+        </p:spPr>
+        <p:txBody>
+          <a:bodyPr wrap="none" rtlCol="0">
+            <a:spAutoFit/>
+          </a:bodyPr>
+          <a:lstStyle/>
+          <a:p>
+            <a:r>
+              <a:rPr lang="fr-FR" dirty="0"/>
+              <a:t>Récupération de l’historique des X dernières mesures faites toutes les heures</a:t>
+            </a:r>
+          </a:p>
+        </p:txBody>
+      </p:sp>
     </p:spTree>
     <p:extLst>
       <p:ext uri="{BB962C8B-B14F-4D97-AF65-F5344CB8AC3E}">
-        <p14:creationId xmlns:p14="http://schemas.microsoft.com/office/powerpoint/2010/main" val="4284754361"/>
+        <p14:creationId xmlns:p14="http://schemas.microsoft.com/office/powerpoint/2010/main" val="3950508307"/>
       </p:ext>
     </p:extLst>
   </p:cSld>
@@ -19496,10 +19582,10 @@
       </p:grpSpPr>
       <p:sp>
         <p:nvSpPr>
-          <p:cNvPr id="5" name="Titre 4">
-            <a:extLst>
-              <a:ext uri="{FF2B5EF4-FFF2-40B4-BE49-F238E27FC236}">
-                <a16:creationId xmlns:a16="http://schemas.microsoft.com/office/drawing/2014/main" id="{B535D397-2E1B-4C1E-A392-E2A43916D949}"/>
+          <p:cNvPr id="2" name="Titre 1">
+            <a:extLst>
+              <a:ext uri="{FF2B5EF4-FFF2-40B4-BE49-F238E27FC236}">
+                <a16:creationId xmlns:a16="http://schemas.microsoft.com/office/drawing/2014/main" id="{EA53D9FC-3044-40B7-A8EB-EAB80F26D6FE}"/>
               </a:ext>
             </a:extLst>
           </p:cNvPr>
@@ -19507,27 +19593,37 @@
             <a:spLocks noGrp="1"/>
           </p:cNvSpPr>
           <p:nvPr>
-            <p:ph type="ctrTitle"/>
+            <p:ph type="title"/>
           </p:nvPr>
         </p:nvSpPr>
         <p:spPr/>
         <p:txBody>
-          <a:bodyPr/>
-          <a:lstStyle/>
-          <a:p>
-            <a:r>
-              <a:rPr lang="fr-FR" dirty="0"/>
-              <a:t>LA FINITION</a:t>
-            </a:r>
-          </a:p>
-        </p:txBody>
-      </p:sp>
-      <p:sp>
-        <p:nvSpPr>
-          <p:cNvPr id="6" name="Sous-titre 5">
-            <a:extLst>
-              <a:ext uri="{FF2B5EF4-FFF2-40B4-BE49-F238E27FC236}">
-                <a16:creationId xmlns:a16="http://schemas.microsoft.com/office/drawing/2014/main" id="{42DF712F-84EC-48F3-B510-83E590DD97F0}"/>
+          <a:bodyPr>
+            <a:normAutofit/>
+          </a:bodyPr>
+          <a:lstStyle/>
+          <a:p>
+            <a:r>
+              <a:rPr lang="fr-FR" dirty="0"/>
+              <a:t>Conception </a:t>
+            </a:r>
+            <a:r>
+              <a:rPr lang="fr-FR" dirty="0" err="1"/>
+              <a:t>dU</a:t>
+            </a:r>
+            <a:r>
+              <a:rPr lang="fr-FR" dirty="0"/>
+              <a:t> Client</a:t>
+            </a:r>
+          </a:p>
+        </p:txBody>
+      </p:sp>
+      <p:sp>
+        <p:nvSpPr>
+          <p:cNvPr id="7" name="Espace réservé du texte 6">
+            <a:extLst>
+              <a:ext uri="{FF2B5EF4-FFF2-40B4-BE49-F238E27FC236}">
+                <a16:creationId xmlns:a16="http://schemas.microsoft.com/office/drawing/2014/main" id="{20C697DF-1E44-4814-A10D-46B212D46301}"/>
               </a:ext>
             </a:extLst>
           </p:cNvPr>
@@ -19535,7 +19631,7 @@
             <a:spLocks noGrp="1"/>
           </p:cNvSpPr>
           <p:nvPr>
-            <p:ph type="subTitle" idx="1"/>
+            <p:ph type="body" idx="1"/>
           </p:nvPr>
         </p:nvSpPr>
         <p:spPr/>
@@ -19543,10 +19639,7 @@
           <a:bodyPr/>
           <a:lstStyle/>
           <a:p>
-            <a:r>
-              <a:rPr lang="fr-FR" dirty="0"/>
-              <a:t>DESIGN / OPTIMISATION / SIMPLIFCATION</a:t>
-            </a:r>
+            <a:endParaRPr lang="fr-FR" dirty="0"/>
           </a:p>
         </p:txBody>
       </p:sp>
@@ -19555,7 +19648,7 @@
           <p:cNvPr id="4" name="Espace réservé de la date 3">
             <a:extLst>
               <a:ext uri="{FF2B5EF4-FFF2-40B4-BE49-F238E27FC236}">
-                <a16:creationId xmlns:a16="http://schemas.microsoft.com/office/drawing/2014/main" id="{030B0D3A-6441-43DC-BDBC-2E9EE16205E9}"/>
+                <a16:creationId xmlns:a16="http://schemas.microsoft.com/office/drawing/2014/main" id="{60BDC591-8D09-4D49-88A2-408CD1604F69}"/>
               </a:ext>
             </a:extLst>
           </p:cNvPr>
@@ -19583,7 +19676,7 @@
     </p:spTree>
     <p:extLst>
       <p:ext uri="{BB962C8B-B14F-4D97-AF65-F5344CB8AC3E}">
-        <p14:creationId xmlns:p14="http://schemas.microsoft.com/office/powerpoint/2010/main" val="1130815813"/>
+        <p14:creationId xmlns:p14="http://schemas.microsoft.com/office/powerpoint/2010/main" val="4284754361"/>
       </p:ext>
     </p:extLst>
   </p:cSld>
@@ -19633,6 +19726,122 @@
           <a:p>
             <a:r>
               <a:rPr lang="fr-FR" dirty="0"/>
+              <a:t>LA FINITION</a:t>
+            </a:r>
+          </a:p>
+        </p:txBody>
+      </p:sp>
+      <p:sp>
+        <p:nvSpPr>
+          <p:cNvPr id="6" name="Sous-titre 5">
+            <a:extLst>
+              <a:ext uri="{FF2B5EF4-FFF2-40B4-BE49-F238E27FC236}">
+                <a16:creationId xmlns:a16="http://schemas.microsoft.com/office/drawing/2014/main" id="{42DF712F-84EC-48F3-B510-83E590DD97F0}"/>
+              </a:ext>
+            </a:extLst>
+          </p:cNvPr>
+          <p:cNvSpPr>
+            <a:spLocks noGrp="1"/>
+          </p:cNvSpPr>
+          <p:nvPr>
+            <p:ph type="subTitle" idx="1"/>
+          </p:nvPr>
+        </p:nvSpPr>
+        <p:spPr/>
+        <p:txBody>
+          <a:bodyPr/>
+          <a:lstStyle/>
+          <a:p>
+            <a:r>
+              <a:rPr lang="fr-FR" dirty="0"/>
+              <a:t>DESIGN / OPTIMISATION / SIMPLIFCATION</a:t>
+            </a:r>
+          </a:p>
+        </p:txBody>
+      </p:sp>
+      <p:sp>
+        <p:nvSpPr>
+          <p:cNvPr id="4" name="Espace réservé de la date 3">
+            <a:extLst>
+              <a:ext uri="{FF2B5EF4-FFF2-40B4-BE49-F238E27FC236}">
+                <a16:creationId xmlns:a16="http://schemas.microsoft.com/office/drawing/2014/main" id="{030B0D3A-6441-43DC-BDBC-2E9EE16205E9}"/>
+              </a:ext>
+            </a:extLst>
+          </p:cNvPr>
+          <p:cNvSpPr>
+            <a:spLocks noGrp="1"/>
+          </p:cNvSpPr>
+          <p:nvPr>
+            <p:ph type="dt" sz="half" idx="10"/>
+          </p:nvPr>
+        </p:nvSpPr>
+        <p:spPr/>
+        <p:txBody>
+          <a:bodyPr/>
+          <a:lstStyle/>
+          <a:p>
+            <a:pPr rtl="0"/>
+            <a:fld id="{802FE938-1586-4780-B61A-DD3B60BAB93C}" type="datetime1">
+              <a:rPr lang="fr-FR" smtClean="0"/>
+              <a:t>22/06/2021</a:t>
+            </a:fld>
+            <a:endParaRPr lang="en-US"/>
+          </a:p>
+        </p:txBody>
+      </p:sp>
+    </p:spTree>
+    <p:extLst>
+      <p:ext uri="{BB962C8B-B14F-4D97-AF65-F5344CB8AC3E}">
+        <p14:creationId xmlns:p14="http://schemas.microsoft.com/office/powerpoint/2010/main" val="1130815813"/>
+      </p:ext>
+    </p:extLst>
+  </p:cSld>
+  <p:clrMapOvr>
+    <a:masterClrMapping/>
+  </p:clrMapOvr>
+</p:sld>
+</file>
+
+<file path=ppt/slides/slide42.xml><?xml version="1.0" encoding="utf-8"?>
+<p:sld xmlns:a="http://schemas.openxmlformats.org/drawingml/2006/main" xmlns:r="http://schemas.openxmlformats.org/officeDocument/2006/relationships" xmlns:p="http://schemas.openxmlformats.org/presentationml/2006/main">
+  <p:cSld>
+    <p:spTree>
+      <p:nvGrpSpPr>
+        <p:cNvPr id="1" name=""/>
+        <p:cNvGrpSpPr/>
+        <p:nvPr/>
+      </p:nvGrpSpPr>
+      <p:grpSpPr>
+        <a:xfrm>
+          <a:off x="0" y="0"/>
+          <a:ext cx="0" cy="0"/>
+          <a:chOff x="0" y="0"/>
+          <a:chExt cx="0" cy="0"/>
+        </a:xfrm>
+      </p:grpSpPr>
+      <p:sp>
+        <p:nvSpPr>
+          <p:cNvPr id="5" name="Titre 4">
+            <a:extLst>
+              <a:ext uri="{FF2B5EF4-FFF2-40B4-BE49-F238E27FC236}">
+                <a16:creationId xmlns:a16="http://schemas.microsoft.com/office/drawing/2014/main" id="{B535D397-2E1B-4C1E-A392-E2A43916D949}"/>
+              </a:ext>
+            </a:extLst>
+          </p:cNvPr>
+          <p:cNvSpPr>
+            <a:spLocks noGrp="1"/>
+          </p:cNvSpPr>
+          <p:nvPr>
+            <p:ph type="ctrTitle"/>
+          </p:nvPr>
+        </p:nvSpPr>
+        <p:spPr/>
+        <p:txBody>
+          <a:bodyPr/>
+          <a:lstStyle/>
+          <a:p>
+            <a:r>
+              <a:rPr lang="fr-FR" dirty="0"/>
               <a:t>DEMONSTRATION</a:t>
             </a:r>
           </a:p>
@@ -19709,7 +19918,7 @@
 </p:sld>
 </file>
 
-<file path=ppt/slides/slide42.xml><?xml version="1.0" encoding="utf-8"?>
+<file path=ppt/slides/slide43.xml><?xml version="1.0" encoding="utf-8"?>
 <p:sld xmlns:a="http://schemas.openxmlformats.org/drawingml/2006/main" xmlns:r="http://schemas.openxmlformats.org/officeDocument/2006/relationships" xmlns:p="http://schemas.openxmlformats.org/presentationml/2006/main">
   <p:cSld>
     <p:spTree>

--- a/doc/StationMeteo_Soutenance_Stephane.pptx
+++ b/doc/StationMeteo_Soutenance_Stephane.pptx
@@ -22899,8 +22899,13 @@
           <a:p>
             <a:r>
               <a:rPr lang="fr-FR" sz="2800" dirty="0"/>
-              <a:t>Fonctionnalité : Interface D’administration</a:t>
-            </a:r>
+              <a:t>Fonctionnalité : Changement de </a:t>
+            </a:r>
+            <a:r>
+              <a:rPr lang="fr-FR" sz="2800"/>
+              <a:t>l’unité des mesures</a:t>
+            </a:r>
+            <a:endParaRPr lang="fr-FR" sz="2800" dirty="0"/>
           </a:p>
         </p:txBody>
       </p:sp>

--- a/doc/StationMeteo_Soutenance_Stephane.pptx
+++ b/doc/StationMeteo_Soutenance_Stephane.pptx
@@ -5,10 +5,10 @@
     <p:sldMasterId id="2147483673" r:id="rId1"/>
   </p:sldMasterIdLst>
   <p:notesMasterIdLst>
-    <p:notesMasterId r:id="rId49"/>
+    <p:notesMasterId r:id="rId51"/>
   </p:notesMasterIdLst>
   <p:handoutMasterIdLst>
-    <p:handoutMasterId r:id="rId50"/>
+    <p:handoutMasterId r:id="rId52"/>
   </p:handoutMasterIdLst>
   <p:sldIdLst>
     <p:sldId id="257" r:id="rId2"/>
@@ -24,15 +24,15 @@
     <p:sldId id="273" r:id="rId12"/>
     <p:sldId id="277" r:id="rId13"/>
     <p:sldId id="275" r:id="rId14"/>
-    <p:sldId id="276" r:id="rId15"/>
-    <p:sldId id="299" r:id="rId16"/>
-    <p:sldId id="328" r:id="rId17"/>
-    <p:sldId id="280" r:id="rId18"/>
-    <p:sldId id="281" r:id="rId19"/>
-    <p:sldId id="283" r:id="rId20"/>
-    <p:sldId id="267" r:id="rId21"/>
-    <p:sldId id="301" r:id="rId22"/>
-    <p:sldId id="321" r:id="rId23"/>
+    <p:sldId id="299" r:id="rId15"/>
+    <p:sldId id="328" r:id="rId16"/>
+    <p:sldId id="280" r:id="rId17"/>
+    <p:sldId id="281" r:id="rId18"/>
+    <p:sldId id="276" r:id="rId19"/>
+    <p:sldId id="267" r:id="rId20"/>
+    <p:sldId id="301" r:id="rId21"/>
+    <p:sldId id="321" r:id="rId22"/>
+    <p:sldId id="339" r:id="rId23"/>
     <p:sldId id="307" r:id="rId24"/>
     <p:sldId id="322" r:id="rId25"/>
     <p:sldId id="302" r:id="rId26"/>
@@ -50,14 +50,16 @@
     <p:sldId id="337" r:id="rId38"/>
     <p:sldId id="325" r:id="rId39"/>
     <p:sldId id="323" r:id="rId40"/>
-    <p:sldId id="309" r:id="rId41"/>
-    <p:sldId id="310" r:id="rId42"/>
-    <p:sldId id="308" r:id="rId43"/>
-    <p:sldId id="326" r:id="rId44"/>
-    <p:sldId id="324" r:id="rId45"/>
-    <p:sldId id="270" r:id="rId46"/>
-    <p:sldId id="327" r:id="rId47"/>
-    <p:sldId id="271" r:id="rId48"/>
+    <p:sldId id="340" r:id="rId41"/>
+    <p:sldId id="309" r:id="rId42"/>
+    <p:sldId id="310" r:id="rId43"/>
+    <p:sldId id="308" r:id="rId44"/>
+    <p:sldId id="326" r:id="rId45"/>
+    <p:sldId id="324" r:id="rId46"/>
+    <p:sldId id="270" r:id="rId47"/>
+    <p:sldId id="327" r:id="rId48"/>
+    <p:sldId id="341" r:id="rId49"/>
+    <p:sldId id="271" r:id="rId50"/>
   </p:sldIdLst>
   <p:sldSz cx="12192000" cy="6858000"/>
   <p:notesSz cx="6858000" cy="9144000"/>
@@ -174,15 +176,15 @@
             <p14:sldId id="273"/>
             <p14:sldId id="277"/>
             <p14:sldId id="275"/>
-            <p14:sldId id="276"/>
             <p14:sldId id="299"/>
             <p14:sldId id="328"/>
             <p14:sldId id="280"/>
             <p14:sldId id="281"/>
-            <p14:sldId id="283"/>
+            <p14:sldId id="276"/>
             <p14:sldId id="267"/>
             <p14:sldId id="301"/>
             <p14:sldId id="321"/>
+            <p14:sldId id="339"/>
             <p14:sldId id="307"/>
             <p14:sldId id="322"/>
             <p14:sldId id="302"/>
@@ -200,6 +202,7 @@
             <p14:sldId id="337"/>
             <p14:sldId id="325"/>
             <p14:sldId id="323"/>
+            <p14:sldId id="340"/>
             <p14:sldId id="309"/>
             <p14:sldId id="310"/>
             <p14:sldId id="308"/>
@@ -207,6 +210,7 @@
             <p14:sldId id="324"/>
             <p14:sldId id="270"/>
             <p14:sldId id="327"/>
+            <p14:sldId id="341"/>
             <p14:sldId id="271"/>
           </p14:sldIdLst>
         </p14:section>
@@ -1384,7 +1388,7 @@
             <a:pPr rtl="0"/>
             <a:fld id="{37A705E3-E620-489D-9973-6221209A4B3B}" type="slidenum">
               <a:rPr lang="en-US" smtClean="0"/>
-              <a:t>14</a:t>
+              <a:t>16</a:t>
             </a:fld>
             <a:endParaRPr lang="en-US"/>
           </a:p>
@@ -1393,7 +1397,7 @@
     </p:spTree>
     <p:extLst>
       <p:ext uri="{BB962C8B-B14F-4D97-AF65-F5344CB8AC3E}">
-        <p14:creationId xmlns:p14="http://schemas.microsoft.com/office/powerpoint/2010/main" val="2839574831"/>
+        <p14:creationId xmlns:p14="http://schemas.microsoft.com/office/powerpoint/2010/main" val="2256315253"/>
       </p:ext>
     </p:extLst>
   </p:cSld>
@@ -1502,7 +1506,7 @@
     </p:spTree>
     <p:extLst>
       <p:ext uri="{BB962C8B-B14F-4D97-AF65-F5344CB8AC3E}">
-        <p14:creationId xmlns:p14="http://schemas.microsoft.com/office/powerpoint/2010/main" val="2256315253"/>
+        <p14:creationId xmlns:p14="http://schemas.microsoft.com/office/powerpoint/2010/main" val="2142878722"/>
       </p:ext>
     </p:extLst>
   </p:cSld>
@@ -1611,7 +1615,7 @@
     </p:spTree>
     <p:extLst>
       <p:ext uri="{BB962C8B-B14F-4D97-AF65-F5344CB8AC3E}">
-        <p14:creationId xmlns:p14="http://schemas.microsoft.com/office/powerpoint/2010/main" val="2142878722"/>
+        <p14:creationId xmlns:p14="http://schemas.microsoft.com/office/powerpoint/2010/main" val="2839574831"/>
       </p:ext>
     </p:extLst>
   </p:cSld>
@@ -1711,7 +1715,7 @@
             <a:pPr rtl="0"/>
             <a:fld id="{37A705E3-E620-489D-9973-6221209A4B3B}" type="slidenum">
               <a:rPr lang="en-US" smtClean="0"/>
-              <a:t>22</a:t>
+              <a:t>21</a:t>
             </a:fld>
             <a:endParaRPr lang="en-US"/>
           </a:p>
@@ -2448,55 +2452,7 @@
           <a:bodyPr/>
           <a:lstStyle/>
           <a:p>
-            <a:r>
-              <a:rPr lang="fr-FR" dirty="0"/>
-              <a:t>Pour effectuer la traduction, nous avons utilisé </a:t>
-            </a:r>
-            <a:r>
-              <a:rPr lang="fr-FR" dirty="0" err="1"/>
-              <a:t>QtLinguist</a:t>
-            </a:r>
-            <a:r>
-              <a:rPr lang="fr-FR" dirty="0"/>
-              <a:t> et ainsi que les fonctions de traductions préexistantes disponible avec le Framework Qt.</a:t>
-            </a:r>
-          </a:p>
-          <a:p>
-            <a:r>
-              <a:rPr lang="fr-FR" dirty="0"/>
-              <a:t>Concrètement, cela consiste à signaler les variable de notre code contenant du texte à afficher à l’écran. </a:t>
-            </a:r>
-          </a:p>
-          <a:p>
             <a:endParaRPr lang="fr-FR" dirty="0"/>
-          </a:p>
-          <a:p>
-            <a:r>
-              <a:rPr lang="fr-FR" dirty="0"/>
-              <a:t>Exemple à l’écran : ligne de code qui ne sera pas traduite vs ligne de code signalée et traduisible.</a:t>
-            </a:r>
-          </a:p>
-          <a:p>
-            <a:r>
-              <a:rPr lang="fr-FR" dirty="0"/>
-              <a:t>De cette </a:t>
-            </a:r>
-            <a:r>
-              <a:rPr lang="fr-FR" dirty="0" err="1"/>
-              <a:t>facon</a:t>
-            </a:r>
-            <a:r>
-              <a:rPr lang="fr-FR" dirty="0"/>
-              <a:t>, il suffit de lancer un utilitaire qui va scanner notre code et préparer un fichier de traduction que nous pourrons ensuite éditer avec </a:t>
-            </a:r>
-            <a:r>
-              <a:rPr lang="fr-FR" dirty="0" err="1"/>
-              <a:t>QTLinguist</a:t>
-            </a:r>
-            <a:r>
-              <a:rPr lang="fr-FR" dirty="0"/>
-              <a:t>.</a:t>
-            </a:r>
           </a:p>
         </p:txBody>
       </p:sp>
@@ -2551,7 +2507,7 @@
     </p:spTree>
     <p:extLst>
       <p:ext uri="{BB962C8B-B14F-4D97-AF65-F5344CB8AC3E}">
-        <p14:creationId xmlns:p14="http://schemas.microsoft.com/office/powerpoint/2010/main" val="1261564188"/>
+        <p14:creationId xmlns:p14="http://schemas.microsoft.com/office/powerpoint/2010/main" val="1055185778"/>
       </p:ext>
     </p:extLst>
   </p:cSld>
@@ -2606,18 +2562,53 @@
           <a:lstStyle/>
           <a:p>
             <a:r>
+              <a:rPr lang="fr-FR" dirty="0"/>
+              <a:t>Pour effectuer la traduction, nous avons utilisé </a:t>
+            </a:r>
+            <a:r>
               <a:rPr lang="fr-FR" dirty="0" err="1"/>
               <a:t>QtLinguist</a:t>
             </a:r>
             <a:r>
               <a:rPr lang="fr-FR" dirty="0"/>
-              <a:t> affiche donc toutes les variable à traduire que nous avons signalés. On choisit alors la variable (1) puis on entre sa traduction (2) et le logiciel nous affiche directement un aperçu dans l’application (3).</a:t>
+              <a:t> et ainsi que les fonctions de traductions préexistantes disponible avec le Framework Qt.</a:t>
             </a:r>
           </a:p>
           <a:p>
             <a:r>
               <a:rPr lang="fr-FR" dirty="0"/>
-              <a:t>En recompilant le programme, les fichiers de traductions seront mis à jour.</a:t>
+              <a:t>Concrètement, cela consiste à signaler les variable de notre code contenant du texte à afficher à l’écran. </a:t>
+            </a:r>
+          </a:p>
+          <a:p>
+            <a:endParaRPr lang="fr-FR" dirty="0"/>
+          </a:p>
+          <a:p>
+            <a:r>
+              <a:rPr lang="fr-FR" dirty="0"/>
+              <a:t>Exemple à l’écran : ligne de code qui ne sera pas traduite vs ligne de code signalée et traduisible.</a:t>
+            </a:r>
+          </a:p>
+          <a:p>
+            <a:r>
+              <a:rPr lang="fr-FR" dirty="0"/>
+              <a:t>De cette </a:t>
+            </a:r>
+            <a:r>
+              <a:rPr lang="fr-FR" dirty="0" err="1"/>
+              <a:t>facon</a:t>
+            </a:r>
+            <a:r>
+              <a:rPr lang="fr-FR" dirty="0"/>
+              <a:t>, il suffit de lancer un utilitaire qui va scanner notre code et préparer un fichier de traduction que nous pourrons ensuite éditer avec </a:t>
+            </a:r>
+            <a:r>
+              <a:rPr lang="fr-FR" dirty="0" err="1"/>
+              <a:t>QTLinguist</a:t>
+            </a:r>
+            <a:r>
+              <a:rPr lang="fr-FR" dirty="0"/>
+              <a:t>.</a:t>
             </a:r>
           </a:p>
         </p:txBody>
@@ -2673,7 +2664,7 @@
     </p:spTree>
     <p:extLst>
       <p:ext uri="{BB962C8B-B14F-4D97-AF65-F5344CB8AC3E}">
-        <p14:creationId xmlns:p14="http://schemas.microsoft.com/office/powerpoint/2010/main" val="217707285"/>
+        <p14:creationId xmlns:p14="http://schemas.microsoft.com/office/powerpoint/2010/main" val="1261564188"/>
       </p:ext>
     </p:extLst>
   </p:cSld>
@@ -2728,8 +2719,18 @@
           <a:lstStyle/>
           <a:p>
             <a:r>
+              <a:rPr lang="fr-FR" dirty="0" err="1"/>
+              <a:t>QtLinguist</a:t>
+            </a:r>
+            <a:r>
               <a:rPr lang="fr-FR" dirty="0"/>
-              <a:t>L’algorithme de notre application scanne le répertoire ou sont placé les fichiers de traductions. Il est maintenant possible de sélectionner la langue désirée de l’interface graphique et de l’appliquer.</a:t>
+              <a:t> affiche donc toutes les variable à traduire que nous avons signalés. On choisit alors la variable (1) puis on entre sa traduction (2) et le logiciel nous affiche directement un aperçu dans l’application (3).</a:t>
+            </a:r>
+          </a:p>
+          <a:p>
+            <a:r>
+              <a:rPr lang="fr-FR" dirty="0"/>
+              <a:t>En recompilant le programme, les fichiers de traductions seront mis à jour.</a:t>
             </a:r>
           </a:p>
         </p:txBody>
@@ -2777,6 +2778,118 @@
             <a:fld id="{37A705E3-E620-489D-9973-6221209A4B3B}" type="slidenum">
               <a:rPr lang="en-US" smtClean="0"/>
               <a:t>42</a:t>
+            </a:fld>
+            <a:endParaRPr lang="en-US"/>
+          </a:p>
+        </p:txBody>
+      </p:sp>
+    </p:spTree>
+    <p:extLst>
+      <p:ext uri="{BB962C8B-B14F-4D97-AF65-F5344CB8AC3E}">
+        <p14:creationId xmlns:p14="http://schemas.microsoft.com/office/powerpoint/2010/main" val="217707285"/>
+      </p:ext>
+    </p:extLst>
+  </p:cSld>
+  <p:clrMapOvr>
+    <a:masterClrMapping/>
+  </p:clrMapOvr>
+</p:notes>
+</file>
+
+<file path=ppt/notesSlides/notesSlide26.xml><?xml version="1.0" encoding="utf-8"?>
+<p:notes xmlns:a="http://schemas.openxmlformats.org/drawingml/2006/main" xmlns:r="http://schemas.openxmlformats.org/officeDocument/2006/relationships" xmlns:p="http://schemas.openxmlformats.org/presentationml/2006/main">
+  <p:cSld>
+    <p:spTree>
+      <p:nvGrpSpPr>
+        <p:cNvPr id="1" name=""/>
+        <p:cNvGrpSpPr/>
+        <p:nvPr/>
+      </p:nvGrpSpPr>
+      <p:grpSpPr>
+        <a:xfrm>
+          <a:off x="0" y="0"/>
+          <a:ext cx="0" cy="0"/>
+          <a:chOff x="0" y="0"/>
+          <a:chExt cx="0" cy="0"/>
+        </a:xfrm>
+      </p:grpSpPr>
+      <p:sp>
+        <p:nvSpPr>
+          <p:cNvPr id="2" name="Espace réservé de l'image des diapositives 1"/>
+          <p:cNvSpPr>
+            <a:spLocks noGrp="1" noRot="1" noChangeAspect="1"/>
+          </p:cNvSpPr>
+          <p:nvPr>
+            <p:ph type="sldImg"/>
+          </p:nvPr>
+        </p:nvSpPr>
+        <p:spPr/>
+      </p:sp>
+      <p:sp>
+        <p:nvSpPr>
+          <p:cNvPr id="3" name="Espace réservé des notes 2"/>
+          <p:cNvSpPr>
+            <a:spLocks noGrp="1"/>
+          </p:cNvSpPr>
+          <p:nvPr>
+            <p:ph type="body" idx="1"/>
+          </p:nvPr>
+        </p:nvSpPr>
+        <p:spPr/>
+        <p:txBody>
+          <a:bodyPr/>
+          <a:lstStyle/>
+          <a:p>
+            <a:r>
+              <a:rPr lang="fr-FR" dirty="0"/>
+              <a:t>L’algorithme de notre application scanne le répertoire ou sont placé les fichiers de traductions. Il est maintenant possible de sélectionner la langue désirée de l’interface graphique et de l’appliquer.</a:t>
+            </a:r>
+          </a:p>
+        </p:txBody>
+      </p:sp>
+      <p:sp>
+        <p:nvSpPr>
+          <p:cNvPr id="4" name="Espace réservé de la date 3"/>
+          <p:cNvSpPr>
+            <a:spLocks noGrp="1"/>
+          </p:cNvSpPr>
+          <p:nvPr>
+            <p:ph type="dt" idx="1"/>
+          </p:nvPr>
+        </p:nvSpPr>
+        <p:spPr/>
+        <p:txBody>
+          <a:bodyPr/>
+          <a:lstStyle/>
+          <a:p>
+            <a:pPr rtl="0"/>
+            <a:fld id="{139F4AB6-716B-4E95-AAD2-DB349D9AC9BA}" type="datetime1">
+              <a:rPr lang="fr-FR" smtClean="0"/>
+              <a:t>23/06/2021</a:t>
+            </a:fld>
+            <a:endParaRPr lang="en-US"/>
+          </a:p>
+        </p:txBody>
+      </p:sp>
+      <p:sp>
+        <p:nvSpPr>
+          <p:cNvPr id="5" name="Espace réservé du numéro de diapositive 4"/>
+          <p:cNvSpPr>
+            <a:spLocks noGrp="1"/>
+          </p:cNvSpPr>
+          <p:nvPr>
+            <p:ph type="sldNum" sz="quarter" idx="5"/>
+          </p:nvPr>
+        </p:nvSpPr>
+        <p:spPr/>
+        <p:txBody>
+          <a:bodyPr/>
+          <a:lstStyle/>
+          <a:p>
+            <a:pPr rtl="0"/>
+            <a:fld id="{37A705E3-E620-489D-9973-6221209A4B3B}" type="slidenum">
+              <a:rPr lang="en-US" smtClean="0"/>
+              <a:t>43</a:t>
             </a:fld>
             <a:endParaRPr lang="en-US"/>
           </a:p>
@@ -12754,451 +12867,6 @@
 </file>
 
 <file path=ppt/slides/slide14.xml><?xml version="1.0" encoding="utf-8"?>
-<p:sld xmlns:a="http://schemas.openxmlformats.org/drawingml/2006/main" xmlns:r="http://schemas.openxmlformats.org/officeDocument/2006/relationships" xmlns:p="http://schemas.openxmlformats.org/presentationml/2006/main">
-  <p:cSld>
-    <p:spTree>
-      <p:nvGrpSpPr>
-        <p:cNvPr id="1" name=""/>
-        <p:cNvGrpSpPr/>
-        <p:nvPr/>
-      </p:nvGrpSpPr>
-      <p:grpSpPr>
-        <a:xfrm>
-          <a:off x="0" y="0"/>
-          <a:ext cx="0" cy="0"/>
-          <a:chOff x="0" y="0"/>
-          <a:chExt cx="0" cy="0"/>
-        </a:xfrm>
-      </p:grpSpPr>
-      <p:sp>
-        <p:nvSpPr>
-          <p:cNvPr id="2" name="Titre 1">
-            <a:extLst>
-              <a:ext uri="{FF2B5EF4-FFF2-40B4-BE49-F238E27FC236}">
-                <a16:creationId xmlns:a16="http://schemas.microsoft.com/office/drawing/2014/main" id="{935AC4AE-8D39-4824-B880-288760677335}"/>
-              </a:ext>
-            </a:extLst>
-          </p:cNvPr>
-          <p:cNvSpPr>
-            <a:spLocks noGrp="1"/>
-          </p:cNvSpPr>
-          <p:nvPr>
-            <p:ph type="title"/>
-          </p:nvPr>
-        </p:nvSpPr>
-        <p:spPr/>
-        <p:txBody>
-          <a:bodyPr/>
-          <a:lstStyle/>
-          <a:p>
-            <a:r>
-              <a:rPr lang="fr-FR" dirty="0"/>
-              <a:t>Outils / Libraire / Framework</a:t>
-            </a:r>
-          </a:p>
-        </p:txBody>
-      </p:sp>
-      <p:sp>
-        <p:nvSpPr>
-          <p:cNvPr id="4" name="Espace réservé de la date 3">
-            <a:extLst>
-              <a:ext uri="{FF2B5EF4-FFF2-40B4-BE49-F238E27FC236}">
-                <a16:creationId xmlns:a16="http://schemas.microsoft.com/office/drawing/2014/main" id="{F4F39AB8-EF9A-4118-9E31-C04863F52C1E}"/>
-              </a:ext>
-            </a:extLst>
-          </p:cNvPr>
-          <p:cNvSpPr>
-            <a:spLocks noGrp="1"/>
-          </p:cNvSpPr>
-          <p:nvPr>
-            <p:ph type="dt" sz="half" idx="10"/>
-          </p:nvPr>
-        </p:nvSpPr>
-        <p:spPr/>
-        <p:txBody>
-          <a:bodyPr/>
-          <a:lstStyle/>
-          <a:p>
-            <a:pPr rtl="0"/>
-            <a:fld id="{802FE938-1586-4780-B61A-DD3B60BAB93C}" type="datetime1">
-              <a:rPr lang="fr-FR" smtClean="0"/>
-              <a:t>23/06/2021</a:t>
-            </a:fld>
-            <a:endParaRPr lang="en-US"/>
-          </a:p>
-        </p:txBody>
-      </p:sp>
-      <p:sp>
-        <p:nvSpPr>
-          <p:cNvPr id="5" name="ZoneTexte 4">
-            <a:extLst>
-              <a:ext uri="{FF2B5EF4-FFF2-40B4-BE49-F238E27FC236}">
-                <a16:creationId xmlns:a16="http://schemas.microsoft.com/office/drawing/2014/main" id="{9D813AD7-6B44-42D3-A8CE-3128C310F88E}"/>
-              </a:ext>
-            </a:extLst>
-          </p:cNvPr>
-          <p:cNvSpPr txBox="1"/>
-          <p:nvPr/>
-        </p:nvSpPr>
-        <p:spPr>
-          <a:xfrm>
-            <a:off x="1182397" y="2192327"/>
-            <a:ext cx="3600666" cy="2862322"/>
-          </a:xfrm>
-          <a:prstGeom prst="rect">
-            <a:avLst/>
-          </a:prstGeom>
-          <a:noFill/>
-        </p:spPr>
-        <p:txBody>
-          <a:bodyPr wrap="none" rtlCol="0">
-            <a:spAutoFit/>
-          </a:bodyPr>
-          <a:lstStyle/>
-          <a:p>
-            <a:r>
-              <a:rPr lang="fr-FR" dirty="0" err="1"/>
-              <a:t>Github</a:t>
-            </a:r>
-            <a:endParaRPr lang="fr-FR" dirty="0"/>
-          </a:p>
-          <a:p>
-            <a:r>
-              <a:rPr lang="fr-FR" dirty="0"/>
-              <a:t>Discord</a:t>
-            </a:r>
-          </a:p>
-          <a:p>
-            <a:r>
-              <a:rPr lang="fr-FR" dirty="0"/>
-              <a:t>c/</a:t>
-            </a:r>
-            <a:r>
-              <a:rPr lang="fr-FR" dirty="0" err="1"/>
-              <a:t>c++</a:t>
-            </a:r>
-            <a:endParaRPr lang="fr-FR" dirty="0"/>
-          </a:p>
-          <a:p>
-            <a:r>
-              <a:rPr lang="fr-FR" dirty="0"/>
-              <a:t>Powerpoint</a:t>
-            </a:r>
-          </a:p>
-          <a:p>
-            <a:r>
-              <a:rPr lang="fr-FR" dirty="0"/>
-              <a:t>Framework QT fait </a:t>
-            </a:r>
-            <a:r>
-              <a:rPr lang="fr-FR" dirty="0" err="1"/>
-              <a:t>c++</a:t>
-            </a:r>
-            <a:endParaRPr lang="fr-FR" dirty="0"/>
-          </a:p>
-          <a:p>
-            <a:r>
-              <a:rPr lang="fr-FR" dirty="0"/>
-              <a:t>QT Creator / Visual Studio</a:t>
-            </a:r>
-          </a:p>
-          <a:p>
-            <a:r>
-              <a:rPr lang="fr-FR" dirty="0" err="1"/>
-              <a:t>Libuv</a:t>
-            </a:r>
-            <a:r>
-              <a:rPr lang="fr-FR" dirty="0"/>
-              <a:t> : Serveur HTTP</a:t>
-            </a:r>
-          </a:p>
-          <a:p>
-            <a:r>
-              <a:rPr lang="fr-FR" dirty="0"/>
-              <a:t>Sqlite3</a:t>
-            </a:r>
-          </a:p>
-          <a:p>
-            <a:r>
-              <a:rPr lang="fr-FR" dirty="0" err="1"/>
-              <a:t>Mobaxterm</a:t>
-            </a:r>
-            <a:r>
-              <a:rPr lang="fr-FR" dirty="0"/>
-              <a:t> : connexion en </a:t>
-            </a:r>
-            <a:r>
-              <a:rPr lang="fr-FR" dirty="0" err="1"/>
-              <a:t>ssh</a:t>
-            </a:r>
-            <a:endParaRPr lang="fr-FR" dirty="0"/>
-          </a:p>
-          <a:p>
-            <a:r>
-              <a:rPr lang="fr-FR" dirty="0" err="1"/>
-              <a:t>Api’s</a:t>
-            </a:r>
-            <a:r>
-              <a:rPr lang="fr-FR" dirty="0"/>
-              <a:t> Web</a:t>
-            </a:r>
-          </a:p>
-        </p:txBody>
-      </p:sp>
-      <p:pic>
-        <p:nvPicPr>
-          <p:cNvPr id="6" name="Image 5">
-            <a:extLst>
-              <a:ext uri="{FF2B5EF4-FFF2-40B4-BE49-F238E27FC236}">
-                <a16:creationId xmlns:a16="http://schemas.microsoft.com/office/drawing/2014/main" id="{944869B7-3568-42A9-8A28-83CCD0B2C8B5}"/>
-              </a:ext>
-            </a:extLst>
-          </p:cNvPr>
-          <p:cNvPicPr>
-            <a:picLocks noChangeAspect="1"/>
-          </p:cNvPicPr>
-          <p:nvPr/>
-        </p:nvPicPr>
-        <p:blipFill>
-          <a:blip r:embed="rId3"/>
-          <a:stretch>
-            <a:fillRect/>
-          </a:stretch>
-        </p:blipFill>
-        <p:spPr>
-          <a:xfrm>
-            <a:off x="5102764" y="4302515"/>
-            <a:ext cx="549353" cy="501423"/>
-          </a:xfrm>
-          <a:prstGeom prst="rect">
-            <a:avLst/>
-          </a:prstGeom>
-        </p:spPr>
-      </p:pic>
-      <p:pic>
-        <p:nvPicPr>
-          <p:cNvPr id="8" name="Image 7">
-            <a:extLst>
-              <a:ext uri="{FF2B5EF4-FFF2-40B4-BE49-F238E27FC236}">
-                <a16:creationId xmlns:a16="http://schemas.microsoft.com/office/drawing/2014/main" id="{686547CC-3426-4815-9707-1CE08C004B24}"/>
-              </a:ext>
-            </a:extLst>
-          </p:cNvPr>
-          <p:cNvPicPr>
-            <a:picLocks noChangeAspect="1"/>
-          </p:cNvPicPr>
-          <p:nvPr/>
-        </p:nvPicPr>
-        <p:blipFill>
-          <a:blip r:embed="rId4"/>
-          <a:stretch>
-            <a:fillRect/>
-          </a:stretch>
-        </p:blipFill>
-        <p:spPr>
-          <a:xfrm>
-            <a:off x="5133975" y="3699029"/>
-            <a:ext cx="438370" cy="501423"/>
-          </a:xfrm>
-          <a:prstGeom prst="rect">
-            <a:avLst/>
-          </a:prstGeom>
-        </p:spPr>
-      </p:pic>
-      <p:pic>
-        <p:nvPicPr>
-          <p:cNvPr id="10" name="Image 9">
-            <a:extLst>
-              <a:ext uri="{FF2B5EF4-FFF2-40B4-BE49-F238E27FC236}">
-                <a16:creationId xmlns:a16="http://schemas.microsoft.com/office/drawing/2014/main" id="{E54918AB-D21E-4135-9D21-14216436EAC0}"/>
-              </a:ext>
-            </a:extLst>
-          </p:cNvPr>
-          <p:cNvPicPr>
-            <a:picLocks noChangeAspect="1"/>
-          </p:cNvPicPr>
-          <p:nvPr/>
-        </p:nvPicPr>
-        <p:blipFill>
-          <a:blip r:embed="rId5"/>
-          <a:stretch>
-            <a:fillRect/>
-          </a:stretch>
-        </p:blipFill>
-        <p:spPr>
-          <a:xfrm>
-            <a:off x="5133975" y="3122066"/>
-            <a:ext cx="456321" cy="501422"/>
-          </a:xfrm>
-          <a:prstGeom prst="rect">
-            <a:avLst/>
-          </a:prstGeom>
-        </p:spPr>
-      </p:pic>
-      <p:pic>
-        <p:nvPicPr>
-          <p:cNvPr id="12" name="Image 11">
-            <a:extLst>
-              <a:ext uri="{FF2B5EF4-FFF2-40B4-BE49-F238E27FC236}">
-                <a16:creationId xmlns:a16="http://schemas.microsoft.com/office/drawing/2014/main" id="{9C89080B-4EF1-4A0E-A755-19876F9CF939}"/>
-              </a:ext>
-            </a:extLst>
-          </p:cNvPr>
-          <p:cNvPicPr>
-            <a:picLocks noChangeAspect="1"/>
-          </p:cNvPicPr>
-          <p:nvPr/>
-        </p:nvPicPr>
-        <p:blipFill>
-          <a:blip r:embed="rId6"/>
-          <a:stretch>
-            <a:fillRect/>
-          </a:stretch>
-        </p:blipFill>
-        <p:spPr>
-          <a:xfrm>
-            <a:off x="5133975" y="2514600"/>
-            <a:ext cx="532975" cy="506590"/>
-          </a:xfrm>
-          <a:prstGeom prst="rect">
-            <a:avLst/>
-          </a:prstGeom>
-        </p:spPr>
-      </p:pic>
-      <p:pic>
-        <p:nvPicPr>
-          <p:cNvPr id="14" name="Image 13">
-            <a:extLst>
-              <a:ext uri="{FF2B5EF4-FFF2-40B4-BE49-F238E27FC236}">
-                <a16:creationId xmlns:a16="http://schemas.microsoft.com/office/drawing/2014/main" id="{AA3B0FB5-B6B7-42F0-83F8-671DA0250C36}"/>
-              </a:ext>
-            </a:extLst>
-          </p:cNvPr>
-          <p:cNvPicPr>
-            <a:picLocks noChangeAspect="1"/>
-          </p:cNvPicPr>
-          <p:nvPr/>
-        </p:nvPicPr>
-        <p:blipFill>
-          <a:blip r:embed="rId7"/>
-          <a:stretch>
-            <a:fillRect/>
-          </a:stretch>
-        </p:blipFill>
-        <p:spPr>
-          <a:xfrm>
-            <a:off x="7478995" y="2514600"/>
-            <a:ext cx="659878" cy="496609"/>
-          </a:xfrm>
-          <a:prstGeom prst="rect">
-            <a:avLst/>
-          </a:prstGeom>
-        </p:spPr>
-      </p:pic>
-      <p:pic>
-        <p:nvPicPr>
-          <p:cNvPr id="16" name="Image 15">
-            <a:extLst>
-              <a:ext uri="{FF2B5EF4-FFF2-40B4-BE49-F238E27FC236}">
-                <a16:creationId xmlns:a16="http://schemas.microsoft.com/office/drawing/2014/main" id="{DE4A12CC-C69B-44FA-8296-D8EB17101CE6}"/>
-              </a:ext>
-            </a:extLst>
-          </p:cNvPr>
-          <p:cNvPicPr>
-            <a:picLocks noChangeAspect="1"/>
-          </p:cNvPicPr>
-          <p:nvPr/>
-        </p:nvPicPr>
-        <p:blipFill>
-          <a:blip r:embed="rId8"/>
-          <a:stretch>
-            <a:fillRect/>
-          </a:stretch>
-        </p:blipFill>
-        <p:spPr>
-          <a:xfrm>
-            <a:off x="8225789" y="2514600"/>
-            <a:ext cx="983481" cy="496609"/>
-          </a:xfrm>
-          <a:prstGeom prst="rect">
-            <a:avLst/>
-          </a:prstGeom>
-        </p:spPr>
-      </p:pic>
-      <p:pic>
-        <p:nvPicPr>
-          <p:cNvPr id="18" name="Image 17">
-            <a:extLst>
-              <a:ext uri="{FF2B5EF4-FFF2-40B4-BE49-F238E27FC236}">
-                <a16:creationId xmlns:a16="http://schemas.microsoft.com/office/drawing/2014/main" id="{AB67DF13-72E0-4E3E-A608-A416FA370990}"/>
-              </a:ext>
-            </a:extLst>
-          </p:cNvPr>
-          <p:cNvPicPr>
-            <a:picLocks noChangeAspect="1"/>
-          </p:cNvPicPr>
-          <p:nvPr/>
-        </p:nvPicPr>
-        <p:blipFill>
-          <a:blip r:embed="rId9"/>
-          <a:stretch>
-            <a:fillRect/>
-          </a:stretch>
-        </p:blipFill>
-        <p:spPr>
-          <a:xfrm>
-            <a:off x="9296186" y="2514601"/>
-            <a:ext cx="399375" cy="506590"/>
-          </a:xfrm>
-          <a:prstGeom prst="rect">
-            <a:avLst/>
-          </a:prstGeom>
-        </p:spPr>
-      </p:pic>
-      <p:pic>
-        <p:nvPicPr>
-          <p:cNvPr id="20" name="Image 19">
-            <a:extLst>
-              <a:ext uri="{FF2B5EF4-FFF2-40B4-BE49-F238E27FC236}">
-                <a16:creationId xmlns:a16="http://schemas.microsoft.com/office/drawing/2014/main" id="{D2870F1F-E0F8-457F-9921-70522F43B4C2}"/>
-              </a:ext>
-            </a:extLst>
-          </p:cNvPr>
-          <p:cNvPicPr>
-            <a:picLocks noChangeAspect="1"/>
-          </p:cNvPicPr>
-          <p:nvPr/>
-        </p:nvPicPr>
-        <p:blipFill>
-          <a:blip r:embed="rId10"/>
-          <a:stretch>
-            <a:fillRect/>
-          </a:stretch>
-        </p:blipFill>
-        <p:spPr>
-          <a:xfrm>
-            <a:off x="6271242" y="3511615"/>
-            <a:ext cx="513955" cy="533194"/>
-          </a:xfrm>
-          <a:prstGeom prst="rect">
-            <a:avLst/>
-          </a:prstGeom>
-        </p:spPr>
-      </p:pic>
-    </p:spTree>
-    <p:extLst>
-      <p:ext uri="{BB962C8B-B14F-4D97-AF65-F5344CB8AC3E}">
-        <p14:creationId xmlns:p14="http://schemas.microsoft.com/office/powerpoint/2010/main" val="2224713145"/>
-      </p:ext>
-    </p:extLst>
-  </p:cSld>
-  <p:clrMapOvr>
-    <a:masterClrMapping/>
-  </p:clrMapOvr>
-</p:sld>
-</file>
-
-<file path=ppt/slides/slide15.xml><?xml version="1.0" encoding="utf-8"?>
 <p:sld xmlns:a="http://schemas.openxmlformats.org/drawingml/2006/main" xmlns:r="http://schemas.openxmlformats.org/officeDocument/2006/relationships" xmlns:p="http://schemas.openxmlformats.org/presentationml/2006/main">
   <p:cSld>
     <p:spTree>
@@ -14211,7 +13879,7 @@
 </p:sld>
 </file>
 
-<file path=ppt/slides/slide16.xml><?xml version="1.0" encoding="utf-8"?>
+<file path=ppt/slides/slide15.xml><?xml version="1.0" encoding="utf-8"?>
 <p:sld xmlns:a="http://schemas.openxmlformats.org/drawingml/2006/main" xmlns:r="http://schemas.openxmlformats.org/officeDocument/2006/relationships" xmlns:p="http://schemas.openxmlformats.org/presentationml/2006/main">
   <p:cSld>
     <p:spTree>
@@ -15172,7 +14840,7 @@
 </p:sld>
 </file>
 
-<file path=ppt/slides/slide17.xml><?xml version="1.0" encoding="utf-8"?>
+<file path=ppt/slides/slide16.xml><?xml version="1.0" encoding="utf-8"?>
 <p:sld xmlns:a="http://schemas.openxmlformats.org/drawingml/2006/main" xmlns:r="http://schemas.openxmlformats.org/officeDocument/2006/relationships" xmlns:p="http://schemas.openxmlformats.org/presentationml/2006/main">
   <p:cSld>
     <p:spTree>
@@ -15624,6 +15292,313 @@
 </p:sld>
 </file>
 
+<file path=ppt/slides/slide17.xml><?xml version="1.0" encoding="utf-8"?>
+<p:sld xmlns:a="http://schemas.openxmlformats.org/drawingml/2006/main" xmlns:r="http://schemas.openxmlformats.org/officeDocument/2006/relationships" xmlns:p="http://schemas.openxmlformats.org/presentationml/2006/main">
+  <p:cSld>
+    <p:spTree>
+      <p:nvGrpSpPr>
+        <p:cNvPr id="1" name=""/>
+        <p:cNvGrpSpPr/>
+        <p:nvPr/>
+      </p:nvGrpSpPr>
+      <p:grpSpPr>
+        <a:xfrm>
+          <a:off x="0" y="0"/>
+          <a:ext cx="0" cy="0"/>
+          <a:chOff x="0" y="0"/>
+          <a:chExt cx="0" cy="0"/>
+        </a:xfrm>
+      </p:grpSpPr>
+      <p:sp>
+        <p:nvSpPr>
+          <p:cNvPr id="4" name="Espace réservé de la date 3">
+            <a:extLst>
+              <a:ext uri="{FF2B5EF4-FFF2-40B4-BE49-F238E27FC236}">
+                <a16:creationId xmlns:a16="http://schemas.microsoft.com/office/drawing/2014/main" id="{58AACB8E-9EE2-4177-AA39-C3CB77AEE466}"/>
+              </a:ext>
+            </a:extLst>
+          </p:cNvPr>
+          <p:cNvSpPr>
+            <a:spLocks noGrp="1"/>
+          </p:cNvSpPr>
+          <p:nvPr>
+            <p:ph type="dt" sz="half" idx="10"/>
+          </p:nvPr>
+        </p:nvSpPr>
+        <p:spPr/>
+        <p:txBody>
+          <a:bodyPr/>
+          <a:lstStyle/>
+          <a:p>
+            <a:pPr rtl="0"/>
+            <a:fld id="{802FE938-1586-4780-B61A-DD3B60BAB93C}" type="datetime1">
+              <a:rPr lang="fr-FR" smtClean="0"/>
+              <a:t>23/06/2021</a:t>
+            </a:fld>
+            <a:endParaRPr lang="en-US"/>
+          </a:p>
+        </p:txBody>
+      </p:sp>
+      <p:sp>
+        <p:nvSpPr>
+          <p:cNvPr id="6" name="Titre 1">
+            <a:extLst>
+              <a:ext uri="{FF2B5EF4-FFF2-40B4-BE49-F238E27FC236}">
+                <a16:creationId xmlns:a16="http://schemas.microsoft.com/office/drawing/2014/main" id="{6BFAB49C-8937-442E-991E-700392CEA6C7}"/>
+              </a:ext>
+            </a:extLst>
+          </p:cNvPr>
+          <p:cNvSpPr>
+            <a:spLocks noGrp="1"/>
+          </p:cNvSpPr>
+          <p:nvPr>
+            <p:ph type="title"/>
+          </p:nvPr>
+        </p:nvSpPr>
+        <p:spPr>
+          <a:xfrm>
+            <a:off x="1066800" y="642594"/>
+            <a:ext cx="10058400" cy="544938"/>
+          </a:xfrm>
+        </p:spPr>
+        <p:txBody>
+          <a:bodyPr>
+            <a:normAutofit fontScale="90000"/>
+          </a:bodyPr>
+          <a:lstStyle/>
+          <a:p>
+            <a:r>
+              <a:rPr lang="fr-FR" dirty="0"/>
+              <a:t>Choix par fonctionnalité</a:t>
+            </a:r>
+          </a:p>
+        </p:txBody>
+      </p:sp>
+      <p:sp>
+        <p:nvSpPr>
+          <p:cNvPr id="2" name="ZoneTexte 1">
+            <a:extLst>
+              <a:ext uri="{FF2B5EF4-FFF2-40B4-BE49-F238E27FC236}">
+                <a16:creationId xmlns:a16="http://schemas.microsoft.com/office/drawing/2014/main" id="{F1E10FC7-5676-421B-9312-5C552876FDAA}"/>
+              </a:ext>
+            </a:extLst>
+          </p:cNvPr>
+          <p:cNvSpPr txBox="1"/>
+          <p:nvPr/>
+        </p:nvSpPr>
+        <p:spPr>
+          <a:xfrm>
+            <a:off x="990600" y="1470660"/>
+            <a:ext cx="7808548" cy="6463308"/>
+          </a:xfrm>
+          <a:prstGeom prst="rect">
+            <a:avLst/>
+          </a:prstGeom>
+          <a:noFill/>
+        </p:spPr>
+        <p:txBody>
+          <a:bodyPr wrap="none" rtlCol="0">
+            <a:spAutoFit/>
+          </a:bodyPr>
+          <a:lstStyle/>
+          <a:p>
+            <a:pPr marL="285750" indent="-285750">
+              <a:buFont typeface="Arial" panose="020B0604020202020204" pitchFamily="34" charset="0"/>
+              <a:buChar char="•"/>
+            </a:pPr>
+            <a:r>
+              <a:rPr lang="fr-FR" dirty="0"/>
+              <a:t>Contrôle du Capteur BME280 : Driver officiel Bosch</a:t>
+            </a:r>
+          </a:p>
+          <a:p>
+            <a:pPr marL="285750" indent="-285750">
+              <a:buFont typeface="Arial" panose="020B0604020202020204" pitchFamily="34" charset="0"/>
+              <a:buChar char="•"/>
+            </a:pPr>
+            <a:endParaRPr lang="fr-FR" dirty="0"/>
+          </a:p>
+          <a:p>
+            <a:pPr marL="285750" indent="-285750">
+              <a:buFont typeface="Arial" panose="020B0604020202020204" pitchFamily="34" charset="0"/>
+              <a:buChar char="•"/>
+            </a:pPr>
+            <a:r>
+              <a:rPr lang="fr-FR" dirty="0"/>
+              <a:t>Base de données : </a:t>
+            </a:r>
+            <a:r>
+              <a:rPr lang="fr-FR" dirty="0" err="1"/>
+              <a:t>Sqlite</a:t>
+            </a:r>
+            <a:endParaRPr lang="fr-FR" dirty="0"/>
+          </a:p>
+          <a:p>
+            <a:pPr marL="285750" indent="-285750">
+              <a:buFont typeface="Arial" panose="020B0604020202020204" pitchFamily="34" charset="0"/>
+              <a:buChar char="•"/>
+            </a:pPr>
+            <a:endParaRPr lang="fr-FR" dirty="0"/>
+          </a:p>
+          <a:p>
+            <a:pPr marL="285750" indent="-285750">
+              <a:buFont typeface="Arial" panose="020B0604020202020204" pitchFamily="34" charset="0"/>
+              <a:buChar char="•"/>
+            </a:pPr>
+            <a:r>
+              <a:rPr lang="fr-FR" dirty="0"/>
+              <a:t>Format de donnée pour les échanges HTPP : JSON</a:t>
+            </a:r>
+          </a:p>
+          <a:p>
+            <a:pPr marL="285750" indent="-285750">
+              <a:buFont typeface="Arial" panose="020B0604020202020204" pitchFamily="34" charset="0"/>
+              <a:buChar char="•"/>
+            </a:pPr>
+            <a:endParaRPr lang="fr-FR" dirty="0"/>
+          </a:p>
+          <a:p>
+            <a:pPr marL="285750" indent="-285750">
+              <a:buFont typeface="Arial" panose="020B0604020202020204" pitchFamily="34" charset="0"/>
+              <a:buChar char="•"/>
+            </a:pPr>
+            <a:r>
+              <a:rPr lang="fr-FR" dirty="0"/>
+              <a:t>Envoi/Réception de requêtes HTTP : </a:t>
+            </a:r>
+            <a:r>
+              <a:rPr lang="fr-FR" dirty="0" err="1"/>
+              <a:t>libUV</a:t>
+            </a:r>
+            <a:endParaRPr lang="fr-FR" dirty="0"/>
+          </a:p>
+          <a:p>
+            <a:pPr marL="285750" indent="-285750">
+              <a:buFont typeface="Arial" panose="020B0604020202020204" pitchFamily="34" charset="0"/>
+              <a:buChar char="•"/>
+            </a:pPr>
+            <a:endParaRPr lang="fr-FR" dirty="0"/>
+          </a:p>
+          <a:p>
+            <a:pPr marL="285750" indent="-285750">
+              <a:buFont typeface="Arial" panose="020B0604020202020204" pitchFamily="34" charset="0"/>
+              <a:buChar char="•"/>
+            </a:pPr>
+            <a:r>
+              <a:rPr lang="fr-FR" dirty="0"/>
+              <a:t>Système Multilingue : QT Translator</a:t>
+            </a:r>
+          </a:p>
+          <a:p>
+            <a:pPr marL="285750" indent="-285750">
+              <a:buFont typeface="Arial" panose="020B0604020202020204" pitchFamily="34" charset="0"/>
+              <a:buChar char="•"/>
+            </a:pPr>
+            <a:endParaRPr lang="fr-FR" dirty="0"/>
+          </a:p>
+          <a:p>
+            <a:pPr marL="285750" indent="-285750">
+              <a:buFont typeface="Arial" panose="020B0604020202020204" pitchFamily="34" charset="0"/>
+              <a:buChar char="•"/>
+            </a:pPr>
+            <a:r>
+              <a:rPr lang="fr-FR" dirty="0"/>
+              <a:t>Affichage de graphique : Création d’un Composant personnalisé</a:t>
+            </a:r>
+          </a:p>
+          <a:p>
+            <a:pPr marL="285750" indent="-285750">
+              <a:buFont typeface="Arial" panose="020B0604020202020204" pitchFamily="34" charset="0"/>
+              <a:buChar char="•"/>
+            </a:pPr>
+            <a:endParaRPr lang="fr-FR" dirty="0"/>
+          </a:p>
+          <a:p>
+            <a:pPr marL="285750" indent="-285750">
+              <a:buFont typeface="Arial" panose="020B0604020202020204" pitchFamily="34" charset="0"/>
+              <a:buChar char="•"/>
+            </a:pPr>
+            <a:r>
+              <a:rPr lang="fr-FR" dirty="0"/>
+              <a:t>Gestion des thèmes visuel : QT </a:t>
+            </a:r>
+            <a:r>
+              <a:rPr lang="fr-FR" dirty="0" err="1"/>
+              <a:t>Stylesheet</a:t>
+            </a:r>
+            <a:endParaRPr lang="fr-FR" dirty="0"/>
+          </a:p>
+          <a:p>
+            <a:pPr marL="285750" indent="-285750">
+              <a:buFont typeface="Arial" panose="020B0604020202020204" pitchFamily="34" charset="0"/>
+              <a:buChar char="•"/>
+            </a:pPr>
+            <a:endParaRPr lang="fr-FR" dirty="0"/>
+          </a:p>
+          <a:p>
+            <a:pPr marL="285750" indent="-285750">
+              <a:buFont typeface="Arial" panose="020B0604020202020204" pitchFamily="34" charset="0"/>
+              <a:buChar char="•"/>
+            </a:pPr>
+            <a:r>
+              <a:rPr lang="fr-FR" dirty="0"/>
+              <a:t>Interface graphique : QT + Designer intégré</a:t>
+            </a:r>
+          </a:p>
+          <a:p>
+            <a:pPr marL="285750" indent="-285750">
+              <a:buFont typeface="Arial" panose="020B0604020202020204" pitchFamily="34" charset="0"/>
+              <a:buChar char="•"/>
+            </a:pPr>
+            <a:endParaRPr lang="fr-FR" dirty="0"/>
+          </a:p>
+          <a:p>
+            <a:pPr marL="285750" indent="-285750">
+              <a:buFont typeface="Arial" panose="020B0604020202020204" pitchFamily="34" charset="0"/>
+              <a:buChar char="•"/>
+            </a:pPr>
+            <a:r>
+              <a:rPr lang="fr-FR" dirty="0"/>
+              <a:t>Chargement / Sauvegarde des paramètres : fichier INI</a:t>
+            </a:r>
+          </a:p>
+          <a:p>
+            <a:endParaRPr lang="fr-FR" dirty="0"/>
+          </a:p>
+          <a:p>
+            <a:endParaRPr lang="fr-FR" dirty="0"/>
+          </a:p>
+          <a:p>
+            <a:endParaRPr lang="fr-FR" dirty="0"/>
+          </a:p>
+          <a:p>
+            <a:r>
+              <a:rPr lang="fr-FR" dirty="0"/>
+              <a:t> </a:t>
+            </a:r>
+          </a:p>
+          <a:p>
+            <a:pPr algn="ctr"/>
+            <a:endParaRPr lang="fr-FR" dirty="0"/>
+          </a:p>
+          <a:p>
+            <a:endParaRPr lang="fr-FR" dirty="0"/>
+          </a:p>
+        </p:txBody>
+      </p:sp>
+    </p:spTree>
+    <p:extLst>
+      <p:ext uri="{BB962C8B-B14F-4D97-AF65-F5344CB8AC3E}">
+        <p14:creationId xmlns:p14="http://schemas.microsoft.com/office/powerpoint/2010/main" val="3765445005"/>
+      </p:ext>
+    </p:extLst>
+  </p:cSld>
+  <p:clrMapOvr>
+    <a:masterClrMapping/>
+  </p:clrMapOvr>
+</p:sld>
+</file>
+
 <file path=ppt/slides/slide18.xml><?xml version="1.0" encoding="utf-8"?>
 <p:sld xmlns:a="http://schemas.openxmlformats.org/drawingml/2006/main" xmlns:r="http://schemas.openxmlformats.org/officeDocument/2006/relationships" xmlns:p="http://schemas.openxmlformats.org/presentationml/2006/main">
   <p:cSld>
@@ -15643,10 +15618,38 @@
       </p:grpSpPr>
       <p:sp>
         <p:nvSpPr>
+          <p:cNvPr id="2" name="Titre 1">
+            <a:extLst>
+              <a:ext uri="{FF2B5EF4-FFF2-40B4-BE49-F238E27FC236}">
+                <a16:creationId xmlns:a16="http://schemas.microsoft.com/office/drawing/2014/main" id="{935AC4AE-8D39-4824-B880-288760677335}"/>
+              </a:ext>
+            </a:extLst>
+          </p:cNvPr>
+          <p:cNvSpPr>
+            <a:spLocks noGrp="1"/>
+          </p:cNvSpPr>
+          <p:nvPr>
+            <p:ph type="title"/>
+          </p:nvPr>
+        </p:nvSpPr>
+        <p:spPr/>
+        <p:txBody>
+          <a:bodyPr/>
+          <a:lstStyle/>
+          <a:p>
+            <a:r>
+              <a:rPr lang="fr-FR" dirty="0"/>
+              <a:t>Outils / Libraire / Framework</a:t>
+            </a:r>
+          </a:p>
+        </p:txBody>
+      </p:sp>
+      <p:sp>
+        <p:nvSpPr>
           <p:cNvPr id="4" name="Espace réservé de la date 3">
             <a:extLst>
               <a:ext uri="{FF2B5EF4-FFF2-40B4-BE49-F238E27FC236}">
-                <a16:creationId xmlns:a16="http://schemas.microsoft.com/office/drawing/2014/main" id="{58AACB8E-9EE2-4177-AA39-C3CB77AEE466}"/>
+                <a16:creationId xmlns:a16="http://schemas.microsoft.com/office/drawing/2014/main" id="{F4F39AB8-EF9A-4118-9E31-C04863F52C1E}"/>
               </a:ext>
             </a:extLst>
           </p:cNvPr>
@@ -15673,218 +15676,565 @@
       </p:sp>
       <p:sp>
         <p:nvSpPr>
-          <p:cNvPr id="7" name="Rectangle 6">
-            <a:extLst>
-              <a:ext uri="{FF2B5EF4-FFF2-40B4-BE49-F238E27FC236}">
-                <a16:creationId xmlns:a16="http://schemas.microsoft.com/office/drawing/2014/main" id="{5CBC41A4-35DC-42CB-84DF-620D0DC38310}"/>
-              </a:ext>
-            </a:extLst>
-          </p:cNvPr>
-          <p:cNvSpPr/>
+          <p:cNvPr id="5" name="ZoneTexte 4">
+            <a:extLst>
+              <a:ext uri="{FF2B5EF4-FFF2-40B4-BE49-F238E27FC236}">
+                <a16:creationId xmlns:a16="http://schemas.microsoft.com/office/drawing/2014/main" id="{9D813AD7-6B44-42D3-A8CE-3128C310F88E}"/>
+              </a:ext>
+            </a:extLst>
+          </p:cNvPr>
+          <p:cNvSpPr txBox="1"/>
           <p:nvPr/>
         </p:nvSpPr>
         <p:spPr>
           <a:xfrm>
-            <a:off x="1795795" y="753645"/>
-            <a:ext cx="8862497" cy="1552740"/>
+            <a:off x="1269313" y="2153483"/>
+            <a:ext cx="3600666" cy="2862322"/>
           </a:xfrm>
           <a:prstGeom prst="rect">
             <a:avLst/>
           </a:prstGeom>
-        </p:spPr>
-        <p:style>
-          <a:lnRef idx="2">
-            <a:schemeClr val="accent6"/>
-          </a:lnRef>
-          <a:fillRef idx="1">
-            <a:schemeClr val="lt1"/>
-          </a:fillRef>
-          <a:effectRef idx="0">
-            <a:schemeClr val="accent6"/>
-          </a:effectRef>
-          <a:fontRef idx="minor">
-            <a:schemeClr val="dk1"/>
-          </a:fontRef>
-        </p:style>
-        <p:txBody>
-          <a:bodyPr rtlCol="0" anchor="ctr"/>
-          <a:lstStyle/>
-          <a:p>
-            <a:pPr algn="ctr"/>
+          <a:noFill/>
+        </p:spPr>
+        <p:txBody>
+          <a:bodyPr wrap="none" rtlCol="0">
+            <a:spAutoFit/>
+          </a:bodyPr>
+          <a:lstStyle/>
+          <a:p>
+            <a:r>
+              <a:rPr lang="fr-FR" dirty="0" err="1"/>
+              <a:t>Github</a:t>
+            </a:r>
+            <a:endParaRPr lang="fr-FR" dirty="0"/>
+          </a:p>
+          <a:p>
+            <a:endParaRPr lang="fr-FR" dirty="0"/>
+          </a:p>
+          <a:p>
             <a:r>
               <a:rPr lang="fr-FR" dirty="0"/>
-              <a:t>Contrôle du Capteur BME2800</a:t>
-            </a:r>
-          </a:p>
-          <a:p>
-            <a:pPr algn="ctr"/>
+              <a:t>Discord</a:t>
+            </a:r>
+          </a:p>
+          <a:p>
             <a:endParaRPr lang="fr-FR" dirty="0"/>
           </a:p>
           <a:p>
-            <a:pPr algn="ctr"/>
             <a:r>
               <a:rPr lang="fr-FR" dirty="0"/>
-              <a:t>Pilote BOSCH officiel</a:t>
-            </a:r>
-          </a:p>
-          <a:p>
-            <a:pPr algn="ctr"/>
+              <a:t>Powerpoint</a:t>
+            </a:r>
+          </a:p>
+          <a:p>
             <a:endParaRPr lang="fr-FR" dirty="0"/>
           </a:p>
           <a:p>
-            <a:pPr algn="ctr"/>
+            <a:r>
+              <a:rPr lang="fr-FR" dirty="0" err="1"/>
+              <a:t>Mobaxterm</a:t>
+            </a:r>
             <a:r>
               <a:rPr lang="fr-FR" dirty="0"/>
-              <a:t>Fiable et facilement intégrable dans notre code</a:t>
-            </a:r>
-          </a:p>
-        </p:txBody>
-      </p:sp>
-      <p:sp>
-        <p:nvSpPr>
-          <p:cNvPr id="8" name="Rectangle 7">
-            <a:extLst>
-              <a:ext uri="{FF2B5EF4-FFF2-40B4-BE49-F238E27FC236}">
-                <a16:creationId xmlns:a16="http://schemas.microsoft.com/office/drawing/2014/main" id="{F8B6A085-46D8-4A8C-93A5-54AC2A90D43E}"/>
-              </a:ext>
-            </a:extLst>
-          </p:cNvPr>
-          <p:cNvSpPr/>
+              <a:t> : connexion en </a:t>
+            </a:r>
+            <a:r>
+              <a:rPr lang="fr-FR" dirty="0" err="1"/>
+              <a:t>ssh</a:t>
+            </a:r>
+            <a:endParaRPr lang="fr-FR" dirty="0"/>
+          </a:p>
+          <a:p>
+            <a:endParaRPr lang="fr-FR" dirty="0"/>
+          </a:p>
+          <a:p>
+            <a:endParaRPr lang="fr-FR" dirty="0"/>
+          </a:p>
+          <a:p>
+            <a:endParaRPr lang="fr-FR" dirty="0"/>
+          </a:p>
+        </p:txBody>
+      </p:sp>
+      <p:pic>
+        <p:nvPicPr>
+          <p:cNvPr id="6" name="Image 5">
+            <a:extLst>
+              <a:ext uri="{FF2B5EF4-FFF2-40B4-BE49-F238E27FC236}">
+                <a16:creationId xmlns:a16="http://schemas.microsoft.com/office/drawing/2014/main" id="{944869B7-3568-42A9-8A28-83CCD0B2C8B5}"/>
+              </a:ext>
+            </a:extLst>
+          </p:cNvPr>
+          <p:cNvPicPr>
+            <a:picLocks noChangeAspect="1"/>
+          </p:cNvPicPr>
           <p:nvPr/>
-        </p:nvSpPr>
-        <p:spPr>
-          <a:xfrm>
-            <a:off x="1795795" y="2447148"/>
-            <a:ext cx="8862497" cy="1775400"/>
+        </p:nvPicPr>
+        <p:blipFill>
+          <a:blip r:embed="rId3"/>
+          <a:stretch>
+            <a:fillRect/>
+          </a:stretch>
+        </p:blipFill>
+        <p:spPr>
+          <a:xfrm>
+            <a:off x="633044" y="2101893"/>
+            <a:ext cx="549353" cy="501423"/>
           </a:xfrm>
           <a:prstGeom prst="rect">
             <a:avLst/>
           </a:prstGeom>
         </p:spPr>
-        <p:style>
-          <a:lnRef idx="2">
-            <a:schemeClr val="accent6"/>
-          </a:lnRef>
-          <a:fillRef idx="1">
-            <a:schemeClr val="lt1"/>
-          </a:fillRef>
-          <a:effectRef idx="0">
-            <a:schemeClr val="accent6"/>
-          </a:effectRef>
-          <a:fontRef idx="minor">
-            <a:schemeClr val="dk1"/>
-          </a:fontRef>
-        </p:style>
-        <p:txBody>
-          <a:bodyPr rtlCol="0" anchor="ctr"/>
-          <a:lstStyle/>
-          <a:p>
-            <a:pPr algn="ctr"/>
-            <a:r>
-              <a:rPr lang="fr-FR" dirty="0"/>
-              <a:t>Sauvegarde non volatile</a:t>
-            </a:r>
-          </a:p>
-          <a:p>
-            <a:pPr algn="ctr"/>
-            <a:endParaRPr lang="fr-FR" dirty="0"/>
-          </a:p>
-          <a:p>
-            <a:pPr algn="ctr"/>
-            <a:r>
-              <a:rPr lang="fr-FR" dirty="0"/>
-              <a:t>( Conservation des données après un crash ou un reboot)</a:t>
-            </a:r>
-          </a:p>
-          <a:p>
-            <a:pPr algn="ctr"/>
-            <a:endParaRPr lang="fr-FR" dirty="0"/>
-          </a:p>
-          <a:p>
-            <a:pPr algn="ctr"/>
-            <a:r>
-              <a:rPr lang="fr-FR" dirty="0"/>
-              <a:t>SQLITE car c’est le Standard de l’industrie</a:t>
-            </a:r>
-          </a:p>
-          <a:p>
-            <a:pPr algn="ctr"/>
-            <a:r>
-              <a:rPr lang="fr-FR" dirty="0"/>
-              <a:t>Fiable et facilement intégrable dans notre code</a:t>
-            </a:r>
-          </a:p>
-        </p:txBody>
-      </p:sp>
-      <p:sp>
-        <p:nvSpPr>
-          <p:cNvPr id="14" name="Rectangle 13">
-            <a:extLst>
-              <a:ext uri="{FF2B5EF4-FFF2-40B4-BE49-F238E27FC236}">
-                <a16:creationId xmlns:a16="http://schemas.microsoft.com/office/drawing/2014/main" id="{00DD6631-E97E-45CC-98AB-09BF88F7DFED}"/>
-              </a:ext>
-            </a:extLst>
-          </p:cNvPr>
-          <p:cNvSpPr/>
+      </p:pic>
+      <p:pic>
+        <p:nvPicPr>
+          <p:cNvPr id="8" name="Image 7">
+            <a:extLst>
+              <a:ext uri="{FF2B5EF4-FFF2-40B4-BE49-F238E27FC236}">
+                <a16:creationId xmlns:a16="http://schemas.microsoft.com/office/drawing/2014/main" id="{686547CC-3426-4815-9707-1CE08C004B24}"/>
+              </a:ext>
+            </a:extLst>
+          </p:cNvPr>
+          <p:cNvPicPr>
+            <a:picLocks noChangeAspect="1"/>
+          </p:cNvPicPr>
           <p:nvPr/>
-        </p:nvSpPr>
-        <p:spPr>
-          <a:xfrm>
-            <a:off x="1795794" y="4363311"/>
-            <a:ext cx="8862497" cy="1775400"/>
+        </p:nvPicPr>
+        <p:blipFill>
+          <a:blip r:embed="rId4"/>
+          <a:stretch>
+            <a:fillRect/>
+          </a:stretch>
+        </p:blipFill>
+        <p:spPr>
+          <a:xfrm>
+            <a:off x="744027" y="2681438"/>
+            <a:ext cx="438370" cy="501423"/>
           </a:xfrm>
           <a:prstGeom prst="rect">
             <a:avLst/>
           </a:prstGeom>
         </p:spPr>
-        <p:style>
-          <a:lnRef idx="2">
-            <a:schemeClr val="accent6"/>
-          </a:lnRef>
-          <a:fillRef idx="1">
-            <a:schemeClr val="lt1"/>
-          </a:fillRef>
-          <a:effectRef idx="0">
-            <a:schemeClr val="accent6"/>
-          </a:effectRef>
-          <a:fontRef idx="minor">
-            <a:schemeClr val="dk1"/>
-          </a:fontRef>
-        </p:style>
-        <p:txBody>
-          <a:bodyPr rtlCol="0" anchor="ctr"/>
-          <a:lstStyle/>
-          <a:p>
-            <a:pPr algn="ctr"/>
+      </p:pic>
+      <p:pic>
+        <p:nvPicPr>
+          <p:cNvPr id="10" name="Image 9">
+            <a:extLst>
+              <a:ext uri="{FF2B5EF4-FFF2-40B4-BE49-F238E27FC236}">
+                <a16:creationId xmlns:a16="http://schemas.microsoft.com/office/drawing/2014/main" id="{E54918AB-D21E-4135-9D21-14216436EAC0}"/>
+              </a:ext>
+            </a:extLst>
+          </p:cNvPr>
+          <p:cNvPicPr>
+            <a:picLocks noChangeAspect="1"/>
+          </p:cNvPicPr>
+          <p:nvPr/>
+        </p:nvPicPr>
+        <p:blipFill>
+          <a:blip r:embed="rId5"/>
+          <a:stretch>
+            <a:fillRect/>
+          </a:stretch>
+        </p:blipFill>
+        <p:spPr>
+          <a:xfrm>
+            <a:off x="6313959" y="1979080"/>
+            <a:ext cx="456321" cy="501422"/>
+          </a:xfrm>
+          <a:prstGeom prst="rect">
+            <a:avLst/>
+          </a:prstGeom>
+        </p:spPr>
+      </p:pic>
+      <p:pic>
+        <p:nvPicPr>
+          <p:cNvPr id="12" name="Image 11">
+            <a:extLst>
+              <a:ext uri="{FF2B5EF4-FFF2-40B4-BE49-F238E27FC236}">
+                <a16:creationId xmlns:a16="http://schemas.microsoft.com/office/drawing/2014/main" id="{9C89080B-4EF1-4A0E-A755-19876F9CF939}"/>
+              </a:ext>
+            </a:extLst>
+          </p:cNvPr>
+          <p:cNvPicPr>
+            <a:picLocks noChangeAspect="1"/>
+          </p:cNvPicPr>
+          <p:nvPr/>
+        </p:nvPicPr>
+        <p:blipFill>
+          <a:blip r:embed="rId6"/>
+          <a:stretch>
+            <a:fillRect/>
+          </a:stretch>
+        </p:blipFill>
+        <p:spPr>
+          <a:xfrm>
+            <a:off x="653761" y="3247562"/>
+            <a:ext cx="532975" cy="506590"/>
+          </a:xfrm>
+          <a:prstGeom prst="rect">
+            <a:avLst/>
+          </a:prstGeom>
+        </p:spPr>
+      </p:pic>
+      <p:pic>
+        <p:nvPicPr>
+          <p:cNvPr id="14" name="Image 13">
+            <a:extLst>
+              <a:ext uri="{FF2B5EF4-FFF2-40B4-BE49-F238E27FC236}">
+                <a16:creationId xmlns:a16="http://schemas.microsoft.com/office/drawing/2014/main" id="{AA3B0FB5-B6B7-42F0-83F8-671DA0250C36}"/>
+              </a:ext>
+            </a:extLst>
+          </p:cNvPr>
+          <p:cNvPicPr>
+            <a:picLocks noChangeAspect="1"/>
+          </p:cNvPicPr>
+          <p:nvPr/>
+        </p:nvPicPr>
+        <p:blipFill>
+          <a:blip r:embed="rId7"/>
+          <a:stretch>
+            <a:fillRect/>
+          </a:stretch>
+        </p:blipFill>
+        <p:spPr>
+          <a:xfrm>
+            <a:off x="6101114" y="2533811"/>
+            <a:ext cx="659878" cy="496609"/>
+          </a:xfrm>
+          <a:prstGeom prst="rect">
+            <a:avLst/>
+          </a:prstGeom>
+        </p:spPr>
+      </p:pic>
+      <p:pic>
+        <p:nvPicPr>
+          <p:cNvPr id="16" name="Image 15">
+            <a:extLst>
+              <a:ext uri="{FF2B5EF4-FFF2-40B4-BE49-F238E27FC236}">
+                <a16:creationId xmlns:a16="http://schemas.microsoft.com/office/drawing/2014/main" id="{DE4A12CC-C69B-44FA-8296-D8EB17101CE6}"/>
+              </a:ext>
+            </a:extLst>
+          </p:cNvPr>
+          <p:cNvPicPr>
+            <a:picLocks noChangeAspect="1"/>
+          </p:cNvPicPr>
+          <p:nvPr/>
+        </p:nvPicPr>
+        <p:blipFill>
+          <a:blip r:embed="rId8"/>
+          <a:stretch>
+            <a:fillRect/>
+          </a:stretch>
+        </p:blipFill>
+        <p:spPr>
+          <a:xfrm>
+            <a:off x="5825537" y="3670940"/>
+            <a:ext cx="983481" cy="496609"/>
+          </a:xfrm>
+          <a:prstGeom prst="rect">
+            <a:avLst/>
+          </a:prstGeom>
+        </p:spPr>
+      </p:pic>
+      <p:pic>
+        <p:nvPicPr>
+          <p:cNvPr id="18" name="Image 17">
+            <a:extLst>
+              <a:ext uri="{FF2B5EF4-FFF2-40B4-BE49-F238E27FC236}">
+                <a16:creationId xmlns:a16="http://schemas.microsoft.com/office/drawing/2014/main" id="{AB67DF13-72E0-4E3E-A608-A416FA370990}"/>
+              </a:ext>
+            </a:extLst>
+          </p:cNvPr>
+          <p:cNvPicPr>
+            <a:picLocks noChangeAspect="1"/>
+          </p:cNvPicPr>
+          <p:nvPr/>
+        </p:nvPicPr>
+        <p:blipFill>
+          <a:blip r:embed="rId9"/>
+          <a:stretch>
+            <a:fillRect/>
+          </a:stretch>
+        </p:blipFill>
+        <p:spPr>
+          <a:xfrm>
+            <a:off x="1616361" y="5350756"/>
+            <a:ext cx="399375" cy="506590"/>
+          </a:xfrm>
+          <a:prstGeom prst="rect">
+            <a:avLst/>
+          </a:prstGeom>
+        </p:spPr>
+      </p:pic>
+      <p:pic>
+        <p:nvPicPr>
+          <p:cNvPr id="20" name="Image 19">
+            <a:extLst>
+              <a:ext uri="{FF2B5EF4-FFF2-40B4-BE49-F238E27FC236}">
+                <a16:creationId xmlns:a16="http://schemas.microsoft.com/office/drawing/2014/main" id="{D2870F1F-E0F8-457F-9921-70522F43B4C2}"/>
+              </a:ext>
+            </a:extLst>
+          </p:cNvPr>
+          <p:cNvPicPr>
+            <a:picLocks noChangeAspect="1"/>
+          </p:cNvPicPr>
+          <p:nvPr/>
+        </p:nvPicPr>
+        <p:blipFill>
+          <a:blip r:embed="rId10"/>
+          <a:stretch>
+            <a:fillRect/>
+          </a:stretch>
+        </p:blipFill>
+        <p:spPr>
+          <a:xfrm>
+            <a:off x="6256325" y="3084083"/>
+            <a:ext cx="513955" cy="533194"/>
+          </a:xfrm>
+          <a:prstGeom prst="rect">
+            <a:avLst/>
+          </a:prstGeom>
+        </p:spPr>
+      </p:pic>
+      <p:pic>
+        <p:nvPicPr>
+          <p:cNvPr id="7" name="Image 6">
+            <a:extLst>
+              <a:ext uri="{FF2B5EF4-FFF2-40B4-BE49-F238E27FC236}">
+                <a16:creationId xmlns:a16="http://schemas.microsoft.com/office/drawing/2014/main" id="{915F1532-9E35-4B1D-9504-485F04EDCCEB}"/>
+              </a:ext>
+            </a:extLst>
+          </p:cNvPr>
+          <p:cNvPicPr>
+            <a:picLocks noChangeAspect="1"/>
+          </p:cNvPicPr>
+          <p:nvPr/>
+        </p:nvPicPr>
+        <p:blipFill>
+          <a:blip r:embed="rId11"/>
+          <a:stretch>
+            <a:fillRect/>
+          </a:stretch>
+        </p:blipFill>
+        <p:spPr>
+          <a:xfrm>
+            <a:off x="594401" y="3818853"/>
+            <a:ext cx="590550" cy="571500"/>
+          </a:xfrm>
+          <a:prstGeom prst="rect">
+            <a:avLst/>
+          </a:prstGeom>
+        </p:spPr>
+      </p:pic>
+      <p:sp>
+        <p:nvSpPr>
+          <p:cNvPr id="17" name="ZoneTexte 16">
+            <a:extLst>
+              <a:ext uri="{FF2B5EF4-FFF2-40B4-BE49-F238E27FC236}">
+                <a16:creationId xmlns:a16="http://schemas.microsoft.com/office/drawing/2014/main" id="{79E75286-A2D8-4BC0-97BE-D3E577E5F11A}"/>
+              </a:ext>
+            </a:extLst>
+          </p:cNvPr>
+          <p:cNvSpPr txBox="1"/>
+          <p:nvPr/>
+        </p:nvSpPr>
+        <p:spPr>
+          <a:xfrm>
+            <a:off x="6809018" y="2101893"/>
+            <a:ext cx="6096000" cy="3139321"/>
+          </a:xfrm>
+          <a:prstGeom prst="rect">
+            <a:avLst/>
+          </a:prstGeom>
+          <a:noFill/>
+        </p:spPr>
+        <p:txBody>
+          <a:bodyPr wrap="square">
+            <a:spAutoFit/>
+          </a:bodyPr>
+          <a:lstStyle/>
+          <a:p>
             <a:r>
               <a:rPr lang="fr-FR" dirty="0"/>
-              <a:t>Format de donnée pour l’échange client-serveur</a:t>
-            </a:r>
-          </a:p>
-          <a:p>
-            <a:pPr algn="ctr"/>
+              <a:t>c/</a:t>
+            </a:r>
+            <a:r>
+              <a:rPr lang="fr-FR" dirty="0" err="1"/>
+              <a:t>c++</a:t>
+            </a:r>
             <a:endParaRPr lang="fr-FR" dirty="0"/>
           </a:p>
           <a:p>
-            <a:pPr algn="ctr"/>
+            <a:endParaRPr lang="fr-FR" dirty="0"/>
+          </a:p>
+          <a:p>
             <a:r>
               <a:rPr lang="fr-FR" dirty="0"/>
-              <a:t>JSON car c’est le Standard de l’industrie</a:t>
-            </a:r>
-          </a:p>
-          <a:p>
-            <a:pPr algn="ctr"/>
+              <a:t>Framework QT fait </a:t>
+            </a:r>
+            <a:r>
+              <a:rPr lang="fr-FR" dirty="0" err="1"/>
+              <a:t>c++</a:t>
+            </a:r>
+            <a:endParaRPr lang="fr-FR" dirty="0"/>
+          </a:p>
+          <a:p>
+            <a:endParaRPr lang="fr-FR" dirty="0"/>
+          </a:p>
+          <a:p>
+            <a:r>
+              <a:rPr lang="fr-FR" dirty="0" err="1"/>
+              <a:t>Libuv</a:t>
+            </a:r>
             <a:r>
               <a:rPr lang="fr-FR" dirty="0"/>
-              <a:t>C’est un Format orienté donnée</a:t>
-            </a:r>
-          </a:p>
-        </p:txBody>
-      </p:sp>
+              <a:t> : Serveur HTTP</a:t>
+            </a:r>
+          </a:p>
+          <a:p>
+            <a:endParaRPr lang="fr-FR" dirty="0"/>
+          </a:p>
+          <a:p>
+            <a:r>
+              <a:rPr lang="fr-FR" dirty="0"/>
+              <a:t>Sqlite3</a:t>
+            </a:r>
+          </a:p>
+          <a:p>
+            <a:endParaRPr lang="fr-FR" dirty="0"/>
+          </a:p>
+          <a:p>
+            <a:r>
+              <a:rPr lang="fr-FR" dirty="0"/>
+              <a:t>Open </a:t>
+            </a:r>
+            <a:r>
+              <a:rPr lang="fr-FR" dirty="0" err="1"/>
+              <a:t>Weather</a:t>
+            </a:r>
+            <a:r>
+              <a:rPr lang="fr-FR" dirty="0"/>
+              <a:t> </a:t>
+            </a:r>
+            <a:r>
+              <a:rPr lang="fr-FR" dirty="0" err="1"/>
+              <a:t>Map</a:t>
+            </a:r>
+            <a:r>
+              <a:rPr lang="fr-FR" dirty="0"/>
+              <a:t> (Api Web)</a:t>
+            </a:r>
+          </a:p>
+          <a:p>
+            <a:endParaRPr lang="fr-FR" dirty="0"/>
+          </a:p>
+          <a:p>
+            <a:r>
+              <a:rPr lang="fr-FR" dirty="0" err="1"/>
+              <a:t>Json</a:t>
+            </a:r>
+            <a:endParaRPr lang="fr-FR" dirty="0"/>
+          </a:p>
+        </p:txBody>
+      </p:sp>
+      <p:pic>
+        <p:nvPicPr>
+          <p:cNvPr id="13" name="Image 12">
+            <a:extLst>
+              <a:ext uri="{FF2B5EF4-FFF2-40B4-BE49-F238E27FC236}">
+                <a16:creationId xmlns:a16="http://schemas.microsoft.com/office/drawing/2014/main" id="{7CD54903-3D73-455C-B3AA-F09AF9D35290}"/>
+              </a:ext>
+            </a:extLst>
+          </p:cNvPr>
+          <p:cNvPicPr>
+            <a:picLocks noChangeAspect="1"/>
+          </p:cNvPicPr>
+          <p:nvPr/>
+        </p:nvPicPr>
+        <p:blipFill>
+          <a:blip r:embed="rId12"/>
+          <a:stretch>
+            <a:fillRect/>
+          </a:stretch>
+        </p:blipFill>
+        <p:spPr>
+          <a:xfrm>
+            <a:off x="5732693" y="4240523"/>
+            <a:ext cx="1076325" cy="476250"/>
+          </a:xfrm>
+          <a:prstGeom prst="rect">
+            <a:avLst/>
+          </a:prstGeom>
+        </p:spPr>
+      </p:pic>
+      <p:sp>
+        <p:nvSpPr>
+          <p:cNvPr id="15" name="ZoneTexte 14">
+            <a:extLst>
+              <a:ext uri="{FF2B5EF4-FFF2-40B4-BE49-F238E27FC236}">
+                <a16:creationId xmlns:a16="http://schemas.microsoft.com/office/drawing/2014/main" id="{DBCF44BD-FDB1-4C75-B91C-C2A4E5084E89}"/>
+              </a:ext>
+            </a:extLst>
+          </p:cNvPr>
+          <p:cNvSpPr txBox="1"/>
+          <p:nvPr/>
+        </p:nvSpPr>
+        <p:spPr>
+          <a:xfrm>
+            <a:off x="2076696" y="5419385"/>
+            <a:ext cx="1550424" cy="369332"/>
+          </a:xfrm>
+          <a:prstGeom prst="rect">
+            <a:avLst/>
+          </a:prstGeom>
+          <a:noFill/>
+        </p:spPr>
+        <p:txBody>
+          <a:bodyPr wrap="none" rtlCol="0">
+            <a:spAutoFit/>
+          </a:bodyPr>
+          <a:lstStyle/>
+          <a:p>
+            <a:r>
+              <a:rPr lang="fr-FR" dirty="0"/>
+              <a:t>Raspberry PI</a:t>
+            </a:r>
+          </a:p>
+        </p:txBody>
+      </p:sp>
+      <p:pic>
+        <p:nvPicPr>
+          <p:cNvPr id="21" name="Image 20">
+            <a:extLst>
+              <a:ext uri="{FF2B5EF4-FFF2-40B4-BE49-F238E27FC236}">
+                <a16:creationId xmlns:a16="http://schemas.microsoft.com/office/drawing/2014/main" id="{34000110-EE92-4D7F-B8A4-06C8E13B88DB}"/>
+              </a:ext>
+            </a:extLst>
+          </p:cNvPr>
+          <p:cNvPicPr>
+            <a:picLocks noChangeAspect="1"/>
+          </p:cNvPicPr>
+          <p:nvPr/>
+        </p:nvPicPr>
+        <p:blipFill>
+          <a:blip r:embed="rId13"/>
+          <a:stretch>
+            <a:fillRect/>
+          </a:stretch>
+        </p:blipFill>
+        <p:spPr>
+          <a:xfrm>
+            <a:off x="6117925" y="4789579"/>
+            <a:ext cx="705254" cy="708986"/>
+          </a:xfrm>
+          <a:prstGeom prst="rect">
+            <a:avLst/>
+          </a:prstGeom>
+        </p:spPr>
+      </p:pic>
     </p:spTree>
     <p:extLst>
       <p:ext uri="{BB962C8B-B14F-4D97-AF65-F5344CB8AC3E}">
-        <p14:creationId xmlns:p14="http://schemas.microsoft.com/office/powerpoint/2010/main" val="3765445005"/>
+        <p14:creationId xmlns:p14="http://schemas.microsoft.com/office/powerpoint/2010/main" val="2224713145"/>
       </p:ext>
     </p:extLst>
   </p:cSld>
@@ -15913,324 +16263,97 @@
       </p:grpSpPr>
       <p:sp>
         <p:nvSpPr>
-          <p:cNvPr id="5" name="Rectangle 4">
-            <a:extLst>
-              <a:ext uri="{FF2B5EF4-FFF2-40B4-BE49-F238E27FC236}">
-                <a16:creationId xmlns:a16="http://schemas.microsoft.com/office/drawing/2014/main" id="{351C7098-994B-4CE7-977B-8BF2D78395AF}"/>
-              </a:ext>
-            </a:extLst>
-          </p:cNvPr>
-          <p:cNvSpPr/>
-          <p:nvPr/>
-        </p:nvSpPr>
-        <p:spPr>
-          <a:xfrm>
-            <a:off x="1664747" y="499674"/>
-            <a:ext cx="8862497" cy="1057683"/>
-          </a:xfrm>
-          <a:prstGeom prst="rect">
-            <a:avLst/>
-          </a:prstGeom>
-        </p:spPr>
-        <p:style>
-          <a:lnRef idx="2">
-            <a:schemeClr val="accent6"/>
-          </a:lnRef>
-          <a:fillRef idx="1">
-            <a:schemeClr val="lt1"/>
-          </a:fillRef>
-          <a:effectRef idx="0">
-            <a:schemeClr val="accent6"/>
-          </a:effectRef>
-          <a:fontRef idx="minor">
-            <a:schemeClr val="dk1"/>
-          </a:fontRef>
-        </p:style>
-        <p:txBody>
-          <a:bodyPr rtlCol="0" anchor="ctr"/>
-          <a:lstStyle/>
-          <a:p>
-            <a:pPr algn="ctr"/>
+          <p:cNvPr id="5" name="Titre 4">
+            <a:extLst>
+              <a:ext uri="{FF2B5EF4-FFF2-40B4-BE49-F238E27FC236}">
+                <a16:creationId xmlns:a16="http://schemas.microsoft.com/office/drawing/2014/main" id="{B535D397-2E1B-4C1E-A392-E2A43916D949}"/>
+              </a:ext>
+            </a:extLst>
+          </p:cNvPr>
+          <p:cNvSpPr>
+            <a:spLocks noGrp="1"/>
+          </p:cNvSpPr>
+          <p:nvPr>
+            <p:ph type="ctrTitle"/>
+          </p:nvPr>
+        </p:nvSpPr>
+        <p:spPr/>
+        <p:txBody>
+          <a:bodyPr/>
+          <a:lstStyle/>
+          <a:p>
             <a:r>
               <a:rPr lang="fr-FR" dirty="0"/>
-              <a:t>Envoi/Réception requête HTTP</a:t>
-            </a:r>
-          </a:p>
-          <a:p>
-            <a:pPr algn="ctr"/>
+              <a:t>REALISATION</a:t>
+            </a:r>
+          </a:p>
+        </p:txBody>
+      </p:sp>
+      <p:sp>
+        <p:nvSpPr>
+          <p:cNvPr id="6" name="Sous-titre 5">
+            <a:extLst>
+              <a:ext uri="{FF2B5EF4-FFF2-40B4-BE49-F238E27FC236}">
+                <a16:creationId xmlns:a16="http://schemas.microsoft.com/office/drawing/2014/main" id="{42DF712F-84EC-48F3-B510-83E590DD97F0}"/>
+              </a:ext>
+            </a:extLst>
+          </p:cNvPr>
+          <p:cNvSpPr>
+            <a:spLocks noGrp="1"/>
+          </p:cNvSpPr>
+          <p:nvPr>
+            <p:ph type="subTitle" idx="1"/>
+          </p:nvPr>
+        </p:nvSpPr>
+        <p:spPr/>
+        <p:txBody>
+          <a:bodyPr/>
+          <a:lstStyle/>
+          <a:p>
+            <a:r>
+              <a:rPr lang="fr-FR" dirty="0"/>
+              <a:t>IMPLEMENTATION ITERATIVE / TESTS / DEBUG / AJOUT DE FONCTIONALITES</a:t>
+            </a:r>
+          </a:p>
+          <a:p>
             <a:endParaRPr lang="fr-FR" dirty="0"/>
           </a:p>
-          <a:p>
-            <a:pPr algn="ctr"/>
-            <a:r>
-              <a:rPr lang="fr-FR" dirty="0"/>
-              <a:t>Module Network du Framework QT</a:t>
-            </a:r>
-          </a:p>
-        </p:txBody>
-      </p:sp>
-      <p:sp>
-        <p:nvSpPr>
-          <p:cNvPr id="6" name="Rectangle 5">
-            <a:extLst>
-              <a:ext uri="{FF2B5EF4-FFF2-40B4-BE49-F238E27FC236}">
-                <a16:creationId xmlns:a16="http://schemas.microsoft.com/office/drawing/2014/main" id="{2F2D5CC2-FDBE-41C0-B22A-9CB5A641E5B6}"/>
-              </a:ext>
-            </a:extLst>
-          </p:cNvPr>
-          <p:cNvSpPr/>
-          <p:nvPr/>
-        </p:nvSpPr>
-        <p:spPr>
-          <a:xfrm>
-            <a:off x="1664746" y="1670794"/>
-            <a:ext cx="8862497" cy="1057683"/>
-          </a:xfrm>
-          <a:prstGeom prst="rect">
-            <a:avLst/>
-          </a:prstGeom>
-        </p:spPr>
-        <p:style>
-          <a:lnRef idx="2">
-            <a:schemeClr val="accent6"/>
-          </a:lnRef>
-          <a:fillRef idx="1">
-            <a:schemeClr val="lt1"/>
-          </a:fillRef>
-          <a:effectRef idx="0">
-            <a:schemeClr val="accent6"/>
-          </a:effectRef>
-          <a:fontRef idx="minor">
-            <a:schemeClr val="dk1"/>
-          </a:fontRef>
-        </p:style>
-        <p:txBody>
-          <a:bodyPr rtlCol="0" anchor="ctr"/>
-          <a:lstStyle/>
-          <a:p>
-            <a:pPr algn="ctr"/>
-            <a:r>
-              <a:rPr lang="fr-FR" dirty="0"/>
-              <a:t>Système Multi langage</a:t>
-            </a:r>
-          </a:p>
-          <a:p>
-            <a:pPr algn="ctr"/>
-            <a:endParaRPr lang="fr-FR" dirty="0"/>
-          </a:p>
-          <a:p>
-            <a:pPr algn="ctr"/>
-            <a:r>
-              <a:rPr lang="fr-FR" dirty="0"/>
-              <a:t>Module Translator du Framework QT</a:t>
-            </a:r>
-          </a:p>
-        </p:txBody>
-      </p:sp>
-      <p:sp>
-        <p:nvSpPr>
-          <p:cNvPr id="7" name="Rectangle 6">
-            <a:extLst>
-              <a:ext uri="{FF2B5EF4-FFF2-40B4-BE49-F238E27FC236}">
-                <a16:creationId xmlns:a16="http://schemas.microsoft.com/office/drawing/2014/main" id="{5685145C-C5E1-47F3-9FE2-10D0DF6D4445}"/>
-              </a:ext>
-            </a:extLst>
-          </p:cNvPr>
-          <p:cNvSpPr/>
-          <p:nvPr/>
-        </p:nvSpPr>
-        <p:spPr>
-          <a:xfrm>
-            <a:off x="1664746" y="2841914"/>
-            <a:ext cx="8862497" cy="1057683"/>
-          </a:xfrm>
-          <a:prstGeom prst="rect">
-            <a:avLst/>
-          </a:prstGeom>
-        </p:spPr>
-        <p:style>
-          <a:lnRef idx="2">
-            <a:schemeClr val="accent6"/>
-          </a:lnRef>
-          <a:fillRef idx="1">
-            <a:schemeClr val="lt1"/>
-          </a:fillRef>
-          <a:effectRef idx="0">
-            <a:schemeClr val="accent6"/>
-          </a:effectRef>
-          <a:fontRef idx="minor">
-            <a:schemeClr val="dk1"/>
-          </a:fontRef>
-        </p:style>
-        <p:txBody>
-          <a:bodyPr rtlCol="0" anchor="ctr"/>
-          <a:lstStyle/>
-          <a:p>
-            <a:pPr algn="ctr"/>
-            <a:r>
-              <a:rPr lang="fr-FR" dirty="0"/>
-              <a:t>Affichage de graphique de valeurs</a:t>
-            </a:r>
-          </a:p>
-          <a:p>
-            <a:pPr algn="ctr"/>
-            <a:endParaRPr lang="fr-FR" dirty="0"/>
-          </a:p>
-          <a:p>
-            <a:pPr algn="ctr"/>
-            <a:r>
-              <a:rPr lang="fr-FR" dirty="0"/>
-              <a:t>Il y a les Module </a:t>
-            </a:r>
-            <a:r>
-              <a:rPr lang="fr-FR" dirty="0" err="1"/>
-              <a:t>QTCharts</a:t>
-            </a:r>
-            <a:r>
-              <a:rPr lang="fr-FR" dirty="0"/>
-              <a:t> / QWT du Framework QT</a:t>
-            </a:r>
-          </a:p>
-          <a:p>
-            <a:pPr algn="ctr"/>
-            <a:r>
-              <a:rPr lang="fr-FR" dirty="0"/>
-              <a:t>Nous avons fait notre widget car nous n’obtenions pas le résultat souhaité</a:t>
-            </a:r>
-          </a:p>
-        </p:txBody>
-      </p:sp>
-      <p:sp>
-        <p:nvSpPr>
-          <p:cNvPr id="8" name="Rectangle 7">
-            <a:extLst>
-              <a:ext uri="{FF2B5EF4-FFF2-40B4-BE49-F238E27FC236}">
-                <a16:creationId xmlns:a16="http://schemas.microsoft.com/office/drawing/2014/main" id="{50991D96-BE65-433D-A2CE-6D9F8F294684}"/>
-              </a:ext>
-            </a:extLst>
-          </p:cNvPr>
-          <p:cNvSpPr/>
-          <p:nvPr/>
-        </p:nvSpPr>
-        <p:spPr>
-          <a:xfrm>
-            <a:off x="1664746" y="4010009"/>
-            <a:ext cx="8862497" cy="1057683"/>
-          </a:xfrm>
-          <a:prstGeom prst="rect">
-            <a:avLst/>
-          </a:prstGeom>
-        </p:spPr>
-        <p:style>
-          <a:lnRef idx="2">
-            <a:schemeClr val="accent6"/>
-          </a:lnRef>
-          <a:fillRef idx="1">
-            <a:schemeClr val="lt1"/>
-          </a:fillRef>
-          <a:effectRef idx="0">
-            <a:schemeClr val="accent6"/>
-          </a:effectRef>
-          <a:fontRef idx="minor">
-            <a:schemeClr val="dk1"/>
-          </a:fontRef>
-        </p:style>
-        <p:txBody>
-          <a:bodyPr rtlCol="0" anchor="ctr"/>
-          <a:lstStyle/>
-          <a:p>
-            <a:pPr algn="ctr"/>
-            <a:r>
-              <a:rPr lang="fr-FR" dirty="0"/>
-              <a:t>Support de thèmes de couleurs</a:t>
-            </a:r>
-          </a:p>
-          <a:p>
-            <a:pPr algn="ctr"/>
-            <a:r>
-              <a:rPr lang="fr-FR" dirty="0"/>
-              <a:t>Module </a:t>
-            </a:r>
-            <a:r>
-              <a:rPr lang="fr-FR" dirty="0" err="1"/>
-              <a:t>StyleSheet</a:t>
-            </a:r>
-            <a:r>
-              <a:rPr lang="fr-FR" dirty="0"/>
-              <a:t> du Framework QT</a:t>
-            </a:r>
-          </a:p>
-        </p:txBody>
-      </p:sp>
-      <p:sp>
-        <p:nvSpPr>
-          <p:cNvPr id="9" name="Rectangle 8">
-            <a:extLst>
-              <a:ext uri="{FF2B5EF4-FFF2-40B4-BE49-F238E27FC236}">
-                <a16:creationId xmlns:a16="http://schemas.microsoft.com/office/drawing/2014/main" id="{234A9195-685C-4C79-94E3-36189D4981C9}"/>
-              </a:ext>
-            </a:extLst>
-          </p:cNvPr>
-          <p:cNvSpPr/>
-          <p:nvPr/>
-        </p:nvSpPr>
-        <p:spPr>
-          <a:xfrm>
-            <a:off x="1664745" y="5160237"/>
-            <a:ext cx="8862497" cy="1198089"/>
-          </a:xfrm>
-          <a:prstGeom prst="rect">
-            <a:avLst/>
-          </a:prstGeom>
-        </p:spPr>
-        <p:style>
-          <a:lnRef idx="2">
-            <a:schemeClr val="accent6"/>
-          </a:lnRef>
-          <a:fillRef idx="1">
-            <a:schemeClr val="lt1"/>
-          </a:fillRef>
-          <a:effectRef idx="0">
-            <a:schemeClr val="accent6"/>
-          </a:effectRef>
-          <a:fontRef idx="minor">
-            <a:schemeClr val="dk1"/>
-          </a:fontRef>
-        </p:style>
-        <p:txBody>
-          <a:bodyPr rtlCol="0" anchor="ctr"/>
-          <a:lstStyle/>
-          <a:p>
-            <a:pPr algn="ctr"/>
-            <a:r>
-              <a:rPr lang="fr-FR" dirty="0"/>
-              <a:t>Interface graphique</a:t>
-            </a:r>
-          </a:p>
-          <a:p>
-            <a:pPr algn="ctr"/>
-            <a:endParaRPr lang="fr-FR" dirty="0"/>
-          </a:p>
-          <a:p>
-            <a:pPr algn="ctr"/>
-            <a:r>
-              <a:rPr lang="fr-FR" dirty="0"/>
-              <a:t>Le module Widget du Framework QT</a:t>
-            </a:r>
-          </a:p>
-          <a:p>
-            <a:pPr algn="ctr"/>
-            <a:r>
-              <a:rPr lang="fr-FR" dirty="0"/>
-              <a:t>Qui nous offre aussi un designer intégré</a:t>
-            </a:r>
+        </p:txBody>
+      </p:sp>
+      <p:sp>
+        <p:nvSpPr>
+          <p:cNvPr id="4" name="Espace réservé de la date 3">
+            <a:extLst>
+              <a:ext uri="{FF2B5EF4-FFF2-40B4-BE49-F238E27FC236}">
+                <a16:creationId xmlns:a16="http://schemas.microsoft.com/office/drawing/2014/main" id="{030B0D3A-6441-43DC-BDBC-2E9EE16205E9}"/>
+              </a:ext>
+            </a:extLst>
+          </p:cNvPr>
+          <p:cNvSpPr>
+            <a:spLocks noGrp="1"/>
+          </p:cNvSpPr>
+          <p:nvPr>
+            <p:ph type="dt" sz="half" idx="10"/>
+          </p:nvPr>
+        </p:nvSpPr>
+        <p:spPr/>
+        <p:txBody>
+          <a:bodyPr/>
+          <a:lstStyle/>
+          <a:p>
+            <a:pPr rtl="0"/>
+            <a:fld id="{802FE938-1586-4780-B61A-DD3B60BAB93C}" type="datetime1">
+              <a:rPr lang="fr-FR" smtClean="0"/>
+              <a:t>23/06/2021</a:t>
+            </a:fld>
+            <a:endParaRPr lang="en-US"/>
           </a:p>
         </p:txBody>
       </p:sp>
     </p:spTree>
     <p:extLst>
       <p:ext uri="{BB962C8B-B14F-4D97-AF65-F5344CB8AC3E}">
-        <p14:creationId xmlns:p14="http://schemas.microsoft.com/office/powerpoint/2010/main" val="1062738418"/>
+        <p14:creationId xmlns:p14="http://schemas.microsoft.com/office/powerpoint/2010/main" val="4081931665"/>
       </p:ext>
     </p:extLst>
   </p:cSld>
@@ -16414,10 +16537,10 @@
       </p:grpSpPr>
       <p:sp>
         <p:nvSpPr>
-          <p:cNvPr id="5" name="Titre 4">
-            <a:extLst>
-              <a:ext uri="{FF2B5EF4-FFF2-40B4-BE49-F238E27FC236}">
-                <a16:creationId xmlns:a16="http://schemas.microsoft.com/office/drawing/2014/main" id="{B535D397-2E1B-4C1E-A392-E2A43916D949}"/>
+          <p:cNvPr id="2" name="Titre 1">
+            <a:extLst>
+              <a:ext uri="{FF2B5EF4-FFF2-40B4-BE49-F238E27FC236}">
+                <a16:creationId xmlns:a16="http://schemas.microsoft.com/office/drawing/2014/main" id="{EA53D9FC-3044-40B7-A8EB-EAB80F26D6FE}"/>
               </a:ext>
             </a:extLst>
           </p:cNvPr>
@@ -16425,27 +16548,29 @@
             <a:spLocks noGrp="1"/>
           </p:cNvSpPr>
           <p:nvPr>
-            <p:ph type="ctrTitle"/>
+            <p:ph type="title"/>
           </p:nvPr>
         </p:nvSpPr>
         <p:spPr/>
         <p:txBody>
-          <a:bodyPr/>
+          <a:bodyPr>
+            <a:normAutofit/>
+          </a:bodyPr>
           <a:lstStyle/>
           <a:p>
             <a:r>
               <a:rPr lang="fr-FR" dirty="0"/>
-              <a:t>REALISATION</a:t>
-            </a:r>
-          </a:p>
-        </p:txBody>
-      </p:sp>
-      <p:sp>
-        <p:nvSpPr>
-          <p:cNvPr id="6" name="Sous-titre 5">
-            <a:extLst>
-              <a:ext uri="{FF2B5EF4-FFF2-40B4-BE49-F238E27FC236}">
-                <a16:creationId xmlns:a16="http://schemas.microsoft.com/office/drawing/2014/main" id="{42DF712F-84EC-48F3-B510-83E590DD97F0}"/>
+              <a:t>Conception du Serveur</a:t>
+            </a:r>
+          </a:p>
+        </p:txBody>
+      </p:sp>
+      <p:sp>
+        <p:nvSpPr>
+          <p:cNvPr id="7" name="Espace réservé du texte 6">
+            <a:extLst>
+              <a:ext uri="{FF2B5EF4-FFF2-40B4-BE49-F238E27FC236}">
+                <a16:creationId xmlns:a16="http://schemas.microsoft.com/office/drawing/2014/main" id="{20C697DF-1E44-4814-A10D-46B212D46301}"/>
               </a:ext>
             </a:extLst>
           </p:cNvPr>
@@ -16453,7 +16578,7 @@
             <a:spLocks noGrp="1"/>
           </p:cNvSpPr>
           <p:nvPr>
-            <p:ph type="subTitle" idx="1"/>
+            <p:ph type="body" idx="1"/>
           </p:nvPr>
         </p:nvSpPr>
         <p:spPr/>
@@ -16461,12 +16586,6 @@
           <a:bodyPr/>
           <a:lstStyle/>
           <a:p>
-            <a:r>
-              <a:rPr lang="fr-FR" dirty="0"/>
-              <a:t>IMPLEMENTATION ITERATIVE / TESTS / DEBUG / AJOUT DE FONCTIONALITES</a:t>
-            </a:r>
-          </a:p>
-          <a:p>
             <a:endParaRPr lang="fr-FR" dirty="0"/>
           </a:p>
         </p:txBody>
@@ -16476,7 +16595,7 @@
           <p:cNvPr id="4" name="Espace réservé de la date 3">
             <a:extLst>
               <a:ext uri="{FF2B5EF4-FFF2-40B4-BE49-F238E27FC236}">
-                <a16:creationId xmlns:a16="http://schemas.microsoft.com/office/drawing/2014/main" id="{030B0D3A-6441-43DC-BDBC-2E9EE16205E9}"/>
+                <a16:creationId xmlns:a16="http://schemas.microsoft.com/office/drawing/2014/main" id="{60BDC591-8D09-4D49-88A2-408CD1604F69}"/>
               </a:ext>
             </a:extLst>
           </p:cNvPr>
@@ -16504,7 +16623,7 @@
     </p:spTree>
     <p:extLst>
       <p:ext uri="{BB962C8B-B14F-4D97-AF65-F5344CB8AC3E}">
-        <p14:creationId xmlns:p14="http://schemas.microsoft.com/office/powerpoint/2010/main" val="4081931665"/>
+        <p14:creationId xmlns:p14="http://schemas.microsoft.com/office/powerpoint/2010/main" val="794723267"/>
       </p:ext>
     </p:extLst>
   </p:cSld>
@@ -16536,7 +16655,7 @@
           <p:cNvPr id="2" name="Titre 1">
             <a:extLst>
               <a:ext uri="{FF2B5EF4-FFF2-40B4-BE49-F238E27FC236}">
-                <a16:creationId xmlns:a16="http://schemas.microsoft.com/office/drawing/2014/main" id="{EA53D9FC-3044-40B7-A8EB-EAB80F26D6FE}"/>
+                <a16:creationId xmlns:a16="http://schemas.microsoft.com/office/drawing/2014/main" id="{296ABAF4-16BB-455B-A989-DDDA21C0064D}"/>
               </a:ext>
             </a:extLst>
           </p:cNvPr>
@@ -16547,79 +16666,1827 @@
             <p:ph type="title"/>
           </p:nvPr>
         </p:nvSpPr>
-        <p:spPr/>
+        <p:spPr>
+          <a:xfrm>
+            <a:off x="1066800" y="536355"/>
+            <a:ext cx="10058400" cy="523296"/>
+          </a:xfrm>
+        </p:spPr>
         <p:txBody>
           <a:bodyPr>
-            <a:normAutofit/>
+            <a:noAutofit/>
           </a:bodyPr>
           <a:lstStyle/>
           <a:p>
             <a:r>
-              <a:rPr lang="fr-FR" dirty="0"/>
-              <a:t>Conception du Serveur</a:t>
-            </a:r>
-          </a:p>
-        </p:txBody>
-      </p:sp>
-      <p:sp>
-        <p:nvSpPr>
-          <p:cNvPr id="7" name="Espace réservé du texte 6">
-            <a:extLst>
-              <a:ext uri="{FF2B5EF4-FFF2-40B4-BE49-F238E27FC236}">
-                <a16:creationId xmlns:a16="http://schemas.microsoft.com/office/drawing/2014/main" id="{20C697DF-1E44-4814-A10D-46B212D46301}"/>
-              </a:ext>
-            </a:extLst>
-          </p:cNvPr>
-          <p:cNvSpPr>
-            <a:spLocks noGrp="1"/>
-          </p:cNvSpPr>
-          <p:nvPr>
-            <p:ph type="body" idx="1"/>
-          </p:nvPr>
-        </p:nvSpPr>
-        <p:spPr/>
-        <p:txBody>
-          <a:bodyPr/>
-          <a:lstStyle/>
-          <a:p>
-            <a:endParaRPr lang="fr-FR" dirty="0"/>
-          </a:p>
-        </p:txBody>
-      </p:sp>
-      <p:sp>
-        <p:nvSpPr>
-          <p:cNvPr id="4" name="Espace réservé de la date 3">
-            <a:extLst>
-              <a:ext uri="{FF2B5EF4-FFF2-40B4-BE49-F238E27FC236}">
-                <a16:creationId xmlns:a16="http://schemas.microsoft.com/office/drawing/2014/main" id="{60BDC591-8D09-4D49-88A2-408CD1604F69}"/>
-              </a:ext>
-            </a:extLst>
-          </p:cNvPr>
-          <p:cNvSpPr>
-            <a:spLocks noGrp="1"/>
-          </p:cNvSpPr>
-          <p:nvPr>
-            <p:ph type="dt" sz="half" idx="10"/>
-          </p:nvPr>
-        </p:nvSpPr>
-        <p:spPr/>
-        <p:txBody>
-          <a:bodyPr/>
-          <a:lstStyle/>
-          <a:p>
-            <a:pPr rtl="0"/>
-            <a:fld id="{802FE938-1586-4780-B61A-DD3B60BAB93C}" type="datetime1">
-              <a:rPr lang="fr-FR" smtClean="0"/>
-              <a:t>23/06/2021</a:t>
-            </a:fld>
-            <a:endParaRPr lang="en-US"/>
-          </a:p>
-        </p:txBody>
-      </p:sp>
+              <a:rPr lang="fr-FR" sz="3200" dirty="0"/>
+              <a:t>Architecture du Serveur  (Coté Raspberry PI)</a:t>
+            </a:r>
+          </a:p>
+        </p:txBody>
+      </p:sp>
+      <p:sp>
+        <p:nvSpPr>
+          <p:cNvPr id="311" name="Rectangle 310">
+            <a:extLst>
+              <a:ext uri="{FF2B5EF4-FFF2-40B4-BE49-F238E27FC236}">
+                <a16:creationId xmlns:a16="http://schemas.microsoft.com/office/drawing/2014/main" id="{20C17B98-C34D-4FA2-ACC4-AD3C7E98A27E}"/>
+              </a:ext>
+            </a:extLst>
+          </p:cNvPr>
+          <p:cNvSpPr/>
+          <p:nvPr/>
+        </p:nvSpPr>
+        <p:spPr>
+          <a:xfrm>
+            <a:off x="10824358" y="962938"/>
+            <a:ext cx="925644" cy="243041"/>
+          </a:xfrm>
+          <a:prstGeom prst="rect">
+            <a:avLst/>
+          </a:prstGeom>
+        </p:spPr>
+        <p:style>
+          <a:lnRef idx="0">
+            <a:schemeClr val="accent3"/>
+          </a:lnRef>
+          <a:fillRef idx="3">
+            <a:schemeClr val="accent3"/>
+          </a:fillRef>
+          <a:effectRef idx="3">
+            <a:schemeClr val="accent3"/>
+          </a:effectRef>
+          <a:fontRef idx="minor">
+            <a:schemeClr val="lt1"/>
+          </a:fontRef>
+        </p:style>
+        <p:txBody>
+          <a:bodyPr rtlCol="0" anchor="ctr"/>
+          <a:lstStyle/>
+          <a:p>
+            <a:pPr algn="ctr"/>
+            <a:r>
+              <a:rPr lang="fr-FR" sz="1100" dirty="0"/>
+              <a:t>Contrôleur</a:t>
+            </a:r>
+          </a:p>
+        </p:txBody>
+      </p:sp>
+      <p:sp>
+        <p:nvSpPr>
+          <p:cNvPr id="312" name="Rectangle 311">
+            <a:extLst>
+              <a:ext uri="{FF2B5EF4-FFF2-40B4-BE49-F238E27FC236}">
+                <a16:creationId xmlns:a16="http://schemas.microsoft.com/office/drawing/2014/main" id="{2645C789-F2E9-4783-8750-9625A8C98EFB}"/>
+              </a:ext>
+            </a:extLst>
+          </p:cNvPr>
+          <p:cNvSpPr/>
+          <p:nvPr/>
+        </p:nvSpPr>
+        <p:spPr>
+          <a:xfrm>
+            <a:off x="10824356" y="684400"/>
+            <a:ext cx="925645" cy="243041"/>
+          </a:xfrm>
+          <a:prstGeom prst="rect">
+            <a:avLst/>
+          </a:prstGeom>
+        </p:spPr>
+        <p:style>
+          <a:lnRef idx="0">
+            <a:schemeClr val="accent1"/>
+          </a:lnRef>
+          <a:fillRef idx="3">
+            <a:schemeClr val="accent1"/>
+          </a:fillRef>
+          <a:effectRef idx="3">
+            <a:schemeClr val="accent1"/>
+          </a:effectRef>
+          <a:fontRef idx="minor">
+            <a:schemeClr val="lt1"/>
+          </a:fontRef>
+        </p:style>
+        <p:txBody>
+          <a:bodyPr rtlCol="0" anchor="ctr"/>
+          <a:lstStyle/>
+          <a:p>
+            <a:pPr algn="ctr"/>
+            <a:r>
+              <a:rPr lang="fr-FR" sz="1100" dirty="0" err="1"/>
+              <a:t>Modele</a:t>
+            </a:r>
+            <a:endParaRPr lang="fr-FR" sz="1100" dirty="0"/>
+          </a:p>
+        </p:txBody>
+      </p:sp>
+      <p:sp>
+        <p:nvSpPr>
+          <p:cNvPr id="314" name="Rectangle 313">
+            <a:extLst>
+              <a:ext uri="{FF2B5EF4-FFF2-40B4-BE49-F238E27FC236}">
+                <a16:creationId xmlns:a16="http://schemas.microsoft.com/office/drawing/2014/main" id="{3E0A4216-081A-46EF-85A6-0008E988A272}"/>
+              </a:ext>
+            </a:extLst>
+          </p:cNvPr>
+          <p:cNvSpPr/>
+          <p:nvPr/>
+        </p:nvSpPr>
+        <p:spPr>
+          <a:xfrm>
+            <a:off x="10824356" y="409940"/>
+            <a:ext cx="925644" cy="243041"/>
+          </a:xfrm>
+          <a:prstGeom prst="rect">
+            <a:avLst/>
+          </a:prstGeom>
+        </p:spPr>
+        <p:style>
+          <a:lnRef idx="0">
+            <a:schemeClr val="accent5"/>
+          </a:lnRef>
+          <a:fillRef idx="3">
+            <a:schemeClr val="accent5"/>
+          </a:fillRef>
+          <a:effectRef idx="3">
+            <a:schemeClr val="accent5"/>
+          </a:effectRef>
+          <a:fontRef idx="minor">
+            <a:schemeClr val="lt1"/>
+          </a:fontRef>
+        </p:style>
+        <p:txBody>
+          <a:bodyPr rtlCol="0" anchor="ctr"/>
+          <a:lstStyle/>
+          <a:p>
+            <a:pPr algn="ctr"/>
+            <a:r>
+              <a:rPr lang="fr-FR" sz="1100" dirty="0"/>
+              <a:t>Vue</a:t>
+            </a:r>
+          </a:p>
+        </p:txBody>
+      </p:sp>
+      <p:sp>
+        <p:nvSpPr>
+          <p:cNvPr id="11" name="Rectangle 10">
+            <a:extLst>
+              <a:ext uri="{FF2B5EF4-FFF2-40B4-BE49-F238E27FC236}">
+                <a16:creationId xmlns:a16="http://schemas.microsoft.com/office/drawing/2014/main" id="{8F4D9E85-AB59-4590-87F4-12A1E2F04275}"/>
+              </a:ext>
+            </a:extLst>
+          </p:cNvPr>
+          <p:cNvSpPr/>
+          <p:nvPr/>
+        </p:nvSpPr>
+        <p:spPr>
+          <a:xfrm>
+            <a:off x="440879" y="5830263"/>
+            <a:ext cx="1967764" cy="555812"/>
+          </a:xfrm>
+          <a:prstGeom prst="rect">
+            <a:avLst/>
+          </a:prstGeom>
+        </p:spPr>
+        <p:style>
+          <a:lnRef idx="0">
+            <a:schemeClr val="accent5"/>
+          </a:lnRef>
+          <a:fillRef idx="3">
+            <a:schemeClr val="accent5"/>
+          </a:fillRef>
+          <a:effectRef idx="3">
+            <a:schemeClr val="accent5"/>
+          </a:effectRef>
+          <a:fontRef idx="minor">
+            <a:schemeClr val="lt1"/>
+          </a:fontRef>
+        </p:style>
+        <p:txBody>
+          <a:bodyPr rtlCol="0" anchor="ctr"/>
+          <a:lstStyle/>
+          <a:p>
+            <a:pPr algn="ctr"/>
+            <a:r>
+              <a:rPr lang="fr-FR" sz="1400" dirty="0"/>
+              <a:t>Ecoute sur port HTTP</a:t>
+            </a:r>
+          </a:p>
+          <a:p>
+            <a:pPr algn="ctr"/>
+            <a:r>
+              <a:rPr lang="fr-FR" sz="1400" dirty="0"/>
+              <a:t>Avec UV-CPP</a:t>
+            </a:r>
+          </a:p>
+        </p:txBody>
+      </p:sp>
+      <p:sp>
+        <p:nvSpPr>
+          <p:cNvPr id="42" name="Rectangle 41">
+            <a:extLst>
+              <a:ext uri="{FF2B5EF4-FFF2-40B4-BE49-F238E27FC236}">
+                <a16:creationId xmlns:a16="http://schemas.microsoft.com/office/drawing/2014/main" id="{56C8CF81-3185-45FB-B834-E3AA3B25E9DA}"/>
+              </a:ext>
+            </a:extLst>
+          </p:cNvPr>
+          <p:cNvSpPr/>
+          <p:nvPr/>
+        </p:nvSpPr>
+        <p:spPr>
+          <a:xfrm>
+            <a:off x="9777985" y="3894370"/>
+            <a:ext cx="1972016" cy="975089"/>
+          </a:xfrm>
+          <a:prstGeom prst="rect">
+            <a:avLst/>
+          </a:prstGeom>
+        </p:spPr>
+        <p:style>
+          <a:lnRef idx="0">
+            <a:schemeClr val="accent3"/>
+          </a:lnRef>
+          <a:fillRef idx="3">
+            <a:schemeClr val="accent3"/>
+          </a:fillRef>
+          <a:effectRef idx="3">
+            <a:schemeClr val="accent3"/>
+          </a:effectRef>
+          <a:fontRef idx="minor">
+            <a:schemeClr val="lt1"/>
+          </a:fontRef>
+        </p:style>
+        <p:txBody>
+          <a:bodyPr rtlCol="0" anchor="ctr"/>
+          <a:lstStyle/>
+          <a:p>
+            <a:pPr algn="ctr"/>
+            <a:endParaRPr lang="fr-FR" sz="1400" dirty="0"/>
+          </a:p>
+        </p:txBody>
+      </p:sp>
+      <p:sp>
+        <p:nvSpPr>
+          <p:cNvPr id="43" name="Rectangle 42">
+            <a:extLst>
+              <a:ext uri="{FF2B5EF4-FFF2-40B4-BE49-F238E27FC236}">
+                <a16:creationId xmlns:a16="http://schemas.microsoft.com/office/drawing/2014/main" id="{FC7573CE-2D75-4C5A-ABD7-ED850431BBFE}"/>
+              </a:ext>
+            </a:extLst>
+          </p:cNvPr>
+          <p:cNvSpPr/>
+          <p:nvPr/>
+        </p:nvSpPr>
+        <p:spPr>
+          <a:xfrm>
+            <a:off x="9980708" y="5682617"/>
+            <a:ext cx="1600146" cy="686448"/>
+          </a:xfrm>
+          <a:prstGeom prst="rect">
+            <a:avLst/>
+          </a:prstGeom>
+        </p:spPr>
+        <p:style>
+          <a:lnRef idx="0">
+            <a:schemeClr val="accent5"/>
+          </a:lnRef>
+          <a:fillRef idx="3">
+            <a:schemeClr val="accent5"/>
+          </a:fillRef>
+          <a:effectRef idx="3">
+            <a:schemeClr val="accent5"/>
+          </a:effectRef>
+          <a:fontRef idx="minor">
+            <a:schemeClr val="lt1"/>
+          </a:fontRef>
+        </p:style>
+        <p:txBody>
+          <a:bodyPr rtlCol="0" anchor="ctr"/>
+          <a:lstStyle/>
+          <a:p>
+            <a:pPr algn="ctr"/>
+            <a:r>
+              <a:rPr lang="fr-FR" sz="1400" dirty="0"/>
+              <a:t>Mise a dispo sur le port HTTP via UV-CPP</a:t>
+            </a:r>
+          </a:p>
+        </p:txBody>
+      </p:sp>
+      <p:sp>
+        <p:nvSpPr>
+          <p:cNvPr id="44" name="Rectangle 43">
+            <a:extLst>
+              <a:ext uri="{FF2B5EF4-FFF2-40B4-BE49-F238E27FC236}">
+                <a16:creationId xmlns:a16="http://schemas.microsoft.com/office/drawing/2014/main" id="{EE2A45C9-876F-4E3A-86DC-3C4AB90DAC32}"/>
+              </a:ext>
+            </a:extLst>
+          </p:cNvPr>
+          <p:cNvSpPr/>
+          <p:nvPr/>
+        </p:nvSpPr>
+        <p:spPr>
+          <a:xfrm>
+            <a:off x="5491550" y="3637696"/>
+            <a:ext cx="1208900" cy="566771"/>
+          </a:xfrm>
+          <a:prstGeom prst="rect">
+            <a:avLst/>
+          </a:prstGeom>
+        </p:spPr>
+        <p:style>
+          <a:lnRef idx="0">
+            <a:schemeClr val="accent3"/>
+          </a:lnRef>
+          <a:fillRef idx="3">
+            <a:schemeClr val="accent3"/>
+          </a:fillRef>
+          <a:effectRef idx="3">
+            <a:schemeClr val="accent3"/>
+          </a:effectRef>
+          <a:fontRef idx="minor">
+            <a:schemeClr val="lt1"/>
+          </a:fontRef>
+        </p:style>
+        <p:txBody>
+          <a:bodyPr rtlCol="0" anchor="ctr"/>
+          <a:lstStyle/>
+          <a:p>
+            <a:pPr algn="ctr"/>
+            <a:r>
+              <a:rPr lang="fr-FR" sz="1400" dirty="0"/>
+              <a:t>Déclencher une mesure</a:t>
+            </a:r>
+          </a:p>
+        </p:txBody>
+      </p:sp>
+      <p:sp>
+        <p:nvSpPr>
+          <p:cNvPr id="58" name="Rectangle 57">
+            <a:extLst>
+              <a:ext uri="{FF2B5EF4-FFF2-40B4-BE49-F238E27FC236}">
+                <a16:creationId xmlns:a16="http://schemas.microsoft.com/office/drawing/2014/main" id="{3C64711D-EBA3-43E1-AC0B-EED7FE84EECF}"/>
+              </a:ext>
+            </a:extLst>
+          </p:cNvPr>
+          <p:cNvSpPr/>
+          <p:nvPr/>
+        </p:nvSpPr>
+        <p:spPr>
+          <a:xfrm>
+            <a:off x="6953761" y="3579788"/>
+            <a:ext cx="2230689" cy="686449"/>
+          </a:xfrm>
+          <a:prstGeom prst="rect">
+            <a:avLst/>
+          </a:prstGeom>
+        </p:spPr>
+        <p:style>
+          <a:lnRef idx="0">
+            <a:schemeClr val="accent3"/>
+          </a:lnRef>
+          <a:fillRef idx="3">
+            <a:schemeClr val="accent3"/>
+          </a:fillRef>
+          <a:effectRef idx="3">
+            <a:schemeClr val="accent3"/>
+          </a:effectRef>
+          <a:fontRef idx="minor">
+            <a:schemeClr val="lt1"/>
+          </a:fontRef>
+        </p:style>
+        <p:txBody>
+          <a:bodyPr rtlCol="0" anchor="ctr"/>
+          <a:lstStyle/>
+          <a:p>
+            <a:pPr algn="ctr"/>
+            <a:r>
+              <a:rPr lang="fr-FR" sz="1400" dirty="0"/>
+              <a:t>Récupération des données du Hardware</a:t>
+            </a:r>
+          </a:p>
+        </p:txBody>
+      </p:sp>
+      <p:sp>
+        <p:nvSpPr>
+          <p:cNvPr id="59" name="Rectangle 58">
+            <a:extLst>
+              <a:ext uri="{FF2B5EF4-FFF2-40B4-BE49-F238E27FC236}">
+                <a16:creationId xmlns:a16="http://schemas.microsoft.com/office/drawing/2014/main" id="{E5F2C640-D791-4AB5-B48B-51CFFBA169A6}"/>
+              </a:ext>
+            </a:extLst>
+          </p:cNvPr>
+          <p:cNvSpPr/>
+          <p:nvPr/>
+        </p:nvSpPr>
+        <p:spPr>
+          <a:xfrm>
+            <a:off x="7489291" y="5851643"/>
+            <a:ext cx="1177107" cy="465502"/>
+          </a:xfrm>
+          <a:prstGeom prst="rect">
+            <a:avLst/>
+          </a:prstGeom>
+        </p:spPr>
+        <p:style>
+          <a:lnRef idx="0">
+            <a:schemeClr val="accent1"/>
+          </a:lnRef>
+          <a:fillRef idx="3">
+            <a:schemeClr val="accent1"/>
+          </a:fillRef>
+          <a:effectRef idx="3">
+            <a:schemeClr val="accent1"/>
+          </a:effectRef>
+          <a:fontRef idx="minor">
+            <a:schemeClr val="lt1"/>
+          </a:fontRef>
+        </p:style>
+        <p:txBody>
+          <a:bodyPr rtlCol="0" anchor="ctr"/>
+          <a:lstStyle/>
+          <a:p>
+            <a:pPr algn="ctr"/>
+            <a:r>
+              <a:rPr lang="fr-FR" sz="1400" dirty="0"/>
+              <a:t>SQLITE</a:t>
+            </a:r>
+          </a:p>
+        </p:txBody>
+      </p:sp>
+      <p:sp>
+        <p:nvSpPr>
+          <p:cNvPr id="60" name="Rectangle 59">
+            <a:extLst>
+              <a:ext uri="{FF2B5EF4-FFF2-40B4-BE49-F238E27FC236}">
+                <a16:creationId xmlns:a16="http://schemas.microsoft.com/office/drawing/2014/main" id="{65B31F97-B060-40B6-8FB4-7D1C5EB65A59}"/>
+              </a:ext>
+            </a:extLst>
+          </p:cNvPr>
+          <p:cNvSpPr/>
+          <p:nvPr/>
+        </p:nvSpPr>
+        <p:spPr>
+          <a:xfrm>
+            <a:off x="10824356" y="1237398"/>
+            <a:ext cx="925644" cy="243041"/>
+          </a:xfrm>
+          <a:prstGeom prst="rect">
+            <a:avLst/>
+          </a:prstGeom>
+          <a:solidFill>
+            <a:schemeClr val="accent2">
+              <a:lumMod val="60000"/>
+              <a:lumOff val="40000"/>
+            </a:schemeClr>
+          </a:solidFill>
+        </p:spPr>
+        <p:style>
+          <a:lnRef idx="0">
+            <a:schemeClr val="accent4"/>
+          </a:lnRef>
+          <a:fillRef idx="3">
+            <a:schemeClr val="accent4"/>
+          </a:fillRef>
+          <a:effectRef idx="3">
+            <a:schemeClr val="accent4"/>
+          </a:effectRef>
+          <a:fontRef idx="minor">
+            <a:schemeClr val="lt1"/>
+          </a:fontRef>
+        </p:style>
+        <p:txBody>
+          <a:bodyPr rtlCol="0" anchor="ctr"/>
+          <a:lstStyle/>
+          <a:p>
+            <a:pPr algn="ctr"/>
+            <a:r>
+              <a:rPr lang="fr-FR" sz="1100" dirty="0"/>
+              <a:t>Hardware</a:t>
+            </a:r>
+          </a:p>
+        </p:txBody>
+      </p:sp>
+      <p:sp>
+        <p:nvSpPr>
+          <p:cNvPr id="63" name="Rectangle 62">
+            <a:extLst>
+              <a:ext uri="{FF2B5EF4-FFF2-40B4-BE49-F238E27FC236}">
+                <a16:creationId xmlns:a16="http://schemas.microsoft.com/office/drawing/2014/main" id="{338E7B02-76AF-414F-9FC4-24815E133B45}"/>
+              </a:ext>
+            </a:extLst>
+          </p:cNvPr>
+          <p:cNvSpPr/>
+          <p:nvPr/>
+        </p:nvSpPr>
+        <p:spPr>
+          <a:xfrm>
+            <a:off x="739590" y="4145064"/>
+            <a:ext cx="1370341" cy="724395"/>
+          </a:xfrm>
+          <a:prstGeom prst="rect">
+            <a:avLst/>
+          </a:prstGeom>
+        </p:spPr>
+        <p:style>
+          <a:lnRef idx="0">
+            <a:schemeClr val="accent3"/>
+          </a:lnRef>
+          <a:fillRef idx="3">
+            <a:schemeClr val="accent3"/>
+          </a:fillRef>
+          <a:effectRef idx="3">
+            <a:schemeClr val="accent3"/>
+          </a:effectRef>
+          <a:fontRef idx="minor">
+            <a:schemeClr val="lt1"/>
+          </a:fontRef>
+        </p:style>
+        <p:txBody>
+          <a:bodyPr rtlCol="0" anchor="ctr"/>
+          <a:lstStyle/>
+          <a:p>
+            <a:pPr algn="ctr"/>
+            <a:r>
+              <a:rPr lang="fr-FR" sz="1400" dirty="0"/>
+              <a:t>Analyse de la requête</a:t>
+            </a:r>
+          </a:p>
+        </p:txBody>
+      </p:sp>
+      <p:sp>
+        <p:nvSpPr>
+          <p:cNvPr id="65" name="Rectangle 64">
+            <a:extLst>
+              <a:ext uri="{FF2B5EF4-FFF2-40B4-BE49-F238E27FC236}">
+                <a16:creationId xmlns:a16="http://schemas.microsoft.com/office/drawing/2014/main" id="{AB26903F-647D-436D-99DA-A60B934DE888}"/>
+              </a:ext>
+            </a:extLst>
+          </p:cNvPr>
+          <p:cNvSpPr/>
+          <p:nvPr/>
+        </p:nvSpPr>
+        <p:spPr>
+          <a:xfrm>
+            <a:off x="2617696" y="4658605"/>
+            <a:ext cx="3360922" cy="932010"/>
+          </a:xfrm>
+          <a:prstGeom prst="rect">
+            <a:avLst/>
+          </a:prstGeom>
+        </p:spPr>
+        <p:style>
+          <a:lnRef idx="0">
+            <a:schemeClr val="accent3"/>
+          </a:lnRef>
+          <a:fillRef idx="3">
+            <a:schemeClr val="accent3"/>
+          </a:fillRef>
+          <a:effectRef idx="3">
+            <a:schemeClr val="accent3"/>
+          </a:effectRef>
+          <a:fontRef idx="minor">
+            <a:schemeClr val="lt1"/>
+          </a:fontRef>
+        </p:style>
+        <p:txBody>
+          <a:bodyPr rtlCol="0" anchor="ctr"/>
+          <a:lstStyle/>
+          <a:p>
+            <a:pPr algn="ctr"/>
+            <a:r>
+              <a:rPr lang="fr-FR" sz="1400" dirty="0"/>
+              <a:t>Requête 2</a:t>
+            </a:r>
+          </a:p>
+          <a:p>
+            <a:pPr algn="ctr"/>
+            <a:r>
+              <a:rPr lang="fr-FR" sz="1400" dirty="0"/>
+              <a:t>Historique du capteur sur 12 valeurs</a:t>
+            </a:r>
+          </a:p>
+          <a:p>
+            <a:pPr algn="ctr"/>
+            <a:endParaRPr lang="fr-FR" sz="1400" dirty="0"/>
+          </a:p>
+        </p:txBody>
+      </p:sp>
+      <p:cxnSp>
+        <p:nvCxnSpPr>
+          <p:cNvPr id="19" name="Connecteur droit avec flèche 18">
+            <a:extLst>
+              <a:ext uri="{FF2B5EF4-FFF2-40B4-BE49-F238E27FC236}">
+                <a16:creationId xmlns:a16="http://schemas.microsoft.com/office/drawing/2014/main" id="{FE0FE8CA-A176-42CE-BB2A-27ADDC79D1DC}"/>
+              </a:ext>
+            </a:extLst>
+          </p:cNvPr>
+          <p:cNvCxnSpPr>
+            <a:cxnSpLocks/>
+            <a:stCxn id="11" idx="0"/>
+            <a:endCxn id="63" idx="2"/>
+          </p:cNvCxnSpPr>
+          <p:nvPr/>
+        </p:nvCxnSpPr>
+        <p:spPr>
+          <a:xfrm flipV="1">
+            <a:off x="1424761" y="4869459"/>
+            <a:ext cx="0" cy="960804"/>
+          </a:xfrm>
+          <a:prstGeom prst="straightConnector1">
+            <a:avLst/>
+          </a:prstGeom>
+          <a:ln w="57150">
+            <a:tailEnd type="triangle"/>
+          </a:ln>
+        </p:spPr>
+        <p:style>
+          <a:lnRef idx="3">
+            <a:schemeClr val="accent5"/>
+          </a:lnRef>
+          <a:fillRef idx="0">
+            <a:schemeClr val="accent5"/>
+          </a:fillRef>
+          <a:effectRef idx="2">
+            <a:schemeClr val="accent5"/>
+          </a:effectRef>
+          <a:fontRef idx="minor">
+            <a:schemeClr val="tx1"/>
+          </a:fontRef>
+        </p:style>
+      </p:cxnSp>
+      <p:cxnSp>
+        <p:nvCxnSpPr>
+          <p:cNvPr id="25" name="Connecteur droit avec flèche 24">
+            <a:extLst>
+              <a:ext uri="{FF2B5EF4-FFF2-40B4-BE49-F238E27FC236}">
+                <a16:creationId xmlns:a16="http://schemas.microsoft.com/office/drawing/2014/main" id="{E9B4F06D-5F18-4303-9C4E-ED469E94EBCE}"/>
+              </a:ext>
+            </a:extLst>
+          </p:cNvPr>
+          <p:cNvCxnSpPr>
+            <a:cxnSpLocks/>
+            <a:stCxn id="63" idx="3"/>
+            <a:endCxn id="143" idx="1"/>
+          </p:cNvCxnSpPr>
+          <p:nvPr/>
+        </p:nvCxnSpPr>
+        <p:spPr>
+          <a:xfrm flipV="1">
+            <a:off x="2109931" y="3909374"/>
+            <a:ext cx="507764" cy="597888"/>
+          </a:xfrm>
+          <a:prstGeom prst="straightConnector1">
+            <a:avLst/>
+          </a:prstGeom>
+          <a:ln w="57150">
+            <a:tailEnd type="triangle"/>
+          </a:ln>
+        </p:spPr>
+        <p:style>
+          <a:lnRef idx="3">
+            <a:schemeClr val="accent3"/>
+          </a:lnRef>
+          <a:fillRef idx="0">
+            <a:schemeClr val="accent3"/>
+          </a:fillRef>
+          <a:effectRef idx="2">
+            <a:schemeClr val="accent3"/>
+          </a:effectRef>
+          <a:fontRef idx="minor">
+            <a:schemeClr val="tx1"/>
+          </a:fontRef>
+        </p:style>
+      </p:cxnSp>
+      <p:cxnSp>
+        <p:nvCxnSpPr>
+          <p:cNvPr id="74" name="Connecteur droit avec flèche 73">
+            <a:extLst>
+              <a:ext uri="{FF2B5EF4-FFF2-40B4-BE49-F238E27FC236}">
+                <a16:creationId xmlns:a16="http://schemas.microsoft.com/office/drawing/2014/main" id="{AD944234-5FD6-424C-86C5-02A33C860722}"/>
+              </a:ext>
+            </a:extLst>
+          </p:cNvPr>
+          <p:cNvCxnSpPr>
+            <a:cxnSpLocks/>
+            <a:stCxn id="63" idx="3"/>
+            <a:endCxn id="65" idx="1"/>
+          </p:cNvCxnSpPr>
+          <p:nvPr/>
+        </p:nvCxnSpPr>
+        <p:spPr>
+          <a:xfrm>
+            <a:off x="2109931" y="4507262"/>
+            <a:ext cx="507765" cy="617348"/>
+          </a:xfrm>
+          <a:prstGeom prst="straightConnector1">
+            <a:avLst/>
+          </a:prstGeom>
+          <a:ln w="57150">
+            <a:tailEnd type="triangle"/>
+          </a:ln>
+        </p:spPr>
+        <p:style>
+          <a:lnRef idx="3">
+            <a:schemeClr val="accent3"/>
+          </a:lnRef>
+          <a:fillRef idx="0">
+            <a:schemeClr val="accent3"/>
+          </a:fillRef>
+          <a:effectRef idx="2">
+            <a:schemeClr val="accent3"/>
+          </a:effectRef>
+          <a:fontRef idx="minor">
+            <a:schemeClr val="tx1"/>
+          </a:fontRef>
+        </p:style>
+      </p:cxnSp>
+      <p:cxnSp>
+        <p:nvCxnSpPr>
+          <p:cNvPr id="83" name="Connecteur droit avec flèche 82">
+            <a:extLst>
+              <a:ext uri="{FF2B5EF4-FFF2-40B4-BE49-F238E27FC236}">
+                <a16:creationId xmlns:a16="http://schemas.microsoft.com/office/drawing/2014/main" id="{A43DCBAC-A7A8-4177-8E2F-8F918190436D}"/>
+              </a:ext>
+            </a:extLst>
+          </p:cNvPr>
+          <p:cNvCxnSpPr>
+            <a:cxnSpLocks/>
+            <a:stCxn id="44" idx="3"/>
+            <a:endCxn id="58" idx="1"/>
+          </p:cNvCxnSpPr>
+          <p:nvPr/>
+        </p:nvCxnSpPr>
+        <p:spPr>
+          <a:xfrm>
+            <a:off x="6700450" y="3921082"/>
+            <a:ext cx="253311" cy="1931"/>
+          </a:xfrm>
+          <a:prstGeom prst="straightConnector1">
+            <a:avLst/>
+          </a:prstGeom>
+          <a:ln w="57150">
+            <a:tailEnd type="triangle"/>
+          </a:ln>
+        </p:spPr>
+        <p:style>
+          <a:lnRef idx="3">
+            <a:schemeClr val="accent3"/>
+          </a:lnRef>
+          <a:fillRef idx="0">
+            <a:schemeClr val="accent3"/>
+          </a:fillRef>
+          <a:effectRef idx="2">
+            <a:schemeClr val="accent3"/>
+          </a:effectRef>
+          <a:fontRef idx="minor">
+            <a:schemeClr val="tx1"/>
+          </a:fontRef>
+        </p:style>
+      </p:cxnSp>
+      <p:cxnSp>
+        <p:nvCxnSpPr>
+          <p:cNvPr id="96" name="Connecteur droit avec flèche 95">
+            <a:extLst>
+              <a:ext uri="{FF2B5EF4-FFF2-40B4-BE49-F238E27FC236}">
+                <a16:creationId xmlns:a16="http://schemas.microsoft.com/office/drawing/2014/main" id="{40589979-DB7B-4845-B225-E06C6397511A}"/>
+              </a:ext>
+            </a:extLst>
+          </p:cNvPr>
+          <p:cNvCxnSpPr>
+            <a:cxnSpLocks/>
+            <a:stCxn id="58" idx="3"/>
+            <a:endCxn id="42" idx="1"/>
+          </p:cNvCxnSpPr>
+          <p:nvPr/>
+        </p:nvCxnSpPr>
+        <p:spPr>
+          <a:xfrm>
+            <a:off x="9184450" y="3923013"/>
+            <a:ext cx="593535" cy="458902"/>
+          </a:xfrm>
+          <a:prstGeom prst="straightConnector1">
+            <a:avLst/>
+          </a:prstGeom>
+          <a:ln w="57150">
+            <a:tailEnd type="triangle"/>
+          </a:ln>
+        </p:spPr>
+        <p:style>
+          <a:lnRef idx="3">
+            <a:schemeClr val="accent3"/>
+          </a:lnRef>
+          <a:fillRef idx="0">
+            <a:schemeClr val="accent3"/>
+          </a:fillRef>
+          <a:effectRef idx="2">
+            <a:schemeClr val="accent3"/>
+          </a:effectRef>
+          <a:fontRef idx="minor">
+            <a:schemeClr val="tx1"/>
+          </a:fontRef>
+        </p:style>
+      </p:cxnSp>
+      <p:cxnSp>
+        <p:nvCxnSpPr>
+          <p:cNvPr id="99" name="Connecteur droit avec flèche 98">
+            <a:extLst>
+              <a:ext uri="{FF2B5EF4-FFF2-40B4-BE49-F238E27FC236}">
+                <a16:creationId xmlns:a16="http://schemas.microsoft.com/office/drawing/2014/main" id="{57980A6F-B94C-4FC9-A1AD-D8DA3117B382}"/>
+              </a:ext>
+            </a:extLst>
+          </p:cNvPr>
+          <p:cNvCxnSpPr>
+            <a:cxnSpLocks/>
+            <a:stCxn id="143" idx="3"/>
+            <a:endCxn id="44" idx="1"/>
+          </p:cNvCxnSpPr>
+          <p:nvPr/>
+        </p:nvCxnSpPr>
+        <p:spPr>
+          <a:xfrm>
+            <a:off x="5215267" y="3909374"/>
+            <a:ext cx="276283" cy="11708"/>
+          </a:xfrm>
+          <a:prstGeom prst="straightConnector1">
+            <a:avLst/>
+          </a:prstGeom>
+          <a:ln w="57150">
+            <a:tailEnd type="triangle"/>
+          </a:ln>
+        </p:spPr>
+        <p:style>
+          <a:lnRef idx="3">
+            <a:schemeClr val="accent3"/>
+          </a:lnRef>
+          <a:fillRef idx="0">
+            <a:schemeClr val="accent3"/>
+          </a:fillRef>
+          <a:effectRef idx="2">
+            <a:schemeClr val="accent3"/>
+          </a:effectRef>
+          <a:fontRef idx="minor">
+            <a:schemeClr val="tx1"/>
+          </a:fontRef>
+        </p:style>
+      </p:cxnSp>
+      <p:sp>
+        <p:nvSpPr>
+          <p:cNvPr id="143" name="Rectangle 142">
+            <a:extLst>
+              <a:ext uri="{FF2B5EF4-FFF2-40B4-BE49-F238E27FC236}">
+                <a16:creationId xmlns:a16="http://schemas.microsoft.com/office/drawing/2014/main" id="{D6EDB143-48F0-4383-AD73-A3385158FA66}"/>
+              </a:ext>
+            </a:extLst>
+          </p:cNvPr>
+          <p:cNvSpPr/>
+          <p:nvPr/>
+        </p:nvSpPr>
+        <p:spPr>
+          <a:xfrm>
+            <a:off x="2617695" y="3459747"/>
+            <a:ext cx="2597572" cy="899253"/>
+          </a:xfrm>
+          <a:prstGeom prst="rect">
+            <a:avLst/>
+          </a:prstGeom>
+        </p:spPr>
+        <p:style>
+          <a:lnRef idx="0">
+            <a:schemeClr val="accent3"/>
+          </a:lnRef>
+          <a:fillRef idx="3">
+            <a:schemeClr val="accent3"/>
+          </a:fillRef>
+          <a:effectRef idx="3">
+            <a:schemeClr val="accent3"/>
+          </a:effectRef>
+          <a:fontRef idx="minor">
+            <a:schemeClr val="lt1"/>
+          </a:fontRef>
+        </p:style>
+        <p:txBody>
+          <a:bodyPr rtlCol="0" anchor="ctr"/>
+          <a:lstStyle/>
+          <a:p>
+            <a:pPr algn="ctr"/>
+            <a:r>
+              <a:rPr lang="fr-FR" sz="1200" dirty="0"/>
+              <a:t>Requête 1</a:t>
+            </a:r>
+          </a:p>
+          <a:p>
+            <a:pPr algn="ctr"/>
+            <a:r>
+              <a:rPr lang="fr-FR" sz="1200" dirty="0"/>
+              <a:t>Mesure du capteur</a:t>
+            </a:r>
+          </a:p>
+          <a:p>
+            <a:pPr algn="ctr"/>
+            <a:endParaRPr lang="fr-FR" sz="1200" dirty="0"/>
+          </a:p>
+        </p:txBody>
+      </p:sp>
+      <p:cxnSp>
+        <p:nvCxnSpPr>
+          <p:cNvPr id="149" name="Connecteur droit avec flèche 148">
+            <a:extLst>
+              <a:ext uri="{FF2B5EF4-FFF2-40B4-BE49-F238E27FC236}">
+                <a16:creationId xmlns:a16="http://schemas.microsoft.com/office/drawing/2014/main" id="{431A40AE-BBC3-4EF6-A7FE-C3F7E6A3C301}"/>
+              </a:ext>
+            </a:extLst>
+          </p:cNvPr>
+          <p:cNvCxnSpPr>
+            <a:cxnSpLocks/>
+            <a:stCxn id="42" idx="2"/>
+            <a:endCxn id="43" idx="0"/>
+          </p:cNvCxnSpPr>
+          <p:nvPr/>
+        </p:nvCxnSpPr>
+        <p:spPr>
+          <a:xfrm>
+            <a:off x="10763993" y="4869459"/>
+            <a:ext cx="16788" cy="813158"/>
+          </a:xfrm>
+          <a:prstGeom prst="straightConnector1">
+            <a:avLst/>
+          </a:prstGeom>
+          <a:ln w="57150">
+            <a:tailEnd type="triangle"/>
+          </a:ln>
+        </p:spPr>
+        <p:style>
+          <a:lnRef idx="3">
+            <a:schemeClr val="accent3"/>
+          </a:lnRef>
+          <a:fillRef idx="0">
+            <a:schemeClr val="accent3"/>
+          </a:fillRef>
+          <a:effectRef idx="2">
+            <a:schemeClr val="accent3"/>
+          </a:effectRef>
+          <a:fontRef idx="minor">
+            <a:schemeClr val="tx1"/>
+          </a:fontRef>
+        </p:style>
+      </p:cxnSp>
+      <p:sp>
+        <p:nvSpPr>
+          <p:cNvPr id="160" name="Rectangle 159">
+            <a:extLst>
+              <a:ext uri="{FF2B5EF4-FFF2-40B4-BE49-F238E27FC236}">
+                <a16:creationId xmlns:a16="http://schemas.microsoft.com/office/drawing/2014/main" id="{6BCBDDF9-8E9A-4CD3-86CA-28A6D99F2CF3}"/>
+              </a:ext>
+            </a:extLst>
+          </p:cNvPr>
+          <p:cNvSpPr/>
+          <p:nvPr/>
+        </p:nvSpPr>
+        <p:spPr>
+          <a:xfrm>
+            <a:off x="6962500" y="4783107"/>
+            <a:ext cx="2230689" cy="686449"/>
+          </a:xfrm>
+          <a:prstGeom prst="rect">
+            <a:avLst/>
+          </a:prstGeom>
+        </p:spPr>
+        <p:style>
+          <a:lnRef idx="0">
+            <a:schemeClr val="accent3"/>
+          </a:lnRef>
+          <a:fillRef idx="3">
+            <a:schemeClr val="accent3"/>
+          </a:fillRef>
+          <a:effectRef idx="3">
+            <a:schemeClr val="accent3"/>
+          </a:effectRef>
+          <a:fontRef idx="minor">
+            <a:schemeClr val="lt1"/>
+          </a:fontRef>
+        </p:style>
+        <p:txBody>
+          <a:bodyPr rtlCol="0" anchor="ctr"/>
+          <a:lstStyle/>
+          <a:p>
+            <a:pPr algn="ctr"/>
+            <a:r>
+              <a:rPr lang="fr-FR" sz="1400" dirty="0"/>
+              <a:t>Récupération des données de la BD</a:t>
+            </a:r>
+          </a:p>
+        </p:txBody>
+      </p:sp>
+      <p:cxnSp>
+        <p:nvCxnSpPr>
+          <p:cNvPr id="161" name="Connecteur droit avec flèche 160">
+            <a:extLst>
+              <a:ext uri="{FF2B5EF4-FFF2-40B4-BE49-F238E27FC236}">
+                <a16:creationId xmlns:a16="http://schemas.microsoft.com/office/drawing/2014/main" id="{3F773B26-92EE-4884-9C24-C6CECC721D85}"/>
+              </a:ext>
+            </a:extLst>
+          </p:cNvPr>
+          <p:cNvCxnSpPr>
+            <a:cxnSpLocks/>
+            <a:stCxn id="65" idx="3"/>
+            <a:endCxn id="160" idx="1"/>
+          </p:cNvCxnSpPr>
+          <p:nvPr/>
+        </p:nvCxnSpPr>
+        <p:spPr>
+          <a:xfrm>
+            <a:off x="5978618" y="5124610"/>
+            <a:ext cx="983882" cy="1722"/>
+          </a:xfrm>
+          <a:prstGeom prst="straightConnector1">
+            <a:avLst/>
+          </a:prstGeom>
+          <a:ln w="57150">
+            <a:tailEnd type="triangle"/>
+          </a:ln>
+        </p:spPr>
+        <p:style>
+          <a:lnRef idx="3">
+            <a:schemeClr val="accent3"/>
+          </a:lnRef>
+          <a:fillRef idx="0">
+            <a:schemeClr val="accent3"/>
+          </a:fillRef>
+          <a:effectRef idx="2">
+            <a:schemeClr val="accent3"/>
+          </a:effectRef>
+          <a:fontRef idx="minor">
+            <a:schemeClr val="tx1"/>
+          </a:fontRef>
+        </p:style>
+      </p:cxnSp>
+      <p:cxnSp>
+        <p:nvCxnSpPr>
+          <p:cNvPr id="164" name="Connecteur droit avec flèche 163">
+            <a:extLst>
+              <a:ext uri="{FF2B5EF4-FFF2-40B4-BE49-F238E27FC236}">
+                <a16:creationId xmlns:a16="http://schemas.microsoft.com/office/drawing/2014/main" id="{67D04230-B3D1-4D55-B087-13046321DDC2}"/>
+              </a:ext>
+            </a:extLst>
+          </p:cNvPr>
+          <p:cNvCxnSpPr>
+            <a:cxnSpLocks/>
+            <a:stCxn id="59" idx="0"/>
+            <a:endCxn id="160" idx="2"/>
+          </p:cNvCxnSpPr>
+          <p:nvPr/>
+        </p:nvCxnSpPr>
+        <p:spPr>
+          <a:xfrm flipV="1">
+            <a:off x="8077845" y="5469556"/>
+            <a:ext cx="0" cy="382087"/>
+          </a:xfrm>
+          <a:prstGeom prst="straightConnector1">
+            <a:avLst/>
+          </a:prstGeom>
+          <a:ln w="57150">
+            <a:tailEnd type="triangle"/>
+          </a:ln>
+        </p:spPr>
+        <p:style>
+          <a:lnRef idx="3">
+            <a:schemeClr val="accent1"/>
+          </a:lnRef>
+          <a:fillRef idx="0">
+            <a:schemeClr val="accent1"/>
+          </a:fillRef>
+          <a:effectRef idx="2">
+            <a:schemeClr val="accent1"/>
+          </a:effectRef>
+          <a:fontRef idx="minor">
+            <a:schemeClr val="tx1"/>
+          </a:fontRef>
+        </p:style>
+      </p:cxnSp>
+      <p:cxnSp>
+        <p:nvCxnSpPr>
+          <p:cNvPr id="168" name="Connecteur droit avec flèche 167">
+            <a:extLst>
+              <a:ext uri="{FF2B5EF4-FFF2-40B4-BE49-F238E27FC236}">
+                <a16:creationId xmlns:a16="http://schemas.microsoft.com/office/drawing/2014/main" id="{7C71F12F-6A51-4999-B1E3-F4DE070D67E1}"/>
+              </a:ext>
+            </a:extLst>
+          </p:cNvPr>
+          <p:cNvCxnSpPr>
+            <a:cxnSpLocks/>
+            <a:stCxn id="160" idx="3"/>
+            <a:endCxn id="42" idx="1"/>
+          </p:cNvCxnSpPr>
+          <p:nvPr/>
+        </p:nvCxnSpPr>
+        <p:spPr>
+          <a:xfrm flipV="1">
+            <a:off x="9193189" y="4381915"/>
+            <a:ext cx="584796" cy="744417"/>
+          </a:xfrm>
+          <a:prstGeom prst="straightConnector1">
+            <a:avLst/>
+          </a:prstGeom>
+          <a:ln w="57150">
+            <a:tailEnd type="triangle"/>
+          </a:ln>
+        </p:spPr>
+        <p:style>
+          <a:lnRef idx="3">
+            <a:schemeClr val="accent3"/>
+          </a:lnRef>
+          <a:fillRef idx="0">
+            <a:schemeClr val="accent3"/>
+          </a:fillRef>
+          <a:effectRef idx="2">
+            <a:schemeClr val="accent3"/>
+          </a:effectRef>
+          <a:fontRef idx="minor">
+            <a:schemeClr val="tx1"/>
+          </a:fontRef>
+        </p:style>
+      </p:cxnSp>
+      <p:sp>
+        <p:nvSpPr>
+          <p:cNvPr id="50" name="Rectangle 49">
+            <a:extLst>
+              <a:ext uri="{FF2B5EF4-FFF2-40B4-BE49-F238E27FC236}">
+                <a16:creationId xmlns:a16="http://schemas.microsoft.com/office/drawing/2014/main" id="{D78DEBC6-F562-4F01-9017-651BD09455B7}"/>
+              </a:ext>
+            </a:extLst>
+          </p:cNvPr>
+          <p:cNvSpPr/>
+          <p:nvPr/>
+        </p:nvSpPr>
+        <p:spPr>
+          <a:xfrm>
+            <a:off x="3082110" y="1398522"/>
+            <a:ext cx="1208900" cy="566771"/>
+          </a:xfrm>
+          <a:prstGeom prst="rect">
+            <a:avLst/>
+          </a:prstGeom>
+        </p:spPr>
+        <p:style>
+          <a:lnRef idx="0">
+            <a:schemeClr val="accent3"/>
+          </a:lnRef>
+          <a:fillRef idx="3">
+            <a:schemeClr val="accent3"/>
+          </a:fillRef>
+          <a:effectRef idx="3">
+            <a:schemeClr val="accent3"/>
+          </a:effectRef>
+          <a:fontRef idx="minor">
+            <a:schemeClr val="lt1"/>
+          </a:fontRef>
+        </p:style>
+        <p:txBody>
+          <a:bodyPr rtlCol="0" anchor="ctr"/>
+          <a:lstStyle/>
+          <a:p>
+            <a:pPr algn="ctr"/>
+            <a:r>
+              <a:rPr lang="fr-FR" sz="1400" dirty="0"/>
+              <a:t>Déclencher une mesure</a:t>
+            </a:r>
+          </a:p>
+        </p:txBody>
+      </p:sp>
+      <p:sp>
+        <p:nvSpPr>
+          <p:cNvPr id="51" name="Rectangle 50">
+            <a:extLst>
+              <a:ext uri="{FF2B5EF4-FFF2-40B4-BE49-F238E27FC236}">
+                <a16:creationId xmlns:a16="http://schemas.microsoft.com/office/drawing/2014/main" id="{A91AFC9C-4F28-4BF0-8A03-E601E60A1155}"/>
+              </a:ext>
+            </a:extLst>
+          </p:cNvPr>
+          <p:cNvSpPr/>
+          <p:nvPr/>
+        </p:nvSpPr>
+        <p:spPr>
+          <a:xfrm>
+            <a:off x="8944992" y="2478672"/>
+            <a:ext cx="1177107" cy="562859"/>
+          </a:xfrm>
+          <a:prstGeom prst="rect">
+            <a:avLst/>
+          </a:prstGeom>
+        </p:spPr>
+        <p:style>
+          <a:lnRef idx="0">
+            <a:schemeClr val="accent1"/>
+          </a:lnRef>
+          <a:fillRef idx="3">
+            <a:schemeClr val="accent1"/>
+          </a:fillRef>
+          <a:effectRef idx="3">
+            <a:schemeClr val="accent1"/>
+          </a:effectRef>
+          <a:fontRef idx="minor">
+            <a:schemeClr val="lt1"/>
+          </a:fontRef>
+        </p:style>
+        <p:txBody>
+          <a:bodyPr rtlCol="0" anchor="ctr"/>
+          <a:lstStyle/>
+          <a:p>
+            <a:pPr algn="ctr"/>
+            <a:r>
+              <a:rPr lang="fr-FR" sz="1400" dirty="0"/>
+              <a:t>SQLITE</a:t>
+            </a:r>
+          </a:p>
+        </p:txBody>
+      </p:sp>
+      <p:sp>
+        <p:nvSpPr>
+          <p:cNvPr id="52" name="Rectangle 51">
+            <a:extLst>
+              <a:ext uri="{FF2B5EF4-FFF2-40B4-BE49-F238E27FC236}">
+                <a16:creationId xmlns:a16="http://schemas.microsoft.com/office/drawing/2014/main" id="{04CF7CDF-B5D1-4A02-A917-D1C649C3E35C}"/>
+              </a:ext>
+            </a:extLst>
+          </p:cNvPr>
+          <p:cNvSpPr/>
+          <p:nvPr/>
+        </p:nvSpPr>
+        <p:spPr>
+          <a:xfrm>
+            <a:off x="642044" y="1386874"/>
+            <a:ext cx="1565434" cy="590563"/>
+          </a:xfrm>
+          <a:prstGeom prst="rect">
+            <a:avLst/>
+          </a:prstGeom>
+        </p:spPr>
+        <p:style>
+          <a:lnRef idx="0">
+            <a:schemeClr val="accent3"/>
+          </a:lnRef>
+          <a:fillRef idx="3">
+            <a:schemeClr val="accent3"/>
+          </a:fillRef>
+          <a:effectRef idx="3">
+            <a:schemeClr val="accent3"/>
+          </a:effectRef>
+          <a:fontRef idx="minor">
+            <a:schemeClr val="lt1"/>
+          </a:fontRef>
+        </p:style>
+        <p:txBody>
+          <a:bodyPr rtlCol="0" anchor="ctr"/>
+          <a:lstStyle/>
+          <a:p>
+            <a:pPr algn="ctr"/>
+            <a:r>
+              <a:rPr lang="fr-FR" sz="1400" dirty="0"/>
+              <a:t>Action une fois par heure</a:t>
+            </a:r>
+          </a:p>
+        </p:txBody>
+      </p:sp>
+      <p:cxnSp>
+        <p:nvCxnSpPr>
+          <p:cNvPr id="53" name="Connecteur droit avec flèche 52">
+            <a:extLst>
+              <a:ext uri="{FF2B5EF4-FFF2-40B4-BE49-F238E27FC236}">
+                <a16:creationId xmlns:a16="http://schemas.microsoft.com/office/drawing/2014/main" id="{757CC698-4423-421C-B505-ACD0EA623A0E}"/>
+              </a:ext>
+            </a:extLst>
+          </p:cNvPr>
+          <p:cNvCxnSpPr>
+            <a:cxnSpLocks/>
+            <a:stCxn id="50" idx="3"/>
+            <a:endCxn id="57" idx="1"/>
+          </p:cNvCxnSpPr>
+          <p:nvPr/>
+        </p:nvCxnSpPr>
+        <p:spPr>
+          <a:xfrm>
+            <a:off x="4291010" y="1681908"/>
+            <a:ext cx="994378" cy="1278"/>
+          </a:xfrm>
+          <a:prstGeom prst="straightConnector1">
+            <a:avLst/>
+          </a:prstGeom>
+          <a:ln w="57150">
+            <a:tailEnd type="triangle"/>
+          </a:ln>
+        </p:spPr>
+        <p:style>
+          <a:lnRef idx="3">
+            <a:schemeClr val="accent3"/>
+          </a:lnRef>
+          <a:fillRef idx="0">
+            <a:schemeClr val="accent3"/>
+          </a:fillRef>
+          <a:effectRef idx="2">
+            <a:schemeClr val="accent3"/>
+          </a:effectRef>
+          <a:fontRef idx="minor">
+            <a:schemeClr val="tx1"/>
+          </a:fontRef>
+        </p:style>
+      </p:cxnSp>
+      <p:cxnSp>
+        <p:nvCxnSpPr>
+          <p:cNvPr id="54" name="Connecteur droit avec flèche 53">
+            <a:extLst>
+              <a:ext uri="{FF2B5EF4-FFF2-40B4-BE49-F238E27FC236}">
+                <a16:creationId xmlns:a16="http://schemas.microsoft.com/office/drawing/2014/main" id="{F366F2EC-298D-4ACF-9942-9B566AEB52D5}"/>
+              </a:ext>
+            </a:extLst>
+          </p:cNvPr>
+          <p:cNvCxnSpPr>
+            <a:cxnSpLocks/>
+            <a:stCxn id="52" idx="3"/>
+            <a:endCxn id="50" idx="1"/>
+          </p:cNvCxnSpPr>
+          <p:nvPr/>
+        </p:nvCxnSpPr>
+        <p:spPr>
+          <a:xfrm flipV="1">
+            <a:off x="2207478" y="1681908"/>
+            <a:ext cx="874632" cy="248"/>
+          </a:xfrm>
+          <a:prstGeom prst="straightConnector1">
+            <a:avLst/>
+          </a:prstGeom>
+          <a:ln w="57150">
+            <a:tailEnd type="triangle"/>
+          </a:ln>
+        </p:spPr>
+        <p:style>
+          <a:lnRef idx="3">
+            <a:schemeClr val="accent3"/>
+          </a:lnRef>
+          <a:fillRef idx="0">
+            <a:schemeClr val="accent3"/>
+          </a:fillRef>
+          <a:effectRef idx="2">
+            <a:schemeClr val="accent3"/>
+          </a:effectRef>
+          <a:fontRef idx="minor">
+            <a:schemeClr val="tx1"/>
+          </a:fontRef>
+        </p:style>
+      </p:cxnSp>
+      <p:sp>
+        <p:nvSpPr>
+          <p:cNvPr id="55" name="Rectangle 54">
+            <a:extLst>
+              <a:ext uri="{FF2B5EF4-FFF2-40B4-BE49-F238E27FC236}">
+                <a16:creationId xmlns:a16="http://schemas.microsoft.com/office/drawing/2014/main" id="{17B09BE9-A969-4FD6-A948-656F6B9C666A}"/>
+              </a:ext>
+            </a:extLst>
+          </p:cNvPr>
+          <p:cNvSpPr/>
+          <p:nvPr/>
+        </p:nvSpPr>
+        <p:spPr>
+          <a:xfrm>
+            <a:off x="8418202" y="1338682"/>
+            <a:ext cx="2230689" cy="686449"/>
+          </a:xfrm>
+          <a:prstGeom prst="rect">
+            <a:avLst/>
+          </a:prstGeom>
+        </p:spPr>
+        <p:style>
+          <a:lnRef idx="0">
+            <a:schemeClr val="accent3"/>
+          </a:lnRef>
+          <a:fillRef idx="3">
+            <a:schemeClr val="accent3"/>
+          </a:fillRef>
+          <a:effectRef idx="3">
+            <a:schemeClr val="accent3"/>
+          </a:effectRef>
+          <a:fontRef idx="minor">
+            <a:schemeClr val="lt1"/>
+          </a:fontRef>
+        </p:style>
+        <p:txBody>
+          <a:bodyPr rtlCol="0" anchor="ctr"/>
+          <a:lstStyle/>
+          <a:p>
+            <a:pPr algn="ctr"/>
+            <a:r>
+              <a:rPr lang="fr-FR" sz="1400" dirty="0"/>
+              <a:t>Stockage dans</a:t>
+            </a:r>
+          </a:p>
+          <a:p>
+            <a:pPr algn="ctr"/>
+            <a:r>
+              <a:rPr lang="fr-FR" sz="1400" dirty="0"/>
+              <a:t> la base de données</a:t>
+            </a:r>
+          </a:p>
+        </p:txBody>
+      </p:sp>
+      <p:cxnSp>
+        <p:nvCxnSpPr>
+          <p:cNvPr id="56" name="Connecteur droit avec flèche 55">
+            <a:extLst>
+              <a:ext uri="{FF2B5EF4-FFF2-40B4-BE49-F238E27FC236}">
+                <a16:creationId xmlns:a16="http://schemas.microsoft.com/office/drawing/2014/main" id="{7354316B-6A53-4E8F-831A-24155561C99A}"/>
+              </a:ext>
+            </a:extLst>
+          </p:cNvPr>
+          <p:cNvCxnSpPr>
+            <a:cxnSpLocks/>
+            <a:stCxn id="55" idx="2"/>
+            <a:endCxn id="51" idx="0"/>
+          </p:cNvCxnSpPr>
+          <p:nvPr/>
+        </p:nvCxnSpPr>
+        <p:spPr>
+          <a:xfrm flipH="1">
+            <a:off x="9533546" y="2025131"/>
+            <a:ext cx="1" cy="453541"/>
+          </a:xfrm>
+          <a:prstGeom prst="straightConnector1">
+            <a:avLst/>
+          </a:prstGeom>
+          <a:ln w="57150">
+            <a:tailEnd type="triangle"/>
+          </a:ln>
+        </p:spPr>
+        <p:style>
+          <a:lnRef idx="3">
+            <a:schemeClr val="accent3"/>
+          </a:lnRef>
+          <a:fillRef idx="0">
+            <a:schemeClr val="accent3"/>
+          </a:fillRef>
+          <a:effectRef idx="2">
+            <a:schemeClr val="accent3"/>
+          </a:effectRef>
+          <a:fontRef idx="minor">
+            <a:schemeClr val="tx1"/>
+          </a:fontRef>
+        </p:style>
+      </p:cxnSp>
+      <p:sp>
+        <p:nvSpPr>
+          <p:cNvPr id="57" name="Rectangle 56">
+            <a:extLst>
+              <a:ext uri="{FF2B5EF4-FFF2-40B4-BE49-F238E27FC236}">
+                <a16:creationId xmlns:a16="http://schemas.microsoft.com/office/drawing/2014/main" id="{3493E377-D244-4E76-9211-E92CED427196}"/>
+              </a:ext>
+            </a:extLst>
+          </p:cNvPr>
+          <p:cNvSpPr/>
+          <p:nvPr/>
+        </p:nvSpPr>
+        <p:spPr>
+          <a:xfrm>
+            <a:off x="5285388" y="1339961"/>
+            <a:ext cx="2230689" cy="686449"/>
+          </a:xfrm>
+          <a:prstGeom prst="rect">
+            <a:avLst/>
+          </a:prstGeom>
+        </p:spPr>
+        <p:style>
+          <a:lnRef idx="0">
+            <a:schemeClr val="accent3"/>
+          </a:lnRef>
+          <a:fillRef idx="3">
+            <a:schemeClr val="accent3"/>
+          </a:fillRef>
+          <a:effectRef idx="3">
+            <a:schemeClr val="accent3"/>
+          </a:effectRef>
+          <a:fontRef idx="minor">
+            <a:schemeClr val="lt1"/>
+          </a:fontRef>
+        </p:style>
+        <p:txBody>
+          <a:bodyPr rtlCol="0" anchor="ctr"/>
+          <a:lstStyle/>
+          <a:p>
+            <a:pPr algn="ctr"/>
+            <a:r>
+              <a:rPr lang="fr-FR" sz="1400" dirty="0"/>
+              <a:t>Récupération des données du Hardware</a:t>
+            </a:r>
+          </a:p>
+        </p:txBody>
+      </p:sp>
+      <p:cxnSp>
+        <p:nvCxnSpPr>
+          <p:cNvPr id="67" name="Connecteur droit avec flèche 66">
+            <a:extLst>
+              <a:ext uri="{FF2B5EF4-FFF2-40B4-BE49-F238E27FC236}">
+                <a16:creationId xmlns:a16="http://schemas.microsoft.com/office/drawing/2014/main" id="{562AA198-4D30-4EFD-990B-127658E8C99C}"/>
+              </a:ext>
+            </a:extLst>
+          </p:cNvPr>
+          <p:cNvCxnSpPr>
+            <a:cxnSpLocks/>
+            <a:stCxn id="57" idx="3"/>
+            <a:endCxn id="55" idx="1"/>
+          </p:cNvCxnSpPr>
+          <p:nvPr/>
+        </p:nvCxnSpPr>
+        <p:spPr>
+          <a:xfrm flipV="1">
+            <a:off x="7516077" y="1681907"/>
+            <a:ext cx="902125" cy="1279"/>
+          </a:xfrm>
+          <a:prstGeom prst="straightConnector1">
+            <a:avLst/>
+          </a:prstGeom>
+          <a:ln w="57150">
+            <a:tailEnd type="triangle"/>
+          </a:ln>
+        </p:spPr>
+        <p:style>
+          <a:lnRef idx="3">
+            <a:schemeClr val="accent3"/>
+          </a:lnRef>
+          <a:fillRef idx="0">
+            <a:schemeClr val="accent3"/>
+          </a:fillRef>
+          <a:effectRef idx="2">
+            <a:schemeClr val="accent3"/>
+          </a:effectRef>
+          <a:fontRef idx="minor">
+            <a:schemeClr val="tx1"/>
+          </a:fontRef>
+        </p:style>
+      </p:cxnSp>
+      <p:sp>
+        <p:nvSpPr>
+          <p:cNvPr id="69" name="Rectangle 68">
+            <a:extLst>
+              <a:ext uri="{FF2B5EF4-FFF2-40B4-BE49-F238E27FC236}">
+                <a16:creationId xmlns:a16="http://schemas.microsoft.com/office/drawing/2014/main" id="{5524E78D-F34D-4EC5-B6FC-C236B0C86CBE}"/>
+              </a:ext>
+            </a:extLst>
+          </p:cNvPr>
+          <p:cNvSpPr/>
+          <p:nvPr/>
+        </p:nvSpPr>
+        <p:spPr>
+          <a:xfrm>
+            <a:off x="5285388" y="2344667"/>
+            <a:ext cx="2230688" cy="1008052"/>
+          </a:xfrm>
+          <a:prstGeom prst="rect">
+            <a:avLst/>
+          </a:prstGeom>
+          <a:solidFill>
+            <a:schemeClr val="accent2">
+              <a:lumMod val="60000"/>
+              <a:lumOff val="40000"/>
+            </a:schemeClr>
+          </a:solidFill>
+        </p:spPr>
+        <p:style>
+          <a:lnRef idx="0">
+            <a:schemeClr val="accent4"/>
+          </a:lnRef>
+          <a:fillRef idx="3">
+            <a:schemeClr val="accent4"/>
+          </a:fillRef>
+          <a:effectRef idx="3">
+            <a:schemeClr val="accent4"/>
+          </a:effectRef>
+          <a:fontRef idx="minor">
+            <a:schemeClr val="lt1"/>
+          </a:fontRef>
+        </p:style>
+        <p:txBody>
+          <a:bodyPr rtlCol="0" anchor="ctr"/>
+          <a:lstStyle/>
+          <a:p>
+            <a:r>
+              <a:rPr lang="fr-FR" sz="1400" dirty="0"/>
+              <a:t>Driver        Temps</a:t>
+            </a:r>
+          </a:p>
+          <a:p>
+            <a:r>
+              <a:rPr lang="fr-FR" sz="1400" dirty="0"/>
+              <a:t>Bosch        </a:t>
+            </a:r>
+            <a:r>
+              <a:rPr lang="fr-FR" sz="1400" dirty="0" err="1"/>
+              <a:t>Temperature</a:t>
+            </a:r>
+            <a:endParaRPr lang="fr-FR" sz="1400" dirty="0"/>
+          </a:p>
+          <a:p>
+            <a:r>
+              <a:rPr lang="fr-FR" sz="1400" dirty="0"/>
+              <a:t>BME280     Pression</a:t>
+            </a:r>
+          </a:p>
+          <a:p>
+            <a:r>
+              <a:rPr lang="fr-FR" sz="1400" dirty="0"/>
+              <a:t>                  Humidité</a:t>
+            </a:r>
+          </a:p>
+        </p:txBody>
+      </p:sp>
+      <p:cxnSp>
+        <p:nvCxnSpPr>
+          <p:cNvPr id="78" name="Connecteur droit avec flèche 77">
+            <a:extLst>
+              <a:ext uri="{FF2B5EF4-FFF2-40B4-BE49-F238E27FC236}">
+                <a16:creationId xmlns:a16="http://schemas.microsoft.com/office/drawing/2014/main" id="{7A83903B-115E-47CE-9DC8-DEC8D4B5D8EB}"/>
+              </a:ext>
+            </a:extLst>
+          </p:cNvPr>
+          <p:cNvCxnSpPr>
+            <a:cxnSpLocks/>
+            <a:stCxn id="69" idx="0"/>
+            <a:endCxn id="57" idx="2"/>
+          </p:cNvCxnSpPr>
+          <p:nvPr/>
+        </p:nvCxnSpPr>
+        <p:spPr>
+          <a:xfrm flipV="1">
+            <a:off x="6400732" y="2026410"/>
+            <a:ext cx="1" cy="318257"/>
+          </a:xfrm>
+          <a:prstGeom prst="straightConnector1">
+            <a:avLst/>
+          </a:prstGeom>
+          <a:ln w="57150">
+            <a:solidFill>
+              <a:schemeClr val="accent2">
+                <a:lumMod val="60000"/>
+                <a:lumOff val="40000"/>
+              </a:schemeClr>
+            </a:solidFill>
+            <a:tailEnd type="triangle"/>
+          </a:ln>
+        </p:spPr>
+        <p:style>
+          <a:lnRef idx="3">
+            <a:schemeClr val="accent2"/>
+          </a:lnRef>
+          <a:fillRef idx="0">
+            <a:schemeClr val="accent2"/>
+          </a:fillRef>
+          <a:effectRef idx="2">
+            <a:schemeClr val="accent2"/>
+          </a:effectRef>
+          <a:fontRef idx="minor">
+            <a:schemeClr val="tx1"/>
+          </a:fontRef>
+        </p:style>
+      </p:cxnSp>
+      <p:cxnSp>
+        <p:nvCxnSpPr>
+          <p:cNvPr id="79" name="Connecteur droit avec flèche 78">
+            <a:extLst>
+              <a:ext uri="{FF2B5EF4-FFF2-40B4-BE49-F238E27FC236}">
+                <a16:creationId xmlns:a16="http://schemas.microsoft.com/office/drawing/2014/main" id="{251E699A-1442-4F79-A418-E369E8F15555}"/>
+              </a:ext>
+            </a:extLst>
+          </p:cNvPr>
+          <p:cNvCxnSpPr>
+            <a:cxnSpLocks/>
+            <a:stCxn id="69" idx="3"/>
+            <a:endCxn id="58" idx="0"/>
+          </p:cNvCxnSpPr>
+          <p:nvPr/>
+        </p:nvCxnSpPr>
+        <p:spPr>
+          <a:xfrm>
+            <a:off x="7516076" y="2848693"/>
+            <a:ext cx="553030" cy="731095"/>
+          </a:xfrm>
+          <a:prstGeom prst="curvedConnector2">
+            <a:avLst/>
+          </a:prstGeom>
+          <a:ln w="57150">
+            <a:solidFill>
+              <a:schemeClr val="accent2">
+                <a:lumMod val="60000"/>
+                <a:lumOff val="40000"/>
+              </a:schemeClr>
+            </a:solidFill>
+            <a:tailEnd type="triangle"/>
+          </a:ln>
+        </p:spPr>
+        <p:style>
+          <a:lnRef idx="3">
+            <a:schemeClr val="accent2"/>
+          </a:lnRef>
+          <a:fillRef idx="0">
+            <a:schemeClr val="accent2"/>
+          </a:fillRef>
+          <a:effectRef idx="2">
+            <a:schemeClr val="accent2"/>
+          </a:effectRef>
+          <a:fontRef idx="minor">
+            <a:schemeClr val="tx1"/>
+          </a:fontRef>
+        </p:style>
+      </p:cxnSp>
+      <p:pic>
+        <p:nvPicPr>
+          <p:cNvPr id="6" name="Image 5">
+            <a:extLst>
+              <a:ext uri="{FF2B5EF4-FFF2-40B4-BE49-F238E27FC236}">
+                <a16:creationId xmlns:a16="http://schemas.microsoft.com/office/drawing/2014/main" id="{AD70A912-F200-4CCC-A4B1-65EDACBF42D3}"/>
+              </a:ext>
+            </a:extLst>
+          </p:cNvPr>
+          <p:cNvPicPr>
+            <a:picLocks noChangeAspect="1"/>
+          </p:cNvPicPr>
+          <p:nvPr/>
+        </p:nvPicPr>
+        <p:blipFill>
+          <a:blip r:embed="rId3"/>
+          <a:stretch>
+            <a:fillRect/>
+          </a:stretch>
+        </p:blipFill>
+        <p:spPr>
+          <a:xfrm>
+            <a:off x="3100527" y="5241814"/>
+            <a:ext cx="2447925" cy="276225"/>
+          </a:xfrm>
+          <a:prstGeom prst="rect">
+            <a:avLst/>
+          </a:prstGeom>
+        </p:spPr>
+      </p:pic>
+      <p:pic>
+        <p:nvPicPr>
+          <p:cNvPr id="8" name="Image 7">
+            <a:extLst>
+              <a:ext uri="{FF2B5EF4-FFF2-40B4-BE49-F238E27FC236}">
+                <a16:creationId xmlns:a16="http://schemas.microsoft.com/office/drawing/2014/main" id="{AE5FD504-39CC-4E66-A5E4-7D520F305B82}"/>
+              </a:ext>
+            </a:extLst>
+          </p:cNvPr>
+          <p:cNvPicPr>
+            <a:picLocks noChangeAspect="1"/>
+          </p:cNvPicPr>
+          <p:nvPr/>
+        </p:nvPicPr>
+        <p:blipFill>
+          <a:blip r:embed="rId4"/>
+          <a:stretch>
+            <a:fillRect/>
+          </a:stretch>
+        </p:blipFill>
+        <p:spPr>
+          <a:xfrm>
+            <a:off x="2917570" y="4038388"/>
+            <a:ext cx="2105025" cy="219075"/>
+          </a:xfrm>
+          <a:prstGeom prst="rect">
+            <a:avLst/>
+          </a:prstGeom>
+        </p:spPr>
+      </p:pic>
+      <p:pic>
+        <p:nvPicPr>
+          <p:cNvPr id="10" name="Image 9">
+            <a:extLst>
+              <a:ext uri="{FF2B5EF4-FFF2-40B4-BE49-F238E27FC236}">
+                <a16:creationId xmlns:a16="http://schemas.microsoft.com/office/drawing/2014/main" id="{0FBFFA80-D86C-411A-8A57-22154ABC581C}"/>
+              </a:ext>
+            </a:extLst>
+          </p:cNvPr>
+          <p:cNvPicPr>
+            <a:picLocks noChangeAspect="1"/>
+          </p:cNvPicPr>
+          <p:nvPr/>
+        </p:nvPicPr>
+        <p:blipFill>
+          <a:blip r:embed="rId5"/>
+          <a:stretch>
+            <a:fillRect/>
+          </a:stretch>
+        </p:blipFill>
+        <p:spPr>
+          <a:xfrm>
+            <a:off x="9845507" y="4007444"/>
+            <a:ext cx="1847850" cy="781050"/>
+          </a:xfrm>
+          <a:prstGeom prst="rect">
+            <a:avLst/>
+          </a:prstGeom>
+        </p:spPr>
+      </p:pic>
     </p:spTree>
     <p:extLst>
       <p:ext uri="{BB962C8B-B14F-4D97-AF65-F5344CB8AC3E}">
-        <p14:creationId xmlns:p14="http://schemas.microsoft.com/office/powerpoint/2010/main" val="794723267"/>
+        <p14:creationId xmlns:p14="http://schemas.microsoft.com/office/powerpoint/2010/main" val="2607850476"/>
       </p:ext>
     </p:extLst>
   </p:cSld>
@@ -16651,7 +18518,7 @@
           <p:cNvPr id="2" name="Titre 1">
             <a:extLst>
               <a:ext uri="{FF2B5EF4-FFF2-40B4-BE49-F238E27FC236}">
-                <a16:creationId xmlns:a16="http://schemas.microsoft.com/office/drawing/2014/main" id="{296ABAF4-16BB-455B-A989-DDDA21C0064D}"/>
+                <a16:creationId xmlns:a16="http://schemas.microsoft.com/office/drawing/2014/main" id="{1A797BB1-C591-4AD1-A2D9-8FA0D4B9E89B}"/>
               </a:ext>
             </a:extLst>
           </p:cNvPr>
@@ -16664,99 +18531,190 @@
         </p:nvSpPr>
         <p:spPr>
           <a:xfrm>
-            <a:off x="1066800" y="536355"/>
-            <a:ext cx="10058400" cy="523296"/>
+            <a:off x="1066800" y="642594"/>
+            <a:ext cx="10058400" cy="625374"/>
           </a:xfrm>
         </p:spPr>
         <p:txBody>
           <a:bodyPr>
-            <a:noAutofit/>
+            <a:normAutofit fontScale="90000"/>
           </a:bodyPr>
           <a:lstStyle/>
           <a:p>
             <a:r>
-              <a:rPr lang="fr-FR" sz="3200" dirty="0"/>
-              <a:t>Architecture du Serveur  (Coté Raspberry PI)</a:t>
-            </a:r>
-          </a:p>
-        </p:txBody>
-      </p:sp>
-      <p:sp>
-        <p:nvSpPr>
-          <p:cNvPr id="311" name="Rectangle 310">
-            <a:extLst>
-              <a:ext uri="{FF2B5EF4-FFF2-40B4-BE49-F238E27FC236}">
-                <a16:creationId xmlns:a16="http://schemas.microsoft.com/office/drawing/2014/main" id="{20C17B98-C34D-4FA2-ACC4-AD3C7E98A27E}"/>
-              </a:ext>
-            </a:extLst>
-          </p:cNvPr>
-          <p:cNvSpPr/>
+              <a:rPr lang="fr-FR" dirty="0"/>
+              <a:t>Extraction depuis la base de données</a:t>
+            </a:r>
+          </a:p>
+        </p:txBody>
+      </p:sp>
+      <p:sp>
+        <p:nvSpPr>
+          <p:cNvPr id="3" name="Espace réservé de la date 2">
+            <a:extLst>
+              <a:ext uri="{FF2B5EF4-FFF2-40B4-BE49-F238E27FC236}">
+                <a16:creationId xmlns:a16="http://schemas.microsoft.com/office/drawing/2014/main" id="{AFA7D950-3CA3-49EB-8A95-44DACA29410D}"/>
+              </a:ext>
+            </a:extLst>
+          </p:cNvPr>
+          <p:cNvSpPr>
+            <a:spLocks noGrp="1"/>
+          </p:cNvSpPr>
+          <p:nvPr>
+            <p:ph type="dt" sz="half" idx="10"/>
+          </p:nvPr>
+        </p:nvSpPr>
+        <p:spPr/>
+        <p:txBody>
+          <a:bodyPr/>
+          <a:lstStyle/>
+          <a:p>
+            <a:pPr rtl="0"/>
+            <a:fld id="{25FB4F25-64BB-460E-8192-B4AC51BA66FC}" type="datetime1">
+              <a:rPr lang="fr-FR" smtClean="0"/>
+              <a:t>23/06/2021</a:t>
+            </a:fld>
+            <a:endParaRPr lang="en-US"/>
+          </a:p>
+        </p:txBody>
+      </p:sp>
+      <p:pic>
+        <p:nvPicPr>
+          <p:cNvPr id="5" name="Image 4">
+            <a:extLst>
+              <a:ext uri="{FF2B5EF4-FFF2-40B4-BE49-F238E27FC236}">
+                <a16:creationId xmlns:a16="http://schemas.microsoft.com/office/drawing/2014/main" id="{0CCF45CE-7E3D-4A58-B50B-96A215B9E5A5}"/>
+              </a:ext>
+            </a:extLst>
+          </p:cNvPr>
+          <p:cNvPicPr>
+            <a:picLocks noChangeAspect="1"/>
+          </p:cNvPicPr>
           <p:nvPr/>
-        </p:nvSpPr>
-        <p:spPr>
-          <a:xfrm>
-            <a:off x="10824358" y="962938"/>
-            <a:ext cx="925644" cy="243041"/>
+        </p:nvPicPr>
+        <p:blipFill>
+          <a:blip r:embed="rId2"/>
+          <a:stretch>
+            <a:fillRect/>
+          </a:stretch>
+        </p:blipFill>
+        <p:spPr>
+          <a:xfrm>
+            <a:off x="688831" y="2704786"/>
+            <a:ext cx="4931682" cy="2185207"/>
           </a:xfrm>
           <a:prstGeom prst="rect">
             <a:avLst/>
           </a:prstGeom>
         </p:spPr>
-        <p:style>
-          <a:lnRef idx="0">
-            <a:schemeClr val="accent3"/>
-          </a:lnRef>
-          <a:fillRef idx="3">
-            <a:schemeClr val="accent3"/>
-          </a:fillRef>
-          <a:effectRef idx="3">
-            <a:schemeClr val="accent3"/>
-          </a:effectRef>
-          <a:fontRef idx="minor">
-            <a:schemeClr val="lt1"/>
-          </a:fontRef>
-        </p:style>
-        <p:txBody>
-          <a:bodyPr rtlCol="0" anchor="ctr"/>
-          <a:lstStyle/>
-          <a:p>
-            <a:pPr algn="ctr"/>
-            <a:r>
-              <a:rPr lang="fr-FR" sz="1100" dirty="0"/>
-              <a:t>Contrôleur</a:t>
-            </a:r>
-          </a:p>
-        </p:txBody>
-      </p:sp>
-      <p:sp>
-        <p:nvSpPr>
-          <p:cNvPr id="312" name="Rectangle 311">
-            <a:extLst>
-              <a:ext uri="{FF2B5EF4-FFF2-40B4-BE49-F238E27FC236}">
-                <a16:creationId xmlns:a16="http://schemas.microsoft.com/office/drawing/2014/main" id="{2645C789-F2E9-4783-8750-9625A8C98EFB}"/>
-              </a:ext>
-            </a:extLst>
-          </p:cNvPr>
-          <p:cNvSpPr/>
+      </p:pic>
+      <p:sp>
+        <p:nvSpPr>
+          <p:cNvPr id="6" name="ZoneTexte 5">
+            <a:extLst>
+              <a:ext uri="{FF2B5EF4-FFF2-40B4-BE49-F238E27FC236}">
+                <a16:creationId xmlns:a16="http://schemas.microsoft.com/office/drawing/2014/main" id="{D3B9A1E5-6B7B-41E3-B97B-CE48312D5210}"/>
+              </a:ext>
+            </a:extLst>
+          </p:cNvPr>
+          <p:cNvSpPr txBox="1"/>
           <p:nvPr/>
         </p:nvSpPr>
         <p:spPr>
           <a:xfrm>
-            <a:off x="10824356" y="684400"/>
-            <a:ext cx="925645" cy="243041"/>
+            <a:off x="615696" y="1543353"/>
+            <a:ext cx="6386685" cy="646331"/>
           </a:xfrm>
           <a:prstGeom prst="rect">
             <a:avLst/>
           </a:prstGeom>
+          <a:noFill/>
+        </p:spPr>
+        <p:txBody>
+          <a:bodyPr wrap="none" rtlCol="0">
+            <a:spAutoFit/>
+          </a:bodyPr>
+          <a:lstStyle/>
+          <a:p>
+            <a:r>
+              <a:rPr lang="fr-FR" sz="1200" dirty="0"/>
+              <a:t>Requête SQL pour extraire les 12 dernière mesures depuis </a:t>
+            </a:r>
+            <a:r>
+              <a:rPr lang="fr-FR" sz="1200" dirty="0" err="1"/>
+              <a:t>Sqlite</a:t>
+            </a:r>
+            <a:r>
+              <a:rPr lang="fr-FR" sz="1200" dirty="0"/>
+              <a:t> :</a:t>
+            </a:r>
+          </a:p>
+          <a:p>
+            <a:endParaRPr lang="fr-FR" sz="1200" dirty="0"/>
+          </a:p>
+          <a:p>
+            <a:r>
+              <a:rPr lang="en-US" sz="1200" dirty="0">
+                <a:solidFill>
+                  <a:srgbClr val="A31515"/>
+                </a:solidFill>
+                <a:latin typeface="Consolas" panose="020B0609020204030204" pitchFamily="49" charset="0"/>
+              </a:rPr>
+              <a:t>select * from tbl_bme280_sensor_history order by </a:t>
+            </a:r>
+            <a:r>
+              <a:rPr lang="en-US" sz="1200" dirty="0" err="1">
+                <a:solidFill>
+                  <a:srgbClr val="A31515"/>
+                </a:solidFill>
+                <a:latin typeface="Consolas" panose="020B0609020204030204" pitchFamily="49" charset="0"/>
+              </a:rPr>
+              <a:t>epoc_time</a:t>
+            </a:r>
+            <a:r>
+              <a:rPr lang="en-US" sz="1200" dirty="0">
+                <a:solidFill>
+                  <a:srgbClr val="A31515"/>
+                </a:solidFill>
+                <a:latin typeface="Consolas" panose="020B0609020204030204" pitchFamily="49" charset="0"/>
+              </a:rPr>
+              <a:t> desc limit 12;</a:t>
+            </a:r>
+            <a:endParaRPr lang="fr-FR" sz="1200" dirty="0"/>
+          </a:p>
+        </p:txBody>
+      </p:sp>
+      <p:sp>
+        <p:nvSpPr>
+          <p:cNvPr id="7" name="Flèche : droite 6">
+            <a:extLst>
+              <a:ext uri="{FF2B5EF4-FFF2-40B4-BE49-F238E27FC236}">
+                <a16:creationId xmlns:a16="http://schemas.microsoft.com/office/drawing/2014/main" id="{9C5E712F-0FF7-4293-90F6-7914AA14DD48}"/>
+              </a:ext>
+            </a:extLst>
+          </p:cNvPr>
+          <p:cNvSpPr/>
+          <p:nvPr/>
+        </p:nvSpPr>
+        <p:spPr>
+          <a:xfrm>
+            <a:off x="5907024" y="3328416"/>
+            <a:ext cx="1139952" cy="461665"/>
+          </a:xfrm>
+          <a:prstGeom prst="rightArrow">
+            <a:avLst/>
+          </a:prstGeom>
         </p:spPr>
         <p:style>
-          <a:lnRef idx="0">
-            <a:schemeClr val="accent1"/>
+          <a:lnRef idx="2">
+            <a:schemeClr val="accent1">
+              <a:shade val="50000"/>
+            </a:schemeClr>
           </a:lnRef>
-          <a:fillRef idx="3">
+          <a:fillRef idx="1">
             <a:schemeClr val="accent1"/>
           </a:fillRef>
-          <a:effectRef idx="3">
+          <a:effectRef idx="0">
             <a:schemeClr val="accent1"/>
           </a:effectRef>
           <a:fontRef idx="minor">
@@ -16768,1639 +18726,79 @@
           <a:lstStyle/>
           <a:p>
             <a:pPr algn="ctr"/>
-            <a:r>
-              <a:rPr lang="fr-FR" sz="1100" dirty="0" err="1"/>
-              <a:t>Modele</a:t>
-            </a:r>
-            <a:endParaRPr lang="fr-FR" sz="1100" dirty="0"/>
-          </a:p>
-        </p:txBody>
-      </p:sp>
-      <p:sp>
-        <p:nvSpPr>
-          <p:cNvPr id="314" name="Rectangle 313">
-            <a:extLst>
-              <a:ext uri="{FF2B5EF4-FFF2-40B4-BE49-F238E27FC236}">
-                <a16:creationId xmlns:a16="http://schemas.microsoft.com/office/drawing/2014/main" id="{3E0A4216-081A-46EF-85A6-0008E988A272}"/>
-              </a:ext>
-            </a:extLst>
-          </p:cNvPr>
-          <p:cNvSpPr/>
+            <a:endParaRPr lang="fr-FR"/>
+          </a:p>
+        </p:txBody>
+      </p:sp>
+      <p:pic>
+        <p:nvPicPr>
+          <p:cNvPr id="9" name="Image 8">
+            <a:extLst>
+              <a:ext uri="{FF2B5EF4-FFF2-40B4-BE49-F238E27FC236}">
+                <a16:creationId xmlns:a16="http://schemas.microsoft.com/office/drawing/2014/main" id="{F4799185-6A65-4A2A-B4F6-42D1448D8BB1}"/>
+              </a:ext>
+            </a:extLst>
+          </p:cNvPr>
+          <p:cNvPicPr>
+            <a:picLocks noChangeAspect="1"/>
+          </p:cNvPicPr>
           <p:nvPr/>
-        </p:nvSpPr>
-        <p:spPr>
-          <a:xfrm>
-            <a:off x="10824356" y="409940"/>
-            <a:ext cx="925644" cy="243041"/>
+        </p:nvPicPr>
+        <p:blipFill>
+          <a:blip r:embed="rId3"/>
+          <a:stretch>
+            <a:fillRect/>
+          </a:stretch>
+        </p:blipFill>
+        <p:spPr>
+          <a:xfrm>
+            <a:off x="7506462" y="3083972"/>
+            <a:ext cx="3862578" cy="2562028"/>
           </a:xfrm>
           <a:prstGeom prst="rect">
             <a:avLst/>
           </a:prstGeom>
         </p:spPr>
-        <p:style>
-          <a:lnRef idx="0">
-            <a:schemeClr val="accent5"/>
-          </a:lnRef>
-          <a:fillRef idx="3">
-            <a:schemeClr val="accent5"/>
-          </a:fillRef>
-          <a:effectRef idx="3">
-            <a:schemeClr val="accent5"/>
-          </a:effectRef>
-          <a:fontRef idx="minor">
-            <a:schemeClr val="lt1"/>
-          </a:fontRef>
-        </p:style>
-        <p:txBody>
-          <a:bodyPr rtlCol="0" anchor="ctr"/>
-          <a:lstStyle/>
-          <a:p>
-            <a:pPr algn="ctr"/>
-            <a:r>
-              <a:rPr lang="fr-FR" sz="1100" dirty="0"/>
-              <a:t>Vue</a:t>
-            </a:r>
-          </a:p>
-        </p:txBody>
-      </p:sp>
-      <p:sp>
-        <p:nvSpPr>
-          <p:cNvPr id="11" name="Rectangle 10">
-            <a:extLst>
-              <a:ext uri="{FF2B5EF4-FFF2-40B4-BE49-F238E27FC236}">
-                <a16:creationId xmlns:a16="http://schemas.microsoft.com/office/drawing/2014/main" id="{8F4D9E85-AB59-4590-87F4-12A1E2F04275}"/>
-              </a:ext>
-            </a:extLst>
-          </p:cNvPr>
-          <p:cNvSpPr/>
+      </p:pic>
+      <p:sp>
+        <p:nvSpPr>
+          <p:cNvPr id="10" name="ZoneTexte 9">
+            <a:extLst>
+              <a:ext uri="{FF2B5EF4-FFF2-40B4-BE49-F238E27FC236}">
+                <a16:creationId xmlns:a16="http://schemas.microsoft.com/office/drawing/2014/main" id="{69C2DB9C-AF42-4F83-AB5E-2ADF86BEAE68}"/>
+              </a:ext>
+            </a:extLst>
+          </p:cNvPr>
+          <p:cNvSpPr txBox="1"/>
           <p:nvPr/>
         </p:nvSpPr>
         <p:spPr>
           <a:xfrm>
-            <a:off x="440879" y="5830263"/>
-            <a:ext cx="1967764" cy="555812"/>
+            <a:off x="7172299" y="2520120"/>
+            <a:ext cx="4031873" cy="369332"/>
           </a:xfrm>
           <a:prstGeom prst="rect">
             <a:avLst/>
           </a:prstGeom>
-        </p:spPr>
-        <p:style>
-          <a:lnRef idx="0">
-            <a:schemeClr val="accent5"/>
-          </a:lnRef>
-          <a:fillRef idx="3">
-            <a:schemeClr val="accent5"/>
-          </a:fillRef>
-          <a:effectRef idx="3">
-            <a:schemeClr val="accent5"/>
-          </a:effectRef>
-          <a:fontRef idx="minor">
-            <a:schemeClr val="lt1"/>
-          </a:fontRef>
-        </p:style>
-        <p:txBody>
-          <a:bodyPr rtlCol="0" anchor="ctr"/>
-          <a:lstStyle/>
-          <a:p>
-            <a:pPr algn="ctr"/>
-            <a:r>
-              <a:rPr lang="fr-FR" sz="1400" dirty="0"/>
-              <a:t>Ecoute sur port HTTP</a:t>
-            </a:r>
-          </a:p>
-          <a:p>
-            <a:pPr algn="ctr"/>
-            <a:r>
-              <a:rPr lang="fr-FR" sz="1400" dirty="0"/>
-              <a:t>Avec UV-CPP</a:t>
-            </a:r>
-          </a:p>
-        </p:txBody>
-      </p:sp>
-      <p:sp>
-        <p:nvSpPr>
-          <p:cNvPr id="42" name="Rectangle 41">
-            <a:extLst>
-              <a:ext uri="{FF2B5EF4-FFF2-40B4-BE49-F238E27FC236}">
-                <a16:creationId xmlns:a16="http://schemas.microsoft.com/office/drawing/2014/main" id="{56C8CF81-3185-45FB-B834-E3AA3B25E9DA}"/>
-              </a:ext>
-            </a:extLst>
-          </p:cNvPr>
-          <p:cNvSpPr/>
-          <p:nvPr/>
-        </p:nvSpPr>
-        <p:spPr>
-          <a:xfrm>
-            <a:off x="9920941" y="3894370"/>
-            <a:ext cx="1719681" cy="975089"/>
-          </a:xfrm>
-          <a:prstGeom prst="rect">
-            <a:avLst/>
-          </a:prstGeom>
-        </p:spPr>
-        <p:style>
-          <a:lnRef idx="0">
-            <a:schemeClr val="accent3"/>
-          </a:lnRef>
-          <a:fillRef idx="3">
-            <a:schemeClr val="accent3"/>
-          </a:fillRef>
-          <a:effectRef idx="3">
-            <a:schemeClr val="accent3"/>
-          </a:effectRef>
-          <a:fontRef idx="minor">
-            <a:schemeClr val="lt1"/>
-          </a:fontRef>
-        </p:style>
-        <p:txBody>
-          <a:bodyPr rtlCol="0" anchor="ctr"/>
-          <a:lstStyle/>
-          <a:p>
-            <a:pPr algn="ctr"/>
-            <a:r>
-              <a:rPr lang="fr-FR" sz="1400" dirty="0"/>
-              <a:t>JSON</a:t>
-            </a:r>
-          </a:p>
-          <a:p>
-            <a:pPr algn="ctr"/>
-            <a:r>
-              <a:rPr lang="fr-FR" sz="1400" dirty="0"/>
-              <a:t>{ « temp » : 25,6,</a:t>
-            </a:r>
-          </a:p>
-          <a:p>
-            <a:pPr algn="ctr"/>
-            <a:r>
-              <a:rPr lang="fr-FR" sz="1400" dirty="0"/>
-              <a:t>24.2,24.8,25.2,}</a:t>
-            </a:r>
-          </a:p>
-        </p:txBody>
-      </p:sp>
-      <p:sp>
-        <p:nvSpPr>
-          <p:cNvPr id="43" name="Rectangle 42">
-            <a:extLst>
-              <a:ext uri="{FF2B5EF4-FFF2-40B4-BE49-F238E27FC236}">
-                <a16:creationId xmlns:a16="http://schemas.microsoft.com/office/drawing/2014/main" id="{FC7573CE-2D75-4C5A-ABD7-ED850431BBFE}"/>
-              </a:ext>
-            </a:extLst>
-          </p:cNvPr>
-          <p:cNvSpPr/>
-          <p:nvPr/>
-        </p:nvSpPr>
-        <p:spPr>
-          <a:xfrm>
-            <a:off x="9980708" y="5682617"/>
-            <a:ext cx="1600146" cy="686448"/>
-          </a:xfrm>
-          <a:prstGeom prst="rect">
-            <a:avLst/>
-          </a:prstGeom>
-        </p:spPr>
-        <p:style>
-          <a:lnRef idx="0">
-            <a:schemeClr val="accent5"/>
-          </a:lnRef>
-          <a:fillRef idx="3">
-            <a:schemeClr val="accent5"/>
-          </a:fillRef>
-          <a:effectRef idx="3">
-            <a:schemeClr val="accent5"/>
-          </a:effectRef>
-          <a:fontRef idx="minor">
-            <a:schemeClr val="lt1"/>
-          </a:fontRef>
-        </p:style>
-        <p:txBody>
-          <a:bodyPr rtlCol="0" anchor="ctr"/>
-          <a:lstStyle/>
-          <a:p>
-            <a:pPr algn="ctr"/>
-            <a:r>
-              <a:rPr lang="fr-FR" sz="1400" dirty="0"/>
-              <a:t>Mise a dispo sur le port HTTP via UV-CPP</a:t>
-            </a:r>
-          </a:p>
-        </p:txBody>
-      </p:sp>
-      <p:sp>
-        <p:nvSpPr>
-          <p:cNvPr id="44" name="Rectangle 43">
-            <a:extLst>
-              <a:ext uri="{FF2B5EF4-FFF2-40B4-BE49-F238E27FC236}">
-                <a16:creationId xmlns:a16="http://schemas.microsoft.com/office/drawing/2014/main" id="{EE2A45C9-876F-4E3A-86DC-3C4AB90DAC32}"/>
-              </a:ext>
-            </a:extLst>
-          </p:cNvPr>
-          <p:cNvSpPr/>
-          <p:nvPr/>
-        </p:nvSpPr>
-        <p:spPr>
-          <a:xfrm>
-            <a:off x="5491550" y="3637696"/>
-            <a:ext cx="1208900" cy="566771"/>
-          </a:xfrm>
-          <a:prstGeom prst="rect">
-            <a:avLst/>
-          </a:prstGeom>
-        </p:spPr>
-        <p:style>
-          <a:lnRef idx="0">
-            <a:schemeClr val="accent3"/>
-          </a:lnRef>
-          <a:fillRef idx="3">
-            <a:schemeClr val="accent3"/>
-          </a:fillRef>
-          <a:effectRef idx="3">
-            <a:schemeClr val="accent3"/>
-          </a:effectRef>
-          <a:fontRef idx="minor">
-            <a:schemeClr val="lt1"/>
-          </a:fontRef>
-        </p:style>
-        <p:txBody>
-          <a:bodyPr rtlCol="0" anchor="ctr"/>
-          <a:lstStyle/>
-          <a:p>
-            <a:pPr algn="ctr"/>
-            <a:r>
-              <a:rPr lang="fr-FR" sz="1400" dirty="0"/>
-              <a:t>Déclencher une mesure</a:t>
-            </a:r>
-          </a:p>
-        </p:txBody>
-      </p:sp>
-      <p:sp>
-        <p:nvSpPr>
-          <p:cNvPr id="58" name="Rectangle 57">
-            <a:extLst>
-              <a:ext uri="{FF2B5EF4-FFF2-40B4-BE49-F238E27FC236}">
-                <a16:creationId xmlns:a16="http://schemas.microsoft.com/office/drawing/2014/main" id="{3C64711D-EBA3-43E1-AC0B-EED7FE84EECF}"/>
-              </a:ext>
-            </a:extLst>
-          </p:cNvPr>
-          <p:cNvSpPr/>
-          <p:nvPr/>
-        </p:nvSpPr>
-        <p:spPr>
-          <a:xfrm>
-            <a:off x="6953761" y="3579788"/>
-            <a:ext cx="2230689" cy="686449"/>
-          </a:xfrm>
-          <a:prstGeom prst="rect">
-            <a:avLst/>
-          </a:prstGeom>
-        </p:spPr>
-        <p:style>
-          <a:lnRef idx="0">
-            <a:schemeClr val="accent3"/>
-          </a:lnRef>
-          <a:fillRef idx="3">
-            <a:schemeClr val="accent3"/>
-          </a:fillRef>
-          <a:effectRef idx="3">
-            <a:schemeClr val="accent3"/>
-          </a:effectRef>
-          <a:fontRef idx="minor">
-            <a:schemeClr val="lt1"/>
-          </a:fontRef>
-        </p:style>
-        <p:txBody>
-          <a:bodyPr rtlCol="0" anchor="ctr"/>
-          <a:lstStyle/>
-          <a:p>
-            <a:pPr algn="ctr"/>
-            <a:r>
-              <a:rPr lang="fr-FR" sz="1400" dirty="0"/>
-              <a:t>Récupération des données du Hardware</a:t>
-            </a:r>
-          </a:p>
-        </p:txBody>
-      </p:sp>
-      <p:sp>
-        <p:nvSpPr>
-          <p:cNvPr id="59" name="Rectangle 58">
-            <a:extLst>
-              <a:ext uri="{FF2B5EF4-FFF2-40B4-BE49-F238E27FC236}">
-                <a16:creationId xmlns:a16="http://schemas.microsoft.com/office/drawing/2014/main" id="{E5F2C640-D791-4AB5-B48B-51CFFBA169A6}"/>
-              </a:ext>
-            </a:extLst>
-          </p:cNvPr>
-          <p:cNvSpPr/>
-          <p:nvPr/>
-        </p:nvSpPr>
-        <p:spPr>
-          <a:xfrm>
-            <a:off x="7489291" y="5851643"/>
-            <a:ext cx="1177107" cy="465502"/>
-          </a:xfrm>
-          <a:prstGeom prst="rect">
-            <a:avLst/>
-          </a:prstGeom>
-        </p:spPr>
-        <p:style>
-          <a:lnRef idx="0">
-            <a:schemeClr val="accent1"/>
-          </a:lnRef>
-          <a:fillRef idx="3">
-            <a:schemeClr val="accent1"/>
-          </a:fillRef>
-          <a:effectRef idx="3">
-            <a:schemeClr val="accent1"/>
-          </a:effectRef>
-          <a:fontRef idx="minor">
-            <a:schemeClr val="lt1"/>
-          </a:fontRef>
-        </p:style>
-        <p:txBody>
-          <a:bodyPr rtlCol="0" anchor="ctr"/>
-          <a:lstStyle/>
-          <a:p>
-            <a:pPr algn="ctr"/>
-            <a:r>
-              <a:rPr lang="fr-FR" sz="1400" dirty="0"/>
-              <a:t>SQLITE</a:t>
-            </a:r>
-          </a:p>
-        </p:txBody>
-      </p:sp>
-      <p:sp>
-        <p:nvSpPr>
-          <p:cNvPr id="60" name="Rectangle 59">
-            <a:extLst>
-              <a:ext uri="{FF2B5EF4-FFF2-40B4-BE49-F238E27FC236}">
-                <a16:creationId xmlns:a16="http://schemas.microsoft.com/office/drawing/2014/main" id="{65B31F97-B060-40B6-8FB4-7D1C5EB65A59}"/>
-              </a:ext>
-            </a:extLst>
-          </p:cNvPr>
-          <p:cNvSpPr/>
-          <p:nvPr/>
-        </p:nvSpPr>
-        <p:spPr>
-          <a:xfrm>
-            <a:off x="10824356" y="1237398"/>
-            <a:ext cx="925644" cy="243041"/>
-          </a:xfrm>
-          <a:prstGeom prst="rect">
-            <a:avLst/>
-          </a:prstGeom>
-          <a:solidFill>
-            <a:schemeClr val="accent2">
-              <a:lumMod val="60000"/>
-              <a:lumOff val="40000"/>
-            </a:schemeClr>
-          </a:solidFill>
-        </p:spPr>
-        <p:style>
-          <a:lnRef idx="0">
-            <a:schemeClr val="accent4"/>
-          </a:lnRef>
-          <a:fillRef idx="3">
-            <a:schemeClr val="accent4"/>
-          </a:fillRef>
-          <a:effectRef idx="3">
-            <a:schemeClr val="accent4"/>
-          </a:effectRef>
-          <a:fontRef idx="minor">
-            <a:schemeClr val="lt1"/>
-          </a:fontRef>
-        </p:style>
-        <p:txBody>
-          <a:bodyPr rtlCol="0" anchor="ctr"/>
-          <a:lstStyle/>
-          <a:p>
-            <a:pPr algn="ctr"/>
-            <a:r>
-              <a:rPr lang="fr-FR" sz="1100" dirty="0"/>
-              <a:t>Hardware</a:t>
-            </a:r>
-          </a:p>
-        </p:txBody>
-      </p:sp>
-      <p:sp>
-        <p:nvSpPr>
-          <p:cNvPr id="63" name="Rectangle 62">
-            <a:extLst>
-              <a:ext uri="{FF2B5EF4-FFF2-40B4-BE49-F238E27FC236}">
-                <a16:creationId xmlns:a16="http://schemas.microsoft.com/office/drawing/2014/main" id="{338E7B02-76AF-414F-9FC4-24815E133B45}"/>
-              </a:ext>
-            </a:extLst>
-          </p:cNvPr>
-          <p:cNvSpPr/>
-          <p:nvPr/>
-        </p:nvSpPr>
-        <p:spPr>
-          <a:xfrm>
-            <a:off x="739590" y="4145064"/>
-            <a:ext cx="1370341" cy="724395"/>
-          </a:xfrm>
-          <a:prstGeom prst="rect">
-            <a:avLst/>
-          </a:prstGeom>
-        </p:spPr>
-        <p:style>
-          <a:lnRef idx="0">
-            <a:schemeClr val="accent3"/>
-          </a:lnRef>
-          <a:fillRef idx="3">
-            <a:schemeClr val="accent3"/>
-          </a:fillRef>
-          <a:effectRef idx="3">
-            <a:schemeClr val="accent3"/>
-          </a:effectRef>
-          <a:fontRef idx="minor">
-            <a:schemeClr val="lt1"/>
-          </a:fontRef>
-        </p:style>
-        <p:txBody>
-          <a:bodyPr rtlCol="0" anchor="ctr"/>
-          <a:lstStyle/>
-          <a:p>
-            <a:pPr algn="ctr"/>
-            <a:r>
-              <a:rPr lang="fr-FR" sz="1400" dirty="0"/>
-              <a:t>Analyse de la requête</a:t>
-            </a:r>
-          </a:p>
-        </p:txBody>
-      </p:sp>
-      <p:sp>
-        <p:nvSpPr>
-          <p:cNvPr id="65" name="Rectangle 64">
-            <a:extLst>
-              <a:ext uri="{FF2B5EF4-FFF2-40B4-BE49-F238E27FC236}">
-                <a16:creationId xmlns:a16="http://schemas.microsoft.com/office/drawing/2014/main" id="{AB26903F-647D-436D-99DA-A60B934DE888}"/>
-              </a:ext>
-            </a:extLst>
-          </p:cNvPr>
-          <p:cNvSpPr/>
-          <p:nvPr/>
-        </p:nvSpPr>
-        <p:spPr>
-          <a:xfrm>
-            <a:off x="2617696" y="4658605"/>
-            <a:ext cx="3360922" cy="932010"/>
-          </a:xfrm>
-          <a:prstGeom prst="rect">
-            <a:avLst/>
-          </a:prstGeom>
-        </p:spPr>
-        <p:style>
-          <a:lnRef idx="0">
-            <a:schemeClr val="accent3"/>
-          </a:lnRef>
-          <a:fillRef idx="3">
-            <a:schemeClr val="accent3"/>
-          </a:fillRef>
-          <a:effectRef idx="3">
-            <a:schemeClr val="accent3"/>
-          </a:effectRef>
-          <a:fontRef idx="minor">
-            <a:schemeClr val="lt1"/>
-          </a:fontRef>
-        </p:style>
-        <p:txBody>
-          <a:bodyPr rtlCol="0" anchor="ctr"/>
-          <a:lstStyle/>
-          <a:p>
-            <a:pPr algn="ctr"/>
-            <a:r>
-              <a:rPr lang="fr-FR" sz="1400" dirty="0"/>
-              <a:t>Requête 2</a:t>
-            </a:r>
-          </a:p>
-          <a:p>
-            <a:pPr algn="ctr"/>
-            <a:r>
-              <a:rPr lang="fr-FR" sz="1400" dirty="0"/>
-              <a:t>Historique du capteur sur 12 valeurs</a:t>
-            </a:r>
-          </a:p>
-          <a:p>
-            <a:pPr algn="ctr"/>
-            <a:r>
-              <a:rPr lang="fr-FR" sz="1400" dirty="0"/>
-              <a:t>http://xxx.xxx.xxx.xxx/history:12</a:t>
-            </a:r>
-          </a:p>
-        </p:txBody>
-      </p:sp>
-      <p:cxnSp>
-        <p:nvCxnSpPr>
-          <p:cNvPr id="19" name="Connecteur droit avec flèche 18">
-            <a:extLst>
-              <a:ext uri="{FF2B5EF4-FFF2-40B4-BE49-F238E27FC236}">
-                <a16:creationId xmlns:a16="http://schemas.microsoft.com/office/drawing/2014/main" id="{FE0FE8CA-A176-42CE-BB2A-27ADDC79D1DC}"/>
-              </a:ext>
-            </a:extLst>
-          </p:cNvPr>
-          <p:cNvCxnSpPr>
-            <a:cxnSpLocks/>
-            <a:stCxn id="11" idx="0"/>
-            <a:endCxn id="63" idx="2"/>
-          </p:cNvCxnSpPr>
-          <p:nvPr/>
-        </p:nvCxnSpPr>
-        <p:spPr>
-          <a:xfrm flipV="1">
-            <a:off x="1424761" y="4869459"/>
-            <a:ext cx="0" cy="960804"/>
-          </a:xfrm>
-          <a:prstGeom prst="straightConnector1">
-            <a:avLst/>
-          </a:prstGeom>
-          <a:ln w="57150">
-            <a:tailEnd type="triangle"/>
-          </a:ln>
-        </p:spPr>
-        <p:style>
-          <a:lnRef idx="3">
-            <a:schemeClr val="accent5"/>
-          </a:lnRef>
-          <a:fillRef idx="0">
-            <a:schemeClr val="accent5"/>
-          </a:fillRef>
-          <a:effectRef idx="2">
-            <a:schemeClr val="accent5"/>
-          </a:effectRef>
-          <a:fontRef idx="minor">
-            <a:schemeClr val="tx1"/>
-          </a:fontRef>
-        </p:style>
-      </p:cxnSp>
-      <p:cxnSp>
-        <p:nvCxnSpPr>
-          <p:cNvPr id="25" name="Connecteur droit avec flèche 24">
-            <a:extLst>
-              <a:ext uri="{FF2B5EF4-FFF2-40B4-BE49-F238E27FC236}">
-                <a16:creationId xmlns:a16="http://schemas.microsoft.com/office/drawing/2014/main" id="{E9B4F06D-5F18-4303-9C4E-ED469E94EBCE}"/>
-              </a:ext>
-            </a:extLst>
-          </p:cNvPr>
-          <p:cNvCxnSpPr>
-            <a:cxnSpLocks/>
-            <a:stCxn id="63" idx="3"/>
-            <a:endCxn id="143" idx="1"/>
-          </p:cNvCxnSpPr>
-          <p:nvPr/>
-        </p:nvCxnSpPr>
-        <p:spPr>
-          <a:xfrm flipV="1">
-            <a:off x="2109931" y="3909374"/>
-            <a:ext cx="507764" cy="597888"/>
-          </a:xfrm>
-          <a:prstGeom prst="straightConnector1">
-            <a:avLst/>
-          </a:prstGeom>
-          <a:ln w="57150">
-            <a:tailEnd type="triangle"/>
-          </a:ln>
-        </p:spPr>
-        <p:style>
-          <a:lnRef idx="3">
-            <a:schemeClr val="accent3"/>
-          </a:lnRef>
-          <a:fillRef idx="0">
-            <a:schemeClr val="accent3"/>
-          </a:fillRef>
-          <a:effectRef idx="2">
-            <a:schemeClr val="accent3"/>
-          </a:effectRef>
-          <a:fontRef idx="minor">
-            <a:schemeClr val="tx1"/>
-          </a:fontRef>
-        </p:style>
-      </p:cxnSp>
-      <p:cxnSp>
-        <p:nvCxnSpPr>
-          <p:cNvPr id="74" name="Connecteur droit avec flèche 73">
-            <a:extLst>
-              <a:ext uri="{FF2B5EF4-FFF2-40B4-BE49-F238E27FC236}">
-                <a16:creationId xmlns:a16="http://schemas.microsoft.com/office/drawing/2014/main" id="{AD944234-5FD6-424C-86C5-02A33C860722}"/>
-              </a:ext>
-            </a:extLst>
-          </p:cNvPr>
-          <p:cNvCxnSpPr>
-            <a:cxnSpLocks/>
-            <a:stCxn id="63" idx="3"/>
-            <a:endCxn id="65" idx="1"/>
-          </p:cNvCxnSpPr>
-          <p:nvPr/>
-        </p:nvCxnSpPr>
-        <p:spPr>
-          <a:xfrm>
-            <a:off x="2109931" y="4507262"/>
-            <a:ext cx="507765" cy="617348"/>
-          </a:xfrm>
-          <a:prstGeom prst="straightConnector1">
-            <a:avLst/>
-          </a:prstGeom>
-          <a:ln w="57150">
-            <a:tailEnd type="triangle"/>
-          </a:ln>
-        </p:spPr>
-        <p:style>
-          <a:lnRef idx="3">
-            <a:schemeClr val="accent3"/>
-          </a:lnRef>
-          <a:fillRef idx="0">
-            <a:schemeClr val="accent3"/>
-          </a:fillRef>
-          <a:effectRef idx="2">
-            <a:schemeClr val="accent3"/>
-          </a:effectRef>
-          <a:fontRef idx="minor">
-            <a:schemeClr val="tx1"/>
-          </a:fontRef>
-        </p:style>
-      </p:cxnSp>
-      <p:cxnSp>
-        <p:nvCxnSpPr>
-          <p:cNvPr id="83" name="Connecteur droit avec flèche 82">
-            <a:extLst>
-              <a:ext uri="{FF2B5EF4-FFF2-40B4-BE49-F238E27FC236}">
-                <a16:creationId xmlns:a16="http://schemas.microsoft.com/office/drawing/2014/main" id="{A43DCBAC-A7A8-4177-8E2F-8F918190436D}"/>
-              </a:ext>
-            </a:extLst>
-          </p:cNvPr>
-          <p:cNvCxnSpPr>
-            <a:cxnSpLocks/>
-            <a:stCxn id="44" idx="3"/>
-            <a:endCxn id="58" idx="1"/>
-          </p:cNvCxnSpPr>
-          <p:nvPr/>
-        </p:nvCxnSpPr>
-        <p:spPr>
-          <a:xfrm>
-            <a:off x="6700450" y="3921082"/>
-            <a:ext cx="253311" cy="1931"/>
-          </a:xfrm>
-          <a:prstGeom prst="straightConnector1">
-            <a:avLst/>
-          </a:prstGeom>
-          <a:ln w="57150">
-            <a:tailEnd type="triangle"/>
-          </a:ln>
-        </p:spPr>
-        <p:style>
-          <a:lnRef idx="3">
-            <a:schemeClr val="accent3"/>
-          </a:lnRef>
-          <a:fillRef idx="0">
-            <a:schemeClr val="accent3"/>
-          </a:fillRef>
-          <a:effectRef idx="2">
-            <a:schemeClr val="accent3"/>
-          </a:effectRef>
-          <a:fontRef idx="minor">
-            <a:schemeClr val="tx1"/>
-          </a:fontRef>
-        </p:style>
-      </p:cxnSp>
-      <p:cxnSp>
-        <p:nvCxnSpPr>
-          <p:cNvPr id="96" name="Connecteur droit avec flèche 95">
-            <a:extLst>
-              <a:ext uri="{FF2B5EF4-FFF2-40B4-BE49-F238E27FC236}">
-                <a16:creationId xmlns:a16="http://schemas.microsoft.com/office/drawing/2014/main" id="{40589979-DB7B-4845-B225-E06C6397511A}"/>
-              </a:ext>
-            </a:extLst>
-          </p:cNvPr>
-          <p:cNvCxnSpPr>
-            <a:cxnSpLocks/>
-            <a:stCxn id="58" idx="3"/>
-            <a:endCxn id="42" idx="1"/>
-          </p:cNvCxnSpPr>
-          <p:nvPr/>
-        </p:nvCxnSpPr>
-        <p:spPr>
-          <a:xfrm>
-            <a:off x="9184450" y="3923013"/>
-            <a:ext cx="736491" cy="458902"/>
-          </a:xfrm>
-          <a:prstGeom prst="straightConnector1">
-            <a:avLst/>
-          </a:prstGeom>
-          <a:ln w="57150">
-            <a:tailEnd type="triangle"/>
-          </a:ln>
-        </p:spPr>
-        <p:style>
-          <a:lnRef idx="3">
-            <a:schemeClr val="accent3"/>
-          </a:lnRef>
-          <a:fillRef idx="0">
-            <a:schemeClr val="accent3"/>
-          </a:fillRef>
-          <a:effectRef idx="2">
-            <a:schemeClr val="accent3"/>
-          </a:effectRef>
-          <a:fontRef idx="minor">
-            <a:schemeClr val="tx1"/>
-          </a:fontRef>
-        </p:style>
-      </p:cxnSp>
-      <p:cxnSp>
-        <p:nvCxnSpPr>
-          <p:cNvPr id="99" name="Connecteur droit avec flèche 98">
-            <a:extLst>
-              <a:ext uri="{FF2B5EF4-FFF2-40B4-BE49-F238E27FC236}">
-                <a16:creationId xmlns:a16="http://schemas.microsoft.com/office/drawing/2014/main" id="{57980A6F-B94C-4FC9-A1AD-D8DA3117B382}"/>
-              </a:ext>
-            </a:extLst>
-          </p:cNvPr>
-          <p:cNvCxnSpPr>
-            <a:cxnSpLocks/>
-            <a:stCxn id="143" idx="3"/>
-            <a:endCxn id="44" idx="1"/>
-          </p:cNvCxnSpPr>
-          <p:nvPr/>
-        </p:nvCxnSpPr>
-        <p:spPr>
-          <a:xfrm>
-            <a:off x="5215267" y="3909374"/>
-            <a:ext cx="276283" cy="11708"/>
-          </a:xfrm>
-          <a:prstGeom prst="straightConnector1">
-            <a:avLst/>
-          </a:prstGeom>
-          <a:ln w="57150">
-            <a:tailEnd type="triangle"/>
-          </a:ln>
-        </p:spPr>
-        <p:style>
-          <a:lnRef idx="3">
-            <a:schemeClr val="accent3"/>
-          </a:lnRef>
-          <a:fillRef idx="0">
-            <a:schemeClr val="accent3"/>
-          </a:fillRef>
-          <a:effectRef idx="2">
-            <a:schemeClr val="accent3"/>
-          </a:effectRef>
-          <a:fontRef idx="minor">
-            <a:schemeClr val="tx1"/>
-          </a:fontRef>
-        </p:style>
-      </p:cxnSp>
-      <p:sp>
-        <p:nvSpPr>
-          <p:cNvPr id="143" name="Rectangle 142">
-            <a:extLst>
-              <a:ext uri="{FF2B5EF4-FFF2-40B4-BE49-F238E27FC236}">
-                <a16:creationId xmlns:a16="http://schemas.microsoft.com/office/drawing/2014/main" id="{D6EDB143-48F0-4383-AD73-A3385158FA66}"/>
-              </a:ext>
-            </a:extLst>
-          </p:cNvPr>
-          <p:cNvSpPr/>
-          <p:nvPr/>
-        </p:nvSpPr>
-        <p:spPr>
-          <a:xfrm>
-            <a:off x="2617695" y="3459747"/>
-            <a:ext cx="2597572" cy="899253"/>
-          </a:xfrm>
-          <a:prstGeom prst="rect">
-            <a:avLst/>
-          </a:prstGeom>
-        </p:spPr>
-        <p:style>
-          <a:lnRef idx="0">
-            <a:schemeClr val="accent3"/>
-          </a:lnRef>
-          <a:fillRef idx="3">
-            <a:schemeClr val="accent3"/>
-          </a:fillRef>
-          <a:effectRef idx="3">
-            <a:schemeClr val="accent3"/>
-          </a:effectRef>
-          <a:fontRef idx="minor">
-            <a:schemeClr val="lt1"/>
-          </a:fontRef>
-        </p:style>
-        <p:txBody>
-          <a:bodyPr rtlCol="0" anchor="ctr"/>
-          <a:lstStyle/>
-          <a:p>
-            <a:pPr algn="ctr"/>
-            <a:r>
-              <a:rPr lang="fr-FR" sz="1200" dirty="0"/>
-              <a:t>Requête 1</a:t>
-            </a:r>
-          </a:p>
-          <a:p>
-            <a:pPr algn="ctr"/>
-            <a:r>
-              <a:rPr lang="fr-FR" sz="1200" dirty="0"/>
-              <a:t>Mesure du capteur</a:t>
-            </a:r>
-          </a:p>
-          <a:p>
-            <a:pPr algn="ctr"/>
-            <a:r>
-              <a:rPr lang="fr-FR" sz="1200" dirty="0"/>
-              <a:t>http://xxx.xxx.xxx.xxx/sensor</a:t>
-            </a:r>
-          </a:p>
-        </p:txBody>
-      </p:sp>
-      <p:cxnSp>
-        <p:nvCxnSpPr>
-          <p:cNvPr id="149" name="Connecteur droit avec flèche 148">
-            <a:extLst>
-              <a:ext uri="{FF2B5EF4-FFF2-40B4-BE49-F238E27FC236}">
-                <a16:creationId xmlns:a16="http://schemas.microsoft.com/office/drawing/2014/main" id="{431A40AE-BBC3-4EF6-A7FE-C3F7E6A3C301}"/>
-              </a:ext>
-            </a:extLst>
-          </p:cNvPr>
-          <p:cNvCxnSpPr>
-            <a:cxnSpLocks/>
-            <a:stCxn id="42" idx="2"/>
-            <a:endCxn id="43" idx="0"/>
-          </p:cNvCxnSpPr>
-          <p:nvPr/>
-        </p:nvCxnSpPr>
-        <p:spPr>
-          <a:xfrm flipH="1">
-            <a:off x="10780781" y="4869459"/>
-            <a:ext cx="1" cy="813158"/>
-          </a:xfrm>
-          <a:prstGeom prst="straightConnector1">
-            <a:avLst/>
-          </a:prstGeom>
-          <a:ln w="57150">
-            <a:tailEnd type="triangle"/>
-          </a:ln>
-        </p:spPr>
-        <p:style>
-          <a:lnRef idx="3">
-            <a:schemeClr val="accent3"/>
-          </a:lnRef>
-          <a:fillRef idx="0">
-            <a:schemeClr val="accent3"/>
-          </a:fillRef>
-          <a:effectRef idx="2">
-            <a:schemeClr val="accent3"/>
-          </a:effectRef>
-          <a:fontRef idx="minor">
-            <a:schemeClr val="tx1"/>
-          </a:fontRef>
-        </p:style>
-      </p:cxnSp>
-      <p:sp>
-        <p:nvSpPr>
-          <p:cNvPr id="160" name="Rectangle 159">
-            <a:extLst>
-              <a:ext uri="{FF2B5EF4-FFF2-40B4-BE49-F238E27FC236}">
-                <a16:creationId xmlns:a16="http://schemas.microsoft.com/office/drawing/2014/main" id="{6BCBDDF9-8E9A-4CD3-86CA-28A6D99F2CF3}"/>
-              </a:ext>
-            </a:extLst>
-          </p:cNvPr>
-          <p:cNvSpPr/>
-          <p:nvPr/>
-        </p:nvSpPr>
-        <p:spPr>
-          <a:xfrm>
-            <a:off x="6962500" y="4783107"/>
-            <a:ext cx="2230689" cy="686449"/>
-          </a:xfrm>
-          <a:prstGeom prst="rect">
-            <a:avLst/>
-          </a:prstGeom>
-        </p:spPr>
-        <p:style>
-          <a:lnRef idx="0">
-            <a:schemeClr val="accent3"/>
-          </a:lnRef>
-          <a:fillRef idx="3">
-            <a:schemeClr val="accent3"/>
-          </a:fillRef>
-          <a:effectRef idx="3">
-            <a:schemeClr val="accent3"/>
-          </a:effectRef>
-          <a:fontRef idx="minor">
-            <a:schemeClr val="lt1"/>
-          </a:fontRef>
-        </p:style>
-        <p:txBody>
-          <a:bodyPr rtlCol="0" anchor="ctr"/>
-          <a:lstStyle/>
-          <a:p>
-            <a:pPr algn="ctr"/>
-            <a:r>
-              <a:rPr lang="fr-FR" sz="1400" dirty="0"/>
-              <a:t>Récupération des données de la BD</a:t>
-            </a:r>
-          </a:p>
-        </p:txBody>
-      </p:sp>
-      <p:cxnSp>
-        <p:nvCxnSpPr>
-          <p:cNvPr id="161" name="Connecteur droit avec flèche 160">
-            <a:extLst>
-              <a:ext uri="{FF2B5EF4-FFF2-40B4-BE49-F238E27FC236}">
-                <a16:creationId xmlns:a16="http://schemas.microsoft.com/office/drawing/2014/main" id="{3F773B26-92EE-4884-9C24-C6CECC721D85}"/>
-              </a:ext>
-            </a:extLst>
-          </p:cNvPr>
-          <p:cNvCxnSpPr>
-            <a:cxnSpLocks/>
-            <a:stCxn id="65" idx="3"/>
-            <a:endCxn id="160" idx="1"/>
-          </p:cNvCxnSpPr>
-          <p:nvPr/>
-        </p:nvCxnSpPr>
-        <p:spPr>
-          <a:xfrm>
-            <a:off x="5978618" y="5124610"/>
-            <a:ext cx="983882" cy="1722"/>
-          </a:xfrm>
-          <a:prstGeom prst="straightConnector1">
-            <a:avLst/>
-          </a:prstGeom>
-          <a:ln w="57150">
-            <a:tailEnd type="triangle"/>
-          </a:ln>
-        </p:spPr>
-        <p:style>
-          <a:lnRef idx="3">
-            <a:schemeClr val="accent3"/>
-          </a:lnRef>
-          <a:fillRef idx="0">
-            <a:schemeClr val="accent3"/>
-          </a:fillRef>
-          <a:effectRef idx="2">
-            <a:schemeClr val="accent3"/>
-          </a:effectRef>
-          <a:fontRef idx="minor">
-            <a:schemeClr val="tx1"/>
-          </a:fontRef>
-        </p:style>
-      </p:cxnSp>
-      <p:cxnSp>
-        <p:nvCxnSpPr>
-          <p:cNvPr id="164" name="Connecteur droit avec flèche 163">
-            <a:extLst>
-              <a:ext uri="{FF2B5EF4-FFF2-40B4-BE49-F238E27FC236}">
-                <a16:creationId xmlns:a16="http://schemas.microsoft.com/office/drawing/2014/main" id="{67D04230-B3D1-4D55-B087-13046321DDC2}"/>
-              </a:ext>
-            </a:extLst>
-          </p:cNvPr>
-          <p:cNvCxnSpPr>
-            <a:cxnSpLocks/>
-            <a:stCxn id="59" idx="0"/>
-            <a:endCxn id="160" idx="2"/>
-          </p:cNvCxnSpPr>
-          <p:nvPr/>
-        </p:nvCxnSpPr>
-        <p:spPr>
-          <a:xfrm flipV="1">
-            <a:off x="8077845" y="5469556"/>
-            <a:ext cx="0" cy="382087"/>
-          </a:xfrm>
-          <a:prstGeom prst="straightConnector1">
-            <a:avLst/>
-          </a:prstGeom>
-          <a:ln w="57150">
-            <a:tailEnd type="triangle"/>
-          </a:ln>
-        </p:spPr>
-        <p:style>
-          <a:lnRef idx="3">
-            <a:schemeClr val="accent1"/>
-          </a:lnRef>
-          <a:fillRef idx="0">
-            <a:schemeClr val="accent1"/>
-          </a:fillRef>
-          <a:effectRef idx="2">
-            <a:schemeClr val="accent1"/>
-          </a:effectRef>
-          <a:fontRef idx="minor">
-            <a:schemeClr val="tx1"/>
-          </a:fontRef>
-        </p:style>
-      </p:cxnSp>
-      <p:cxnSp>
-        <p:nvCxnSpPr>
-          <p:cNvPr id="168" name="Connecteur droit avec flèche 167">
-            <a:extLst>
-              <a:ext uri="{FF2B5EF4-FFF2-40B4-BE49-F238E27FC236}">
-                <a16:creationId xmlns:a16="http://schemas.microsoft.com/office/drawing/2014/main" id="{7C71F12F-6A51-4999-B1E3-F4DE070D67E1}"/>
-              </a:ext>
-            </a:extLst>
-          </p:cNvPr>
-          <p:cNvCxnSpPr>
-            <a:cxnSpLocks/>
-            <a:stCxn id="160" idx="3"/>
-            <a:endCxn id="42" idx="1"/>
-          </p:cNvCxnSpPr>
-          <p:nvPr/>
-        </p:nvCxnSpPr>
-        <p:spPr>
-          <a:xfrm flipV="1">
-            <a:off x="9193189" y="4381915"/>
-            <a:ext cx="727752" cy="744417"/>
-          </a:xfrm>
-          <a:prstGeom prst="straightConnector1">
-            <a:avLst/>
-          </a:prstGeom>
-          <a:ln w="57150">
-            <a:tailEnd type="triangle"/>
-          </a:ln>
-        </p:spPr>
-        <p:style>
-          <a:lnRef idx="3">
-            <a:schemeClr val="accent3"/>
-          </a:lnRef>
-          <a:fillRef idx="0">
-            <a:schemeClr val="accent3"/>
-          </a:fillRef>
-          <a:effectRef idx="2">
-            <a:schemeClr val="accent3"/>
-          </a:effectRef>
-          <a:fontRef idx="minor">
-            <a:schemeClr val="tx1"/>
-          </a:fontRef>
-        </p:style>
-      </p:cxnSp>
-      <p:sp>
-        <p:nvSpPr>
-          <p:cNvPr id="50" name="Rectangle 49">
-            <a:extLst>
-              <a:ext uri="{FF2B5EF4-FFF2-40B4-BE49-F238E27FC236}">
-                <a16:creationId xmlns:a16="http://schemas.microsoft.com/office/drawing/2014/main" id="{D78DEBC6-F562-4F01-9017-651BD09455B7}"/>
-              </a:ext>
-            </a:extLst>
-          </p:cNvPr>
-          <p:cNvSpPr/>
-          <p:nvPr/>
-        </p:nvSpPr>
-        <p:spPr>
-          <a:xfrm>
-            <a:off x="3082110" y="1398522"/>
-            <a:ext cx="1208900" cy="566771"/>
-          </a:xfrm>
-          <a:prstGeom prst="rect">
-            <a:avLst/>
-          </a:prstGeom>
-        </p:spPr>
-        <p:style>
-          <a:lnRef idx="0">
-            <a:schemeClr val="accent3"/>
-          </a:lnRef>
-          <a:fillRef idx="3">
-            <a:schemeClr val="accent3"/>
-          </a:fillRef>
-          <a:effectRef idx="3">
-            <a:schemeClr val="accent3"/>
-          </a:effectRef>
-          <a:fontRef idx="minor">
-            <a:schemeClr val="lt1"/>
-          </a:fontRef>
-        </p:style>
-        <p:txBody>
-          <a:bodyPr rtlCol="0" anchor="ctr"/>
-          <a:lstStyle/>
-          <a:p>
-            <a:pPr algn="ctr"/>
-            <a:r>
-              <a:rPr lang="fr-FR" sz="1400" dirty="0"/>
-              <a:t>Déclencher une mesure</a:t>
-            </a:r>
-          </a:p>
-        </p:txBody>
-      </p:sp>
-      <p:sp>
-        <p:nvSpPr>
-          <p:cNvPr id="51" name="Rectangle 50">
-            <a:extLst>
-              <a:ext uri="{FF2B5EF4-FFF2-40B4-BE49-F238E27FC236}">
-                <a16:creationId xmlns:a16="http://schemas.microsoft.com/office/drawing/2014/main" id="{A91AFC9C-4F28-4BF0-8A03-E601E60A1155}"/>
-              </a:ext>
-            </a:extLst>
-          </p:cNvPr>
-          <p:cNvSpPr/>
-          <p:nvPr/>
-        </p:nvSpPr>
-        <p:spPr>
-          <a:xfrm>
-            <a:off x="8944992" y="2478672"/>
-            <a:ext cx="1177107" cy="562859"/>
-          </a:xfrm>
-          <a:prstGeom prst="rect">
-            <a:avLst/>
-          </a:prstGeom>
-        </p:spPr>
-        <p:style>
-          <a:lnRef idx="0">
-            <a:schemeClr val="accent1"/>
-          </a:lnRef>
-          <a:fillRef idx="3">
-            <a:schemeClr val="accent1"/>
-          </a:fillRef>
-          <a:effectRef idx="3">
-            <a:schemeClr val="accent1"/>
-          </a:effectRef>
-          <a:fontRef idx="minor">
-            <a:schemeClr val="lt1"/>
-          </a:fontRef>
-        </p:style>
-        <p:txBody>
-          <a:bodyPr rtlCol="0" anchor="ctr"/>
-          <a:lstStyle/>
-          <a:p>
-            <a:pPr algn="ctr"/>
-            <a:r>
-              <a:rPr lang="fr-FR" sz="1400" dirty="0"/>
-              <a:t>SQLITE</a:t>
-            </a:r>
-          </a:p>
-        </p:txBody>
-      </p:sp>
-      <p:sp>
-        <p:nvSpPr>
-          <p:cNvPr id="52" name="Rectangle 51">
-            <a:extLst>
-              <a:ext uri="{FF2B5EF4-FFF2-40B4-BE49-F238E27FC236}">
-                <a16:creationId xmlns:a16="http://schemas.microsoft.com/office/drawing/2014/main" id="{04CF7CDF-B5D1-4A02-A917-D1C649C3E35C}"/>
-              </a:ext>
-            </a:extLst>
-          </p:cNvPr>
-          <p:cNvSpPr/>
-          <p:nvPr/>
-        </p:nvSpPr>
-        <p:spPr>
-          <a:xfrm>
-            <a:off x="642044" y="1386874"/>
-            <a:ext cx="1565434" cy="590563"/>
-          </a:xfrm>
-          <a:prstGeom prst="rect">
-            <a:avLst/>
-          </a:prstGeom>
-        </p:spPr>
-        <p:style>
-          <a:lnRef idx="0">
-            <a:schemeClr val="accent3"/>
-          </a:lnRef>
-          <a:fillRef idx="3">
-            <a:schemeClr val="accent3"/>
-          </a:fillRef>
-          <a:effectRef idx="3">
-            <a:schemeClr val="accent3"/>
-          </a:effectRef>
-          <a:fontRef idx="minor">
-            <a:schemeClr val="lt1"/>
-          </a:fontRef>
-        </p:style>
-        <p:txBody>
-          <a:bodyPr rtlCol="0" anchor="ctr"/>
-          <a:lstStyle/>
-          <a:p>
-            <a:pPr algn="ctr"/>
-            <a:r>
-              <a:rPr lang="fr-FR" sz="1400" dirty="0"/>
-              <a:t>Action une fois par heure</a:t>
-            </a:r>
-          </a:p>
-        </p:txBody>
-      </p:sp>
-      <p:cxnSp>
-        <p:nvCxnSpPr>
-          <p:cNvPr id="53" name="Connecteur droit avec flèche 52">
-            <a:extLst>
-              <a:ext uri="{FF2B5EF4-FFF2-40B4-BE49-F238E27FC236}">
-                <a16:creationId xmlns:a16="http://schemas.microsoft.com/office/drawing/2014/main" id="{757CC698-4423-421C-B505-ACD0EA623A0E}"/>
-              </a:ext>
-            </a:extLst>
-          </p:cNvPr>
-          <p:cNvCxnSpPr>
-            <a:cxnSpLocks/>
-            <a:stCxn id="50" idx="3"/>
-            <a:endCxn id="57" idx="1"/>
-          </p:cNvCxnSpPr>
-          <p:nvPr/>
-        </p:nvCxnSpPr>
-        <p:spPr>
-          <a:xfrm>
-            <a:off x="4291010" y="1681908"/>
-            <a:ext cx="994378" cy="1278"/>
-          </a:xfrm>
-          <a:prstGeom prst="straightConnector1">
-            <a:avLst/>
-          </a:prstGeom>
-          <a:ln w="57150">
-            <a:tailEnd type="triangle"/>
-          </a:ln>
-        </p:spPr>
-        <p:style>
-          <a:lnRef idx="3">
-            <a:schemeClr val="accent3"/>
-          </a:lnRef>
-          <a:fillRef idx="0">
-            <a:schemeClr val="accent3"/>
-          </a:fillRef>
-          <a:effectRef idx="2">
-            <a:schemeClr val="accent3"/>
-          </a:effectRef>
-          <a:fontRef idx="minor">
-            <a:schemeClr val="tx1"/>
-          </a:fontRef>
-        </p:style>
-      </p:cxnSp>
-      <p:cxnSp>
-        <p:nvCxnSpPr>
-          <p:cNvPr id="54" name="Connecteur droit avec flèche 53">
-            <a:extLst>
-              <a:ext uri="{FF2B5EF4-FFF2-40B4-BE49-F238E27FC236}">
-                <a16:creationId xmlns:a16="http://schemas.microsoft.com/office/drawing/2014/main" id="{F366F2EC-298D-4ACF-9942-9B566AEB52D5}"/>
-              </a:ext>
-            </a:extLst>
-          </p:cNvPr>
-          <p:cNvCxnSpPr>
-            <a:cxnSpLocks/>
-            <a:stCxn id="52" idx="3"/>
-            <a:endCxn id="50" idx="1"/>
-          </p:cNvCxnSpPr>
-          <p:nvPr/>
-        </p:nvCxnSpPr>
-        <p:spPr>
-          <a:xfrm flipV="1">
-            <a:off x="2207478" y="1681908"/>
-            <a:ext cx="874632" cy="248"/>
-          </a:xfrm>
-          <a:prstGeom prst="straightConnector1">
-            <a:avLst/>
-          </a:prstGeom>
-          <a:ln w="57150">
-            <a:tailEnd type="triangle"/>
-          </a:ln>
-        </p:spPr>
-        <p:style>
-          <a:lnRef idx="3">
-            <a:schemeClr val="accent3"/>
-          </a:lnRef>
-          <a:fillRef idx="0">
-            <a:schemeClr val="accent3"/>
-          </a:fillRef>
-          <a:effectRef idx="2">
-            <a:schemeClr val="accent3"/>
-          </a:effectRef>
-          <a:fontRef idx="minor">
-            <a:schemeClr val="tx1"/>
-          </a:fontRef>
-        </p:style>
-      </p:cxnSp>
-      <p:sp>
-        <p:nvSpPr>
-          <p:cNvPr id="55" name="Rectangle 54">
-            <a:extLst>
-              <a:ext uri="{FF2B5EF4-FFF2-40B4-BE49-F238E27FC236}">
-                <a16:creationId xmlns:a16="http://schemas.microsoft.com/office/drawing/2014/main" id="{17B09BE9-A969-4FD6-A948-656F6B9C666A}"/>
-              </a:ext>
-            </a:extLst>
-          </p:cNvPr>
-          <p:cNvSpPr/>
-          <p:nvPr/>
-        </p:nvSpPr>
-        <p:spPr>
-          <a:xfrm>
-            <a:off x="8418202" y="1338682"/>
-            <a:ext cx="2230689" cy="686449"/>
-          </a:xfrm>
-          <a:prstGeom prst="rect">
-            <a:avLst/>
-          </a:prstGeom>
-        </p:spPr>
-        <p:style>
-          <a:lnRef idx="0">
-            <a:schemeClr val="accent3"/>
-          </a:lnRef>
-          <a:fillRef idx="3">
-            <a:schemeClr val="accent3"/>
-          </a:fillRef>
-          <a:effectRef idx="3">
-            <a:schemeClr val="accent3"/>
-          </a:effectRef>
-          <a:fontRef idx="minor">
-            <a:schemeClr val="lt1"/>
-          </a:fontRef>
-        </p:style>
-        <p:txBody>
-          <a:bodyPr rtlCol="0" anchor="ctr"/>
-          <a:lstStyle/>
-          <a:p>
-            <a:pPr algn="ctr"/>
-            <a:r>
-              <a:rPr lang="fr-FR" sz="1400" dirty="0"/>
-              <a:t>Stockage dans</a:t>
-            </a:r>
-          </a:p>
-          <a:p>
-            <a:pPr algn="ctr"/>
-            <a:r>
-              <a:rPr lang="fr-FR" sz="1400" dirty="0"/>
-              <a:t> la base de données</a:t>
-            </a:r>
-          </a:p>
-        </p:txBody>
-      </p:sp>
-      <p:cxnSp>
-        <p:nvCxnSpPr>
-          <p:cNvPr id="56" name="Connecteur droit avec flèche 55">
-            <a:extLst>
-              <a:ext uri="{FF2B5EF4-FFF2-40B4-BE49-F238E27FC236}">
-                <a16:creationId xmlns:a16="http://schemas.microsoft.com/office/drawing/2014/main" id="{7354316B-6A53-4E8F-831A-24155561C99A}"/>
-              </a:ext>
-            </a:extLst>
-          </p:cNvPr>
-          <p:cNvCxnSpPr>
-            <a:cxnSpLocks/>
-            <a:stCxn id="55" idx="2"/>
-            <a:endCxn id="51" idx="0"/>
-          </p:cNvCxnSpPr>
-          <p:nvPr/>
-        </p:nvCxnSpPr>
-        <p:spPr>
-          <a:xfrm flipH="1">
-            <a:off x="9533546" y="2025131"/>
-            <a:ext cx="1" cy="453541"/>
-          </a:xfrm>
-          <a:prstGeom prst="straightConnector1">
-            <a:avLst/>
-          </a:prstGeom>
-          <a:ln w="57150">
-            <a:tailEnd type="triangle"/>
-          </a:ln>
-        </p:spPr>
-        <p:style>
-          <a:lnRef idx="3">
-            <a:schemeClr val="accent3"/>
-          </a:lnRef>
-          <a:fillRef idx="0">
-            <a:schemeClr val="accent3"/>
-          </a:fillRef>
-          <a:effectRef idx="2">
-            <a:schemeClr val="accent3"/>
-          </a:effectRef>
-          <a:fontRef idx="minor">
-            <a:schemeClr val="tx1"/>
-          </a:fontRef>
-        </p:style>
-      </p:cxnSp>
-      <p:sp>
-        <p:nvSpPr>
-          <p:cNvPr id="57" name="Rectangle 56">
-            <a:extLst>
-              <a:ext uri="{FF2B5EF4-FFF2-40B4-BE49-F238E27FC236}">
-                <a16:creationId xmlns:a16="http://schemas.microsoft.com/office/drawing/2014/main" id="{3493E377-D244-4E76-9211-E92CED427196}"/>
-              </a:ext>
-            </a:extLst>
-          </p:cNvPr>
-          <p:cNvSpPr/>
-          <p:nvPr/>
-        </p:nvSpPr>
-        <p:spPr>
-          <a:xfrm>
-            <a:off x="5285388" y="1339961"/>
-            <a:ext cx="2230689" cy="686449"/>
-          </a:xfrm>
-          <a:prstGeom prst="rect">
-            <a:avLst/>
-          </a:prstGeom>
-        </p:spPr>
-        <p:style>
-          <a:lnRef idx="0">
-            <a:schemeClr val="accent3"/>
-          </a:lnRef>
-          <a:fillRef idx="3">
-            <a:schemeClr val="accent3"/>
-          </a:fillRef>
-          <a:effectRef idx="3">
-            <a:schemeClr val="accent3"/>
-          </a:effectRef>
-          <a:fontRef idx="minor">
-            <a:schemeClr val="lt1"/>
-          </a:fontRef>
-        </p:style>
-        <p:txBody>
-          <a:bodyPr rtlCol="0" anchor="ctr"/>
-          <a:lstStyle/>
-          <a:p>
-            <a:pPr algn="ctr"/>
-            <a:r>
-              <a:rPr lang="fr-FR" sz="1400" dirty="0"/>
-              <a:t>Récupération des données du Hardware</a:t>
-            </a:r>
-          </a:p>
-        </p:txBody>
-      </p:sp>
-      <p:cxnSp>
-        <p:nvCxnSpPr>
-          <p:cNvPr id="67" name="Connecteur droit avec flèche 66">
-            <a:extLst>
-              <a:ext uri="{FF2B5EF4-FFF2-40B4-BE49-F238E27FC236}">
-                <a16:creationId xmlns:a16="http://schemas.microsoft.com/office/drawing/2014/main" id="{562AA198-4D30-4EFD-990B-127658E8C99C}"/>
-              </a:ext>
-            </a:extLst>
-          </p:cNvPr>
-          <p:cNvCxnSpPr>
-            <a:cxnSpLocks/>
-            <a:stCxn id="57" idx="3"/>
-            <a:endCxn id="55" idx="1"/>
-          </p:cNvCxnSpPr>
-          <p:nvPr/>
-        </p:nvCxnSpPr>
-        <p:spPr>
-          <a:xfrm flipV="1">
-            <a:off x="7516077" y="1681907"/>
-            <a:ext cx="902125" cy="1279"/>
-          </a:xfrm>
-          <a:prstGeom prst="straightConnector1">
-            <a:avLst/>
-          </a:prstGeom>
-          <a:ln w="57150">
-            <a:tailEnd type="triangle"/>
-          </a:ln>
-        </p:spPr>
-        <p:style>
-          <a:lnRef idx="3">
-            <a:schemeClr val="accent3"/>
-          </a:lnRef>
-          <a:fillRef idx="0">
-            <a:schemeClr val="accent3"/>
-          </a:fillRef>
-          <a:effectRef idx="2">
-            <a:schemeClr val="accent3"/>
-          </a:effectRef>
-          <a:fontRef idx="minor">
-            <a:schemeClr val="tx1"/>
-          </a:fontRef>
-        </p:style>
-      </p:cxnSp>
-      <p:sp>
-        <p:nvSpPr>
-          <p:cNvPr id="69" name="Rectangle 68">
-            <a:extLst>
-              <a:ext uri="{FF2B5EF4-FFF2-40B4-BE49-F238E27FC236}">
-                <a16:creationId xmlns:a16="http://schemas.microsoft.com/office/drawing/2014/main" id="{5524E78D-F34D-4EC5-B6FC-C236B0C86CBE}"/>
-              </a:ext>
-            </a:extLst>
-          </p:cNvPr>
-          <p:cNvSpPr/>
-          <p:nvPr/>
-        </p:nvSpPr>
-        <p:spPr>
-          <a:xfrm>
-            <a:off x="5824729" y="2492416"/>
-            <a:ext cx="1152005" cy="773786"/>
-          </a:xfrm>
-          <a:prstGeom prst="rect">
-            <a:avLst/>
-          </a:prstGeom>
-          <a:solidFill>
-            <a:schemeClr val="accent2">
-              <a:lumMod val="60000"/>
-              <a:lumOff val="40000"/>
-            </a:schemeClr>
-          </a:solidFill>
-        </p:spPr>
-        <p:style>
-          <a:lnRef idx="0">
-            <a:schemeClr val="accent4"/>
-          </a:lnRef>
-          <a:fillRef idx="3">
-            <a:schemeClr val="accent4"/>
-          </a:fillRef>
-          <a:effectRef idx="3">
-            <a:schemeClr val="accent4"/>
-          </a:effectRef>
-          <a:fontRef idx="minor">
-            <a:schemeClr val="lt1"/>
-          </a:fontRef>
-        </p:style>
-        <p:txBody>
-          <a:bodyPr rtlCol="0" anchor="ctr"/>
-          <a:lstStyle/>
-          <a:p>
-            <a:pPr algn="ctr"/>
-            <a:r>
-              <a:rPr lang="fr-FR" sz="1400" dirty="0"/>
-              <a:t>Driver</a:t>
-            </a:r>
-          </a:p>
-          <a:p>
-            <a:pPr algn="ctr"/>
-            <a:r>
-              <a:rPr lang="fr-FR" sz="1400" dirty="0"/>
-              <a:t>Bosch BME280</a:t>
-            </a:r>
-          </a:p>
-        </p:txBody>
-      </p:sp>
-      <p:cxnSp>
-        <p:nvCxnSpPr>
-          <p:cNvPr id="78" name="Connecteur droit avec flèche 77">
-            <a:extLst>
-              <a:ext uri="{FF2B5EF4-FFF2-40B4-BE49-F238E27FC236}">
-                <a16:creationId xmlns:a16="http://schemas.microsoft.com/office/drawing/2014/main" id="{7A83903B-115E-47CE-9DC8-DEC8D4B5D8EB}"/>
-              </a:ext>
-            </a:extLst>
-          </p:cNvPr>
-          <p:cNvCxnSpPr>
-            <a:cxnSpLocks/>
-            <a:stCxn id="69" idx="0"/>
-            <a:endCxn id="57" idx="2"/>
-          </p:cNvCxnSpPr>
-          <p:nvPr/>
-        </p:nvCxnSpPr>
-        <p:spPr>
-          <a:xfrm flipV="1">
-            <a:off x="6400732" y="2026410"/>
-            <a:ext cx="1" cy="466006"/>
-          </a:xfrm>
-          <a:prstGeom prst="straightConnector1">
-            <a:avLst/>
-          </a:prstGeom>
-          <a:ln w="57150">
-            <a:solidFill>
-              <a:schemeClr val="accent2">
-                <a:lumMod val="60000"/>
-                <a:lumOff val="40000"/>
-              </a:schemeClr>
-            </a:solidFill>
-            <a:tailEnd type="triangle"/>
-          </a:ln>
-        </p:spPr>
-        <p:style>
-          <a:lnRef idx="3">
-            <a:schemeClr val="accent2"/>
-          </a:lnRef>
-          <a:fillRef idx="0">
-            <a:schemeClr val="accent2"/>
-          </a:fillRef>
-          <a:effectRef idx="2">
-            <a:schemeClr val="accent2"/>
-          </a:effectRef>
-          <a:fontRef idx="minor">
-            <a:schemeClr val="tx1"/>
-          </a:fontRef>
-        </p:style>
-      </p:cxnSp>
-      <p:cxnSp>
-        <p:nvCxnSpPr>
-          <p:cNvPr id="79" name="Connecteur droit avec flèche 78">
-            <a:extLst>
-              <a:ext uri="{FF2B5EF4-FFF2-40B4-BE49-F238E27FC236}">
-                <a16:creationId xmlns:a16="http://schemas.microsoft.com/office/drawing/2014/main" id="{251E699A-1442-4F79-A418-E369E8F15555}"/>
-              </a:ext>
-            </a:extLst>
-          </p:cNvPr>
-          <p:cNvCxnSpPr>
-            <a:cxnSpLocks/>
-            <a:stCxn id="69" idx="3"/>
-            <a:endCxn id="58" idx="0"/>
-          </p:cNvCxnSpPr>
-          <p:nvPr/>
-        </p:nvCxnSpPr>
-        <p:spPr>
-          <a:xfrm>
-            <a:off x="6976734" y="2879309"/>
-            <a:ext cx="1092372" cy="700479"/>
-          </a:xfrm>
-          <a:prstGeom prst="curvedConnector2">
-            <a:avLst/>
-          </a:prstGeom>
-          <a:ln w="57150">
-            <a:solidFill>
-              <a:schemeClr val="accent2">
-                <a:lumMod val="60000"/>
-                <a:lumOff val="40000"/>
-              </a:schemeClr>
-            </a:solidFill>
-            <a:tailEnd type="triangle"/>
-          </a:ln>
-        </p:spPr>
-        <p:style>
-          <a:lnRef idx="3">
-            <a:schemeClr val="accent2"/>
-          </a:lnRef>
-          <a:fillRef idx="0">
-            <a:schemeClr val="accent2"/>
-          </a:fillRef>
-          <a:effectRef idx="2">
-            <a:schemeClr val="accent2"/>
-          </a:effectRef>
-          <a:fontRef idx="minor">
-            <a:schemeClr val="tx1"/>
-          </a:fontRef>
-        </p:style>
-      </p:cxnSp>
+          <a:noFill/>
+        </p:spPr>
+        <p:txBody>
+          <a:bodyPr wrap="none" rtlCol="0">
+            <a:spAutoFit/>
+          </a:bodyPr>
+          <a:lstStyle/>
+          <a:p>
+            <a:r>
+              <a:rPr lang="fr-FR" dirty="0"/>
+              <a:t>Envoi des données par le port http</a:t>
+            </a:r>
+          </a:p>
+        </p:txBody>
+      </p:sp>
     </p:spTree>
     <p:extLst>
       <p:ext uri="{BB962C8B-B14F-4D97-AF65-F5344CB8AC3E}">
-        <p14:creationId xmlns:p14="http://schemas.microsoft.com/office/powerpoint/2010/main" val="2607850476"/>
+        <p14:creationId xmlns:p14="http://schemas.microsoft.com/office/powerpoint/2010/main" val="2555342809"/>
       </p:ext>
     </p:extLst>
   </p:cSld>
@@ -18627,8 +19025,12 @@
           </a:lstStyle>
           <a:p>
             <a:r>
-              <a:rPr lang="fr-FR" sz="2800"/>
-              <a:t>Url’s HTTP disponibles</a:t>
+              <a:rPr lang="fr-FR" sz="2800" dirty="0" err="1"/>
+              <a:t>Url’s</a:t>
+            </a:r>
+            <a:r>
+              <a:rPr lang="fr-FR" sz="2800" dirty="0"/>
+              <a:t> HTTP disponibles</a:t>
             </a:r>
           </a:p>
         </p:txBody>
@@ -25684,7 +26086,7 @@
         <p:grpSpPr>
           <a:xfrm>
             <a:off x="484169" y="1452159"/>
-            <a:ext cx="5502604" cy="4763247"/>
+            <a:ext cx="4423111" cy="4049481"/>
             <a:chOff x="6056531" y="1356659"/>
             <a:chExt cx="5502604" cy="4763247"/>
           </a:xfrm>
@@ -25820,7 +26222,7 @@
           </p:blipFill>
           <p:spPr>
             <a:xfrm>
-              <a:off x="9400666" y="3536579"/>
+              <a:off x="9345189" y="3536579"/>
               <a:ext cx="1992945" cy="2308411"/>
             </a:xfrm>
             <a:prstGeom prst="rect">
@@ -25843,7 +26245,7 @@
           </p:nvSpPr>
           <p:spPr>
             <a:xfrm>
-              <a:off x="9669583" y="4225366"/>
+              <a:off x="9614107" y="4225366"/>
               <a:ext cx="935374" cy="89648"/>
             </a:xfrm>
             <a:prstGeom prst="rect">
@@ -25889,8 +26291,8 @@
         </p:nvGrpSpPr>
         <p:grpSpPr>
           <a:xfrm>
-            <a:off x="6137462" y="1422573"/>
-            <a:ext cx="5502604" cy="4763247"/>
+            <a:off x="5043332" y="1452159"/>
+            <a:ext cx="4306408" cy="4049481"/>
             <a:chOff x="442259" y="1356659"/>
             <a:chExt cx="5502604" cy="4763247"/>
           </a:xfrm>
@@ -26080,6 +26482,77 @@
           </p:txBody>
         </p:sp>
       </p:grpSp>
+      <p:pic>
+        <p:nvPicPr>
+          <p:cNvPr id="5" name="Image 4">
+            <a:extLst>
+              <a:ext uri="{FF2B5EF4-FFF2-40B4-BE49-F238E27FC236}">
+                <a16:creationId xmlns:a16="http://schemas.microsoft.com/office/drawing/2014/main" id="{86A3627F-A030-4119-B3E3-B631F822AD9F}"/>
+              </a:ext>
+            </a:extLst>
+          </p:cNvPr>
+          <p:cNvPicPr>
+            <a:picLocks noChangeAspect="1"/>
+          </p:cNvPicPr>
+          <p:nvPr/>
+        </p:nvPicPr>
+        <p:blipFill>
+          <a:blip r:embed="rId7"/>
+          <a:stretch>
+            <a:fillRect/>
+          </a:stretch>
+        </p:blipFill>
+        <p:spPr>
+          <a:xfrm>
+            <a:off x="9457296" y="2098490"/>
+            <a:ext cx="2312548" cy="3292765"/>
+          </a:xfrm>
+          <a:prstGeom prst="rect">
+            <a:avLst/>
+          </a:prstGeom>
+        </p:spPr>
+      </p:pic>
+      <p:sp>
+        <p:nvSpPr>
+          <p:cNvPr id="7" name="ZoneTexte 6">
+            <a:extLst>
+              <a:ext uri="{FF2B5EF4-FFF2-40B4-BE49-F238E27FC236}">
+                <a16:creationId xmlns:a16="http://schemas.microsoft.com/office/drawing/2014/main" id="{C98FD8D5-E863-46A7-9A85-B219660DDC64}"/>
+              </a:ext>
+            </a:extLst>
+          </p:cNvPr>
+          <p:cNvSpPr txBox="1"/>
+          <p:nvPr/>
+        </p:nvSpPr>
+        <p:spPr>
+          <a:xfrm>
+            <a:off x="9437133" y="1452159"/>
+            <a:ext cx="2302233" cy="646331"/>
+          </a:xfrm>
+          <a:prstGeom prst="rect">
+            <a:avLst/>
+          </a:prstGeom>
+          <a:noFill/>
+        </p:spPr>
+        <p:txBody>
+          <a:bodyPr wrap="none" rtlCol="0">
+            <a:spAutoFit/>
+          </a:bodyPr>
+          <a:lstStyle/>
+          <a:p>
+            <a:r>
+              <a:rPr lang="fr-FR" dirty="0"/>
+              <a:t>Configuration par </a:t>
+            </a:r>
+          </a:p>
+          <a:p>
+            <a:r>
+              <a:rPr lang="fr-FR" dirty="0"/>
+              <a:t>fichier de style QSS</a:t>
+            </a:r>
+          </a:p>
+        </p:txBody>
+      </p:sp>
     </p:spTree>
     <p:extLst>
       <p:ext uri="{BB962C8B-B14F-4D97-AF65-F5344CB8AC3E}">
@@ -26228,6 +26701,296 @@
       </p:grpSpPr>
       <p:sp>
         <p:nvSpPr>
+          <p:cNvPr id="2" name="Titre 1">
+            <a:extLst>
+              <a:ext uri="{FF2B5EF4-FFF2-40B4-BE49-F238E27FC236}">
+                <a16:creationId xmlns:a16="http://schemas.microsoft.com/office/drawing/2014/main" id="{E54B79B6-033C-42DF-867B-A32A5B75DA96}"/>
+              </a:ext>
+            </a:extLst>
+          </p:cNvPr>
+          <p:cNvSpPr>
+            <a:spLocks noGrp="1"/>
+          </p:cNvSpPr>
+          <p:nvPr>
+            <p:ph type="title"/>
+          </p:nvPr>
+        </p:nvSpPr>
+        <p:spPr>
+          <a:xfrm>
+            <a:off x="1066800" y="642594"/>
+            <a:ext cx="10058400" cy="630394"/>
+          </a:xfrm>
+        </p:spPr>
+        <p:txBody>
+          <a:bodyPr>
+            <a:normAutofit/>
+          </a:bodyPr>
+          <a:lstStyle/>
+          <a:p>
+            <a:r>
+              <a:rPr lang="fr-FR" sz="2800" dirty="0"/>
+              <a:t>General : Chargement / Sauvegarde des paramètres</a:t>
+            </a:r>
+          </a:p>
+        </p:txBody>
+      </p:sp>
+      <p:sp>
+        <p:nvSpPr>
+          <p:cNvPr id="4" name="Espace réservé de la date 3">
+            <a:extLst>
+              <a:ext uri="{FF2B5EF4-FFF2-40B4-BE49-F238E27FC236}">
+                <a16:creationId xmlns:a16="http://schemas.microsoft.com/office/drawing/2014/main" id="{A9FE8FEA-0592-47DF-AF23-2789085FAE6B}"/>
+              </a:ext>
+            </a:extLst>
+          </p:cNvPr>
+          <p:cNvSpPr>
+            <a:spLocks noGrp="1"/>
+          </p:cNvSpPr>
+          <p:nvPr>
+            <p:ph type="dt" sz="half" idx="10"/>
+          </p:nvPr>
+        </p:nvSpPr>
+        <p:spPr/>
+        <p:txBody>
+          <a:bodyPr/>
+          <a:lstStyle/>
+          <a:p>
+            <a:pPr rtl="0"/>
+            <a:fld id="{802FE938-1586-4780-B61A-DD3B60BAB93C}" type="datetime1">
+              <a:rPr lang="fr-FR" smtClean="0"/>
+              <a:t>23/06/2021</a:t>
+            </a:fld>
+            <a:endParaRPr lang="en-US"/>
+          </a:p>
+        </p:txBody>
+      </p:sp>
+      <p:pic>
+        <p:nvPicPr>
+          <p:cNvPr id="9" name="Image 8">
+            <a:extLst>
+              <a:ext uri="{FF2B5EF4-FFF2-40B4-BE49-F238E27FC236}">
+                <a16:creationId xmlns:a16="http://schemas.microsoft.com/office/drawing/2014/main" id="{588B3C69-D37D-4EB7-ABB6-BD301C97673F}"/>
+              </a:ext>
+            </a:extLst>
+          </p:cNvPr>
+          <p:cNvPicPr>
+            <a:picLocks noChangeAspect="1"/>
+          </p:cNvPicPr>
+          <p:nvPr/>
+        </p:nvPicPr>
+        <p:blipFill>
+          <a:blip r:embed="rId3"/>
+          <a:stretch>
+            <a:fillRect/>
+          </a:stretch>
+        </p:blipFill>
+        <p:spPr>
+          <a:xfrm>
+            <a:off x="655320" y="4194884"/>
+            <a:ext cx="4373880" cy="2084522"/>
+          </a:xfrm>
+          <a:prstGeom prst="rect">
+            <a:avLst/>
+          </a:prstGeom>
+        </p:spPr>
+      </p:pic>
+      <p:pic>
+        <p:nvPicPr>
+          <p:cNvPr id="19" name="Image 18">
+            <a:extLst>
+              <a:ext uri="{FF2B5EF4-FFF2-40B4-BE49-F238E27FC236}">
+                <a16:creationId xmlns:a16="http://schemas.microsoft.com/office/drawing/2014/main" id="{7D25B42A-721B-4708-BD53-9F2E3F3976B9}"/>
+              </a:ext>
+            </a:extLst>
+          </p:cNvPr>
+          <p:cNvPicPr>
+            <a:picLocks noChangeAspect="1"/>
+          </p:cNvPicPr>
+          <p:nvPr/>
+        </p:nvPicPr>
+        <p:blipFill>
+          <a:blip r:embed="rId4"/>
+          <a:stretch>
+            <a:fillRect/>
+          </a:stretch>
+        </p:blipFill>
+        <p:spPr>
+          <a:xfrm>
+            <a:off x="655320" y="1689735"/>
+            <a:ext cx="6484147" cy="1891665"/>
+          </a:xfrm>
+          <a:prstGeom prst="rect">
+            <a:avLst/>
+          </a:prstGeom>
+        </p:spPr>
+      </p:pic>
+      <p:sp>
+        <p:nvSpPr>
+          <p:cNvPr id="20" name="ZoneTexte 19">
+            <a:extLst>
+              <a:ext uri="{FF2B5EF4-FFF2-40B4-BE49-F238E27FC236}">
+                <a16:creationId xmlns:a16="http://schemas.microsoft.com/office/drawing/2014/main" id="{83431540-F42A-4108-830B-72E4356FA9CC}"/>
+              </a:ext>
+            </a:extLst>
+          </p:cNvPr>
+          <p:cNvSpPr txBox="1"/>
+          <p:nvPr/>
+        </p:nvSpPr>
+        <p:spPr>
+          <a:xfrm>
+            <a:off x="655320" y="1320403"/>
+            <a:ext cx="3866764" cy="369332"/>
+          </a:xfrm>
+          <a:prstGeom prst="rect">
+            <a:avLst/>
+          </a:prstGeom>
+          <a:noFill/>
+        </p:spPr>
+        <p:txBody>
+          <a:bodyPr wrap="none" rtlCol="0">
+            <a:spAutoFit/>
+          </a:bodyPr>
+          <a:lstStyle/>
+          <a:p>
+            <a:r>
+              <a:rPr lang="fr-FR" dirty="0"/>
+              <a:t>Chargement depuis un fichier INI</a:t>
+            </a:r>
+          </a:p>
+        </p:txBody>
+      </p:sp>
+      <p:sp>
+        <p:nvSpPr>
+          <p:cNvPr id="21" name="ZoneTexte 20">
+            <a:extLst>
+              <a:ext uri="{FF2B5EF4-FFF2-40B4-BE49-F238E27FC236}">
+                <a16:creationId xmlns:a16="http://schemas.microsoft.com/office/drawing/2014/main" id="{EF8A8F35-0F2F-41E3-9FD2-8A4D6E8503D8}"/>
+              </a:ext>
+            </a:extLst>
+          </p:cNvPr>
+          <p:cNvSpPr txBox="1"/>
+          <p:nvPr/>
+        </p:nvSpPr>
+        <p:spPr>
+          <a:xfrm>
+            <a:off x="655320" y="3813481"/>
+            <a:ext cx="3605474" cy="369332"/>
+          </a:xfrm>
+          <a:prstGeom prst="rect">
+            <a:avLst/>
+          </a:prstGeom>
+          <a:noFill/>
+        </p:spPr>
+        <p:txBody>
+          <a:bodyPr wrap="none" rtlCol="0">
+            <a:spAutoFit/>
+          </a:bodyPr>
+          <a:lstStyle/>
+          <a:p>
+            <a:r>
+              <a:rPr lang="fr-FR" dirty="0"/>
+              <a:t>Sauvegarde dans un fichier INI</a:t>
+            </a:r>
+          </a:p>
+        </p:txBody>
+      </p:sp>
+      <p:pic>
+        <p:nvPicPr>
+          <p:cNvPr id="23" name="Image 22">
+            <a:extLst>
+              <a:ext uri="{FF2B5EF4-FFF2-40B4-BE49-F238E27FC236}">
+                <a16:creationId xmlns:a16="http://schemas.microsoft.com/office/drawing/2014/main" id="{D1FDAFAF-9689-494E-8E4B-7384E9CE8A78}"/>
+              </a:ext>
+            </a:extLst>
+          </p:cNvPr>
+          <p:cNvPicPr>
+            <a:picLocks noChangeAspect="1"/>
+          </p:cNvPicPr>
+          <p:nvPr/>
+        </p:nvPicPr>
+        <p:blipFill>
+          <a:blip r:embed="rId5"/>
+          <a:stretch>
+            <a:fillRect/>
+          </a:stretch>
+        </p:blipFill>
+        <p:spPr>
+          <a:xfrm>
+            <a:off x="7606665" y="2917059"/>
+            <a:ext cx="3790950" cy="2162175"/>
+          </a:xfrm>
+          <a:prstGeom prst="rect">
+            <a:avLst/>
+          </a:prstGeom>
+        </p:spPr>
+      </p:pic>
+      <p:sp>
+        <p:nvSpPr>
+          <p:cNvPr id="24" name="ZoneTexte 23">
+            <a:extLst>
+              <a:ext uri="{FF2B5EF4-FFF2-40B4-BE49-F238E27FC236}">
+                <a16:creationId xmlns:a16="http://schemas.microsoft.com/office/drawing/2014/main" id="{1DC2CB7D-C161-4371-A26E-CF90553D6EAF}"/>
+              </a:ext>
+            </a:extLst>
+          </p:cNvPr>
+          <p:cNvSpPr txBox="1"/>
+          <p:nvPr/>
+        </p:nvSpPr>
+        <p:spPr>
+          <a:xfrm>
+            <a:off x="7911658" y="2547727"/>
+            <a:ext cx="2903359" cy="369332"/>
+          </a:xfrm>
+          <a:prstGeom prst="rect">
+            <a:avLst/>
+          </a:prstGeom>
+          <a:noFill/>
+        </p:spPr>
+        <p:txBody>
+          <a:bodyPr wrap="none" rtlCol="0">
+            <a:spAutoFit/>
+          </a:bodyPr>
+          <a:lstStyle/>
+          <a:p>
+            <a:r>
+              <a:rPr lang="fr-FR" dirty="0"/>
+              <a:t>Le contenu du fichier INI</a:t>
+            </a:r>
+          </a:p>
+        </p:txBody>
+      </p:sp>
+    </p:spTree>
+    <p:extLst>
+      <p:ext uri="{BB962C8B-B14F-4D97-AF65-F5344CB8AC3E}">
+        <p14:creationId xmlns:p14="http://schemas.microsoft.com/office/powerpoint/2010/main" val="3361466925"/>
+      </p:ext>
+    </p:extLst>
+  </p:cSld>
+  <p:clrMapOvr>
+    <a:masterClrMapping/>
+  </p:clrMapOvr>
+</p:sld>
+</file>
+
+<file path=ppt/slides/slide41.xml><?xml version="1.0" encoding="utf-8"?>
+<p:sld xmlns:a="http://schemas.openxmlformats.org/drawingml/2006/main" xmlns:r="http://schemas.openxmlformats.org/officeDocument/2006/relationships" xmlns:p="http://schemas.openxmlformats.org/presentationml/2006/main">
+  <p:cSld>
+    <p:spTree>
+      <p:nvGrpSpPr>
+        <p:cNvPr id="1" name=""/>
+        <p:cNvGrpSpPr/>
+        <p:nvPr/>
+      </p:nvGrpSpPr>
+      <p:grpSpPr>
+        <a:xfrm>
+          <a:off x="0" y="0"/>
+          <a:ext cx="0" cy="0"/>
+          <a:chOff x="0" y="0"/>
+          <a:chExt cx="0" cy="0"/>
+        </a:xfrm>
+      </p:grpSpPr>
+      <p:sp>
+        <p:nvSpPr>
           <p:cNvPr id="7" name="Espace réservé de la date 3">
             <a:extLst>
               <a:ext uri="{FF2B5EF4-FFF2-40B4-BE49-F238E27FC236}">
@@ -26572,7 +27335,7 @@
 </p:sld>
 </file>
 
-<file path=ppt/slides/slide41.xml><?xml version="1.0" encoding="utf-8"?>
+<file path=ppt/slides/slide42.xml><?xml version="1.0" encoding="utf-8"?>
 <p:sld xmlns:a="http://schemas.openxmlformats.org/drawingml/2006/main" xmlns:r="http://schemas.openxmlformats.org/officeDocument/2006/relationships" xmlns:p="http://schemas.openxmlformats.org/presentationml/2006/main">
   <p:cSld>
     <p:spTree>
@@ -26932,7 +27695,7 @@
 </p:sld>
 </file>
 
-<file path=ppt/slides/slide42.xml><?xml version="1.0" encoding="utf-8"?>
+<file path=ppt/slides/slide43.xml><?xml version="1.0" encoding="utf-8"?>
 <p:sld xmlns:a="http://schemas.openxmlformats.org/drawingml/2006/main" xmlns:r="http://schemas.openxmlformats.org/officeDocument/2006/relationships" xmlns:p="http://schemas.openxmlformats.org/presentationml/2006/main">
   <p:cSld>
     <p:spTree>
@@ -27290,7 +28053,7 @@
 </p:sld>
 </file>
 
-<file path=ppt/slides/slide43.xml><?xml version="1.0" encoding="utf-8"?>
+<file path=ppt/slides/slide44.xml><?xml version="1.0" encoding="utf-8"?>
 <p:sld xmlns:a="http://schemas.openxmlformats.org/drawingml/2006/main" xmlns:r="http://schemas.openxmlformats.org/officeDocument/2006/relationships" xmlns:p="http://schemas.openxmlformats.org/presentationml/2006/main">
   <p:cSld>
     <p:spTree>
@@ -27688,7 +28451,7 @@
 </p:sld>
 </file>
 
-<file path=ppt/slides/slide44.xml><?xml version="1.0" encoding="utf-8"?>
+<file path=ppt/slides/slide45.xml><?xml version="1.0" encoding="utf-8"?>
 <p:sld xmlns:a="http://schemas.openxmlformats.org/drawingml/2006/main" xmlns:r="http://schemas.openxmlformats.org/officeDocument/2006/relationships" xmlns:p="http://schemas.openxmlformats.org/presentationml/2006/main">
   <p:cSld>
     <p:spTree>
@@ -28032,124 +28795,6 @@
 </p:sld>
 </file>
 
-<file path=ppt/slides/slide45.xml><?xml version="1.0" encoding="utf-8"?>
-<p:sld xmlns:a="http://schemas.openxmlformats.org/drawingml/2006/main" xmlns:r="http://schemas.openxmlformats.org/officeDocument/2006/relationships" xmlns:p="http://schemas.openxmlformats.org/presentationml/2006/main">
-  <p:cSld>
-    <p:spTree>
-      <p:nvGrpSpPr>
-        <p:cNvPr id="1" name=""/>
-        <p:cNvGrpSpPr/>
-        <p:nvPr/>
-      </p:nvGrpSpPr>
-      <p:grpSpPr>
-        <a:xfrm>
-          <a:off x="0" y="0"/>
-          <a:ext cx="0" cy="0"/>
-          <a:chOff x="0" y="0"/>
-          <a:chExt cx="0" cy="0"/>
-        </a:xfrm>
-      </p:grpSpPr>
-      <p:sp>
-        <p:nvSpPr>
-          <p:cNvPr id="5" name="Titre 4">
-            <a:extLst>
-              <a:ext uri="{FF2B5EF4-FFF2-40B4-BE49-F238E27FC236}">
-                <a16:creationId xmlns:a16="http://schemas.microsoft.com/office/drawing/2014/main" id="{B535D397-2E1B-4C1E-A392-E2A43916D949}"/>
-              </a:ext>
-            </a:extLst>
-          </p:cNvPr>
-          <p:cNvSpPr>
-            <a:spLocks noGrp="1"/>
-          </p:cNvSpPr>
-          <p:nvPr>
-            <p:ph type="ctrTitle"/>
-          </p:nvPr>
-        </p:nvSpPr>
-        <p:spPr/>
-        <p:txBody>
-          <a:bodyPr/>
-          <a:lstStyle/>
-          <a:p>
-            <a:r>
-              <a:rPr lang="fr-FR" dirty="0"/>
-              <a:t>CONCLUSION</a:t>
-            </a:r>
-          </a:p>
-        </p:txBody>
-      </p:sp>
-      <p:sp>
-        <p:nvSpPr>
-          <p:cNvPr id="6" name="Sous-titre 5">
-            <a:extLst>
-              <a:ext uri="{FF2B5EF4-FFF2-40B4-BE49-F238E27FC236}">
-                <a16:creationId xmlns:a16="http://schemas.microsoft.com/office/drawing/2014/main" id="{42DF712F-84EC-48F3-B510-83E590DD97F0}"/>
-              </a:ext>
-            </a:extLst>
-          </p:cNvPr>
-          <p:cNvSpPr>
-            <a:spLocks noGrp="1"/>
-          </p:cNvSpPr>
-          <p:nvPr>
-            <p:ph type="subTitle" idx="1"/>
-          </p:nvPr>
-        </p:nvSpPr>
-        <p:spPr/>
-        <p:txBody>
-          <a:bodyPr>
-            <a:normAutofit fontScale="92500"/>
-          </a:bodyPr>
-          <a:lstStyle/>
-          <a:p>
-            <a:r>
-              <a:rPr lang="fr-FR" dirty="0"/>
-              <a:t>PROBLEMES RENCONTRES / EVOLUTIONS POSSIBLES / APPORTS PERSONNELS </a:t>
-            </a:r>
-          </a:p>
-        </p:txBody>
-      </p:sp>
-      <p:sp>
-        <p:nvSpPr>
-          <p:cNvPr id="4" name="Espace réservé de la date 3">
-            <a:extLst>
-              <a:ext uri="{FF2B5EF4-FFF2-40B4-BE49-F238E27FC236}">
-                <a16:creationId xmlns:a16="http://schemas.microsoft.com/office/drawing/2014/main" id="{030B0D3A-6441-43DC-BDBC-2E9EE16205E9}"/>
-              </a:ext>
-            </a:extLst>
-          </p:cNvPr>
-          <p:cNvSpPr>
-            <a:spLocks noGrp="1"/>
-          </p:cNvSpPr>
-          <p:nvPr>
-            <p:ph type="dt" sz="half" idx="10"/>
-          </p:nvPr>
-        </p:nvSpPr>
-        <p:spPr/>
-        <p:txBody>
-          <a:bodyPr/>
-          <a:lstStyle/>
-          <a:p>
-            <a:pPr rtl="0"/>
-            <a:fld id="{802FE938-1586-4780-B61A-DD3B60BAB93C}" type="datetime1">
-              <a:rPr lang="fr-FR" smtClean="0"/>
-              <a:t>23/06/2021</a:t>
-            </a:fld>
-            <a:endParaRPr lang="en-US"/>
-          </a:p>
-        </p:txBody>
-      </p:sp>
-    </p:spTree>
-    <p:extLst>
-      <p:ext uri="{BB962C8B-B14F-4D97-AF65-F5344CB8AC3E}">
-        <p14:creationId xmlns:p14="http://schemas.microsoft.com/office/powerpoint/2010/main" val="2085507041"/>
-      </p:ext>
-    </p:extLst>
-  </p:cSld>
-  <p:clrMapOvr>
-    <a:masterClrMapping/>
-  </p:clrMapOvr>
-</p:sld>
-</file>
-
 <file path=ppt/slides/slide46.xml><?xml version="1.0" encoding="utf-8"?>
 <p:sld xmlns:a="http://schemas.openxmlformats.org/drawingml/2006/main" xmlns:r="http://schemas.openxmlformats.org/officeDocument/2006/relationships" xmlns:p="http://schemas.openxmlformats.org/presentationml/2006/main">
   <p:cSld>
@@ -28169,6 +28814,124 @@
       </p:grpSpPr>
       <p:sp>
         <p:nvSpPr>
+          <p:cNvPr id="5" name="Titre 4">
+            <a:extLst>
+              <a:ext uri="{FF2B5EF4-FFF2-40B4-BE49-F238E27FC236}">
+                <a16:creationId xmlns:a16="http://schemas.microsoft.com/office/drawing/2014/main" id="{B535D397-2E1B-4C1E-A392-E2A43916D949}"/>
+              </a:ext>
+            </a:extLst>
+          </p:cNvPr>
+          <p:cNvSpPr>
+            <a:spLocks noGrp="1"/>
+          </p:cNvSpPr>
+          <p:nvPr>
+            <p:ph type="ctrTitle"/>
+          </p:nvPr>
+        </p:nvSpPr>
+        <p:spPr/>
+        <p:txBody>
+          <a:bodyPr/>
+          <a:lstStyle/>
+          <a:p>
+            <a:r>
+              <a:rPr lang="fr-FR" dirty="0"/>
+              <a:t>CONCLUSION</a:t>
+            </a:r>
+          </a:p>
+        </p:txBody>
+      </p:sp>
+      <p:sp>
+        <p:nvSpPr>
+          <p:cNvPr id="6" name="Sous-titre 5">
+            <a:extLst>
+              <a:ext uri="{FF2B5EF4-FFF2-40B4-BE49-F238E27FC236}">
+                <a16:creationId xmlns:a16="http://schemas.microsoft.com/office/drawing/2014/main" id="{42DF712F-84EC-48F3-B510-83E590DD97F0}"/>
+              </a:ext>
+            </a:extLst>
+          </p:cNvPr>
+          <p:cNvSpPr>
+            <a:spLocks noGrp="1"/>
+          </p:cNvSpPr>
+          <p:nvPr>
+            <p:ph type="subTitle" idx="1"/>
+          </p:nvPr>
+        </p:nvSpPr>
+        <p:spPr/>
+        <p:txBody>
+          <a:bodyPr>
+            <a:normAutofit fontScale="92500"/>
+          </a:bodyPr>
+          <a:lstStyle/>
+          <a:p>
+            <a:r>
+              <a:rPr lang="fr-FR" dirty="0"/>
+              <a:t>PROBLEMES RENCONTRES / EVOLUTIONS POSSIBLES / APPORTS PERSONNELS </a:t>
+            </a:r>
+          </a:p>
+        </p:txBody>
+      </p:sp>
+      <p:sp>
+        <p:nvSpPr>
+          <p:cNvPr id="4" name="Espace réservé de la date 3">
+            <a:extLst>
+              <a:ext uri="{FF2B5EF4-FFF2-40B4-BE49-F238E27FC236}">
+                <a16:creationId xmlns:a16="http://schemas.microsoft.com/office/drawing/2014/main" id="{030B0D3A-6441-43DC-BDBC-2E9EE16205E9}"/>
+              </a:ext>
+            </a:extLst>
+          </p:cNvPr>
+          <p:cNvSpPr>
+            <a:spLocks noGrp="1"/>
+          </p:cNvSpPr>
+          <p:nvPr>
+            <p:ph type="dt" sz="half" idx="10"/>
+          </p:nvPr>
+        </p:nvSpPr>
+        <p:spPr/>
+        <p:txBody>
+          <a:bodyPr/>
+          <a:lstStyle/>
+          <a:p>
+            <a:pPr rtl="0"/>
+            <a:fld id="{802FE938-1586-4780-B61A-DD3B60BAB93C}" type="datetime1">
+              <a:rPr lang="fr-FR" smtClean="0"/>
+              <a:t>23/06/2021</a:t>
+            </a:fld>
+            <a:endParaRPr lang="en-US"/>
+          </a:p>
+        </p:txBody>
+      </p:sp>
+    </p:spTree>
+    <p:extLst>
+      <p:ext uri="{BB962C8B-B14F-4D97-AF65-F5344CB8AC3E}">
+        <p14:creationId xmlns:p14="http://schemas.microsoft.com/office/powerpoint/2010/main" val="2085507041"/>
+      </p:ext>
+    </p:extLst>
+  </p:cSld>
+  <p:clrMapOvr>
+    <a:masterClrMapping/>
+  </p:clrMapOvr>
+</p:sld>
+</file>
+
+<file path=ppt/slides/slide47.xml><?xml version="1.0" encoding="utf-8"?>
+<p:sld xmlns:a="http://schemas.openxmlformats.org/drawingml/2006/main" xmlns:r="http://schemas.openxmlformats.org/officeDocument/2006/relationships" xmlns:p="http://schemas.openxmlformats.org/presentationml/2006/main">
+  <p:cSld>
+    <p:spTree>
+      <p:nvGrpSpPr>
+        <p:cNvPr id="1" name=""/>
+        <p:cNvGrpSpPr/>
+        <p:nvPr/>
+      </p:nvGrpSpPr>
+      <p:grpSpPr>
+        <a:xfrm>
+          <a:off x="0" y="0"/>
+          <a:ext cx="0" cy="0"/>
+          <a:chOff x="0" y="0"/>
+          <a:chExt cx="0" cy="0"/>
+        </a:xfrm>
+      </p:grpSpPr>
+      <p:sp>
+        <p:nvSpPr>
           <p:cNvPr id="2" name="Titre 1">
             <a:extLst>
               <a:ext uri="{FF2B5EF4-FFF2-40B4-BE49-F238E27FC236}">
@@ -28336,7 +29099,142 @@
 </p:sld>
 </file>
 
-<file path=ppt/slides/slide47.xml><?xml version="1.0" encoding="utf-8"?>
+<file path=ppt/slides/slide48.xml><?xml version="1.0" encoding="utf-8"?>
+<p:sld xmlns:a="http://schemas.openxmlformats.org/drawingml/2006/main" xmlns:r="http://schemas.openxmlformats.org/officeDocument/2006/relationships" xmlns:p="http://schemas.openxmlformats.org/presentationml/2006/main">
+  <p:cSld>
+    <p:spTree>
+      <p:nvGrpSpPr>
+        <p:cNvPr id="1" name=""/>
+        <p:cNvGrpSpPr/>
+        <p:nvPr/>
+      </p:nvGrpSpPr>
+      <p:grpSpPr>
+        <a:xfrm>
+          <a:off x="0" y="0"/>
+          <a:ext cx="0" cy="0"/>
+          <a:chOff x="0" y="0"/>
+          <a:chExt cx="0" cy="0"/>
+        </a:xfrm>
+      </p:grpSpPr>
+      <p:sp>
+        <p:nvSpPr>
+          <p:cNvPr id="2" name="Titre 1">
+            <a:extLst>
+              <a:ext uri="{FF2B5EF4-FFF2-40B4-BE49-F238E27FC236}">
+                <a16:creationId xmlns:a16="http://schemas.microsoft.com/office/drawing/2014/main" id="{7A0B4809-7EE0-4069-B68D-66F4559A975A}"/>
+              </a:ext>
+            </a:extLst>
+          </p:cNvPr>
+          <p:cNvSpPr>
+            <a:spLocks noGrp="1"/>
+          </p:cNvSpPr>
+          <p:nvPr>
+            <p:ph type="title"/>
+          </p:nvPr>
+        </p:nvSpPr>
+        <p:spPr/>
+        <p:txBody>
+          <a:bodyPr/>
+          <a:lstStyle/>
+          <a:p>
+            <a:r>
+              <a:rPr lang="fr-FR" dirty="0"/>
+              <a:t>Remerciements </a:t>
+            </a:r>
+          </a:p>
+        </p:txBody>
+      </p:sp>
+      <p:sp>
+        <p:nvSpPr>
+          <p:cNvPr id="3" name="Espace réservé du contenu 2">
+            <a:extLst>
+              <a:ext uri="{FF2B5EF4-FFF2-40B4-BE49-F238E27FC236}">
+                <a16:creationId xmlns:a16="http://schemas.microsoft.com/office/drawing/2014/main" id="{2BDA68D7-46B0-43A9-858B-E403196483E8}"/>
+              </a:ext>
+            </a:extLst>
+          </p:cNvPr>
+          <p:cNvSpPr>
+            <a:spLocks noGrp="1"/>
+          </p:cNvSpPr>
+          <p:nvPr>
+            <p:ph idx="1"/>
+          </p:nvPr>
+        </p:nvSpPr>
+        <p:spPr>
+          <a:xfrm>
+            <a:off x="1066800" y="1737360"/>
+            <a:ext cx="10058400" cy="4215384"/>
+          </a:xfrm>
+        </p:spPr>
+        <p:txBody>
+          <a:bodyPr/>
+          <a:lstStyle/>
+          <a:p>
+            <a:pPr lvl="1"/>
+            <a:endParaRPr lang="fr-FR" dirty="0"/>
+          </a:p>
+          <a:p>
+            <a:pPr marL="274320" lvl="1" indent="0">
+              <a:buNone/>
+            </a:pPr>
+            <a:endParaRPr lang="fr-FR" dirty="0"/>
+          </a:p>
+          <a:p>
+            <a:pPr marL="274320" lvl="1" indent="0">
+              <a:buNone/>
+            </a:pPr>
+            <a:endParaRPr lang="fr-FR" dirty="0"/>
+          </a:p>
+          <a:p>
+            <a:pPr lvl="1"/>
+            <a:endParaRPr lang="fr-FR" dirty="0"/>
+          </a:p>
+        </p:txBody>
+      </p:sp>
+      <p:sp>
+        <p:nvSpPr>
+          <p:cNvPr id="4" name="Espace réservé de la date 3">
+            <a:extLst>
+              <a:ext uri="{FF2B5EF4-FFF2-40B4-BE49-F238E27FC236}">
+                <a16:creationId xmlns:a16="http://schemas.microsoft.com/office/drawing/2014/main" id="{6874C3E2-3D6D-4FF6-B682-3CFE2733C0B4}"/>
+              </a:ext>
+            </a:extLst>
+          </p:cNvPr>
+          <p:cNvSpPr>
+            <a:spLocks noGrp="1"/>
+          </p:cNvSpPr>
+          <p:nvPr>
+            <p:ph type="dt" sz="half" idx="10"/>
+          </p:nvPr>
+        </p:nvSpPr>
+        <p:spPr/>
+        <p:txBody>
+          <a:bodyPr/>
+          <a:lstStyle/>
+          <a:p>
+            <a:pPr rtl="0"/>
+            <a:fld id="{802FE938-1586-4780-B61A-DD3B60BAB93C}" type="datetime1">
+              <a:rPr lang="fr-FR" smtClean="0"/>
+              <a:t>23/06/2021</a:t>
+            </a:fld>
+            <a:endParaRPr lang="en-US"/>
+          </a:p>
+        </p:txBody>
+      </p:sp>
+    </p:spTree>
+    <p:extLst>
+      <p:ext uri="{BB962C8B-B14F-4D97-AF65-F5344CB8AC3E}">
+        <p14:creationId xmlns:p14="http://schemas.microsoft.com/office/powerpoint/2010/main" val="4035938196"/>
+      </p:ext>
+    </p:extLst>
+  </p:cSld>
+  <p:clrMapOvr>
+    <a:masterClrMapping/>
+  </p:clrMapOvr>
+</p:sld>
+</file>
+
+<file path=ppt/slides/slide49.xml><?xml version="1.0" encoding="utf-8"?>
 <p:sld xmlns:a="http://schemas.openxmlformats.org/drawingml/2006/main" xmlns:r="http://schemas.openxmlformats.org/officeDocument/2006/relationships" xmlns:p="http://schemas.openxmlformats.org/presentationml/2006/main">
   <p:cSld>
     <p:spTree>

--- a/doc/StationMeteo_Soutenance_Stephane.pptx
+++ b/doc/StationMeteo_Soutenance_Stephane.pptx
@@ -8475,104 +8475,6 @@
           </a:p>
         </p:txBody>
       </p:sp>
-      <p:sp>
-        <p:nvSpPr>
-          <p:cNvPr id="11" name="Rectangle 10">
-            <a:extLst>
-              <a:ext uri="{FF2B5EF4-FFF2-40B4-BE49-F238E27FC236}">
-                <a16:creationId xmlns:a16="http://schemas.microsoft.com/office/drawing/2014/main" id="{D65D08F8-0083-46EA-A7AF-0C286B191548}"/>
-              </a:ext>
-            </a:extLst>
-          </p:cNvPr>
-          <p:cNvSpPr/>
-          <p:nvPr/>
-        </p:nvSpPr>
-        <p:spPr>
-          <a:xfrm>
-            <a:off x="571192" y="60578"/>
-            <a:ext cx="204040" cy="221152"/>
-          </a:xfrm>
-          <a:prstGeom prst="rect">
-            <a:avLst/>
-          </a:prstGeom>
-        </p:spPr>
-        <p:style>
-          <a:lnRef idx="2">
-            <a:schemeClr val="accent4">
-              <a:shade val="50000"/>
-            </a:schemeClr>
-          </a:lnRef>
-          <a:fillRef idx="1">
-            <a:schemeClr val="accent4"/>
-          </a:fillRef>
-          <a:effectRef idx="0">
-            <a:schemeClr val="accent4"/>
-          </a:effectRef>
-          <a:fontRef idx="minor">
-            <a:schemeClr val="lt1"/>
-          </a:fontRef>
-        </p:style>
-        <p:txBody>
-          <a:bodyPr rtlCol="0" anchor="ctr"/>
-          <a:lstStyle/>
-          <a:p>
-            <a:pPr algn="ctr"/>
-            <a:r>
-              <a:rPr lang="fr-FR" dirty="0"/>
-              <a:t>M</a:t>
-            </a:r>
-          </a:p>
-        </p:txBody>
-      </p:sp>
-      <p:sp>
-        <p:nvSpPr>
-          <p:cNvPr id="12" name="Rectangle 11">
-            <a:extLst>
-              <a:ext uri="{FF2B5EF4-FFF2-40B4-BE49-F238E27FC236}">
-                <a16:creationId xmlns:a16="http://schemas.microsoft.com/office/drawing/2014/main" id="{883C540E-220E-4AD1-A3F6-7E525ABE6D09}"/>
-              </a:ext>
-            </a:extLst>
-          </p:cNvPr>
-          <p:cNvSpPr/>
-          <p:nvPr/>
-        </p:nvSpPr>
-        <p:spPr>
-          <a:xfrm>
-            <a:off x="62352" y="60578"/>
-            <a:ext cx="204040" cy="221152"/>
-          </a:xfrm>
-          <a:prstGeom prst="rect">
-            <a:avLst/>
-          </a:prstGeom>
-        </p:spPr>
-        <p:style>
-          <a:lnRef idx="2">
-            <a:schemeClr val="accent1">
-              <a:shade val="50000"/>
-            </a:schemeClr>
-          </a:lnRef>
-          <a:fillRef idx="1">
-            <a:schemeClr val="accent1"/>
-          </a:fillRef>
-          <a:effectRef idx="0">
-            <a:schemeClr val="accent1"/>
-          </a:effectRef>
-          <a:fontRef idx="minor">
-            <a:schemeClr val="lt1"/>
-          </a:fontRef>
-        </p:style>
-        <p:txBody>
-          <a:bodyPr rtlCol="0" anchor="ctr"/>
-          <a:lstStyle/>
-          <a:p>
-            <a:pPr algn="ctr"/>
-            <a:r>
-              <a:rPr lang="fr-FR" dirty="0"/>
-              <a:t>S</a:t>
-            </a:r>
-          </a:p>
-        </p:txBody>
-      </p:sp>
     </p:spTree>
     <p:extLst>
       <p:ext uri="{BB962C8B-B14F-4D97-AF65-F5344CB8AC3E}">
@@ -13265,55 +13167,6 @@
       </p:sp>
       <p:sp>
         <p:nvSpPr>
-          <p:cNvPr id="7" name="Rectangle 6">
-            <a:extLst>
-              <a:ext uri="{FF2B5EF4-FFF2-40B4-BE49-F238E27FC236}">
-                <a16:creationId xmlns:a16="http://schemas.microsoft.com/office/drawing/2014/main" id="{3E043CF8-B5F1-4494-92C0-FE6A75B0405D}"/>
-              </a:ext>
-            </a:extLst>
-          </p:cNvPr>
-          <p:cNvSpPr/>
-          <p:nvPr/>
-        </p:nvSpPr>
-        <p:spPr>
-          <a:xfrm>
-            <a:off x="316772" y="60578"/>
-            <a:ext cx="204040" cy="221152"/>
-          </a:xfrm>
-          <a:prstGeom prst="rect">
-            <a:avLst/>
-          </a:prstGeom>
-        </p:spPr>
-        <p:style>
-          <a:lnRef idx="2">
-            <a:schemeClr val="accent3">
-              <a:shade val="50000"/>
-            </a:schemeClr>
-          </a:lnRef>
-          <a:fillRef idx="1">
-            <a:schemeClr val="accent3"/>
-          </a:fillRef>
-          <a:effectRef idx="0">
-            <a:schemeClr val="accent3"/>
-          </a:effectRef>
-          <a:fontRef idx="minor">
-            <a:schemeClr val="lt1"/>
-          </a:fontRef>
-        </p:style>
-        <p:txBody>
-          <a:bodyPr rtlCol="0" anchor="ctr"/>
-          <a:lstStyle/>
-          <a:p>
-            <a:pPr algn="ctr"/>
-            <a:r>
-              <a:rPr lang="fr-FR" dirty="0"/>
-              <a:t>L</a:t>
-            </a:r>
-          </a:p>
-        </p:txBody>
-      </p:sp>
-      <p:sp>
-        <p:nvSpPr>
           <p:cNvPr id="8" name="Rectangle 7">
             <a:extLst>
               <a:ext uri="{FF2B5EF4-FFF2-40B4-BE49-F238E27FC236}">
@@ -13357,55 +13210,6 @@
             <a:r>
               <a:rPr lang="fr-FR" dirty="0"/>
               <a:t>M</a:t>
-            </a:r>
-          </a:p>
-        </p:txBody>
-      </p:sp>
-      <p:sp>
-        <p:nvSpPr>
-          <p:cNvPr id="9" name="Rectangle 8">
-            <a:extLst>
-              <a:ext uri="{FF2B5EF4-FFF2-40B4-BE49-F238E27FC236}">
-                <a16:creationId xmlns:a16="http://schemas.microsoft.com/office/drawing/2014/main" id="{39129A79-1164-427F-8908-AC3E0DBD3843}"/>
-              </a:ext>
-            </a:extLst>
-          </p:cNvPr>
-          <p:cNvSpPr/>
-          <p:nvPr/>
-        </p:nvSpPr>
-        <p:spPr>
-          <a:xfrm>
-            <a:off x="62352" y="60578"/>
-            <a:ext cx="204040" cy="221152"/>
-          </a:xfrm>
-          <a:prstGeom prst="rect">
-            <a:avLst/>
-          </a:prstGeom>
-        </p:spPr>
-        <p:style>
-          <a:lnRef idx="2">
-            <a:schemeClr val="accent1">
-              <a:shade val="50000"/>
-            </a:schemeClr>
-          </a:lnRef>
-          <a:fillRef idx="1">
-            <a:schemeClr val="accent1"/>
-          </a:fillRef>
-          <a:effectRef idx="0">
-            <a:schemeClr val="accent1"/>
-          </a:effectRef>
-          <a:fontRef idx="minor">
-            <a:schemeClr val="lt1"/>
-          </a:fontRef>
-        </p:style>
-        <p:txBody>
-          <a:bodyPr rtlCol="0" anchor="ctr"/>
-          <a:lstStyle/>
-          <a:p>
-            <a:pPr algn="ctr"/>
-            <a:r>
-              <a:rPr lang="fr-FR" dirty="0"/>
-              <a:t>S</a:t>
             </a:r>
           </a:p>
         </p:txBody>
@@ -17344,55 +17148,6 @@
       </p:sp>
       <p:sp>
         <p:nvSpPr>
-          <p:cNvPr id="7" name="Rectangle 6">
-            <a:extLst>
-              <a:ext uri="{FF2B5EF4-FFF2-40B4-BE49-F238E27FC236}">
-                <a16:creationId xmlns:a16="http://schemas.microsoft.com/office/drawing/2014/main" id="{43B64B37-A2C7-421E-ABF1-7292730DC5B4}"/>
-              </a:ext>
-            </a:extLst>
-          </p:cNvPr>
-          <p:cNvSpPr/>
-          <p:nvPr/>
-        </p:nvSpPr>
-        <p:spPr>
-          <a:xfrm>
-            <a:off x="316772" y="60578"/>
-            <a:ext cx="204040" cy="221152"/>
-          </a:xfrm>
-          <a:prstGeom prst="rect">
-            <a:avLst/>
-          </a:prstGeom>
-        </p:spPr>
-        <p:style>
-          <a:lnRef idx="2">
-            <a:schemeClr val="accent3">
-              <a:shade val="50000"/>
-            </a:schemeClr>
-          </a:lnRef>
-          <a:fillRef idx="1">
-            <a:schemeClr val="accent3"/>
-          </a:fillRef>
-          <a:effectRef idx="0">
-            <a:schemeClr val="accent3"/>
-          </a:effectRef>
-          <a:fontRef idx="minor">
-            <a:schemeClr val="lt1"/>
-          </a:fontRef>
-        </p:style>
-        <p:txBody>
-          <a:bodyPr rtlCol="0" anchor="ctr"/>
-          <a:lstStyle/>
-          <a:p>
-            <a:pPr algn="ctr"/>
-            <a:r>
-              <a:rPr lang="fr-FR" dirty="0"/>
-              <a:t>L</a:t>
-            </a:r>
-          </a:p>
-        </p:txBody>
-      </p:sp>
-      <p:sp>
-        <p:nvSpPr>
           <p:cNvPr id="8" name="Rectangle 7">
             <a:extLst>
               <a:ext uri="{FF2B5EF4-FFF2-40B4-BE49-F238E27FC236}">
@@ -17436,55 +17191,6 @@
             <a:r>
               <a:rPr lang="fr-FR" dirty="0"/>
               <a:t>M</a:t>
-            </a:r>
-          </a:p>
-        </p:txBody>
-      </p:sp>
-      <p:sp>
-        <p:nvSpPr>
-          <p:cNvPr id="9" name="Rectangle 8">
-            <a:extLst>
-              <a:ext uri="{FF2B5EF4-FFF2-40B4-BE49-F238E27FC236}">
-                <a16:creationId xmlns:a16="http://schemas.microsoft.com/office/drawing/2014/main" id="{34EF972F-DBC2-42E2-8640-0D059069B0CC}"/>
-              </a:ext>
-            </a:extLst>
-          </p:cNvPr>
-          <p:cNvSpPr/>
-          <p:nvPr/>
-        </p:nvSpPr>
-        <p:spPr>
-          <a:xfrm>
-            <a:off x="62352" y="60578"/>
-            <a:ext cx="204040" cy="221152"/>
-          </a:xfrm>
-          <a:prstGeom prst="rect">
-            <a:avLst/>
-          </a:prstGeom>
-        </p:spPr>
-        <p:style>
-          <a:lnRef idx="2">
-            <a:schemeClr val="accent1">
-              <a:shade val="50000"/>
-            </a:schemeClr>
-          </a:lnRef>
-          <a:fillRef idx="1">
-            <a:schemeClr val="accent1"/>
-          </a:fillRef>
-          <a:effectRef idx="0">
-            <a:schemeClr val="accent1"/>
-          </a:effectRef>
-          <a:fontRef idx="minor">
-            <a:schemeClr val="lt1"/>
-          </a:fontRef>
-        </p:style>
-        <p:txBody>
-          <a:bodyPr rtlCol="0" anchor="ctr"/>
-          <a:lstStyle/>
-          <a:p>
-            <a:pPr algn="ctr"/>
-            <a:r>
-              <a:rPr lang="fr-FR" dirty="0"/>
-              <a:t>S</a:t>
             </a:r>
           </a:p>
         </p:txBody>
@@ -17761,55 +17467,6 @@
       </p:sp>
       <p:sp>
         <p:nvSpPr>
-          <p:cNvPr id="5" name="Rectangle 4">
-            <a:extLst>
-              <a:ext uri="{FF2B5EF4-FFF2-40B4-BE49-F238E27FC236}">
-                <a16:creationId xmlns:a16="http://schemas.microsoft.com/office/drawing/2014/main" id="{68C57BE3-281C-4E98-9E21-9DF392EB0B38}"/>
-              </a:ext>
-            </a:extLst>
-          </p:cNvPr>
-          <p:cNvSpPr/>
-          <p:nvPr/>
-        </p:nvSpPr>
-        <p:spPr>
-          <a:xfrm>
-            <a:off x="316772" y="60578"/>
-            <a:ext cx="204040" cy="221152"/>
-          </a:xfrm>
-          <a:prstGeom prst="rect">
-            <a:avLst/>
-          </a:prstGeom>
-        </p:spPr>
-        <p:style>
-          <a:lnRef idx="2">
-            <a:schemeClr val="accent3">
-              <a:shade val="50000"/>
-            </a:schemeClr>
-          </a:lnRef>
-          <a:fillRef idx="1">
-            <a:schemeClr val="accent3"/>
-          </a:fillRef>
-          <a:effectRef idx="0">
-            <a:schemeClr val="accent3"/>
-          </a:effectRef>
-          <a:fontRef idx="minor">
-            <a:schemeClr val="lt1"/>
-          </a:fontRef>
-        </p:style>
-        <p:txBody>
-          <a:bodyPr rtlCol="0" anchor="ctr"/>
-          <a:lstStyle/>
-          <a:p>
-            <a:pPr algn="ctr"/>
-            <a:r>
-              <a:rPr lang="fr-FR" dirty="0"/>
-              <a:t>L</a:t>
-            </a:r>
-          </a:p>
-        </p:txBody>
-      </p:sp>
-      <p:sp>
-        <p:nvSpPr>
           <p:cNvPr id="6" name="Rectangle 5">
             <a:extLst>
               <a:ext uri="{FF2B5EF4-FFF2-40B4-BE49-F238E27FC236}">
@@ -17853,55 +17510,6 @@
             <a:r>
               <a:rPr lang="fr-FR" dirty="0"/>
               <a:t>M</a:t>
-            </a:r>
-          </a:p>
-        </p:txBody>
-      </p:sp>
-      <p:sp>
-        <p:nvSpPr>
-          <p:cNvPr id="8" name="Rectangle 7">
-            <a:extLst>
-              <a:ext uri="{FF2B5EF4-FFF2-40B4-BE49-F238E27FC236}">
-                <a16:creationId xmlns:a16="http://schemas.microsoft.com/office/drawing/2014/main" id="{8B89EF85-587F-49D4-ADE7-E79988A80B60}"/>
-              </a:ext>
-            </a:extLst>
-          </p:cNvPr>
-          <p:cNvSpPr/>
-          <p:nvPr/>
-        </p:nvSpPr>
-        <p:spPr>
-          <a:xfrm>
-            <a:off x="62352" y="60578"/>
-            <a:ext cx="204040" cy="221152"/>
-          </a:xfrm>
-          <a:prstGeom prst="rect">
-            <a:avLst/>
-          </a:prstGeom>
-        </p:spPr>
-        <p:style>
-          <a:lnRef idx="2">
-            <a:schemeClr val="accent1">
-              <a:shade val="50000"/>
-            </a:schemeClr>
-          </a:lnRef>
-          <a:fillRef idx="1">
-            <a:schemeClr val="accent1"/>
-          </a:fillRef>
-          <a:effectRef idx="0">
-            <a:schemeClr val="accent1"/>
-          </a:effectRef>
-          <a:fontRef idx="minor">
-            <a:schemeClr val="lt1"/>
-          </a:fontRef>
-        </p:style>
-        <p:txBody>
-          <a:bodyPr rtlCol="0" anchor="ctr"/>
-          <a:lstStyle/>
-          <a:p>
-            <a:pPr algn="ctr"/>
-            <a:r>
-              <a:rPr lang="fr-FR" dirty="0"/>
-              <a:t>S</a:t>
             </a:r>
           </a:p>
         </p:txBody>
@@ -21590,104 +21198,6 @@
             <a:r>
               <a:rPr lang="fr-FR" dirty="0"/>
               <a:t>L</a:t>
-            </a:r>
-          </a:p>
-        </p:txBody>
-      </p:sp>
-      <p:sp>
-        <p:nvSpPr>
-          <p:cNvPr id="6" name="Rectangle 5">
-            <a:extLst>
-              <a:ext uri="{FF2B5EF4-FFF2-40B4-BE49-F238E27FC236}">
-                <a16:creationId xmlns:a16="http://schemas.microsoft.com/office/drawing/2014/main" id="{09B51015-DCD5-476E-B71D-AA12AADE7DCA}"/>
-              </a:ext>
-            </a:extLst>
-          </p:cNvPr>
-          <p:cNvSpPr/>
-          <p:nvPr/>
-        </p:nvSpPr>
-        <p:spPr>
-          <a:xfrm>
-            <a:off x="571192" y="60578"/>
-            <a:ext cx="204040" cy="221152"/>
-          </a:xfrm>
-          <a:prstGeom prst="rect">
-            <a:avLst/>
-          </a:prstGeom>
-        </p:spPr>
-        <p:style>
-          <a:lnRef idx="2">
-            <a:schemeClr val="accent4">
-              <a:shade val="50000"/>
-            </a:schemeClr>
-          </a:lnRef>
-          <a:fillRef idx="1">
-            <a:schemeClr val="accent4"/>
-          </a:fillRef>
-          <a:effectRef idx="0">
-            <a:schemeClr val="accent4"/>
-          </a:effectRef>
-          <a:fontRef idx="minor">
-            <a:schemeClr val="lt1"/>
-          </a:fontRef>
-        </p:style>
-        <p:txBody>
-          <a:bodyPr rtlCol="0" anchor="ctr"/>
-          <a:lstStyle/>
-          <a:p>
-            <a:pPr algn="ctr"/>
-            <a:r>
-              <a:rPr lang="fr-FR" dirty="0"/>
-              <a:t>M</a:t>
-            </a:r>
-          </a:p>
-        </p:txBody>
-      </p:sp>
-      <p:sp>
-        <p:nvSpPr>
-          <p:cNvPr id="8" name="Rectangle 7">
-            <a:extLst>
-              <a:ext uri="{FF2B5EF4-FFF2-40B4-BE49-F238E27FC236}">
-                <a16:creationId xmlns:a16="http://schemas.microsoft.com/office/drawing/2014/main" id="{86309D13-ACFB-4485-B5B5-5B1543806604}"/>
-              </a:ext>
-            </a:extLst>
-          </p:cNvPr>
-          <p:cNvSpPr/>
-          <p:nvPr/>
-        </p:nvSpPr>
-        <p:spPr>
-          <a:xfrm>
-            <a:off x="62352" y="60578"/>
-            <a:ext cx="204040" cy="221152"/>
-          </a:xfrm>
-          <a:prstGeom prst="rect">
-            <a:avLst/>
-          </a:prstGeom>
-        </p:spPr>
-        <p:style>
-          <a:lnRef idx="2">
-            <a:schemeClr val="accent1">
-              <a:shade val="50000"/>
-            </a:schemeClr>
-          </a:lnRef>
-          <a:fillRef idx="1">
-            <a:schemeClr val="accent1"/>
-          </a:fillRef>
-          <a:effectRef idx="0">
-            <a:schemeClr val="accent1"/>
-          </a:effectRef>
-          <a:fontRef idx="minor">
-            <a:schemeClr val="lt1"/>
-          </a:fontRef>
-        </p:style>
-        <p:txBody>
-          <a:bodyPr rtlCol="0" anchor="ctr"/>
-          <a:lstStyle/>
-          <a:p>
-            <a:pPr algn="ctr"/>
-            <a:r>
-              <a:rPr lang="fr-FR" dirty="0"/>
-              <a:t>S</a:t>
             </a:r>
           </a:p>
         </p:txBody>
@@ -24504,104 +24014,6 @@
           </a:p>
         </p:txBody>
       </p:sp>
-      <p:sp>
-        <p:nvSpPr>
-          <p:cNvPr id="6" name="Rectangle 5">
-            <a:extLst>
-              <a:ext uri="{FF2B5EF4-FFF2-40B4-BE49-F238E27FC236}">
-                <a16:creationId xmlns:a16="http://schemas.microsoft.com/office/drawing/2014/main" id="{8F666035-38DF-4226-A118-AB46C2CB09B1}"/>
-              </a:ext>
-            </a:extLst>
-          </p:cNvPr>
-          <p:cNvSpPr/>
-          <p:nvPr/>
-        </p:nvSpPr>
-        <p:spPr>
-          <a:xfrm>
-            <a:off x="926792" y="421442"/>
-            <a:ext cx="204040" cy="221152"/>
-          </a:xfrm>
-          <a:prstGeom prst="rect">
-            <a:avLst/>
-          </a:prstGeom>
-        </p:spPr>
-        <p:style>
-          <a:lnRef idx="2">
-            <a:schemeClr val="accent4">
-              <a:shade val="50000"/>
-            </a:schemeClr>
-          </a:lnRef>
-          <a:fillRef idx="1">
-            <a:schemeClr val="accent4"/>
-          </a:fillRef>
-          <a:effectRef idx="0">
-            <a:schemeClr val="accent4"/>
-          </a:effectRef>
-          <a:fontRef idx="minor">
-            <a:schemeClr val="lt1"/>
-          </a:fontRef>
-        </p:style>
-        <p:txBody>
-          <a:bodyPr rtlCol="0" anchor="ctr"/>
-          <a:lstStyle/>
-          <a:p>
-            <a:pPr algn="ctr"/>
-            <a:r>
-              <a:rPr lang="fr-FR" dirty="0"/>
-              <a:t>M</a:t>
-            </a:r>
-          </a:p>
-        </p:txBody>
-      </p:sp>
-      <p:sp>
-        <p:nvSpPr>
-          <p:cNvPr id="7" name="Rectangle 6">
-            <a:extLst>
-              <a:ext uri="{FF2B5EF4-FFF2-40B4-BE49-F238E27FC236}">
-                <a16:creationId xmlns:a16="http://schemas.microsoft.com/office/drawing/2014/main" id="{DEF10958-E530-43ED-BEF2-9845F3467F61}"/>
-              </a:ext>
-            </a:extLst>
-          </p:cNvPr>
-          <p:cNvSpPr/>
-          <p:nvPr/>
-        </p:nvSpPr>
-        <p:spPr>
-          <a:xfrm>
-            <a:off x="417952" y="421442"/>
-            <a:ext cx="204040" cy="221152"/>
-          </a:xfrm>
-          <a:prstGeom prst="rect">
-            <a:avLst/>
-          </a:prstGeom>
-        </p:spPr>
-        <p:style>
-          <a:lnRef idx="2">
-            <a:schemeClr val="accent1">
-              <a:shade val="50000"/>
-            </a:schemeClr>
-          </a:lnRef>
-          <a:fillRef idx="1">
-            <a:schemeClr val="accent1"/>
-          </a:fillRef>
-          <a:effectRef idx="0">
-            <a:schemeClr val="accent1"/>
-          </a:effectRef>
-          <a:fontRef idx="minor">
-            <a:schemeClr val="lt1"/>
-          </a:fontRef>
-        </p:style>
-        <p:txBody>
-          <a:bodyPr rtlCol="0" anchor="ctr"/>
-          <a:lstStyle/>
-          <a:p>
-            <a:pPr algn="ctr"/>
-            <a:r>
-              <a:rPr lang="fr-FR" dirty="0"/>
-              <a:t>S</a:t>
-            </a:r>
-          </a:p>
-        </p:txBody>
-      </p:sp>
     </p:spTree>
     <p:extLst>
       <p:ext uri="{BB962C8B-B14F-4D97-AF65-F5344CB8AC3E}">
@@ -29901,104 +29313,6 @@
             <a:r>
               <a:rPr lang="fr-FR" dirty="0"/>
               <a:t>L</a:t>
-            </a:r>
-          </a:p>
-        </p:txBody>
-      </p:sp>
-      <p:sp>
-        <p:nvSpPr>
-          <p:cNvPr id="7" name="Rectangle 6">
-            <a:extLst>
-              <a:ext uri="{FF2B5EF4-FFF2-40B4-BE49-F238E27FC236}">
-                <a16:creationId xmlns:a16="http://schemas.microsoft.com/office/drawing/2014/main" id="{4BD320E1-D5D4-4FE8-9029-969E4999BE70}"/>
-              </a:ext>
-            </a:extLst>
-          </p:cNvPr>
-          <p:cNvSpPr/>
-          <p:nvPr/>
-        </p:nvSpPr>
-        <p:spPr>
-          <a:xfrm>
-            <a:off x="571192" y="60578"/>
-            <a:ext cx="204040" cy="221152"/>
-          </a:xfrm>
-          <a:prstGeom prst="rect">
-            <a:avLst/>
-          </a:prstGeom>
-        </p:spPr>
-        <p:style>
-          <a:lnRef idx="2">
-            <a:schemeClr val="accent4">
-              <a:shade val="50000"/>
-            </a:schemeClr>
-          </a:lnRef>
-          <a:fillRef idx="1">
-            <a:schemeClr val="accent4"/>
-          </a:fillRef>
-          <a:effectRef idx="0">
-            <a:schemeClr val="accent4"/>
-          </a:effectRef>
-          <a:fontRef idx="minor">
-            <a:schemeClr val="lt1"/>
-          </a:fontRef>
-        </p:style>
-        <p:txBody>
-          <a:bodyPr rtlCol="0" anchor="ctr"/>
-          <a:lstStyle/>
-          <a:p>
-            <a:pPr algn="ctr"/>
-            <a:r>
-              <a:rPr lang="fr-FR" dirty="0"/>
-              <a:t>M</a:t>
-            </a:r>
-          </a:p>
-        </p:txBody>
-      </p:sp>
-      <p:sp>
-        <p:nvSpPr>
-          <p:cNvPr id="8" name="Rectangle 7">
-            <a:extLst>
-              <a:ext uri="{FF2B5EF4-FFF2-40B4-BE49-F238E27FC236}">
-                <a16:creationId xmlns:a16="http://schemas.microsoft.com/office/drawing/2014/main" id="{5949C3C6-E512-47D2-B55E-B286B02316E5}"/>
-              </a:ext>
-            </a:extLst>
-          </p:cNvPr>
-          <p:cNvSpPr/>
-          <p:nvPr/>
-        </p:nvSpPr>
-        <p:spPr>
-          <a:xfrm>
-            <a:off x="62352" y="60578"/>
-            <a:ext cx="204040" cy="221152"/>
-          </a:xfrm>
-          <a:prstGeom prst="rect">
-            <a:avLst/>
-          </a:prstGeom>
-        </p:spPr>
-        <p:style>
-          <a:lnRef idx="2">
-            <a:schemeClr val="accent1">
-              <a:shade val="50000"/>
-            </a:schemeClr>
-          </a:lnRef>
-          <a:fillRef idx="1">
-            <a:schemeClr val="accent1"/>
-          </a:fillRef>
-          <a:effectRef idx="0">
-            <a:schemeClr val="accent1"/>
-          </a:effectRef>
-          <a:fontRef idx="minor">
-            <a:schemeClr val="lt1"/>
-          </a:fontRef>
-        </p:style>
-        <p:txBody>
-          <a:bodyPr rtlCol="0" anchor="ctr"/>
-          <a:lstStyle/>
-          <a:p>
-            <a:pPr algn="ctr"/>
-            <a:r>
-              <a:rPr lang="fr-FR" dirty="0"/>
-              <a:t>S</a:t>
             </a:r>
           </a:p>
         </p:txBody>
@@ -33547,55 +32861,6 @@
       </p:sp>
       <p:sp>
         <p:nvSpPr>
-          <p:cNvPr id="7" name="Rectangle 6">
-            <a:extLst>
-              <a:ext uri="{FF2B5EF4-FFF2-40B4-BE49-F238E27FC236}">
-                <a16:creationId xmlns:a16="http://schemas.microsoft.com/office/drawing/2014/main" id="{40C53901-65DE-4F02-9B4E-C3B04CE1DF53}"/>
-              </a:ext>
-            </a:extLst>
-          </p:cNvPr>
-          <p:cNvSpPr/>
-          <p:nvPr/>
-        </p:nvSpPr>
-        <p:spPr>
-          <a:xfrm>
-            <a:off x="316772" y="60578"/>
-            <a:ext cx="204040" cy="221152"/>
-          </a:xfrm>
-          <a:prstGeom prst="rect">
-            <a:avLst/>
-          </a:prstGeom>
-        </p:spPr>
-        <p:style>
-          <a:lnRef idx="2">
-            <a:schemeClr val="accent3">
-              <a:shade val="50000"/>
-            </a:schemeClr>
-          </a:lnRef>
-          <a:fillRef idx="1">
-            <a:schemeClr val="accent3"/>
-          </a:fillRef>
-          <a:effectRef idx="0">
-            <a:schemeClr val="accent3"/>
-          </a:effectRef>
-          <a:fontRef idx="minor">
-            <a:schemeClr val="lt1"/>
-          </a:fontRef>
-        </p:style>
-        <p:txBody>
-          <a:bodyPr rtlCol="0" anchor="ctr"/>
-          <a:lstStyle/>
-          <a:p>
-            <a:pPr algn="ctr"/>
-            <a:r>
-              <a:rPr lang="fr-FR" dirty="0"/>
-              <a:t>L</a:t>
-            </a:r>
-          </a:p>
-        </p:txBody>
-      </p:sp>
-      <p:sp>
-        <p:nvSpPr>
           <p:cNvPr id="8" name="Rectangle 7">
             <a:extLst>
               <a:ext uri="{FF2B5EF4-FFF2-40B4-BE49-F238E27FC236}">
@@ -33639,55 +32904,6 @@
             <a:r>
               <a:rPr lang="fr-FR" dirty="0"/>
               <a:t>M</a:t>
-            </a:r>
-          </a:p>
-        </p:txBody>
-      </p:sp>
-      <p:sp>
-        <p:nvSpPr>
-          <p:cNvPr id="9" name="Rectangle 8">
-            <a:extLst>
-              <a:ext uri="{FF2B5EF4-FFF2-40B4-BE49-F238E27FC236}">
-                <a16:creationId xmlns:a16="http://schemas.microsoft.com/office/drawing/2014/main" id="{E8021E37-34C3-469E-A33B-1E57300FAE84}"/>
-              </a:ext>
-            </a:extLst>
-          </p:cNvPr>
-          <p:cNvSpPr/>
-          <p:nvPr/>
-        </p:nvSpPr>
-        <p:spPr>
-          <a:xfrm>
-            <a:off x="62352" y="60578"/>
-            <a:ext cx="204040" cy="221152"/>
-          </a:xfrm>
-          <a:prstGeom prst="rect">
-            <a:avLst/>
-          </a:prstGeom>
-        </p:spPr>
-        <p:style>
-          <a:lnRef idx="2">
-            <a:schemeClr val="accent1">
-              <a:shade val="50000"/>
-            </a:schemeClr>
-          </a:lnRef>
-          <a:fillRef idx="1">
-            <a:schemeClr val="accent1"/>
-          </a:fillRef>
-          <a:effectRef idx="0">
-            <a:schemeClr val="accent1"/>
-          </a:effectRef>
-          <a:fontRef idx="minor">
-            <a:schemeClr val="lt1"/>
-          </a:fontRef>
-        </p:style>
-        <p:txBody>
-          <a:bodyPr rtlCol="0" anchor="ctr"/>
-          <a:lstStyle/>
-          <a:p>
-            <a:pPr algn="ctr"/>
-            <a:r>
-              <a:rPr lang="fr-FR" dirty="0"/>
-              <a:t>S</a:t>
             </a:r>
           </a:p>
         </p:txBody>
@@ -35053,104 +34269,6 @@
           </a:p>
         </p:txBody>
       </p:sp>
-      <p:sp>
-        <p:nvSpPr>
-          <p:cNvPr id="8" name="Rectangle 7">
-            <a:extLst>
-              <a:ext uri="{FF2B5EF4-FFF2-40B4-BE49-F238E27FC236}">
-                <a16:creationId xmlns:a16="http://schemas.microsoft.com/office/drawing/2014/main" id="{B360839B-7F43-4FFF-9D17-1E6ED638B740}"/>
-              </a:ext>
-            </a:extLst>
-          </p:cNvPr>
-          <p:cNvSpPr/>
-          <p:nvPr/>
-        </p:nvSpPr>
-        <p:spPr>
-          <a:xfrm>
-            <a:off x="571192" y="60578"/>
-            <a:ext cx="204040" cy="221152"/>
-          </a:xfrm>
-          <a:prstGeom prst="rect">
-            <a:avLst/>
-          </a:prstGeom>
-        </p:spPr>
-        <p:style>
-          <a:lnRef idx="2">
-            <a:schemeClr val="accent4">
-              <a:shade val="50000"/>
-            </a:schemeClr>
-          </a:lnRef>
-          <a:fillRef idx="1">
-            <a:schemeClr val="accent4"/>
-          </a:fillRef>
-          <a:effectRef idx="0">
-            <a:schemeClr val="accent4"/>
-          </a:effectRef>
-          <a:fontRef idx="minor">
-            <a:schemeClr val="lt1"/>
-          </a:fontRef>
-        </p:style>
-        <p:txBody>
-          <a:bodyPr rtlCol="0" anchor="ctr"/>
-          <a:lstStyle/>
-          <a:p>
-            <a:pPr algn="ctr"/>
-            <a:r>
-              <a:rPr lang="fr-FR" dirty="0"/>
-              <a:t>M</a:t>
-            </a:r>
-          </a:p>
-        </p:txBody>
-      </p:sp>
-      <p:sp>
-        <p:nvSpPr>
-          <p:cNvPr id="9" name="Rectangle 8">
-            <a:extLst>
-              <a:ext uri="{FF2B5EF4-FFF2-40B4-BE49-F238E27FC236}">
-                <a16:creationId xmlns:a16="http://schemas.microsoft.com/office/drawing/2014/main" id="{F129A79B-ADE0-422E-BEC3-9D6F156F6A83}"/>
-              </a:ext>
-            </a:extLst>
-          </p:cNvPr>
-          <p:cNvSpPr/>
-          <p:nvPr/>
-        </p:nvSpPr>
-        <p:spPr>
-          <a:xfrm>
-            <a:off x="62352" y="60578"/>
-            <a:ext cx="204040" cy="221152"/>
-          </a:xfrm>
-          <a:prstGeom prst="rect">
-            <a:avLst/>
-          </a:prstGeom>
-        </p:spPr>
-        <p:style>
-          <a:lnRef idx="2">
-            <a:schemeClr val="accent1">
-              <a:shade val="50000"/>
-            </a:schemeClr>
-          </a:lnRef>
-          <a:fillRef idx="1">
-            <a:schemeClr val="accent1"/>
-          </a:fillRef>
-          <a:effectRef idx="0">
-            <a:schemeClr val="accent1"/>
-          </a:effectRef>
-          <a:fontRef idx="minor">
-            <a:schemeClr val="lt1"/>
-          </a:fontRef>
-        </p:style>
-        <p:txBody>
-          <a:bodyPr rtlCol="0" anchor="ctr"/>
-          <a:lstStyle/>
-          <a:p>
-            <a:pPr algn="ctr"/>
-            <a:r>
-              <a:rPr lang="fr-FR" dirty="0"/>
-              <a:t>S</a:t>
-            </a:r>
-          </a:p>
-        </p:txBody>
-      </p:sp>
     </p:spTree>
     <p:extLst>
       <p:ext uri="{BB962C8B-B14F-4D97-AF65-F5344CB8AC3E}">
@@ -35957,104 +35075,6 @@
           </a:p>
         </p:txBody>
       </p:sp>
-      <p:sp>
-        <p:nvSpPr>
-          <p:cNvPr id="8" name="Rectangle 7">
-            <a:extLst>
-              <a:ext uri="{FF2B5EF4-FFF2-40B4-BE49-F238E27FC236}">
-                <a16:creationId xmlns:a16="http://schemas.microsoft.com/office/drawing/2014/main" id="{270AB36B-22A2-4964-8A30-59582A075C4B}"/>
-              </a:ext>
-            </a:extLst>
-          </p:cNvPr>
-          <p:cNvSpPr/>
-          <p:nvPr/>
-        </p:nvSpPr>
-        <p:spPr>
-          <a:xfrm>
-            <a:off x="571192" y="60578"/>
-            <a:ext cx="204040" cy="221152"/>
-          </a:xfrm>
-          <a:prstGeom prst="rect">
-            <a:avLst/>
-          </a:prstGeom>
-        </p:spPr>
-        <p:style>
-          <a:lnRef idx="2">
-            <a:schemeClr val="accent4">
-              <a:shade val="50000"/>
-            </a:schemeClr>
-          </a:lnRef>
-          <a:fillRef idx="1">
-            <a:schemeClr val="accent4"/>
-          </a:fillRef>
-          <a:effectRef idx="0">
-            <a:schemeClr val="accent4"/>
-          </a:effectRef>
-          <a:fontRef idx="minor">
-            <a:schemeClr val="lt1"/>
-          </a:fontRef>
-        </p:style>
-        <p:txBody>
-          <a:bodyPr rtlCol="0" anchor="ctr"/>
-          <a:lstStyle/>
-          <a:p>
-            <a:pPr algn="ctr"/>
-            <a:r>
-              <a:rPr lang="fr-FR" dirty="0"/>
-              <a:t>M</a:t>
-            </a:r>
-          </a:p>
-        </p:txBody>
-      </p:sp>
-      <p:sp>
-        <p:nvSpPr>
-          <p:cNvPr id="9" name="Rectangle 8">
-            <a:extLst>
-              <a:ext uri="{FF2B5EF4-FFF2-40B4-BE49-F238E27FC236}">
-                <a16:creationId xmlns:a16="http://schemas.microsoft.com/office/drawing/2014/main" id="{BF0F5B57-1F9A-4057-A5BD-21029EFD7B3D}"/>
-              </a:ext>
-            </a:extLst>
-          </p:cNvPr>
-          <p:cNvSpPr/>
-          <p:nvPr/>
-        </p:nvSpPr>
-        <p:spPr>
-          <a:xfrm>
-            <a:off x="62352" y="60578"/>
-            <a:ext cx="204040" cy="221152"/>
-          </a:xfrm>
-          <a:prstGeom prst="rect">
-            <a:avLst/>
-          </a:prstGeom>
-        </p:spPr>
-        <p:style>
-          <a:lnRef idx="2">
-            <a:schemeClr val="accent1">
-              <a:shade val="50000"/>
-            </a:schemeClr>
-          </a:lnRef>
-          <a:fillRef idx="1">
-            <a:schemeClr val="accent1"/>
-          </a:fillRef>
-          <a:effectRef idx="0">
-            <a:schemeClr val="accent1"/>
-          </a:effectRef>
-          <a:fontRef idx="minor">
-            <a:schemeClr val="lt1"/>
-          </a:fontRef>
-        </p:style>
-        <p:txBody>
-          <a:bodyPr rtlCol="0" anchor="ctr"/>
-          <a:lstStyle/>
-          <a:p>
-            <a:pPr algn="ctr"/>
-            <a:r>
-              <a:rPr lang="fr-FR" dirty="0"/>
-              <a:t>S</a:t>
-            </a:r>
-          </a:p>
-        </p:txBody>
-      </p:sp>
     </p:spTree>
     <p:extLst>
       <p:ext uri="{BB962C8B-B14F-4D97-AF65-F5344CB8AC3E}">
@@ -36471,104 +35491,6 @@
               <a:t>24/06/2021</a:t>
             </a:fld>
             <a:endParaRPr lang="en-US"/>
-          </a:p>
-        </p:txBody>
-      </p:sp>
-      <p:sp>
-        <p:nvSpPr>
-          <p:cNvPr id="7" name="Rectangle 6">
-            <a:extLst>
-              <a:ext uri="{FF2B5EF4-FFF2-40B4-BE49-F238E27FC236}">
-                <a16:creationId xmlns:a16="http://schemas.microsoft.com/office/drawing/2014/main" id="{15B31F94-63E1-4B16-823D-79516306879D}"/>
-              </a:ext>
-            </a:extLst>
-          </p:cNvPr>
-          <p:cNvSpPr/>
-          <p:nvPr/>
-        </p:nvSpPr>
-        <p:spPr>
-          <a:xfrm>
-            <a:off x="316772" y="60578"/>
-            <a:ext cx="204040" cy="221152"/>
-          </a:xfrm>
-          <a:prstGeom prst="rect">
-            <a:avLst/>
-          </a:prstGeom>
-        </p:spPr>
-        <p:style>
-          <a:lnRef idx="2">
-            <a:schemeClr val="accent3">
-              <a:shade val="50000"/>
-            </a:schemeClr>
-          </a:lnRef>
-          <a:fillRef idx="1">
-            <a:schemeClr val="accent3"/>
-          </a:fillRef>
-          <a:effectRef idx="0">
-            <a:schemeClr val="accent3"/>
-          </a:effectRef>
-          <a:fontRef idx="minor">
-            <a:schemeClr val="lt1"/>
-          </a:fontRef>
-        </p:style>
-        <p:txBody>
-          <a:bodyPr rtlCol="0" anchor="ctr"/>
-          <a:lstStyle/>
-          <a:p>
-            <a:pPr algn="ctr"/>
-            <a:r>
-              <a:rPr lang="fr-FR" dirty="0"/>
-              <a:t>L</a:t>
-            </a:r>
-          </a:p>
-        </p:txBody>
-      </p:sp>
-      <p:sp>
-        <p:nvSpPr>
-          <p:cNvPr id="8" name="Rectangle 7">
-            <a:extLst>
-              <a:ext uri="{FF2B5EF4-FFF2-40B4-BE49-F238E27FC236}">
-                <a16:creationId xmlns:a16="http://schemas.microsoft.com/office/drawing/2014/main" id="{AE85C1DE-B08E-4ED5-A280-1538AA9B6A7F}"/>
-              </a:ext>
-            </a:extLst>
-          </p:cNvPr>
-          <p:cNvSpPr/>
-          <p:nvPr/>
-        </p:nvSpPr>
-        <p:spPr>
-          <a:xfrm>
-            <a:off x="571192" y="60578"/>
-            <a:ext cx="204040" cy="221152"/>
-          </a:xfrm>
-          <a:prstGeom prst="rect">
-            <a:avLst/>
-          </a:prstGeom>
-        </p:spPr>
-        <p:style>
-          <a:lnRef idx="2">
-            <a:schemeClr val="accent4">
-              <a:shade val="50000"/>
-            </a:schemeClr>
-          </a:lnRef>
-          <a:fillRef idx="1">
-            <a:schemeClr val="accent4"/>
-          </a:fillRef>
-          <a:effectRef idx="0">
-            <a:schemeClr val="accent4"/>
-          </a:effectRef>
-          <a:fontRef idx="minor">
-            <a:schemeClr val="lt1"/>
-          </a:fontRef>
-        </p:style>
-        <p:txBody>
-          <a:bodyPr rtlCol="0" anchor="ctr"/>
-          <a:lstStyle/>
-          <a:p>
-            <a:pPr algn="ctr"/>
-            <a:r>
-              <a:rPr lang="fr-FR" dirty="0"/>
-              <a:t>M</a:t>
-            </a:r>
           </a:p>
         </p:txBody>
       </p:sp>
